--- a/Lessons/eis/交流阻抗及解析.pptx
+++ b/Lessons/eis/交流阻抗及解析.pptx
@@ -333,7 +333,7 @@
           <a:p>
             <a:fld id="{FB284F44-018A-4E80-9050-ACFA65016ED4}" type="datetimeFigureOut">
               <a:rPr lang="zh-CN" altLang="en-US" smtClean="0"/>
-              <a:t>2018/1/3</a:t>
+              <a:t>2018/1/4 Thursday</a:t>
             </a:fld>
             <a:endParaRPr lang="zh-CN" altLang="en-US"/>
           </a:p>
@@ -819,7 +819,7 @@
               <a:pPr>
                 <a:defRPr/>
               </a:pPr>
-              <a:t>2018/1/3</a:t>
+              <a:t>2018/1/4 Thursday</a:t>
             </a:fld>
             <a:endParaRPr lang="zh-CN" altLang="en-US"/>
           </a:p>
@@ -1134,7 +1134,7 @@
               <a:pPr>
                 <a:defRPr/>
               </a:pPr>
-              <a:t>2018/1/3</a:t>
+              <a:t>2018/1/4 Thursday</a:t>
             </a:fld>
             <a:endParaRPr lang="zh-CN" altLang="en-US"/>
           </a:p>
@@ -1324,7 +1324,7 @@
               <a:pPr>
                 <a:defRPr/>
               </a:pPr>
-              <a:t>2018/1/3</a:t>
+              <a:t>2018/1/4 Thursday</a:t>
             </a:fld>
             <a:endParaRPr lang="zh-CN" altLang="en-US"/>
           </a:p>
@@ -1524,7 +1524,7 @@
               <a:pPr>
                 <a:defRPr/>
               </a:pPr>
-              <a:t>2018/1/3</a:t>
+              <a:t>2018/1/4 Thursday</a:t>
             </a:fld>
             <a:endParaRPr lang="zh-CN" altLang="en-US"/>
           </a:p>
@@ -1836,7 +1836,7 @@
               <a:pPr>
                 <a:defRPr/>
               </a:pPr>
-              <a:t>2018/1/3</a:t>
+              <a:t>2018/1/4 Thursday</a:t>
             </a:fld>
             <a:endParaRPr lang="zh-CN" altLang="en-US"/>
           </a:p>
@@ -2092,7 +2092,7 @@
               <a:pPr>
                 <a:defRPr/>
               </a:pPr>
-              <a:t>2018/1/3</a:t>
+              <a:t>2018/1/4 Thursday</a:t>
             </a:fld>
             <a:endParaRPr lang="zh-CN" altLang="en-US"/>
           </a:p>
@@ -2354,7 +2354,7 @@
               <a:pPr>
                 <a:defRPr/>
               </a:pPr>
-              <a:t>2018/1/3</a:t>
+              <a:t>2018/1/4 Thursday</a:t>
             </a:fld>
             <a:endParaRPr lang="zh-CN" altLang="en-US"/>
           </a:p>
@@ -2544,7 +2544,7 @@
               <a:pPr>
                 <a:defRPr/>
               </a:pPr>
-              <a:t>2018/1/3</a:t>
+              <a:t>2018/1/4 Thursday</a:t>
             </a:fld>
             <a:endParaRPr lang="zh-CN" altLang="en-US"/>
           </a:p>
@@ -2811,7 +2811,7 @@
               <a:pPr>
                 <a:defRPr/>
               </a:pPr>
-              <a:t>2018/1/3</a:t>
+              <a:t>2018/1/4 Thursday</a:t>
             </a:fld>
             <a:endParaRPr lang="zh-CN" altLang="en-US"/>
           </a:p>
@@ -3118,7 +3118,7 @@
               <a:pPr>
                 <a:defRPr/>
               </a:pPr>
-              <a:t>2018/1/3</a:t>
+              <a:t>2018/1/4 Thursday</a:t>
             </a:fld>
             <a:endParaRPr lang="zh-CN" altLang="en-US"/>
           </a:p>
@@ -3559,7 +3559,7 @@
               <a:pPr>
                 <a:defRPr/>
               </a:pPr>
-              <a:t>2018/1/3</a:t>
+              <a:t>2018/1/4 Thursday</a:t>
             </a:fld>
             <a:endParaRPr lang="zh-CN" altLang="en-US"/>
           </a:p>
@@ -3698,7 +3698,7 @@
               <a:pPr>
                 <a:defRPr/>
               </a:pPr>
-              <a:t>2018/1/3</a:t>
+              <a:t>2018/1/4 Thursday</a:t>
             </a:fld>
             <a:endParaRPr lang="zh-CN" altLang="en-US"/>
           </a:p>
@@ -3815,7 +3815,7 @@
               <a:pPr>
                 <a:defRPr/>
               </a:pPr>
-              <a:t>2018/1/3</a:t>
+              <a:t>2018/1/4 Thursday</a:t>
             </a:fld>
             <a:endParaRPr lang="zh-CN" altLang="en-US"/>
           </a:p>
@@ -4112,7 +4112,7 @@
               <a:pPr>
                 <a:defRPr/>
               </a:pPr>
-              <a:t>2018/1/3</a:t>
+              <a:t>2018/1/4 Thursday</a:t>
             </a:fld>
             <a:endParaRPr lang="zh-CN" altLang="en-US"/>
           </a:p>
@@ -4368,7 +4368,7 @@
               <a:pPr>
                 <a:defRPr/>
               </a:pPr>
-              <a:t>2018/1/3</a:t>
+              <a:t>2018/1/4 Thursday</a:t>
             </a:fld>
             <a:endParaRPr lang="zh-CN" altLang="en-US"/>
           </a:p>
@@ -5673,7 +5673,7 @@
           <a:graphicData uri="http://schemas.openxmlformats.org/presentationml/2006/ole">
             <mc:AlternateContent xmlns:mc="http://schemas.openxmlformats.org/markup-compatibility/2006">
               <mc:Choice xmlns:v="urn:schemas-microsoft-com:vml" Requires="v">
-                <p:oleObj spid="_x0000_s32793" r:id="rId3" imgW="152202" imgH="126835" progId="Equation.DSMT4">
+                <p:oleObj spid="_x0000_s32797" r:id="rId3" imgW="152202" imgH="126835" progId="Equation.DSMT4">
                   <p:embed/>
                 </p:oleObj>
               </mc:Choice>
@@ -5777,7 +5777,7 @@
           <a:graphicData uri="http://schemas.openxmlformats.org/presentationml/2006/ole">
             <mc:AlternateContent xmlns:mc="http://schemas.openxmlformats.org/markup-compatibility/2006">
               <mc:Choice xmlns:v="urn:schemas-microsoft-com:vml" Requires="v">
-                <p:oleObj spid="_x0000_s32794" r:id="rId5" imgW="342751" imgH="431613" progId="Equation.DSMT4">
+                <p:oleObj spid="_x0000_s32798" r:id="rId5" imgW="342751" imgH="431613" progId="Equation.DSMT4">
                   <p:embed/>
                 </p:oleObj>
               </mc:Choice>
@@ -7042,7 +7042,7 @@
           <a:graphicData uri="http://schemas.openxmlformats.org/presentationml/2006/ole">
             <mc:AlternateContent xmlns:mc="http://schemas.openxmlformats.org/markup-compatibility/2006">
               <mc:Choice xmlns:v="urn:schemas-microsoft-com:vml" Requires="v">
-                <p:oleObj spid="_x0000_s63563" name="Equation" r:id="rId3" imgW="203024" imgH="164957" progId="Equation.DSMT4">
+                <p:oleObj spid="_x0000_s63575" name="Equation" r:id="rId3" imgW="203024" imgH="164957" progId="Equation.DSMT4">
                   <p:embed/>
                 </p:oleObj>
               </mc:Choice>
@@ -7146,7 +7146,7 @@
           <a:graphicData uri="http://schemas.openxmlformats.org/presentationml/2006/ole">
             <mc:AlternateContent xmlns:mc="http://schemas.openxmlformats.org/markup-compatibility/2006">
               <mc:Choice xmlns:v="urn:schemas-microsoft-com:vml" Requires="v">
-                <p:oleObj spid="_x0000_s63564" name="Equation" r:id="rId5" imgW="177492" imgH="164814" progId="Equation.DSMT4">
+                <p:oleObj spid="_x0000_s63576" name="Equation" r:id="rId5" imgW="177492" imgH="164814" progId="Equation.DSMT4">
                   <p:embed/>
                 </p:oleObj>
               </mc:Choice>
@@ -7250,7 +7250,7 @@
           <a:graphicData uri="http://schemas.openxmlformats.org/presentationml/2006/ole">
             <mc:AlternateContent xmlns:mc="http://schemas.openxmlformats.org/markup-compatibility/2006">
               <mc:Choice xmlns:v="urn:schemas-microsoft-com:vml" Requires="v">
-                <p:oleObj spid="_x0000_s63565" name="Equation" r:id="rId7" imgW="291973" imgH="203112" progId="Equation.DSMT4">
+                <p:oleObj spid="_x0000_s63577" name="Equation" r:id="rId7" imgW="291973" imgH="203112" progId="Equation.DSMT4">
                   <p:embed/>
                 </p:oleObj>
               </mc:Choice>
@@ -7354,7 +7354,7 @@
           <a:graphicData uri="http://schemas.openxmlformats.org/presentationml/2006/ole">
             <mc:AlternateContent xmlns:mc="http://schemas.openxmlformats.org/markup-compatibility/2006">
               <mc:Choice xmlns:v="urn:schemas-microsoft-com:vml" Requires="v">
-                <p:oleObj spid="_x0000_s63566" name="Equation" r:id="rId9" imgW="291973" imgH="203112" progId="Equation.DSMT4">
+                <p:oleObj spid="_x0000_s63578" name="Equation" r:id="rId9" imgW="291973" imgH="203112" progId="Equation.DSMT4">
                   <p:embed/>
                 </p:oleObj>
               </mc:Choice>
@@ -7458,7 +7458,7 @@
           <a:graphicData uri="http://schemas.openxmlformats.org/presentationml/2006/ole">
             <mc:AlternateContent xmlns:mc="http://schemas.openxmlformats.org/markup-compatibility/2006">
               <mc:Choice xmlns:v="urn:schemas-microsoft-com:vml" Requires="v">
-                <p:oleObj spid="_x0000_s63567" name="Equation" r:id="rId11" imgW="330057" imgH="253890" progId="Equation.DSMT4">
+                <p:oleObj spid="_x0000_s63579" name="Equation" r:id="rId11" imgW="330057" imgH="253890" progId="Equation.DSMT4">
                   <p:embed/>
                 </p:oleObj>
               </mc:Choice>
@@ -7562,7 +7562,7 @@
           <a:graphicData uri="http://schemas.openxmlformats.org/presentationml/2006/ole">
             <mc:AlternateContent xmlns:mc="http://schemas.openxmlformats.org/markup-compatibility/2006">
               <mc:Choice xmlns:v="urn:schemas-microsoft-com:vml" Requires="v">
-                <p:oleObj spid="_x0000_s63568" name="Equation" r:id="rId13" imgW="126835" imgH="202936" progId="Equation.DSMT4">
+                <p:oleObj spid="_x0000_s63580" name="Equation" r:id="rId13" imgW="126835" imgH="202936" progId="Equation.DSMT4">
                   <p:embed/>
                 </p:oleObj>
               </mc:Choice>
@@ -7842,7 +7842,7 @@
           <a:graphicData uri="http://schemas.openxmlformats.org/presentationml/2006/ole">
             <mc:AlternateContent xmlns:mc="http://schemas.openxmlformats.org/markup-compatibility/2006">
               <mc:Choice xmlns:v="urn:schemas-microsoft-com:vml" Requires="v">
-                <p:oleObj spid="_x0000_s58388" name="Equation" r:id="rId4" imgW="3530600" imgH="431800" progId="Equation.DSMT4">
+                <p:oleObj spid="_x0000_s58390" name="Equation" r:id="rId4" imgW="3530600" imgH="431800" progId="Equation.DSMT4">
                   <p:embed/>
                 </p:oleObj>
               </mc:Choice>
@@ -8129,7 +8129,7 @@
           <a:graphicData uri="http://schemas.openxmlformats.org/presentationml/2006/ole">
             <mc:AlternateContent xmlns:mc="http://schemas.openxmlformats.org/markup-compatibility/2006">
               <mc:Choice xmlns:v="urn:schemas-microsoft-com:vml" Requires="v">
-                <p:oleObj spid="_x0000_s26691" name="Equation" r:id="rId4" imgW="177492" imgH="164814" progId="Equation.DSMT4">
+                <p:oleObj spid="_x0000_s26701" name="Equation" r:id="rId4" imgW="177492" imgH="164814" progId="Equation.DSMT4">
                   <p:embed/>
                 </p:oleObj>
               </mc:Choice>
@@ -8233,7 +8233,7 @@
           <a:graphicData uri="http://schemas.openxmlformats.org/presentationml/2006/ole">
             <mc:AlternateContent xmlns:mc="http://schemas.openxmlformats.org/markup-compatibility/2006">
               <mc:Choice xmlns:v="urn:schemas-microsoft-com:vml" Requires="v">
-                <p:oleObj spid="_x0000_s26692" name="Equation" r:id="rId6" imgW="177492" imgH="164814" progId="Equation.DSMT4">
+                <p:oleObj spid="_x0000_s26702" name="Equation" r:id="rId6" imgW="177492" imgH="164814" progId="Equation.DSMT4">
                   <p:embed/>
                 </p:oleObj>
               </mc:Choice>
@@ -8337,7 +8337,7 @@
           <a:graphicData uri="http://schemas.openxmlformats.org/presentationml/2006/ole">
             <mc:AlternateContent xmlns:mc="http://schemas.openxmlformats.org/markup-compatibility/2006">
               <mc:Choice xmlns:v="urn:schemas-microsoft-com:vml" Requires="v">
-                <p:oleObj spid="_x0000_s26693" name="Equation" r:id="rId7" imgW="203024" imgH="164957" progId="Equation.DSMT4">
+                <p:oleObj spid="_x0000_s26703" name="Equation" r:id="rId7" imgW="203024" imgH="164957" progId="Equation.DSMT4">
                   <p:embed/>
                 </p:oleObj>
               </mc:Choice>
@@ -8441,7 +8441,7 @@
           <a:graphicData uri="http://schemas.openxmlformats.org/presentationml/2006/ole">
             <mc:AlternateContent xmlns:mc="http://schemas.openxmlformats.org/markup-compatibility/2006">
               <mc:Choice xmlns:v="urn:schemas-microsoft-com:vml" Requires="v">
-                <p:oleObj spid="_x0000_s26694" name="Equation" r:id="rId9" imgW="152268" imgH="203024" progId="Equation.DSMT4">
+                <p:oleObj spid="_x0000_s26704" name="Equation" r:id="rId9" imgW="152268" imgH="203024" progId="Equation.DSMT4">
                   <p:embed/>
                 </p:oleObj>
               </mc:Choice>
@@ -8513,7 +8513,7 @@
           <a:graphicData uri="http://schemas.openxmlformats.org/presentationml/2006/ole">
             <mc:AlternateContent xmlns:mc="http://schemas.openxmlformats.org/markup-compatibility/2006">
               <mc:Choice xmlns:v="urn:schemas-microsoft-com:vml" Requires="v">
-                <p:oleObj spid="_x0000_s26695" name="Equation" r:id="rId11" imgW="203024" imgH="164957" progId="Equation.DSMT4">
+                <p:oleObj spid="_x0000_s26705" name="Equation" r:id="rId11" imgW="203024" imgH="164957" progId="Equation.DSMT4">
                   <p:embed/>
                 </p:oleObj>
               </mc:Choice>
@@ -8826,7 +8826,7 @@
           <a:graphicData uri="http://schemas.openxmlformats.org/presentationml/2006/ole">
             <mc:AlternateContent xmlns:mc="http://schemas.openxmlformats.org/markup-compatibility/2006">
               <mc:Choice xmlns:v="urn:schemas-microsoft-com:vml" Requires="v">
-                <p:oleObj spid="_x0000_s36971" name="Equation" r:id="rId3" imgW="710891" imgH="253890" progId="Equation.DSMT4">
+                <p:oleObj spid="_x0000_s36989" name="Equation" r:id="rId3" imgW="710891" imgH="253890" progId="Equation.DSMT4">
                   <p:embed/>
                 </p:oleObj>
               </mc:Choice>
@@ -8930,7 +8930,7 @@
           <a:graphicData uri="http://schemas.openxmlformats.org/presentationml/2006/ole">
             <mc:AlternateContent xmlns:mc="http://schemas.openxmlformats.org/markup-compatibility/2006">
               <mc:Choice xmlns:v="urn:schemas-microsoft-com:vml" Requires="v">
-                <p:oleObj spid="_x0000_s36972" name="Equation" r:id="rId5" imgW="1028254" imgH="291973" progId="Equation.DSMT4">
+                <p:oleObj spid="_x0000_s36990" name="Equation" r:id="rId5" imgW="1028254" imgH="291973" progId="Equation.DSMT4">
                   <p:embed/>
                 </p:oleObj>
               </mc:Choice>
@@ -9034,7 +9034,7 @@
           <a:graphicData uri="http://schemas.openxmlformats.org/presentationml/2006/ole">
             <mc:AlternateContent xmlns:mc="http://schemas.openxmlformats.org/markup-compatibility/2006">
               <mc:Choice xmlns:v="urn:schemas-microsoft-com:vml" Requires="v">
-                <p:oleObj spid="_x0000_s36973" name="Equation" r:id="rId7" imgW="2197100" imgH="508000" progId="Equation.DSMT4">
+                <p:oleObj spid="_x0000_s36991" name="Equation" r:id="rId7" imgW="2197100" imgH="508000" progId="Equation.DSMT4">
                   <p:embed/>
                 </p:oleObj>
               </mc:Choice>
@@ -9138,7 +9138,7 @@
           <a:graphicData uri="http://schemas.openxmlformats.org/presentationml/2006/ole">
             <mc:AlternateContent xmlns:mc="http://schemas.openxmlformats.org/markup-compatibility/2006">
               <mc:Choice xmlns:v="urn:schemas-microsoft-com:vml" Requires="v">
-                <p:oleObj spid="_x0000_s36974" name="Equation" r:id="rId9" imgW="2476500" imgH="393700" progId="Equation.DSMT4">
+                <p:oleObj spid="_x0000_s36992" name="Equation" r:id="rId9" imgW="2476500" imgH="393700" progId="Equation.DSMT4">
                   <p:embed/>
                 </p:oleObj>
               </mc:Choice>
@@ -9242,7 +9242,7 @@
           <a:graphicData uri="http://schemas.openxmlformats.org/presentationml/2006/ole">
             <mc:AlternateContent xmlns:mc="http://schemas.openxmlformats.org/markup-compatibility/2006">
               <mc:Choice xmlns:v="urn:schemas-microsoft-com:vml" Requires="v">
-                <p:oleObj spid="_x0000_s36975" name="Equation" r:id="rId11" imgW="2145369" imgH="393529" progId="Equation.DSMT4">
+                <p:oleObj spid="_x0000_s36993" name="Equation" r:id="rId11" imgW="2145369" imgH="393529" progId="Equation.DSMT4">
                   <p:embed/>
                 </p:oleObj>
               </mc:Choice>
@@ -9346,7 +9346,7 @@
           <a:graphicData uri="http://schemas.openxmlformats.org/presentationml/2006/ole">
             <mc:AlternateContent xmlns:mc="http://schemas.openxmlformats.org/markup-compatibility/2006">
               <mc:Choice xmlns:v="urn:schemas-microsoft-com:vml" Requires="v">
-                <p:oleObj spid="_x0000_s36976" name="Equation" r:id="rId13" imgW="787058" imgH="253890" progId="Equation.DSMT4">
+                <p:oleObj spid="_x0000_s36994" name="Equation" r:id="rId13" imgW="787058" imgH="253890" progId="Equation.DSMT4">
                   <p:embed/>
                 </p:oleObj>
               </mc:Choice>
@@ -9450,7 +9450,7 @@
           <a:graphicData uri="http://schemas.openxmlformats.org/presentationml/2006/ole">
             <mc:AlternateContent xmlns:mc="http://schemas.openxmlformats.org/markup-compatibility/2006">
               <mc:Choice xmlns:v="urn:schemas-microsoft-com:vml" Requires="v">
-                <p:oleObj spid="_x0000_s36977" name="Equation" r:id="rId15" imgW="330057" imgH="253890" progId="Equation.DSMT4">
+                <p:oleObj spid="_x0000_s36995" name="Equation" r:id="rId15" imgW="330057" imgH="253890" progId="Equation.DSMT4">
                   <p:embed/>
                 </p:oleObj>
               </mc:Choice>
@@ -9554,7 +9554,7 @@
           <a:graphicData uri="http://schemas.openxmlformats.org/presentationml/2006/ole">
             <mc:AlternateContent xmlns:mc="http://schemas.openxmlformats.org/markup-compatibility/2006">
               <mc:Choice xmlns:v="urn:schemas-microsoft-com:vml" Requires="v">
-                <p:oleObj spid="_x0000_s36978" name="Equation" r:id="rId17" imgW="330057" imgH="253890" progId="Equation.DSMT4">
+                <p:oleObj spid="_x0000_s36996" name="Equation" r:id="rId17" imgW="330057" imgH="253890" progId="Equation.DSMT4">
                   <p:embed/>
                 </p:oleObj>
               </mc:Choice>
@@ -9658,7 +9658,7 @@
           <a:graphicData uri="http://schemas.openxmlformats.org/presentationml/2006/ole">
             <mc:AlternateContent xmlns:mc="http://schemas.openxmlformats.org/markup-compatibility/2006">
               <mc:Choice xmlns:v="urn:schemas-microsoft-com:vml" Requires="v">
-                <p:oleObj spid="_x0000_s36979" name="Equation" r:id="rId18" imgW="291973" imgH="203112" progId="Equation.DSMT4">
+                <p:oleObj spid="_x0000_s36997" name="Equation" r:id="rId18" imgW="291973" imgH="203112" progId="Equation.DSMT4">
                   <p:embed/>
                 </p:oleObj>
               </mc:Choice>
@@ -9971,7 +9971,7 @@
           <a:graphicData uri="http://schemas.openxmlformats.org/presentationml/2006/ole">
             <mc:AlternateContent xmlns:mc="http://schemas.openxmlformats.org/markup-compatibility/2006">
               <mc:Choice xmlns:v="urn:schemas-microsoft-com:vml" Requires="v">
-                <p:oleObj spid="_x0000_s74865" name="Equation" r:id="rId3" imgW="710891" imgH="253890" progId="Equation.DSMT4">
+                <p:oleObj spid="_x0000_s74883" name="Equation" r:id="rId3" imgW="710891" imgH="253890" progId="Equation.DSMT4">
                   <p:embed/>
                 </p:oleObj>
               </mc:Choice>
@@ -10075,7 +10075,7 @@
           <a:graphicData uri="http://schemas.openxmlformats.org/presentationml/2006/ole">
             <mc:AlternateContent xmlns:mc="http://schemas.openxmlformats.org/markup-compatibility/2006">
               <mc:Choice xmlns:v="urn:schemas-microsoft-com:vml" Requires="v">
-                <p:oleObj spid="_x0000_s74866" name="Equation" r:id="rId5" imgW="1028254" imgH="291973" progId="Equation.DSMT4">
+                <p:oleObj spid="_x0000_s74884" name="Equation" r:id="rId5" imgW="1028254" imgH="291973" progId="Equation.DSMT4">
                   <p:embed/>
                 </p:oleObj>
               </mc:Choice>
@@ -10179,7 +10179,7 @@
           <a:graphicData uri="http://schemas.openxmlformats.org/presentationml/2006/ole">
             <mc:AlternateContent xmlns:mc="http://schemas.openxmlformats.org/markup-compatibility/2006">
               <mc:Choice xmlns:v="urn:schemas-microsoft-com:vml" Requires="v">
-                <p:oleObj spid="_x0000_s74867" name="Equation" r:id="rId7" imgW="2197100" imgH="508000" progId="Equation.DSMT4">
+                <p:oleObj spid="_x0000_s74885" name="Equation" r:id="rId7" imgW="2197100" imgH="508000" progId="Equation.DSMT4">
                   <p:embed/>
                 </p:oleObj>
               </mc:Choice>
@@ -10283,7 +10283,7 @@
           <a:graphicData uri="http://schemas.openxmlformats.org/presentationml/2006/ole">
             <mc:AlternateContent xmlns:mc="http://schemas.openxmlformats.org/markup-compatibility/2006">
               <mc:Choice xmlns:v="urn:schemas-microsoft-com:vml" Requires="v">
-                <p:oleObj spid="_x0000_s74868" name="Equation" r:id="rId9" imgW="2476500" imgH="393700" progId="Equation.DSMT4">
+                <p:oleObj spid="_x0000_s74886" name="Equation" r:id="rId9" imgW="2476500" imgH="393700" progId="Equation.DSMT4">
                   <p:embed/>
                 </p:oleObj>
               </mc:Choice>
@@ -10387,7 +10387,7 @@
           <a:graphicData uri="http://schemas.openxmlformats.org/presentationml/2006/ole">
             <mc:AlternateContent xmlns:mc="http://schemas.openxmlformats.org/markup-compatibility/2006">
               <mc:Choice xmlns:v="urn:schemas-microsoft-com:vml" Requires="v">
-                <p:oleObj spid="_x0000_s74869" name="Equation" r:id="rId11" imgW="2145369" imgH="393529" progId="Equation.DSMT4">
+                <p:oleObj spid="_x0000_s74887" name="Equation" r:id="rId11" imgW="2145369" imgH="393529" progId="Equation.DSMT4">
                   <p:embed/>
                 </p:oleObj>
               </mc:Choice>
@@ -10491,7 +10491,7 @@
           <a:graphicData uri="http://schemas.openxmlformats.org/presentationml/2006/ole">
             <mc:AlternateContent xmlns:mc="http://schemas.openxmlformats.org/markup-compatibility/2006">
               <mc:Choice xmlns:v="urn:schemas-microsoft-com:vml" Requires="v">
-                <p:oleObj spid="_x0000_s74870" name="Equation" r:id="rId13" imgW="787058" imgH="253890" progId="Equation.DSMT4">
+                <p:oleObj spid="_x0000_s74888" name="Equation" r:id="rId13" imgW="787058" imgH="253890" progId="Equation.DSMT4">
                   <p:embed/>
                 </p:oleObj>
               </mc:Choice>
@@ -10595,7 +10595,7 @@
           <a:graphicData uri="http://schemas.openxmlformats.org/presentationml/2006/ole">
             <mc:AlternateContent xmlns:mc="http://schemas.openxmlformats.org/markup-compatibility/2006">
               <mc:Choice xmlns:v="urn:schemas-microsoft-com:vml" Requires="v">
-                <p:oleObj spid="_x0000_s74871" name="Equation" r:id="rId15" imgW="330057" imgH="253890" progId="Equation.DSMT4">
+                <p:oleObj spid="_x0000_s74889" name="Equation" r:id="rId15" imgW="330057" imgH="253890" progId="Equation.DSMT4">
                   <p:embed/>
                 </p:oleObj>
               </mc:Choice>
@@ -10699,7 +10699,7 @@
           <a:graphicData uri="http://schemas.openxmlformats.org/presentationml/2006/ole">
             <mc:AlternateContent xmlns:mc="http://schemas.openxmlformats.org/markup-compatibility/2006">
               <mc:Choice xmlns:v="urn:schemas-microsoft-com:vml" Requires="v">
-                <p:oleObj spid="_x0000_s74872" name="Equation" r:id="rId17" imgW="330057" imgH="253890" progId="Equation.DSMT4">
+                <p:oleObj spid="_x0000_s74890" name="Equation" r:id="rId17" imgW="330057" imgH="253890" progId="Equation.DSMT4">
                   <p:embed/>
                 </p:oleObj>
               </mc:Choice>
@@ -10803,7 +10803,7 @@
           <a:graphicData uri="http://schemas.openxmlformats.org/presentationml/2006/ole">
             <mc:AlternateContent xmlns:mc="http://schemas.openxmlformats.org/markup-compatibility/2006">
               <mc:Choice xmlns:v="urn:schemas-microsoft-com:vml" Requires="v">
-                <p:oleObj spid="_x0000_s74873" name="Equation" r:id="rId18" imgW="291973" imgH="203112" progId="Equation.DSMT4">
+                <p:oleObj spid="_x0000_s74891" name="Equation" r:id="rId18" imgW="291973" imgH="203112" progId="Equation.DSMT4">
                   <p:embed/>
                 </p:oleObj>
               </mc:Choice>
@@ -11128,7 +11128,7 @@
           <a:graphicData uri="http://schemas.openxmlformats.org/presentationml/2006/ole">
             <mc:AlternateContent xmlns:mc="http://schemas.openxmlformats.org/markup-compatibility/2006">
               <mc:Choice xmlns:v="urn:schemas-microsoft-com:vml" Requires="v">
-                <p:oleObj spid="_x0000_s79972" name="Equation" r:id="rId3" imgW="710891" imgH="253890" progId="Equation.DSMT4">
+                <p:oleObj spid="_x0000_s79988" name="Equation" r:id="rId3" imgW="710891" imgH="253890" progId="Equation.DSMT4">
                   <p:embed/>
                 </p:oleObj>
               </mc:Choice>
@@ -11232,7 +11232,7 @@
           <a:graphicData uri="http://schemas.openxmlformats.org/presentationml/2006/ole">
             <mc:AlternateContent xmlns:mc="http://schemas.openxmlformats.org/markup-compatibility/2006">
               <mc:Choice xmlns:v="urn:schemas-microsoft-com:vml" Requires="v">
-                <p:oleObj spid="_x0000_s79973" name="Equation" r:id="rId5" imgW="1028254" imgH="291973" progId="Equation.DSMT4">
+                <p:oleObj spid="_x0000_s79989" name="Equation" r:id="rId5" imgW="1028254" imgH="291973" progId="Equation.DSMT4">
                   <p:embed/>
                 </p:oleObj>
               </mc:Choice>
@@ -11336,7 +11336,7 @@
           <a:graphicData uri="http://schemas.openxmlformats.org/presentationml/2006/ole">
             <mc:AlternateContent xmlns:mc="http://schemas.openxmlformats.org/markup-compatibility/2006">
               <mc:Choice xmlns:v="urn:schemas-microsoft-com:vml" Requires="v">
-                <p:oleObj spid="_x0000_s79974" name="Equation" r:id="rId7" imgW="2197100" imgH="508000" progId="Equation.DSMT4">
+                <p:oleObj spid="_x0000_s79990" name="Equation" r:id="rId7" imgW="2197100" imgH="508000" progId="Equation.DSMT4">
                   <p:embed/>
                 </p:oleObj>
               </mc:Choice>
@@ -11440,7 +11440,7 @@
           <a:graphicData uri="http://schemas.openxmlformats.org/presentationml/2006/ole">
             <mc:AlternateContent xmlns:mc="http://schemas.openxmlformats.org/markup-compatibility/2006">
               <mc:Choice xmlns:v="urn:schemas-microsoft-com:vml" Requires="v">
-                <p:oleObj spid="_x0000_s79975" name="Equation" r:id="rId9" imgW="2476500" imgH="393700" progId="Equation.DSMT4">
+                <p:oleObj spid="_x0000_s79991" name="Equation" r:id="rId9" imgW="2476500" imgH="393700" progId="Equation.DSMT4">
                   <p:embed/>
                 </p:oleObj>
               </mc:Choice>
@@ -11646,7 +11646,7 @@
           <a:graphicData uri="http://schemas.openxmlformats.org/presentationml/2006/ole">
             <mc:AlternateContent xmlns:mc="http://schemas.openxmlformats.org/markup-compatibility/2006">
               <mc:Choice xmlns:v="urn:schemas-microsoft-com:vml" Requires="v">
-                <p:oleObj spid="_x0000_s79976" name="Equation" r:id="rId11" imgW="330057" imgH="253890" progId="Equation.DSMT4">
+                <p:oleObj spid="_x0000_s79992" name="Equation" r:id="rId11" imgW="330057" imgH="253890" progId="Equation.DSMT4">
                   <p:embed/>
                 </p:oleObj>
               </mc:Choice>
@@ -11750,7 +11750,7 @@
           <a:graphicData uri="http://schemas.openxmlformats.org/presentationml/2006/ole">
             <mc:AlternateContent xmlns:mc="http://schemas.openxmlformats.org/markup-compatibility/2006">
               <mc:Choice xmlns:v="urn:schemas-microsoft-com:vml" Requires="v">
-                <p:oleObj spid="_x0000_s79977" name="Equation" r:id="rId13" imgW="291973" imgH="203112" progId="Equation.DSMT4">
+                <p:oleObj spid="_x0000_s79993" name="Equation" r:id="rId13" imgW="291973" imgH="203112" progId="Equation.DSMT4">
                   <p:embed/>
                 </p:oleObj>
               </mc:Choice>
@@ -11854,7 +11854,7 @@
           <a:graphicData uri="http://schemas.openxmlformats.org/presentationml/2006/ole">
             <mc:AlternateContent xmlns:mc="http://schemas.openxmlformats.org/markup-compatibility/2006">
               <mc:Choice xmlns:v="urn:schemas-microsoft-com:vml" Requires="v">
-                <p:oleObj spid="_x0000_s79978" name="Equation" r:id="rId15" imgW="2133600" imgH="393700" progId="Equation.DSMT4">
+                <p:oleObj spid="_x0000_s79994" name="Equation" r:id="rId15" imgW="2133600" imgH="393700" progId="Equation.DSMT4">
                   <p:embed/>
                 </p:oleObj>
               </mc:Choice>
@@ -11992,7 +11992,7 @@
           <a:graphicData uri="http://schemas.openxmlformats.org/presentationml/2006/ole">
             <mc:AlternateContent xmlns:mc="http://schemas.openxmlformats.org/markup-compatibility/2006">
               <mc:Choice xmlns:v="urn:schemas-microsoft-com:vml" Requires="v">
-                <p:oleObj spid="_x0000_s79979" name="Equation" r:id="rId17" imgW="1269449" imgH="253890" progId="Equation.DSMT4">
+                <p:oleObj spid="_x0000_s79995" name="Equation" r:id="rId17" imgW="1269449" imgH="253890" progId="Equation.DSMT4">
                   <p:embed/>
                 </p:oleObj>
               </mc:Choice>
@@ -12256,7 +12256,7 @@
           <a:graphicData uri="http://schemas.openxmlformats.org/presentationml/2006/ole">
             <mc:AlternateContent xmlns:mc="http://schemas.openxmlformats.org/markup-compatibility/2006">
               <mc:Choice xmlns:v="urn:schemas-microsoft-com:vml" Requires="v">
-                <p:oleObj spid="_x0000_s78906" name="Equation" r:id="rId3" imgW="507780" imgH="203112" progId="Equation.DSMT4">
+                <p:oleObj spid="_x0000_s78916" name="Equation" r:id="rId3" imgW="507780" imgH="203112" progId="Equation.DSMT4">
                   <p:embed/>
                 </p:oleObj>
               </mc:Choice>
@@ -12360,7 +12360,7 @@
           <a:graphicData uri="http://schemas.openxmlformats.org/presentationml/2006/ole">
             <mc:AlternateContent xmlns:mc="http://schemas.openxmlformats.org/markup-compatibility/2006">
               <mc:Choice xmlns:v="urn:schemas-microsoft-com:vml" Requires="v">
-                <p:oleObj spid="_x0000_s78907" name="Equation" r:id="rId5" imgW="863225" imgH="393529" progId="Equation.DSMT4">
+                <p:oleObj spid="_x0000_s78917" name="Equation" r:id="rId5" imgW="863225" imgH="393529" progId="Equation.DSMT4">
                   <p:embed/>
                 </p:oleObj>
               </mc:Choice>
@@ -12464,7 +12464,7 @@
           <a:graphicData uri="http://schemas.openxmlformats.org/presentationml/2006/ole">
             <mc:AlternateContent xmlns:mc="http://schemas.openxmlformats.org/markup-compatibility/2006">
               <mc:Choice xmlns:v="urn:schemas-microsoft-com:vml" Requires="v">
-                <p:oleObj spid="_x0000_s78908" name="Equation" r:id="rId7" imgW="1981200" imgH="647700" progId="Equation.DSMT4">
+                <p:oleObj spid="_x0000_s78918" name="Equation" r:id="rId7" imgW="1981200" imgH="647700" progId="Equation.DSMT4">
                   <p:embed/>
                 </p:oleObj>
               </mc:Choice>
@@ -12568,7 +12568,7 @@
           <a:graphicData uri="http://schemas.openxmlformats.org/presentationml/2006/ole">
             <mc:AlternateContent xmlns:mc="http://schemas.openxmlformats.org/markup-compatibility/2006">
               <mc:Choice xmlns:v="urn:schemas-microsoft-com:vml" Requires="v">
-                <p:oleObj spid="_x0000_s78909" name="Equation" r:id="rId9" imgW="355292" imgH="203024" progId="Equation.DSMT4">
+                <p:oleObj spid="_x0000_s78919" name="Equation" r:id="rId9" imgW="355292" imgH="203024" progId="Equation.DSMT4">
                   <p:embed/>
                 </p:oleObj>
               </mc:Choice>
@@ -12672,7 +12672,7 @@
           <a:graphicData uri="http://schemas.openxmlformats.org/presentationml/2006/ole">
             <mc:AlternateContent xmlns:mc="http://schemas.openxmlformats.org/markup-compatibility/2006">
               <mc:Choice xmlns:v="urn:schemas-microsoft-com:vml" Requires="v">
-                <p:oleObj spid="_x0000_s78910" name="Equation" r:id="rId11" imgW="1612900" imgH="647700" progId="Equation.DSMT4">
+                <p:oleObj spid="_x0000_s78920" name="Equation" r:id="rId11" imgW="1612900" imgH="647700" progId="Equation.DSMT4">
                   <p:embed/>
                 </p:oleObj>
               </mc:Choice>
@@ -12936,7 +12936,7 @@
           <a:graphicData uri="http://schemas.openxmlformats.org/presentationml/2006/ole">
             <mc:AlternateContent xmlns:mc="http://schemas.openxmlformats.org/markup-compatibility/2006">
               <mc:Choice xmlns:v="urn:schemas-microsoft-com:vml" Requires="v">
-                <p:oleObj spid="_x0000_s80969" name="Equation" r:id="rId3" imgW="507780" imgH="203112" progId="Equation.DSMT4">
+                <p:oleObj spid="_x0000_s80981" name="Equation" r:id="rId3" imgW="507780" imgH="203112" progId="Equation.DSMT4">
                   <p:embed/>
                 </p:oleObj>
               </mc:Choice>
@@ -13040,7 +13040,7 @@
           <a:graphicData uri="http://schemas.openxmlformats.org/presentationml/2006/ole">
             <mc:AlternateContent xmlns:mc="http://schemas.openxmlformats.org/markup-compatibility/2006">
               <mc:Choice xmlns:v="urn:schemas-microsoft-com:vml" Requires="v">
-                <p:oleObj spid="_x0000_s80970" name="Equation" r:id="rId5" imgW="863225" imgH="393529" progId="Equation.DSMT4">
+                <p:oleObj spid="_x0000_s80982" name="Equation" r:id="rId5" imgW="863225" imgH="393529" progId="Equation.DSMT4">
                   <p:embed/>
                 </p:oleObj>
               </mc:Choice>
@@ -13144,7 +13144,7 @@
           <a:graphicData uri="http://schemas.openxmlformats.org/presentationml/2006/ole">
             <mc:AlternateContent xmlns:mc="http://schemas.openxmlformats.org/markup-compatibility/2006">
               <mc:Choice xmlns:v="urn:schemas-microsoft-com:vml" Requires="v">
-                <p:oleObj spid="_x0000_s80971" name="Equation" r:id="rId7" imgW="1981200" imgH="647700" progId="Equation.DSMT4">
+                <p:oleObj spid="_x0000_s80983" name="Equation" r:id="rId7" imgW="1981200" imgH="647700" progId="Equation.DSMT4">
                   <p:embed/>
                 </p:oleObj>
               </mc:Choice>
@@ -13316,7 +13316,7 @@
           <a:graphicData uri="http://schemas.openxmlformats.org/presentationml/2006/ole">
             <mc:AlternateContent xmlns:mc="http://schemas.openxmlformats.org/markup-compatibility/2006">
               <mc:Choice xmlns:v="urn:schemas-microsoft-com:vml" Requires="v">
-                <p:oleObj spid="_x0000_s80972" name="Equation" r:id="rId9" imgW="1638300" imgH="647700" progId="Equation.DSMT4">
+                <p:oleObj spid="_x0000_s80984" name="Equation" r:id="rId9" imgW="1638300" imgH="647700" progId="Equation.DSMT4">
                   <p:embed/>
                 </p:oleObj>
               </mc:Choice>
@@ -13420,7 +13420,7 @@
           <a:graphicData uri="http://schemas.openxmlformats.org/presentationml/2006/ole">
             <mc:AlternateContent xmlns:mc="http://schemas.openxmlformats.org/markup-compatibility/2006">
               <mc:Choice xmlns:v="urn:schemas-microsoft-com:vml" Requires="v">
-                <p:oleObj spid="_x0000_s80973" name="Equation" r:id="rId11" imgW="406048" imgH="393359" progId="Equation.DSMT4">
+                <p:oleObj spid="_x0000_s80985" name="Equation" r:id="rId11" imgW="406048" imgH="393359" progId="Equation.DSMT4">
                   <p:embed/>
                 </p:oleObj>
               </mc:Choice>
@@ -13524,7 +13524,7 @@
           <a:graphicData uri="http://schemas.openxmlformats.org/presentationml/2006/ole">
             <mc:AlternateContent xmlns:mc="http://schemas.openxmlformats.org/markup-compatibility/2006">
               <mc:Choice xmlns:v="urn:schemas-microsoft-com:vml" Requires="v">
-                <p:oleObj spid="_x0000_s80974" name="Equation" r:id="rId13" imgW="164957" imgH="393359" progId="Equation.DSMT4">
+                <p:oleObj spid="_x0000_s80986" name="Equation" r:id="rId13" imgW="164957" imgH="393359" progId="Equation.DSMT4">
                   <p:embed/>
                 </p:oleObj>
               </mc:Choice>
@@ -14196,7 +14196,7 @@
           <a:graphicData uri="http://schemas.openxmlformats.org/presentationml/2006/ole">
             <mc:AlternateContent xmlns:mc="http://schemas.openxmlformats.org/markup-compatibility/2006">
               <mc:Choice xmlns:v="urn:schemas-microsoft-com:vml" Requires="v">
-                <p:oleObj spid="_x0000_s82029" name="Equation" r:id="rId3" imgW="152334" imgH="139639" progId="Equation.DSMT4">
+                <p:oleObj spid="_x0000_s82045" name="Equation" r:id="rId3" imgW="152334" imgH="139639" progId="Equation.DSMT4">
                   <p:embed/>
                 </p:oleObj>
               </mc:Choice>
@@ -14300,7 +14300,7 @@
           <a:graphicData uri="http://schemas.openxmlformats.org/presentationml/2006/ole">
             <mc:AlternateContent xmlns:mc="http://schemas.openxmlformats.org/markup-compatibility/2006">
               <mc:Choice xmlns:v="urn:schemas-microsoft-com:vml" Requires="v">
-                <p:oleObj spid="_x0000_s82030" name="Equation" r:id="rId5" imgW="190417" imgH="203112" progId="Equation.DSMT4">
+                <p:oleObj spid="_x0000_s82046" name="Equation" r:id="rId5" imgW="190417" imgH="203112" progId="Equation.DSMT4">
                   <p:embed/>
                 </p:oleObj>
               </mc:Choice>
@@ -14404,7 +14404,7 @@
           <a:graphicData uri="http://schemas.openxmlformats.org/presentationml/2006/ole">
             <mc:AlternateContent xmlns:mc="http://schemas.openxmlformats.org/markup-compatibility/2006">
               <mc:Choice xmlns:v="urn:schemas-microsoft-com:vml" Requires="v">
-                <p:oleObj spid="_x0000_s82031" name="Equation" r:id="rId7" imgW="660113" imgH="431613" progId="Equation.DSMT4">
+                <p:oleObj spid="_x0000_s82047" name="Equation" r:id="rId7" imgW="660113" imgH="431613" progId="Equation.DSMT4">
                   <p:embed/>
                 </p:oleObj>
               </mc:Choice>
@@ -14508,7 +14508,7 @@
           <a:graphicData uri="http://schemas.openxmlformats.org/presentationml/2006/ole">
             <mc:AlternateContent xmlns:mc="http://schemas.openxmlformats.org/markup-compatibility/2006">
               <mc:Choice xmlns:v="urn:schemas-microsoft-com:vml" Requires="v">
-                <p:oleObj spid="_x0000_s82032" name="Equation" r:id="rId9" imgW="647700" imgH="431800" progId="Equation.DSMT4">
+                <p:oleObj spid="_x0000_s82048" name="Equation" r:id="rId9" imgW="647700" imgH="431800" progId="Equation.DSMT4">
                   <p:embed/>
                 </p:oleObj>
               </mc:Choice>
@@ -14612,7 +14612,7 @@
           <a:graphicData uri="http://schemas.openxmlformats.org/presentationml/2006/ole">
             <mc:AlternateContent xmlns:mc="http://schemas.openxmlformats.org/markup-compatibility/2006">
               <mc:Choice xmlns:v="urn:schemas-microsoft-com:vml" Requires="v">
-                <p:oleObj spid="_x0000_s82033" name="Equation" r:id="rId11" imgW="190417" imgH="203112" progId="Equation.DSMT4">
+                <p:oleObj spid="_x0000_s82049" name="Equation" r:id="rId11" imgW="190417" imgH="203112" progId="Equation.DSMT4">
                   <p:embed/>
                 </p:oleObj>
               </mc:Choice>
@@ -14716,7 +14716,7 @@
           <a:graphicData uri="http://schemas.openxmlformats.org/presentationml/2006/ole">
             <mc:AlternateContent xmlns:mc="http://schemas.openxmlformats.org/markup-compatibility/2006">
               <mc:Choice xmlns:v="urn:schemas-microsoft-com:vml" Requires="v">
-                <p:oleObj spid="_x0000_s82034" name="Equation" r:id="rId12" imgW="228501" imgH="393529" progId="Equation.DSMT4">
+                <p:oleObj spid="_x0000_s82050" name="Equation" r:id="rId12" imgW="228501" imgH="393529" progId="Equation.DSMT4">
                   <p:embed/>
                 </p:oleObj>
               </mc:Choice>
@@ -14820,7 +14820,7 @@
           <a:graphicData uri="http://schemas.openxmlformats.org/presentationml/2006/ole">
             <mc:AlternateContent xmlns:mc="http://schemas.openxmlformats.org/markup-compatibility/2006">
               <mc:Choice xmlns:v="urn:schemas-microsoft-com:vml" Requires="v">
-                <p:oleObj spid="_x0000_s82035" name="Equation" r:id="rId14" imgW="126835" imgH="139518" progId="Equation.DSMT4">
+                <p:oleObj spid="_x0000_s82051" name="Equation" r:id="rId14" imgW="126835" imgH="139518" progId="Equation.DSMT4">
                   <p:embed/>
                 </p:oleObj>
               </mc:Choice>
@@ -14924,7 +14924,7 @@
           <a:graphicData uri="http://schemas.openxmlformats.org/presentationml/2006/ole">
             <mc:AlternateContent xmlns:mc="http://schemas.openxmlformats.org/markup-compatibility/2006">
               <mc:Choice xmlns:v="urn:schemas-microsoft-com:vml" Requires="v">
-                <p:oleObj spid="_x0000_s82036" name="Equation" r:id="rId16" imgW="914400" imgH="393700" progId="Equation.DSMT4">
+                <p:oleObj spid="_x0000_s82052" name="Equation" r:id="rId16" imgW="914400" imgH="393700" progId="Equation.DSMT4">
                   <p:embed/>
                 </p:oleObj>
               </mc:Choice>
@@ -15230,7 +15230,7 @@
           <a:graphicData uri="http://schemas.openxmlformats.org/presentationml/2006/ole">
             <mc:AlternateContent xmlns:mc="http://schemas.openxmlformats.org/markup-compatibility/2006">
               <mc:Choice xmlns:v="urn:schemas-microsoft-com:vml" Requires="v">
-                <p:oleObj spid="_x0000_s103436" name="Equation" r:id="rId3" imgW="2501900" imgH="469900" progId="Equation.DSMT4">
+                <p:oleObj spid="_x0000_s103438" name="Equation" r:id="rId3" imgW="2501900" imgH="469900" progId="Equation.DSMT4">
                   <p:embed/>
                 </p:oleObj>
               </mc:Choice>
@@ -16060,7 +16060,7 @@
           <a:graphicData uri="http://schemas.openxmlformats.org/presentationml/2006/ole">
             <mc:AlternateContent xmlns:mc="http://schemas.openxmlformats.org/markup-compatibility/2006">
               <mc:Choice xmlns:v="urn:schemas-microsoft-com:vml" Requires="v">
-                <p:oleObj spid="_x0000_s102473" name="Equation" r:id="rId3" imgW="2527300" imgH="457200" progId="Equation.DSMT4">
+                <p:oleObj spid="_x0000_s102487" name="Equation" r:id="rId3" imgW="2527300" imgH="457200" progId="Equation.DSMT4">
                   <p:embed/>
                 </p:oleObj>
               </mc:Choice>
@@ -16164,7 +16164,7 @@
           <a:graphicData uri="http://schemas.openxmlformats.org/presentationml/2006/ole">
             <mc:AlternateContent xmlns:mc="http://schemas.openxmlformats.org/markup-compatibility/2006">
               <mc:Choice xmlns:v="urn:schemas-microsoft-com:vml" Requires="v">
-                <p:oleObj spid="_x0000_s102474" name="Equation" r:id="rId5" imgW="2527300" imgH="457200" progId="Equation.DSMT4">
+                <p:oleObj spid="_x0000_s102488" name="Equation" r:id="rId5" imgW="2527300" imgH="457200" progId="Equation.DSMT4">
                   <p:embed/>
                 </p:oleObj>
               </mc:Choice>
@@ -16234,7 +16234,7 @@
           <a:graphicData uri="http://schemas.openxmlformats.org/presentationml/2006/ole">
             <mc:AlternateContent xmlns:mc="http://schemas.openxmlformats.org/markup-compatibility/2006">
               <mc:Choice xmlns:v="urn:schemas-microsoft-com:vml" Requires="v">
-                <p:oleObj spid="_x0000_s102475" name="Equation" r:id="rId6" imgW="3048000" imgH="469900" progId="Equation.DSMT4">
+                <p:oleObj spid="_x0000_s102489" name="Equation" r:id="rId6" imgW="3048000" imgH="469900" progId="Equation.DSMT4">
                   <p:embed/>
                 </p:oleObj>
               </mc:Choice>
@@ -16327,7 +16327,7 @@
           <a:graphicData uri="http://schemas.openxmlformats.org/presentationml/2006/ole">
             <mc:AlternateContent xmlns:mc="http://schemas.openxmlformats.org/markup-compatibility/2006">
               <mc:Choice xmlns:v="urn:schemas-microsoft-com:vml" Requires="v">
-                <p:oleObj spid="_x0000_s102476" name="Equation" r:id="rId8" imgW="1155700" imgH="469900" progId="Equation.DSMT4">
+                <p:oleObj spid="_x0000_s102490" name="Equation" r:id="rId8" imgW="1155700" imgH="469900" progId="Equation.DSMT4">
                   <p:embed/>
                 </p:oleObj>
               </mc:Choice>
@@ -16420,7 +16420,7 @@
           <a:graphicData uri="http://schemas.openxmlformats.org/presentationml/2006/ole">
             <mc:AlternateContent xmlns:mc="http://schemas.openxmlformats.org/markup-compatibility/2006">
               <mc:Choice xmlns:v="urn:schemas-microsoft-com:vml" Requires="v">
-                <p:oleObj spid="_x0000_s102477" name="Equation" r:id="rId10" imgW="2146300" imgH="482600" progId="Equation.DSMT4">
+                <p:oleObj spid="_x0000_s102491" name="Equation" r:id="rId10" imgW="2146300" imgH="482600" progId="Equation.DSMT4">
                   <p:embed/>
                 </p:oleObj>
               </mc:Choice>
@@ -16513,7 +16513,7 @@
           <a:graphicData uri="http://schemas.openxmlformats.org/presentationml/2006/ole">
             <mc:AlternateContent xmlns:mc="http://schemas.openxmlformats.org/markup-compatibility/2006">
               <mc:Choice xmlns:v="urn:schemas-microsoft-com:vml" Requires="v">
-                <p:oleObj spid="_x0000_s102478" name="Equation" r:id="rId12" imgW="1143000" imgH="469900" progId="Equation.DSMT4">
+                <p:oleObj spid="_x0000_s102492" name="Equation" r:id="rId12" imgW="1143000" imgH="469900" progId="Equation.DSMT4">
                   <p:embed/>
                 </p:oleObj>
               </mc:Choice>
@@ -16606,7 +16606,7 @@
           <a:graphicData uri="http://schemas.openxmlformats.org/presentationml/2006/ole">
             <mc:AlternateContent xmlns:mc="http://schemas.openxmlformats.org/markup-compatibility/2006">
               <mc:Choice xmlns:v="urn:schemas-microsoft-com:vml" Requires="v">
-                <p:oleObj spid="_x0000_s102479" name="Equation" r:id="rId14" imgW="1167893" imgH="482391" progId="Equation.DSMT4">
+                <p:oleObj spid="_x0000_s102493" name="Equation" r:id="rId14" imgW="1167893" imgH="482391" progId="Equation.DSMT4">
                   <p:embed/>
                 </p:oleObj>
               </mc:Choice>
@@ -16865,7 +16865,7 @@
         </p:blipFill>
         <p:spPr>
           <a:xfrm>
-            <a:off x="5076825" y="2349500"/>
+            <a:off x="5076825" y="2494384"/>
             <a:ext cx="3686175" cy="2590800"/>
           </a:xfrm>
         </p:spPr>
@@ -17010,7 +17010,7 @@
           <a:graphicData uri="http://schemas.openxmlformats.org/presentationml/2006/ole">
             <mc:AlternateContent xmlns:mc="http://schemas.openxmlformats.org/markup-compatibility/2006">
               <mc:Choice xmlns:v="urn:schemas-microsoft-com:vml" Requires="v">
-                <p:oleObj spid="_x0000_s101457" name="Equation" r:id="rId4" imgW="1143000" imgH="469900" progId="Equation.DSMT4">
+                <p:oleObj spid="_x0000_s101473" name="Equation" r:id="rId4" imgW="1143000" imgH="469900" progId="Equation.DSMT4">
                   <p:embed/>
                 </p:oleObj>
               </mc:Choice>
@@ -17103,7 +17103,7 @@
           <a:graphicData uri="http://schemas.openxmlformats.org/presentationml/2006/ole">
             <mc:AlternateContent xmlns:mc="http://schemas.openxmlformats.org/markup-compatibility/2006">
               <mc:Choice xmlns:v="urn:schemas-microsoft-com:vml" Requires="v">
-                <p:oleObj spid="_x0000_s101458" name="Equation" r:id="rId6" imgW="1167893" imgH="482391" progId="Equation.DSMT4">
+                <p:oleObj spid="_x0000_s101474" name="Equation" r:id="rId6" imgW="1167893" imgH="482391" progId="Equation.DSMT4">
                   <p:embed/>
                 </p:oleObj>
               </mc:Choice>
@@ -17196,7 +17196,7 @@
           <a:graphicData uri="http://schemas.openxmlformats.org/presentationml/2006/ole">
             <mc:AlternateContent xmlns:mc="http://schemas.openxmlformats.org/markup-compatibility/2006">
               <mc:Choice xmlns:v="urn:schemas-microsoft-com:vml" Requires="v">
-                <p:oleObj spid="_x0000_s101459" name="Equation" r:id="rId8" imgW="190335" imgH="164957" progId="Equation.DSMT4">
+                <p:oleObj spid="_x0000_s101475" name="Equation" r:id="rId8" imgW="190335" imgH="164957" progId="Equation.DSMT4">
                   <p:embed/>
                 </p:oleObj>
               </mc:Choice>
@@ -17289,7 +17289,7 @@
           <a:graphicData uri="http://schemas.openxmlformats.org/presentationml/2006/ole">
             <mc:AlternateContent xmlns:mc="http://schemas.openxmlformats.org/markup-compatibility/2006">
               <mc:Choice xmlns:v="urn:schemas-microsoft-com:vml" Requires="v">
-                <p:oleObj spid="_x0000_s101460" name="Equation" r:id="rId10" imgW="203024" imgH="164957" progId="Equation.DSMT4">
+                <p:oleObj spid="_x0000_s101476" name="Equation" r:id="rId10" imgW="203024" imgH="164957" progId="Equation.DSMT4">
                   <p:embed/>
                 </p:oleObj>
               </mc:Choice>
@@ -17382,7 +17382,7 @@
           <a:graphicData uri="http://schemas.openxmlformats.org/presentationml/2006/ole">
             <mc:AlternateContent xmlns:mc="http://schemas.openxmlformats.org/markup-compatibility/2006">
               <mc:Choice xmlns:v="urn:schemas-microsoft-com:vml" Requires="v">
-                <p:oleObj spid="_x0000_s101461" name="Equation" r:id="rId12" imgW="1244600" imgH="393700" progId="Equation.DSMT4">
+                <p:oleObj spid="_x0000_s101477" name="Equation" r:id="rId12" imgW="1244600" imgH="393700" progId="Equation.DSMT4">
                   <p:embed/>
                 </p:oleObj>
               </mc:Choice>
@@ -17475,7 +17475,7 @@
           <a:graphicData uri="http://schemas.openxmlformats.org/presentationml/2006/ole">
             <mc:AlternateContent xmlns:mc="http://schemas.openxmlformats.org/markup-compatibility/2006">
               <mc:Choice xmlns:v="urn:schemas-microsoft-com:vml" Requires="v">
-                <p:oleObj spid="_x0000_s101462" name="Equation" r:id="rId14" imgW="812447" imgH="393529" progId="Equation.DSMT4">
+                <p:oleObj spid="_x0000_s101478" name="Equation" r:id="rId14" imgW="812447" imgH="393529" progId="Equation.DSMT4">
                   <p:embed/>
                 </p:oleObj>
               </mc:Choice>
@@ -17568,7 +17568,7 @@
           <a:graphicData uri="http://schemas.openxmlformats.org/presentationml/2006/ole">
             <mc:AlternateContent xmlns:mc="http://schemas.openxmlformats.org/markup-compatibility/2006">
               <mc:Choice xmlns:v="urn:schemas-microsoft-com:vml" Requires="v">
-                <p:oleObj spid="_x0000_s101463" name="Equation" r:id="rId16" imgW="203024" imgH="164957" progId="Equation.DSMT4">
+                <p:oleObj spid="_x0000_s101479" name="Equation" r:id="rId16" imgW="203024" imgH="164957" progId="Equation.DSMT4">
                   <p:embed/>
                 </p:oleObj>
               </mc:Choice>
@@ -17661,7 +17661,7 @@
           <a:graphicData uri="http://schemas.openxmlformats.org/presentationml/2006/ole">
             <mc:AlternateContent xmlns:mc="http://schemas.openxmlformats.org/markup-compatibility/2006">
               <mc:Choice xmlns:v="urn:schemas-microsoft-com:vml" Requires="v">
-                <p:oleObj spid="_x0000_s101464" name="Equation" r:id="rId18" imgW="1637589" imgH="622030" progId="Equation.DSMT4">
+                <p:oleObj spid="_x0000_s101480" name="Equation" r:id="rId18" imgW="1637589" imgH="622030" progId="Equation.DSMT4">
                   <p:embed/>
                 </p:oleObj>
               </mc:Choice>
@@ -18007,7 +18007,7 @@
           <a:graphicData uri="http://schemas.openxmlformats.org/presentationml/2006/ole">
             <mc:AlternateContent xmlns:mc="http://schemas.openxmlformats.org/markup-compatibility/2006">
               <mc:Choice xmlns:v="urn:schemas-microsoft-com:vml" Requires="v">
-                <p:oleObj spid="_x0000_s123038" name="Equation" r:id="rId4" imgW="1231366" imgH="253890" progId="Equation.DSMT4">
+                <p:oleObj spid="_x0000_s123062" name="Equation" r:id="rId4" imgW="1231366" imgH="253890" progId="Equation.DSMT4">
                   <p:embed/>
                 </p:oleObj>
               </mc:Choice>
@@ -18100,7 +18100,7 @@
           <a:graphicData uri="http://schemas.openxmlformats.org/presentationml/2006/ole">
             <mc:AlternateContent xmlns:mc="http://schemas.openxmlformats.org/markup-compatibility/2006">
               <mc:Choice xmlns:v="urn:schemas-microsoft-com:vml" Requires="v">
-                <p:oleObj spid="_x0000_s123039" name="Equation" r:id="rId6" imgW="1256755" imgH="253890" progId="Equation.DSMT4">
+                <p:oleObj spid="_x0000_s123063" name="Equation" r:id="rId6" imgW="1256755" imgH="253890" progId="Equation.DSMT4">
                   <p:embed/>
                 </p:oleObj>
               </mc:Choice>
@@ -18193,7 +18193,7 @@
           <a:graphicData uri="http://schemas.openxmlformats.org/presentationml/2006/ole">
             <mc:AlternateContent xmlns:mc="http://schemas.openxmlformats.org/markup-compatibility/2006">
               <mc:Choice xmlns:v="urn:schemas-microsoft-com:vml" Requires="v">
-                <p:oleObj spid="_x0000_s123040" name="Equation" r:id="rId8" imgW="393529" imgH="418918" progId="Equation.DSMT4">
+                <p:oleObj spid="_x0000_s123064" name="Equation" r:id="rId8" imgW="393529" imgH="418918" progId="Equation.DSMT4">
                   <p:embed/>
                 </p:oleObj>
               </mc:Choice>
@@ -18286,7 +18286,7 @@
           <a:graphicData uri="http://schemas.openxmlformats.org/presentationml/2006/ole">
             <mc:AlternateContent xmlns:mc="http://schemas.openxmlformats.org/markup-compatibility/2006">
               <mc:Choice xmlns:v="urn:schemas-microsoft-com:vml" Requires="v">
-                <p:oleObj spid="_x0000_s123041" name="Equation" r:id="rId10" imgW="2032000" imgH="419100" progId="Equation.DSMT4">
+                <p:oleObj spid="_x0000_s123065" name="Equation" r:id="rId10" imgW="2032000" imgH="419100" progId="Equation.DSMT4">
                   <p:embed/>
                 </p:oleObj>
               </mc:Choice>
@@ -18379,7 +18379,7 @@
           <a:graphicData uri="http://schemas.openxmlformats.org/presentationml/2006/ole">
             <mc:AlternateContent xmlns:mc="http://schemas.openxmlformats.org/markup-compatibility/2006">
               <mc:Choice xmlns:v="urn:schemas-microsoft-com:vml" Requires="v">
-                <p:oleObj spid="_x0000_s123042" name="Equation" r:id="rId12" imgW="1536700" imgH="419100" progId="Equation.DSMT4">
+                <p:oleObj spid="_x0000_s123066" name="Equation" r:id="rId12" imgW="1536700" imgH="419100" progId="Equation.DSMT4">
                   <p:embed/>
                 </p:oleObj>
               </mc:Choice>
@@ -18472,7 +18472,7 @@
           <a:graphicData uri="http://schemas.openxmlformats.org/presentationml/2006/ole">
             <mc:AlternateContent xmlns:mc="http://schemas.openxmlformats.org/markup-compatibility/2006">
               <mc:Choice xmlns:v="urn:schemas-microsoft-com:vml" Requires="v">
-                <p:oleObj spid="_x0000_s123043" name="Equation" r:id="rId14" imgW="241195" imgH="418918" progId="Equation.DSMT4">
+                <p:oleObj spid="_x0000_s123067" name="Equation" r:id="rId14" imgW="241195" imgH="418918" progId="Equation.DSMT4">
                   <p:embed/>
                 </p:oleObj>
               </mc:Choice>
@@ -18565,7 +18565,7 @@
           <a:graphicData uri="http://schemas.openxmlformats.org/presentationml/2006/ole">
             <mc:AlternateContent xmlns:mc="http://schemas.openxmlformats.org/markup-compatibility/2006">
               <mc:Choice xmlns:v="urn:schemas-microsoft-com:vml" Requires="v">
-                <p:oleObj spid="_x0000_s123044" name="Equation" r:id="rId16" imgW="241195" imgH="418918" progId="Equation.DSMT4">
+                <p:oleObj spid="_x0000_s123068" name="Equation" r:id="rId16" imgW="241195" imgH="418918" progId="Equation.DSMT4">
                   <p:embed/>
                 </p:oleObj>
               </mc:Choice>
@@ -18658,7 +18658,7 @@
           <a:graphicData uri="http://schemas.openxmlformats.org/presentationml/2006/ole">
             <mc:AlternateContent xmlns:mc="http://schemas.openxmlformats.org/markup-compatibility/2006">
               <mc:Choice xmlns:v="urn:schemas-microsoft-com:vml" Requires="v">
-                <p:oleObj spid="_x0000_s123045" name="Equation" r:id="rId18" imgW="431425" imgH="177646" progId="Equation.DSMT4">
+                <p:oleObj spid="_x0000_s123069" name="Equation" r:id="rId18" imgW="431425" imgH="177646" progId="Equation.DSMT4">
                   <p:embed/>
                 </p:oleObj>
               </mc:Choice>
@@ -18751,7 +18751,7 @@
           <a:graphicData uri="http://schemas.openxmlformats.org/presentationml/2006/ole">
             <mc:AlternateContent xmlns:mc="http://schemas.openxmlformats.org/markup-compatibility/2006">
               <mc:Choice xmlns:v="urn:schemas-microsoft-com:vml" Requires="v">
-                <p:oleObj spid="_x0000_s123046" name="Equation" r:id="rId20" imgW="405872" imgH="177569" progId="Equation.DSMT4">
+                <p:oleObj spid="_x0000_s123070" name="Equation" r:id="rId20" imgW="405872" imgH="177569" progId="Equation.DSMT4">
                   <p:embed/>
                 </p:oleObj>
               </mc:Choice>
@@ -18844,7 +18844,7 @@
           <a:graphicData uri="http://schemas.openxmlformats.org/presentationml/2006/ole">
             <mc:AlternateContent xmlns:mc="http://schemas.openxmlformats.org/markup-compatibility/2006">
               <mc:Choice xmlns:v="urn:schemas-microsoft-com:vml" Requires="v">
-                <p:oleObj spid="_x0000_s123047" name="Equation" r:id="rId22" imgW="203112" imgH="241195" progId="Equation.DSMT4">
+                <p:oleObj spid="_x0000_s123071" name="Equation" r:id="rId22" imgW="203112" imgH="241195" progId="Equation.DSMT4">
                   <p:embed/>
                 </p:oleObj>
               </mc:Choice>
@@ -18937,7 +18937,7 @@
           <a:graphicData uri="http://schemas.openxmlformats.org/presentationml/2006/ole">
             <mc:AlternateContent xmlns:mc="http://schemas.openxmlformats.org/markup-compatibility/2006">
               <mc:Choice xmlns:v="urn:schemas-microsoft-com:vml" Requires="v">
-                <p:oleObj spid="_x0000_s123048" name="Equation" r:id="rId24" imgW="203112" imgH="241195" progId="Equation.DSMT4">
+                <p:oleObj spid="_x0000_s123072" name="Equation" r:id="rId24" imgW="203112" imgH="241195" progId="Equation.DSMT4">
                   <p:embed/>
                 </p:oleObj>
               </mc:Choice>
@@ -19030,7 +19030,7 @@
           <a:graphicData uri="http://schemas.openxmlformats.org/presentationml/2006/ole">
             <mc:AlternateContent xmlns:mc="http://schemas.openxmlformats.org/markup-compatibility/2006">
               <mc:Choice xmlns:v="urn:schemas-microsoft-com:vml" Requires="v">
-                <p:oleObj spid="_x0000_s123049" name="Equation" r:id="rId26" imgW="215806" imgH="228501" progId="Equation.DSMT4">
+                <p:oleObj spid="_x0000_s123073" name="Equation" r:id="rId26" imgW="215806" imgH="228501" progId="Equation.DSMT4">
                   <p:embed/>
                 </p:oleObj>
               </mc:Choice>
@@ -19251,7 +19251,7 @@
         </p:blipFill>
         <p:spPr>
           <a:xfrm>
-            <a:off x="5924550" y="1989138"/>
+            <a:off x="5924550" y="2017365"/>
             <a:ext cx="3219450" cy="3571875"/>
           </a:xfrm>
         </p:spPr>
@@ -19313,7 +19313,7 @@
           <a:graphicData uri="http://schemas.openxmlformats.org/presentationml/2006/ole">
             <mc:AlternateContent xmlns:mc="http://schemas.openxmlformats.org/markup-compatibility/2006">
               <mc:Choice xmlns:v="urn:schemas-microsoft-com:vml" Requires="v">
-                <p:oleObj spid="_x0000_s141383" name="Equation" r:id="rId4" imgW="710891" imgH="253890" progId="Equation.DSMT4">
+                <p:oleObj spid="_x0000_s141404" name="Equation" r:id="rId4" imgW="710891" imgH="253890" progId="Equation.DSMT4">
                   <p:embed/>
                 </p:oleObj>
               </mc:Choice>
@@ -19383,7 +19383,7 @@
           <a:graphicData uri="http://schemas.openxmlformats.org/presentationml/2006/ole">
             <mc:AlternateContent xmlns:mc="http://schemas.openxmlformats.org/markup-compatibility/2006">
               <mc:Choice xmlns:v="urn:schemas-microsoft-com:vml" Requires="v">
-                <p:oleObj spid="_x0000_s141384" name="Equation" r:id="rId6" imgW="4521200" imgH="584200" progId="Equation.DSMT4">
+                <p:oleObj spid="_x0000_s141405" name="Equation" r:id="rId6" imgW="4521200" imgH="584200" progId="Equation.DSMT4">
                   <p:embed/>
                 </p:oleObj>
               </mc:Choice>
@@ -19528,7 +19528,7 @@
           <a:graphicData uri="http://schemas.openxmlformats.org/presentationml/2006/ole">
             <mc:AlternateContent xmlns:mc="http://schemas.openxmlformats.org/markup-compatibility/2006">
               <mc:Choice xmlns:v="urn:schemas-microsoft-com:vml" Requires="v">
-                <p:oleObj spid="_x0000_s141385" name="Equation" r:id="rId8" imgW="1384300" imgH="304800" progId="Equation.DSMT4">
+                <p:oleObj spid="_x0000_s141406" name="Equation" r:id="rId8" imgW="1384300" imgH="304800" progId="Equation.DSMT4">
                   <p:embed/>
                 </p:oleObj>
               </mc:Choice>
@@ -19621,7 +19621,7 @@
           <a:graphicData uri="http://schemas.openxmlformats.org/presentationml/2006/ole">
             <mc:AlternateContent xmlns:mc="http://schemas.openxmlformats.org/markup-compatibility/2006">
               <mc:Choice xmlns:v="urn:schemas-microsoft-com:vml" Requires="v">
-                <p:oleObj spid="_x0000_s141386" name="Equation" r:id="rId10" imgW="787058" imgH="253890" progId="Equation.DSMT4">
+                <p:oleObj spid="_x0000_s141407" name="Equation" r:id="rId10" imgW="787058" imgH="253890" progId="Equation.DSMT4">
                   <p:embed/>
                 </p:oleObj>
               </mc:Choice>
@@ -19767,7 +19767,7 @@
           <a:graphicData uri="http://schemas.openxmlformats.org/presentationml/2006/ole">
             <mc:AlternateContent xmlns:mc="http://schemas.openxmlformats.org/markup-compatibility/2006">
               <mc:Choice xmlns:v="urn:schemas-microsoft-com:vml" Requires="v">
-                <p:oleObj spid="_x0000_s141387" name="Equation" r:id="rId12" imgW="342751" imgH="253890" progId="Equation.DSMT4">
+                <p:oleObj spid="_x0000_s141408" name="Equation" r:id="rId12" imgW="342751" imgH="253890" progId="Equation.DSMT4">
                   <p:embed/>
                 </p:oleObj>
               </mc:Choice>
@@ -19860,7 +19860,7 @@
           <a:graphicData uri="http://schemas.openxmlformats.org/presentationml/2006/ole">
             <mc:AlternateContent xmlns:mc="http://schemas.openxmlformats.org/markup-compatibility/2006">
               <mc:Choice xmlns:v="urn:schemas-microsoft-com:vml" Requires="v">
-                <p:oleObj spid="_x0000_s141388" name="Equation" r:id="rId14" imgW="291973" imgH="203112" progId="Equation.DSMT4">
+                <p:oleObj spid="_x0000_s141409" name="Equation" r:id="rId14" imgW="291973" imgH="203112" progId="Equation.DSMT4">
                   <p:embed/>
                 </p:oleObj>
               </mc:Choice>
@@ -19953,7 +19953,7 @@
           <a:graphicData uri="http://schemas.openxmlformats.org/presentationml/2006/ole">
             <mc:AlternateContent xmlns:mc="http://schemas.openxmlformats.org/markup-compatibility/2006">
               <mc:Choice xmlns:v="urn:schemas-microsoft-com:vml" Requires="v">
-                <p:oleObj spid="_x0000_s141389" name="Equation" r:id="rId16" imgW="342751" imgH="253890" progId="Equation.DSMT4">
+                <p:oleObj spid="_x0000_s141410" name="Equation" r:id="rId16" imgW="342751" imgH="253890" progId="Equation.DSMT4">
                   <p:embed/>
                 </p:oleObj>
               </mc:Choice>
@@ -20147,7 +20147,7 @@
           <a:graphicData uri="http://schemas.openxmlformats.org/presentationml/2006/ole">
             <mc:AlternateContent xmlns:mc="http://schemas.openxmlformats.org/markup-compatibility/2006">
               <mc:Choice xmlns:v="urn:schemas-microsoft-com:vml" Requires="v">
-                <p:oleObj spid="_x0000_s142378" name="Equation" r:id="rId3" imgW="1943100" imgH="304800" progId="Equation.DSMT4">
+                <p:oleObj spid="_x0000_s142386" name="Equation" r:id="rId3" imgW="1943100" imgH="304800" progId="Equation.DSMT4">
                   <p:embed/>
                 </p:oleObj>
               </mc:Choice>
@@ -20240,7 +20240,7 @@
           <a:graphicData uri="http://schemas.openxmlformats.org/presentationml/2006/ole">
             <mc:AlternateContent xmlns:mc="http://schemas.openxmlformats.org/markup-compatibility/2006">
               <mc:Choice xmlns:v="urn:schemas-microsoft-com:vml" Requires="v">
-                <p:oleObj spid="_x0000_s142379" name="Equation" r:id="rId5" imgW="2971800" imgH="254000" progId="Equation.DSMT4">
+                <p:oleObj spid="_x0000_s142387" name="Equation" r:id="rId5" imgW="2971800" imgH="254000" progId="Equation.DSMT4">
                   <p:embed/>
                 </p:oleObj>
               </mc:Choice>
@@ -20424,7 +20424,7 @@
           <a:graphicData uri="http://schemas.openxmlformats.org/presentationml/2006/ole">
             <mc:AlternateContent xmlns:mc="http://schemas.openxmlformats.org/markup-compatibility/2006">
               <mc:Choice xmlns:v="urn:schemas-microsoft-com:vml" Requires="v">
-                <p:oleObj spid="_x0000_s142380" name="Equation" r:id="rId7" imgW="507780" imgH="203112" progId="Equation.DSMT4">
+                <p:oleObj spid="_x0000_s142388" name="Equation" r:id="rId7" imgW="507780" imgH="203112" progId="Equation.DSMT4">
                   <p:embed/>
                 </p:oleObj>
               </mc:Choice>
@@ -20517,7 +20517,7 @@
           <a:graphicData uri="http://schemas.openxmlformats.org/presentationml/2006/ole">
             <mc:AlternateContent xmlns:mc="http://schemas.openxmlformats.org/markup-compatibility/2006">
               <mc:Choice xmlns:v="urn:schemas-microsoft-com:vml" Requires="v">
-                <p:oleObj spid="_x0000_s142381" name="Equation" r:id="rId9" imgW="3187700" imgH="927100" progId="Equation.DSMT4">
+                <p:oleObj spid="_x0000_s142389" name="Equation" r:id="rId9" imgW="3187700" imgH="927100" progId="Equation.DSMT4">
                   <p:embed/>
                 </p:oleObj>
               </mc:Choice>
@@ -20812,7 +20812,7 @@
           <a:graphicData uri="http://schemas.openxmlformats.org/presentationml/2006/ole">
             <mc:AlternateContent xmlns:mc="http://schemas.openxmlformats.org/markup-compatibility/2006">
               <mc:Choice xmlns:v="urn:schemas-microsoft-com:vml" Requires="v">
-                <p:oleObj spid="_x0000_s143412" name="Equation" r:id="rId3" imgW="1714500" imgH="279400" progId="Equation.DSMT4">
+                <p:oleObj spid="_x0000_s143422" name="Equation" r:id="rId3" imgW="1714500" imgH="279400" progId="Equation.DSMT4">
                   <p:embed/>
                 </p:oleObj>
               </mc:Choice>
@@ -20905,7 +20905,7 @@
           <a:graphicData uri="http://schemas.openxmlformats.org/presentationml/2006/ole">
             <mc:AlternateContent xmlns:mc="http://schemas.openxmlformats.org/markup-compatibility/2006">
               <mc:Choice xmlns:v="urn:schemas-microsoft-com:vml" Requires="v">
-                <p:oleObj spid="_x0000_s143413" name="Equation" r:id="rId5" imgW="355292" imgH="203024" progId="Equation.DSMT4">
+                <p:oleObj spid="_x0000_s143423" name="Equation" r:id="rId5" imgW="355292" imgH="203024" progId="Equation.DSMT4">
                   <p:embed/>
                 </p:oleObj>
               </mc:Choice>
@@ -20998,7 +20998,7 @@
           <a:graphicData uri="http://schemas.openxmlformats.org/presentationml/2006/ole">
             <mc:AlternateContent xmlns:mc="http://schemas.openxmlformats.org/markup-compatibility/2006">
               <mc:Choice xmlns:v="urn:schemas-microsoft-com:vml" Requires="v">
-                <p:oleObj spid="_x0000_s143414" name="Equation" r:id="rId7" imgW="1765300" imgH="279400" progId="Equation.DSMT4">
+                <p:oleObj spid="_x0000_s143424" name="Equation" r:id="rId7" imgW="1765300" imgH="279400" progId="Equation.DSMT4">
                   <p:embed/>
                 </p:oleObj>
               </mc:Choice>
@@ -21091,7 +21091,7 @@
           <a:graphicData uri="http://schemas.openxmlformats.org/presentationml/2006/ole">
             <mc:AlternateContent xmlns:mc="http://schemas.openxmlformats.org/markup-compatibility/2006">
               <mc:Choice xmlns:v="urn:schemas-microsoft-com:vml" Requires="v">
-                <p:oleObj spid="_x0000_s143415" name="Equation" r:id="rId9" imgW="406048" imgH="393359" progId="Equation.DSMT4">
+                <p:oleObj spid="_x0000_s143425" name="Equation" r:id="rId9" imgW="406048" imgH="393359" progId="Equation.DSMT4">
                   <p:embed/>
                 </p:oleObj>
               </mc:Choice>
@@ -21184,7 +21184,7 @@
           <a:graphicData uri="http://schemas.openxmlformats.org/presentationml/2006/ole">
             <mc:AlternateContent xmlns:mc="http://schemas.openxmlformats.org/markup-compatibility/2006">
               <mc:Choice xmlns:v="urn:schemas-microsoft-com:vml" Requires="v">
-                <p:oleObj spid="_x0000_s143416" name="Equation" r:id="rId11" imgW="164957" imgH="393359" progId="Equation.DSMT4">
+                <p:oleObj spid="_x0000_s143426" name="Equation" r:id="rId11" imgW="164957" imgH="393359" progId="Equation.DSMT4">
                   <p:embed/>
                 </p:oleObj>
               </mc:Choice>
@@ -21435,7 +21435,7 @@
           <a:graphicData uri="http://schemas.openxmlformats.org/presentationml/2006/ole">
             <mc:AlternateContent xmlns:mc="http://schemas.openxmlformats.org/markup-compatibility/2006">
               <mc:Choice xmlns:v="urn:schemas-microsoft-com:vml" Requires="v">
-                <p:oleObj spid="_x0000_s161894" name="Equation" r:id="rId3" imgW="203024" imgH="164957" progId="Equation.DSMT4">
+                <p:oleObj spid="_x0000_s161914" name="Equation" r:id="rId3" imgW="203024" imgH="164957" progId="Equation.DSMT4">
                   <p:embed/>
                 </p:oleObj>
               </mc:Choice>
@@ -21528,7 +21528,7 @@
           <a:graphicData uri="http://schemas.openxmlformats.org/presentationml/2006/ole">
             <mc:AlternateContent xmlns:mc="http://schemas.openxmlformats.org/markup-compatibility/2006">
               <mc:Choice xmlns:v="urn:schemas-microsoft-com:vml" Requires="v">
-                <p:oleObj spid="_x0000_s161895" name="Equation" r:id="rId5" imgW="190417" imgH="203112" progId="Equation.DSMT4">
+                <p:oleObj spid="_x0000_s161915" name="Equation" r:id="rId5" imgW="190417" imgH="203112" progId="Equation.DSMT4">
                   <p:embed/>
                 </p:oleObj>
               </mc:Choice>
@@ -21658,7 +21658,7 @@
           <a:graphicData uri="http://schemas.openxmlformats.org/presentationml/2006/ole">
             <mc:AlternateContent xmlns:mc="http://schemas.openxmlformats.org/markup-compatibility/2006">
               <mc:Choice xmlns:v="urn:schemas-microsoft-com:vml" Requires="v">
-                <p:oleObj spid="_x0000_s161896" name="Equation" r:id="rId7" imgW="1167893" imgH="482391" progId="Equation.DSMT4">
+                <p:oleObj spid="_x0000_s161916" name="Equation" r:id="rId7" imgW="1167893" imgH="482391" progId="Equation.DSMT4">
                   <p:embed/>
                 </p:oleObj>
               </mc:Choice>
@@ -21751,7 +21751,7 @@
           <a:graphicData uri="http://schemas.openxmlformats.org/presentationml/2006/ole">
             <mc:AlternateContent xmlns:mc="http://schemas.openxmlformats.org/markup-compatibility/2006">
               <mc:Choice xmlns:v="urn:schemas-microsoft-com:vml" Requires="v">
-                <p:oleObj spid="_x0000_s161897" name="Equation" r:id="rId9" imgW="672808" imgH="444307" progId="Equation.DSMT4">
+                <p:oleObj spid="_x0000_s161917" name="Equation" r:id="rId9" imgW="672808" imgH="444307" progId="Equation.DSMT4">
                   <p:embed/>
                 </p:oleObj>
               </mc:Choice>
@@ -21850,7 +21850,7 @@
           <a:graphicData uri="http://schemas.openxmlformats.org/presentationml/2006/ole">
             <mc:AlternateContent xmlns:mc="http://schemas.openxmlformats.org/markup-compatibility/2006">
               <mc:Choice xmlns:v="urn:schemas-microsoft-com:vml" Requires="v">
-                <p:oleObj spid="_x0000_s161898" name="Equation" r:id="rId11" imgW="2806700" imgH="571500" progId="Equation.DSMT4">
+                <p:oleObj spid="_x0000_s161918" name="Equation" r:id="rId11" imgW="2806700" imgH="571500" progId="Equation.DSMT4">
                   <p:embed/>
                 </p:oleObj>
               </mc:Choice>
@@ -21943,7 +21943,7 @@
           <a:graphicData uri="http://schemas.openxmlformats.org/presentationml/2006/ole">
             <mc:AlternateContent xmlns:mc="http://schemas.openxmlformats.org/markup-compatibility/2006">
               <mc:Choice xmlns:v="urn:schemas-microsoft-com:vml" Requires="v">
-                <p:oleObj spid="_x0000_s161899" name="Equation" r:id="rId13" imgW="710891" imgH="444307" progId="Equation.DSMT4">
+                <p:oleObj spid="_x0000_s161919" name="Equation" r:id="rId13" imgW="710891" imgH="444307" progId="Equation.DSMT4">
                   <p:embed/>
                 </p:oleObj>
               </mc:Choice>
@@ -22105,7 +22105,7 @@
           <a:graphicData uri="http://schemas.openxmlformats.org/presentationml/2006/ole">
             <mc:AlternateContent xmlns:mc="http://schemas.openxmlformats.org/markup-compatibility/2006">
               <mc:Choice xmlns:v="urn:schemas-microsoft-com:vml" Requires="v">
-                <p:oleObj spid="_x0000_s161900" name="Equation" r:id="rId15" imgW="190417" imgH="203112" progId="Equation.DSMT4">
+                <p:oleObj spid="_x0000_s161920" name="Equation" r:id="rId15" imgW="190417" imgH="203112" progId="Equation.DSMT4">
                   <p:embed/>
                 </p:oleObj>
               </mc:Choice>
@@ -22198,7 +22198,7 @@
           <a:graphicData uri="http://schemas.openxmlformats.org/presentationml/2006/ole">
             <mc:AlternateContent xmlns:mc="http://schemas.openxmlformats.org/markup-compatibility/2006">
               <mc:Choice xmlns:v="urn:schemas-microsoft-com:vml" Requires="v">
-                <p:oleObj spid="_x0000_s161901" name="Equation" r:id="rId17" imgW="203112" imgH="241195" progId="Equation.DSMT4">
+                <p:oleObj spid="_x0000_s161921" name="Equation" r:id="rId17" imgW="203112" imgH="241195" progId="Equation.DSMT4">
                   <p:embed/>
                 </p:oleObj>
               </mc:Choice>
@@ -22291,7 +22291,7 @@
           <a:graphicData uri="http://schemas.openxmlformats.org/presentationml/2006/ole">
             <mc:AlternateContent xmlns:mc="http://schemas.openxmlformats.org/markup-compatibility/2006">
               <mc:Choice xmlns:v="urn:schemas-microsoft-com:vml" Requires="v">
-                <p:oleObj spid="_x0000_s161902" name="Equation" r:id="rId19" imgW="203112" imgH="228501" progId="Equation.DSMT4">
+                <p:oleObj spid="_x0000_s161922" name="Equation" r:id="rId19" imgW="203112" imgH="228501" progId="Equation.DSMT4">
                   <p:embed/>
                 </p:oleObj>
               </mc:Choice>
@@ -22384,7 +22384,7 @@
           <a:graphicData uri="http://schemas.openxmlformats.org/presentationml/2006/ole">
             <mc:AlternateContent xmlns:mc="http://schemas.openxmlformats.org/markup-compatibility/2006">
               <mc:Choice xmlns:v="urn:schemas-microsoft-com:vml" Requires="v">
-                <p:oleObj spid="_x0000_s161903" name="Equation" r:id="rId21" imgW="926698" imgH="393529" progId="Equation.DSMT4">
+                <p:oleObj spid="_x0000_s161923" name="Equation" r:id="rId21" imgW="926698" imgH="393529" progId="Equation.DSMT4">
                   <p:embed/>
                 </p:oleObj>
               </mc:Choice>
@@ -23227,7 +23227,7 @@
           <a:graphicData uri="http://schemas.openxmlformats.org/presentationml/2006/ole">
             <mc:AlternateContent xmlns:mc="http://schemas.openxmlformats.org/markup-compatibility/2006">
               <mc:Choice xmlns:v="urn:schemas-microsoft-com:vml" Requires="v">
-                <p:oleObj spid="_x0000_s160799" name="Equation" r:id="rId3" imgW="6362700" imgH="685800" progId="Equation.DSMT4">
+                <p:oleObj spid="_x0000_s160805" name="Equation" r:id="rId3" imgW="6362700" imgH="685800" progId="Equation.DSMT4">
                   <p:embed/>
                 </p:oleObj>
               </mc:Choice>
@@ -23357,7 +23357,7 @@
           <a:graphicData uri="http://schemas.openxmlformats.org/presentationml/2006/ole">
             <mc:AlternateContent xmlns:mc="http://schemas.openxmlformats.org/markup-compatibility/2006">
               <mc:Choice xmlns:v="urn:schemas-microsoft-com:vml" Requires="v">
-                <p:oleObj spid="_x0000_s160800" name="Equation" r:id="rId5" imgW="1485900" imgH="469900" progId="Equation.DSMT4">
+                <p:oleObj spid="_x0000_s160806" name="Equation" r:id="rId5" imgW="1485900" imgH="469900" progId="Equation.DSMT4">
                   <p:embed/>
                 </p:oleObj>
               </mc:Choice>
@@ -23487,7 +23487,7 @@
           <a:graphicData uri="http://schemas.openxmlformats.org/presentationml/2006/ole">
             <mc:AlternateContent xmlns:mc="http://schemas.openxmlformats.org/markup-compatibility/2006">
               <mc:Choice xmlns:v="urn:schemas-microsoft-com:vml" Requires="v">
-                <p:oleObj spid="_x0000_s160801" name="Equation" r:id="rId7" imgW="1167893" imgH="495085" progId="Equation.DSMT4">
+                <p:oleObj spid="_x0000_s160807" name="Equation" r:id="rId7" imgW="1167893" imgH="495085" progId="Equation.DSMT4">
                   <p:embed/>
                 </p:oleObj>
               </mc:Choice>
@@ -23943,7 +23943,7 @@
           <a:graphicData uri="http://schemas.openxmlformats.org/presentationml/2006/ole">
             <mc:AlternateContent xmlns:mc="http://schemas.openxmlformats.org/markup-compatibility/2006">
               <mc:Choice xmlns:v="urn:schemas-microsoft-com:vml" Requires="v">
-                <p:oleObj spid="_x0000_s159795" name="Equation" r:id="rId4" imgW="1167893" imgH="495085" progId="Equation.DSMT4">
+                <p:oleObj spid="_x0000_s159805" name="Equation" r:id="rId4" imgW="1167893" imgH="495085" progId="Equation.DSMT4">
                   <p:embed/>
                 </p:oleObj>
               </mc:Choice>
@@ -24036,7 +24036,7 @@
           <a:graphicData uri="http://schemas.openxmlformats.org/presentationml/2006/ole">
             <mc:AlternateContent xmlns:mc="http://schemas.openxmlformats.org/markup-compatibility/2006">
               <mc:Choice xmlns:v="urn:schemas-microsoft-com:vml" Requires="v">
-                <p:oleObj spid="_x0000_s159796" name="Equation" r:id="rId6" imgW="1485900" imgH="431800" progId="Equation.DSMT4">
+                <p:oleObj spid="_x0000_s159806" name="Equation" r:id="rId6" imgW="1485900" imgH="431800" progId="Equation.DSMT4">
                   <p:embed/>
                 </p:oleObj>
               </mc:Choice>
@@ -24129,7 +24129,7 @@
           <a:graphicData uri="http://schemas.openxmlformats.org/presentationml/2006/ole">
             <mc:AlternateContent xmlns:mc="http://schemas.openxmlformats.org/markup-compatibility/2006">
               <mc:Choice xmlns:v="urn:schemas-microsoft-com:vml" Requires="v">
-                <p:oleObj spid="_x0000_s159797" name="Equation" r:id="rId8" imgW="1409088" imgH="482391" progId="Equation.DSMT4">
+                <p:oleObj spid="_x0000_s159807" name="Equation" r:id="rId8" imgW="1409088" imgH="482391" progId="Equation.DSMT4">
                   <p:embed/>
                 </p:oleObj>
               </mc:Choice>
@@ -24222,7 +24222,7 @@
           <a:graphicData uri="http://schemas.openxmlformats.org/presentationml/2006/ole">
             <mc:AlternateContent xmlns:mc="http://schemas.openxmlformats.org/markup-compatibility/2006">
               <mc:Choice xmlns:v="urn:schemas-microsoft-com:vml" Requires="v">
-                <p:oleObj spid="_x0000_s159798" name="Equation" r:id="rId10" imgW="1459866" imgH="482391" progId="Equation.DSMT4">
+                <p:oleObj spid="_x0000_s159808" name="Equation" r:id="rId10" imgW="1459866" imgH="482391" progId="Equation.DSMT4">
                   <p:embed/>
                 </p:oleObj>
               </mc:Choice>
@@ -24315,7 +24315,7 @@
           <a:graphicData uri="http://schemas.openxmlformats.org/presentationml/2006/ole">
             <mc:AlternateContent xmlns:mc="http://schemas.openxmlformats.org/markup-compatibility/2006">
               <mc:Choice xmlns:v="urn:schemas-microsoft-com:vml" Requires="v">
-                <p:oleObj spid="_x0000_s159799" name="Equation" r:id="rId12" imgW="6731000" imgH="914400" progId="Equation.DSMT4">
+                <p:oleObj spid="_x0000_s159809" name="Equation" r:id="rId12" imgW="6731000" imgH="914400" progId="Equation.DSMT4">
                   <p:embed/>
                 </p:oleObj>
               </mc:Choice>
@@ -24523,7 +24523,7 @@
           <a:graphicData uri="http://schemas.openxmlformats.org/presentationml/2006/ole">
             <mc:AlternateContent xmlns:mc="http://schemas.openxmlformats.org/markup-compatibility/2006">
               <mc:Choice xmlns:v="urn:schemas-microsoft-com:vml" Requires="v">
-                <p:oleObj spid="_x0000_s162913" name="Equation" r:id="rId3" imgW="1943100" imgH="469900" progId="Equation.DSMT4">
+                <p:oleObj spid="_x0000_s162929" name="Equation" r:id="rId3" imgW="1943100" imgH="469900" progId="Equation.DSMT4">
                   <p:embed/>
                 </p:oleObj>
               </mc:Choice>
@@ -24751,7 +24751,7 @@
           <a:graphicData uri="http://schemas.openxmlformats.org/presentationml/2006/ole">
             <mc:AlternateContent xmlns:mc="http://schemas.openxmlformats.org/markup-compatibility/2006">
               <mc:Choice xmlns:v="urn:schemas-microsoft-com:vml" Requires="v">
-                <p:oleObj spid="_x0000_s162914" name="Equation" r:id="rId5" imgW="164957" imgH="190335" progId="Equation.DSMT4">
+                <p:oleObj spid="_x0000_s162930" name="Equation" r:id="rId5" imgW="164957" imgH="190335" progId="Equation.DSMT4">
                   <p:embed/>
                 </p:oleObj>
               </mc:Choice>
@@ -24844,7 +24844,7 @@
           <a:graphicData uri="http://schemas.openxmlformats.org/presentationml/2006/ole">
             <mc:AlternateContent xmlns:mc="http://schemas.openxmlformats.org/markup-compatibility/2006">
               <mc:Choice xmlns:v="urn:schemas-microsoft-com:vml" Requires="v">
-                <p:oleObj spid="_x0000_s162915" name="Equation" r:id="rId7" imgW="723586" imgH="431613" progId="Equation.DSMT4">
+                <p:oleObj spid="_x0000_s162931" name="Equation" r:id="rId7" imgW="723586" imgH="431613" progId="Equation.DSMT4">
                   <p:embed/>
                 </p:oleObj>
               </mc:Choice>
@@ -24937,7 +24937,7 @@
           <a:graphicData uri="http://schemas.openxmlformats.org/presentationml/2006/ole">
             <mc:AlternateContent xmlns:mc="http://schemas.openxmlformats.org/markup-compatibility/2006">
               <mc:Choice xmlns:v="urn:schemas-microsoft-com:vml" Requires="v">
-                <p:oleObj spid="_x0000_s162916" name="Equation" r:id="rId9" imgW="253890" imgH="393529" progId="Equation.DSMT4">
+                <p:oleObj spid="_x0000_s162932" name="Equation" r:id="rId9" imgW="253890" imgH="393529" progId="Equation.DSMT4">
                   <p:embed/>
                 </p:oleObj>
               </mc:Choice>
@@ -25030,7 +25030,7 @@
           <a:graphicData uri="http://schemas.openxmlformats.org/presentationml/2006/ole">
             <mc:AlternateContent xmlns:mc="http://schemas.openxmlformats.org/markup-compatibility/2006">
               <mc:Choice xmlns:v="urn:schemas-microsoft-com:vml" Requires="v">
-                <p:oleObj spid="_x0000_s162917" name="Equation" r:id="rId11" imgW="164957" imgH="190335" progId="Equation.DSMT4">
+                <p:oleObj spid="_x0000_s162933" name="Equation" r:id="rId11" imgW="164957" imgH="190335" progId="Equation.DSMT4">
                   <p:embed/>
                 </p:oleObj>
               </mc:Choice>
@@ -25123,7 +25123,7 @@
           <a:graphicData uri="http://schemas.openxmlformats.org/presentationml/2006/ole">
             <mc:AlternateContent xmlns:mc="http://schemas.openxmlformats.org/markup-compatibility/2006">
               <mc:Choice xmlns:v="urn:schemas-microsoft-com:vml" Requires="v">
-                <p:oleObj spid="_x0000_s162918" name="Equation" r:id="rId13" imgW="177646" imgH="190335" progId="Equation.DSMT4">
+                <p:oleObj spid="_x0000_s162934" name="Equation" r:id="rId13" imgW="177646" imgH="190335" progId="Equation.DSMT4">
                   <p:embed/>
                 </p:oleObj>
               </mc:Choice>
@@ -25216,7 +25216,7 @@
           <a:graphicData uri="http://schemas.openxmlformats.org/presentationml/2006/ole">
             <mc:AlternateContent xmlns:mc="http://schemas.openxmlformats.org/markup-compatibility/2006">
               <mc:Choice xmlns:v="urn:schemas-microsoft-com:vml" Requires="v">
-                <p:oleObj spid="_x0000_s162919" name="Equation" r:id="rId15" imgW="215806" imgH="228501" progId="Equation.DSMT4">
+                <p:oleObj spid="_x0000_s162935" name="Equation" r:id="rId15" imgW="215806" imgH="228501" progId="Equation.DSMT4">
                   <p:embed/>
                 </p:oleObj>
               </mc:Choice>
@@ -25309,7 +25309,7 @@
           <a:graphicData uri="http://schemas.openxmlformats.org/presentationml/2006/ole">
             <mc:AlternateContent xmlns:mc="http://schemas.openxmlformats.org/markup-compatibility/2006">
               <mc:Choice xmlns:v="urn:schemas-microsoft-com:vml" Requires="v">
-                <p:oleObj spid="_x0000_s162920" name="Equation" r:id="rId17" imgW="215806" imgH="228501" progId="Equation.DSMT4">
+                <p:oleObj spid="_x0000_s162936" name="Equation" r:id="rId17" imgW="215806" imgH="228501" progId="Equation.DSMT4">
                   <p:embed/>
                 </p:oleObj>
               </mc:Choice>
@@ -25623,7 +25623,7 @@
           <a:graphicData uri="http://schemas.openxmlformats.org/presentationml/2006/ole">
             <mc:AlternateContent xmlns:mc="http://schemas.openxmlformats.org/markup-compatibility/2006">
               <mc:Choice xmlns:v="urn:schemas-microsoft-com:vml" Requires="v">
-                <p:oleObj spid="_x0000_s158781" name="Equation" r:id="rId4" imgW="685800" imgH="254000" progId="Equation.DSMT4">
+                <p:oleObj spid="_x0000_s158793" name="Equation" r:id="rId4" imgW="685800" imgH="254000" progId="Equation.DSMT4">
                   <p:embed/>
                 </p:oleObj>
               </mc:Choice>
@@ -25716,7 +25716,7 @@
           <a:graphicData uri="http://schemas.openxmlformats.org/presentationml/2006/ole">
             <mc:AlternateContent xmlns:mc="http://schemas.openxmlformats.org/markup-compatibility/2006">
               <mc:Choice xmlns:v="urn:schemas-microsoft-com:vml" Requires="v">
-                <p:oleObj spid="_x0000_s158782" name="Equation" r:id="rId6" imgW="3632200" imgH="685800" progId="Equation.DSMT4">
+                <p:oleObj spid="_x0000_s158794" name="Equation" r:id="rId6" imgW="3632200" imgH="685800" progId="Equation.DSMT4">
                   <p:embed/>
                 </p:oleObj>
               </mc:Choice>
@@ -25809,7 +25809,7 @@
           <a:graphicData uri="http://schemas.openxmlformats.org/presentationml/2006/ole">
             <mc:AlternateContent xmlns:mc="http://schemas.openxmlformats.org/markup-compatibility/2006">
               <mc:Choice xmlns:v="urn:schemas-microsoft-com:vml" Requires="v">
-                <p:oleObj spid="_x0000_s158783" name="Equation" r:id="rId8" imgW="634725" imgH="228501" progId="Equation.DSMT4">
+                <p:oleObj spid="_x0000_s158795" name="Equation" r:id="rId8" imgW="634725" imgH="228501" progId="Equation.DSMT4">
                   <p:embed/>
                 </p:oleObj>
               </mc:Choice>
@@ -25902,7 +25902,7 @@
           <a:graphicData uri="http://schemas.openxmlformats.org/presentationml/2006/ole">
             <mc:AlternateContent xmlns:mc="http://schemas.openxmlformats.org/markup-compatibility/2006">
               <mc:Choice xmlns:v="urn:schemas-microsoft-com:vml" Requires="v">
-                <p:oleObj spid="_x0000_s158784" name="Equation" r:id="rId10" imgW="977476" imgH="444307" progId="Equation.DSMT4">
+                <p:oleObj spid="_x0000_s158796" name="Equation" r:id="rId10" imgW="977476" imgH="444307" progId="Equation.DSMT4">
                   <p:embed/>
                 </p:oleObj>
               </mc:Choice>
@@ -25995,7 +25995,7 @@
           <a:graphicData uri="http://schemas.openxmlformats.org/presentationml/2006/ole">
             <mc:AlternateContent xmlns:mc="http://schemas.openxmlformats.org/markup-compatibility/2006">
               <mc:Choice xmlns:v="urn:schemas-microsoft-com:vml" Requires="v">
-                <p:oleObj spid="_x0000_s158785" name="Equation" r:id="rId12" imgW="1562100" imgH="457200" progId="Equation.DSMT4">
+                <p:oleObj spid="_x0000_s158797" name="Equation" r:id="rId12" imgW="1562100" imgH="457200" progId="Equation.DSMT4">
                   <p:embed/>
                 </p:oleObj>
               </mc:Choice>
@@ -26125,7 +26125,7 @@
           <a:graphicData uri="http://schemas.openxmlformats.org/presentationml/2006/ole">
             <mc:AlternateContent xmlns:mc="http://schemas.openxmlformats.org/markup-compatibility/2006">
               <mc:Choice xmlns:v="urn:schemas-microsoft-com:vml" Requires="v">
-                <p:oleObj spid="_x0000_s158786" name="Equation" r:id="rId14" imgW="2844800" imgH="254000" progId="Equation.DSMT4">
+                <p:oleObj spid="_x0000_s158798" name="Equation" r:id="rId14" imgW="2844800" imgH="254000" progId="Equation.DSMT4">
                   <p:embed/>
                 </p:oleObj>
               </mc:Choice>
@@ -26433,7 +26433,7 @@
           <a:graphicData uri="http://schemas.openxmlformats.org/presentationml/2006/ole">
             <mc:AlternateContent xmlns:mc="http://schemas.openxmlformats.org/markup-compatibility/2006">
               <mc:Choice xmlns:v="urn:schemas-microsoft-com:vml" Requires="v">
-                <p:oleObj spid="_x0000_s164956" name="Equation" r:id="rId3" imgW="520700" imgH="228600" progId="Equation.DSMT4">
+                <p:oleObj spid="_x0000_s164974" name="Equation" r:id="rId3" imgW="520700" imgH="228600" progId="Equation.DSMT4">
                   <p:embed/>
                 </p:oleObj>
               </mc:Choice>
@@ -26526,7 +26526,7 @@
           <a:graphicData uri="http://schemas.openxmlformats.org/presentationml/2006/ole">
             <mc:AlternateContent xmlns:mc="http://schemas.openxmlformats.org/markup-compatibility/2006">
               <mc:Choice xmlns:v="urn:schemas-microsoft-com:vml" Requires="v">
-                <p:oleObj spid="_x0000_s164957" name="Equation" r:id="rId5" imgW="533169" imgH="228501" progId="Equation.DSMT4">
+                <p:oleObj spid="_x0000_s164975" name="Equation" r:id="rId5" imgW="533169" imgH="228501" progId="Equation.DSMT4">
                   <p:embed/>
                 </p:oleObj>
               </mc:Choice>
@@ -26619,7 +26619,7 @@
           <a:graphicData uri="http://schemas.openxmlformats.org/presentationml/2006/ole">
             <mc:AlternateContent xmlns:mc="http://schemas.openxmlformats.org/markup-compatibility/2006">
               <mc:Choice xmlns:v="urn:schemas-microsoft-com:vml" Requires="v">
-                <p:oleObj spid="_x0000_s164958" name="Equation" r:id="rId7" imgW="1244600" imgH="254000" progId="Equation.DSMT4">
+                <p:oleObj spid="_x0000_s164976" name="Equation" r:id="rId7" imgW="1244600" imgH="254000" progId="Equation.DSMT4">
                   <p:embed/>
                 </p:oleObj>
               </mc:Choice>
@@ -26712,7 +26712,7 @@
           <a:graphicData uri="http://schemas.openxmlformats.org/presentationml/2006/ole">
             <mc:AlternateContent xmlns:mc="http://schemas.openxmlformats.org/markup-compatibility/2006">
               <mc:Choice xmlns:v="urn:schemas-microsoft-com:vml" Requires="v">
-                <p:oleObj spid="_x0000_s164959" name="Equation" r:id="rId9" imgW="545863" imgH="228501" progId="Equation.DSMT4">
+                <p:oleObj spid="_x0000_s164977" name="Equation" r:id="rId9" imgW="545863" imgH="228501" progId="Equation.DSMT4">
                   <p:embed/>
                 </p:oleObj>
               </mc:Choice>
@@ -26805,7 +26805,7 @@
           <a:graphicData uri="http://schemas.openxmlformats.org/presentationml/2006/ole">
             <mc:AlternateContent xmlns:mc="http://schemas.openxmlformats.org/markup-compatibility/2006">
               <mc:Choice xmlns:v="urn:schemas-microsoft-com:vml" Requires="v">
-                <p:oleObj spid="_x0000_s164960" name="Equation" r:id="rId11" imgW="520700" imgH="228600" progId="Equation.DSMT4">
+                <p:oleObj spid="_x0000_s164978" name="Equation" r:id="rId11" imgW="520700" imgH="228600" progId="Equation.DSMT4">
                   <p:embed/>
                 </p:oleObj>
               </mc:Choice>
@@ -26898,7 +26898,7 @@
           <a:graphicData uri="http://schemas.openxmlformats.org/presentationml/2006/ole">
             <mc:AlternateContent xmlns:mc="http://schemas.openxmlformats.org/markup-compatibility/2006">
               <mc:Choice xmlns:v="urn:schemas-microsoft-com:vml" Requires="v">
-                <p:oleObj spid="_x0000_s164961" name="Equation" r:id="rId13" imgW="533169" imgH="228501" progId="Equation.DSMT4">
+                <p:oleObj spid="_x0000_s164979" name="Equation" r:id="rId13" imgW="533169" imgH="228501" progId="Equation.DSMT4">
                   <p:embed/>
                 </p:oleObj>
               </mc:Choice>
@@ -26991,7 +26991,7 @@
           <a:graphicData uri="http://schemas.openxmlformats.org/presentationml/2006/ole">
             <mc:AlternateContent xmlns:mc="http://schemas.openxmlformats.org/markup-compatibility/2006">
               <mc:Choice xmlns:v="urn:schemas-microsoft-com:vml" Requires="v">
-                <p:oleObj spid="_x0000_s164962" name="Equation" r:id="rId15" imgW="1993900" imgH="330200" progId="Equation.DSMT4">
+                <p:oleObj spid="_x0000_s164980" name="Equation" r:id="rId15" imgW="1993900" imgH="330200" progId="Equation.DSMT4">
                   <p:embed/>
                 </p:oleObj>
               </mc:Choice>
@@ -27084,7 +27084,7 @@
           <a:graphicData uri="http://schemas.openxmlformats.org/presentationml/2006/ole">
             <mc:AlternateContent xmlns:mc="http://schemas.openxmlformats.org/markup-compatibility/2006">
               <mc:Choice xmlns:v="urn:schemas-microsoft-com:vml" Requires="v">
-                <p:oleObj spid="_x0000_s164963" name="Equation" r:id="rId17" imgW="1943100" imgH="330200" progId="Equation.DSMT4">
+                <p:oleObj spid="_x0000_s164981" name="Equation" r:id="rId17" imgW="1943100" imgH="330200" progId="Equation.DSMT4">
                   <p:embed/>
                 </p:oleObj>
               </mc:Choice>
@@ -27177,7 +27177,7 @@
           <a:graphicData uri="http://schemas.openxmlformats.org/presentationml/2006/ole">
             <mc:AlternateContent xmlns:mc="http://schemas.openxmlformats.org/markup-compatibility/2006">
               <mc:Choice xmlns:v="urn:schemas-microsoft-com:vml" Requires="v">
-                <p:oleObj spid="_x0000_s164964" name="Equation" r:id="rId19" imgW="6591300" imgH="254000" progId="Equation.DSMT4">
+                <p:oleObj spid="_x0000_s164982" name="Equation" r:id="rId19" imgW="6591300" imgH="254000" progId="Equation.DSMT4">
                   <p:embed/>
                 </p:oleObj>
               </mc:Choice>
@@ -27372,7 +27372,7 @@
           <a:graphicData uri="http://schemas.openxmlformats.org/presentationml/2006/ole">
             <mc:AlternateContent xmlns:mc="http://schemas.openxmlformats.org/markup-compatibility/2006">
               <mc:Choice xmlns:v="urn:schemas-microsoft-com:vml" Requires="v">
-                <p:oleObj spid="_x0000_s180306" name="Equation" r:id="rId3" imgW="406048" imgH="203024" progId="Equation.DSMT4">
+                <p:oleObj spid="_x0000_s180322" name="Equation" r:id="rId3" imgW="406048" imgH="203024" progId="Equation.DSMT4">
                   <p:embed/>
                 </p:oleObj>
               </mc:Choice>
@@ -27465,7 +27465,7 @@
           <a:graphicData uri="http://schemas.openxmlformats.org/presentationml/2006/ole">
             <mc:AlternateContent xmlns:mc="http://schemas.openxmlformats.org/markup-compatibility/2006">
               <mc:Choice xmlns:v="urn:schemas-microsoft-com:vml" Requires="v">
-                <p:oleObj spid="_x0000_s180307" name="Equation" r:id="rId5" imgW="1993900" imgH="914400" progId="Equation.DSMT4">
+                <p:oleObj spid="_x0000_s180323" name="Equation" r:id="rId5" imgW="1993900" imgH="914400" progId="Equation.DSMT4">
                   <p:embed/>
                 </p:oleObj>
               </mc:Choice>
@@ -27595,7 +27595,7 @@
           <a:graphicData uri="http://schemas.openxmlformats.org/presentationml/2006/ole">
             <mc:AlternateContent xmlns:mc="http://schemas.openxmlformats.org/markup-compatibility/2006">
               <mc:Choice xmlns:v="urn:schemas-microsoft-com:vml" Requires="v">
-                <p:oleObj spid="_x0000_s180308" name="Equation" r:id="rId7" imgW="2171700" imgH="495300" progId="Equation.DSMT4">
+                <p:oleObj spid="_x0000_s180324" name="Equation" r:id="rId7" imgW="2171700" imgH="495300" progId="Equation.DSMT4">
                   <p:embed/>
                 </p:oleObj>
               </mc:Choice>
@@ -27770,7 +27770,7 @@
           <a:graphicData uri="http://schemas.openxmlformats.org/presentationml/2006/ole">
             <mc:AlternateContent xmlns:mc="http://schemas.openxmlformats.org/markup-compatibility/2006">
               <mc:Choice xmlns:v="urn:schemas-microsoft-com:vml" Requires="v">
-                <p:oleObj spid="_x0000_s180309" name="Equation" r:id="rId9" imgW="1790700" imgH="292100" progId="Equation.DSMT4">
+                <p:oleObj spid="_x0000_s180325" name="Equation" r:id="rId9" imgW="1790700" imgH="292100" progId="Equation.DSMT4">
                   <p:embed/>
                 </p:oleObj>
               </mc:Choice>
@@ -27900,7 +27900,7 @@
           <a:graphicData uri="http://schemas.openxmlformats.org/presentationml/2006/ole">
             <mc:AlternateContent xmlns:mc="http://schemas.openxmlformats.org/markup-compatibility/2006">
               <mc:Choice xmlns:v="urn:schemas-microsoft-com:vml" Requires="v">
-                <p:oleObj spid="_x0000_s180310" name="Equation" r:id="rId11" imgW="355292" imgH="203024" progId="Equation.DSMT4">
+                <p:oleObj spid="_x0000_s180326" name="Equation" r:id="rId11" imgW="355292" imgH="203024" progId="Equation.DSMT4">
                   <p:embed/>
                 </p:oleObj>
               </mc:Choice>
@@ -28038,7 +28038,7 @@
           <a:graphicData uri="http://schemas.openxmlformats.org/presentationml/2006/ole">
             <mc:AlternateContent xmlns:mc="http://schemas.openxmlformats.org/markup-compatibility/2006">
               <mc:Choice xmlns:v="urn:schemas-microsoft-com:vml" Requires="v">
-                <p:oleObj spid="_x0000_s180311" name="Equation" r:id="rId13" imgW="2400300" imgH="469900" progId="Equation.DSMT4">
+                <p:oleObj spid="_x0000_s180327" name="Equation" r:id="rId13" imgW="2400300" imgH="469900" progId="Equation.DSMT4">
                   <p:embed/>
                 </p:oleObj>
               </mc:Choice>
@@ -28168,7 +28168,7 @@
           <a:graphicData uri="http://schemas.openxmlformats.org/presentationml/2006/ole">
             <mc:AlternateContent xmlns:mc="http://schemas.openxmlformats.org/markup-compatibility/2006">
               <mc:Choice xmlns:v="urn:schemas-microsoft-com:vml" Requires="v">
-                <p:oleObj spid="_x0000_s180312" name="Equation" r:id="rId15" imgW="2400300" imgH="495300" progId="Equation.DSMT4">
+                <p:oleObj spid="_x0000_s180328" name="Equation" r:id="rId15" imgW="2400300" imgH="495300" progId="Equation.DSMT4">
                   <p:embed/>
                 </p:oleObj>
               </mc:Choice>
@@ -28261,7 +28261,7 @@
           <a:graphicData uri="http://schemas.openxmlformats.org/presentationml/2006/ole">
             <mc:AlternateContent xmlns:mc="http://schemas.openxmlformats.org/markup-compatibility/2006">
               <mc:Choice xmlns:v="urn:schemas-microsoft-com:vml" Requires="v">
-                <p:oleObj spid="_x0000_s180313" name="Equation" r:id="rId17" imgW="355292" imgH="203024" progId="Equation.DSMT4">
+                <p:oleObj spid="_x0000_s180329" name="Equation" r:id="rId17" imgW="355292" imgH="203024" progId="Equation.DSMT4">
                   <p:embed/>
                 </p:oleObj>
               </mc:Choice>
@@ -28552,7 +28552,7 @@
           <a:graphicData uri="http://schemas.openxmlformats.org/presentationml/2006/ole">
             <mc:AlternateContent xmlns:mc="http://schemas.openxmlformats.org/markup-compatibility/2006">
               <mc:Choice xmlns:v="urn:schemas-microsoft-com:vml" Requires="v">
-                <p:oleObj spid="_x0000_s181311" name="Equation" r:id="rId3" imgW="126835" imgH="139518" progId="Equation.DSMT4">
+                <p:oleObj spid="_x0000_s181323" name="Equation" r:id="rId3" imgW="126835" imgH="139518" progId="Equation.DSMT4">
                   <p:embed/>
                 </p:oleObj>
               </mc:Choice>
@@ -28645,7 +28645,7 @@
           <a:graphicData uri="http://schemas.openxmlformats.org/presentationml/2006/ole">
             <mc:AlternateContent xmlns:mc="http://schemas.openxmlformats.org/markup-compatibility/2006">
               <mc:Choice xmlns:v="urn:schemas-microsoft-com:vml" Requires="v">
-                <p:oleObj spid="_x0000_s181312" name="Equation" r:id="rId5" imgW="215806" imgH="228501" progId="Equation.DSMT4">
+                <p:oleObj spid="_x0000_s181324" name="Equation" r:id="rId5" imgW="215806" imgH="228501" progId="Equation.DSMT4">
                   <p:embed/>
                 </p:oleObj>
               </mc:Choice>
@@ -28738,7 +28738,7 @@
           <a:graphicData uri="http://schemas.openxmlformats.org/presentationml/2006/ole">
             <mc:AlternateContent xmlns:mc="http://schemas.openxmlformats.org/markup-compatibility/2006">
               <mc:Choice xmlns:v="urn:schemas-microsoft-com:vml" Requires="v">
-                <p:oleObj spid="_x0000_s181313" name="Equation" r:id="rId7" imgW="203112" imgH="228501" progId="Equation.DSMT4">
+                <p:oleObj spid="_x0000_s181325" name="Equation" r:id="rId7" imgW="203112" imgH="228501" progId="Equation.DSMT4">
                   <p:embed/>
                 </p:oleObj>
               </mc:Choice>
@@ -28831,7 +28831,7 @@
           <a:graphicData uri="http://schemas.openxmlformats.org/presentationml/2006/ole">
             <mc:AlternateContent xmlns:mc="http://schemas.openxmlformats.org/markup-compatibility/2006">
               <mc:Choice xmlns:v="urn:schemas-microsoft-com:vml" Requires="v">
-                <p:oleObj spid="_x0000_s181314" name="Equation" r:id="rId9" imgW="952087" imgH="393529" progId="Equation.DSMT4">
+                <p:oleObj spid="_x0000_s181326" name="Equation" r:id="rId9" imgW="952087" imgH="393529" progId="Equation.DSMT4">
                   <p:embed/>
                 </p:oleObj>
               </mc:Choice>
@@ -28980,7 +28980,7 @@
           <a:graphicData uri="http://schemas.openxmlformats.org/presentationml/2006/ole">
             <mc:AlternateContent xmlns:mc="http://schemas.openxmlformats.org/markup-compatibility/2006">
               <mc:Choice xmlns:v="urn:schemas-microsoft-com:vml" Requires="v">
-                <p:oleObj spid="_x0000_s181315" name="Equation" r:id="rId11" imgW="190417" imgH="203112" progId="Equation.DSMT4">
+                <p:oleObj spid="_x0000_s181327" name="Equation" r:id="rId11" imgW="190417" imgH="203112" progId="Equation.DSMT4">
                   <p:embed/>
                 </p:oleObj>
               </mc:Choice>
@@ -29073,7 +29073,7 @@
           <a:graphicData uri="http://schemas.openxmlformats.org/presentationml/2006/ole">
             <mc:AlternateContent xmlns:mc="http://schemas.openxmlformats.org/markup-compatibility/2006">
               <mc:Choice xmlns:v="urn:schemas-microsoft-com:vml" Requires="v">
-                <p:oleObj spid="_x0000_s181316" name="Equation" r:id="rId13" imgW="215806" imgH="228501" progId="Equation.DSMT4">
+                <p:oleObj spid="_x0000_s181328" name="Equation" r:id="rId13" imgW="215806" imgH="228501" progId="Equation.DSMT4">
                   <p:embed/>
                 </p:oleObj>
               </mc:Choice>
@@ -29262,7 +29262,7 @@
           <a:graphicData uri="http://schemas.openxmlformats.org/presentationml/2006/ole">
             <mc:AlternateContent xmlns:mc="http://schemas.openxmlformats.org/markup-compatibility/2006">
               <mc:Choice xmlns:v="urn:schemas-microsoft-com:vml" Requires="v">
-                <p:oleObj spid="_x0000_s182284" name="Equation" r:id="rId3" imgW="749300" imgH="228600" progId="Equation.DSMT4">
+                <p:oleObj spid="_x0000_s182286" name="Equation" r:id="rId3" imgW="749300" imgH="228600" progId="Equation.DSMT4">
                   <p:embed/>
                 </p:oleObj>
               </mc:Choice>
@@ -30529,7 +30529,7 @@
           <a:graphicData uri="http://schemas.openxmlformats.org/presentationml/2006/ole">
             <mc:AlternateContent xmlns:mc="http://schemas.openxmlformats.org/markup-compatibility/2006">
               <mc:Choice xmlns:v="urn:schemas-microsoft-com:vml" Requires="v">
-                <p:oleObj spid="_x0000_s184372" name="Equation" r:id="rId3" imgW="4279900" imgH="1028700" progId="Equation.DSMT4">
+                <p:oleObj spid="_x0000_s184382" name="Equation" r:id="rId3" imgW="4279900" imgH="1028700" progId="Equation.DSMT4">
                   <p:embed/>
                 </p:oleObj>
               </mc:Choice>
@@ -30622,7 +30622,7 @@
           <a:graphicData uri="http://schemas.openxmlformats.org/presentationml/2006/ole">
             <mc:AlternateContent xmlns:mc="http://schemas.openxmlformats.org/markup-compatibility/2006">
               <mc:Choice xmlns:v="urn:schemas-microsoft-com:vml" Requires="v">
-                <p:oleObj spid="_x0000_s184373" name="Equation" r:id="rId5" imgW="3390900" imgH="838200" progId="Equation.DSMT4">
+                <p:oleObj spid="_x0000_s184383" name="Equation" r:id="rId5" imgW="3390900" imgH="838200" progId="Equation.DSMT4">
                   <p:embed/>
                 </p:oleObj>
               </mc:Choice>
@@ -30715,7 +30715,7 @@
           <a:graphicData uri="http://schemas.openxmlformats.org/presentationml/2006/ole">
             <mc:AlternateContent xmlns:mc="http://schemas.openxmlformats.org/markup-compatibility/2006">
               <mc:Choice xmlns:v="urn:schemas-microsoft-com:vml" Requires="v">
-                <p:oleObj spid="_x0000_s184374" name="Equation" r:id="rId7" imgW="3390900" imgH="838200" progId="Equation.DSMT4">
+                <p:oleObj spid="_x0000_s184384" name="Equation" r:id="rId7" imgW="3390900" imgH="838200" progId="Equation.DSMT4">
                   <p:embed/>
                 </p:oleObj>
               </mc:Choice>
@@ -30845,7 +30845,7 @@
           <a:graphicData uri="http://schemas.openxmlformats.org/presentationml/2006/ole">
             <mc:AlternateContent xmlns:mc="http://schemas.openxmlformats.org/markup-compatibility/2006">
               <mc:Choice xmlns:v="urn:schemas-microsoft-com:vml" Requires="v">
-                <p:oleObj spid="_x0000_s184375" name="Equation" r:id="rId8" imgW="2514600" imgH="647700" progId="Equation.DSMT4">
+                <p:oleObj spid="_x0000_s184385" name="Equation" r:id="rId8" imgW="2514600" imgH="647700" progId="Equation.DSMT4">
                   <p:embed/>
                 </p:oleObj>
               </mc:Choice>
@@ -30975,7 +30975,7 @@
           <a:graphicData uri="http://schemas.openxmlformats.org/presentationml/2006/ole">
             <mc:AlternateContent xmlns:mc="http://schemas.openxmlformats.org/markup-compatibility/2006">
               <mc:Choice xmlns:v="urn:schemas-microsoft-com:vml" Requires="v">
-                <p:oleObj spid="_x0000_s184376" name="Equation" r:id="rId10" imgW="2235200" imgH="838200" progId="Equation.DSMT4">
+                <p:oleObj spid="_x0000_s184386" name="Equation" r:id="rId10" imgW="2235200" imgH="838200" progId="Equation.DSMT4">
                   <p:embed/>
                 </p:oleObj>
               </mc:Choice>
@@ -31243,7 +31243,7 @@
           <a:graphicData uri="http://schemas.openxmlformats.org/presentationml/2006/ole">
             <mc:AlternateContent xmlns:mc="http://schemas.openxmlformats.org/markup-compatibility/2006">
               <mc:Choice xmlns:v="urn:schemas-microsoft-com:vml" Requires="v">
-                <p:oleObj spid="_x0000_s185467" name="Equation" r:id="rId3" imgW="1892300" imgH="431800" progId="Equation.DSMT4">
+                <p:oleObj spid="_x0000_s185489" name="Equation" r:id="rId3" imgW="1892300" imgH="431800" progId="Equation.DSMT4">
                   <p:embed/>
                 </p:oleObj>
               </mc:Choice>
@@ -31406,7 +31406,7 @@
           <a:graphicData uri="http://schemas.openxmlformats.org/presentationml/2006/ole">
             <mc:AlternateContent xmlns:mc="http://schemas.openxmlformats.org/markup-compatibility/2006">
               <mc:Choice xmlns:v="urn:schemas-microsoft-com:vml" Requires="v">
-                <p:oleObj spid="_x0000_s185468" name="Equation" r:id="rId5" imgW="228600" imgH="228600" progId="Equation.DSMT4">
+                <p:oleObj spid="_x0000_s185490" name="Equation" r:id="rId5" imgW="228600" imgH="228600" progId="Equation.DSMT4">
                   <p:embed/>
                 </p:oleObj>
               </mc:Choice>
@@ -31499,7 +31499,7 @@
           <a:graphicData uri="http://schemas.openxmlformats.org/presentationml/2006/ole">
             <mc:AlternateContent xmlns:mc="http://schemas.openxmlformats.org/markup-compatibility/2006">
               <mc:Choice xmlns:v="urn:schemas-microsoft-com:vml" Requires="v">
-                <p:oleObj spid="_x0000_s185469" name="Equation" r:id="rId7" imgW="406048" imgH="393359" progId="Equation.DSMT4">
+                <p:oleObj spid="_x0000_s185491" name="Equation" r:id="rId7" imgW="406048" imgH="393359" progId="Equation.DSMT4">
                   <p:embed/>
                 </p:oleObj>
               </mc:Choice>
@@ -31592,7 +31592,7 @@
           <a:graphicData uri="http://schemas.openxmlformats.org/presentationml/2006/ole">
             <mc:AlternateContent xmlns:mc="http://schemas.openxmlformats.org/markup-compatibility/2006">
               <mc:Choice xmlns:v="urn:schemas-microsoft-com:vml" Requires="v">
-                <p:oleObj spid="_x0000_s185470" name="Equation" r:id="rId9" imgW="710891" imgH="431613" progId="Equation.DSMT4">
+                <p:oleObj spid="_x0000_s185492" name="Equation" r:id="rId9" imgW="710891" imgH="431613" progId="Equation.DSMT4">
                   <p:embed/>
                 </p:oleObj>
               </mc:Choice>
@@ -31685,7 +31685,7 @@
           <a:graphicData uri="http://schemas.openxmlformats.org/presentationml/2006/ole">
             <mc:AlternateContent xmlns:mc="http://schemas.openxmlformats.org/markup-compatibility/2006">
               <mc:Choice xmlns:v="urn:schemas-microsoft-com:vml" Requires="v">
-                <p:oleObj spid="_x0000_s185471" name="Equation" r:id="rId11" imgW="228600" imgH="228600" progId="Equation.DSMT4">
+                <p:oleObj spid="_x0000_s185493" name="Equation" r:id="rId11" imgW="228600" imgH="228600" progId="Equation.DSMT4">
                   <p:embed/>
                 </p:oleObj>
               </mc:Choice>
@@ -31778,7 +31778,7 @@
           <a:graphicData uri="http://schemas.openxmlformats.org/presentationml/2006/ole">
             <mc:AlternateContent xmlns:mc="http://schemas.openxmlformats.org/markup-compatibility/2006">
               <mc:Choice xmlns:v="urn:schemas-microsoft-com:vml" Requires="v">
-                <p:oleObj spid="_x0000_s185472" name="Equation" r:id="rId13" imgW="291973" imgH="253890" progId="Equation.DSMT4">
+                <p:oleObj spid="_x0000_s185494" name="Equation" r:id="rId13" imgW="291973" imgH="253890" progId="Equation.DSMT4">
                   <p:embed/>
                 </p:oleObj>
               </mc:Choice>
@@ -31871,7 +31871,7 @@
           <a:graphicData uri="http://schemas.openxmlformats.org/presentationml/2006/ole">
             <mc:AlternateContent xmlns:mc="http://schemas.openxmlformats.org/markup-compatibility/2006">
               <mc:Choice xmlns:v="urn:schemas-microsoft-com:vml" Requires="v">
-                <p:oleObj spid="_x0000_s185473" name="Equation" r:id="rId15" imgW="2654300" imgH="482600" progId="Equation.DSMT4">
+                <p:oleObj spid="_x0000_s185495" name="Equation" r:id="rId15" imgW="2654300" imgH="482600" progId="Equation.DSMT4">
                   <p:embed/>
                 </p:oleObj>
               </mc:Choice>
@@ -31964,7 +31964,7 @@
           <a:graphicData uri="http://schemas.openxmlformats.org/presentationml/2006/ole">
             <mc:AlternateContent xmlns:mc="http://schemas.openxmlformats.org/markup-compatibility/2006">
               <mc:Choice xmlns:v="urn:schemas-microsoft-com:vml" Requires="v">
-                <p:oleObj spid="_x0000_s185474" name="Equation" r:id="rId17" imgW="1828800" imgH="457200" progId="Equation.DSMT4">
+                <p:oleObj spid="_x0000_s185496" name="Equation" r:id="rId17" imgW="1828800" imgH="457200" progId="Equation.DSMT4">
                   <p:embed/>
                 </p:oleObj>
               </mc:Choice>
@@ -32057,7 +32057,7 @@
           <a:graphicData uri="http://schemas.openxmlformats.org/presentationml/2006/ole">
             <mc:AlternateContent xmlns:mc="http://schemas.openxmlformats.org/markup-compatibility/2006">
               <mc:Choice xmlns:v="urn:schemas-microsoft-com:vml" Requires="v">
-                <p:oleObj spid="_x0000_s185475" name="Equation" r:id="rId19" imgW="2311400" imgH="482600" progId="Equation.DSMT4">
+                <p:oleObj spid="_x0000_s185497" name="Equation" r:id="rId19" imgW="2311400" imgH="482600" progId="Equation.DSMT4">
                   <p:embed/>
                 </p:oleObj>
               </mc:Choice>
@@ -32187,7 +32187,7 @@
           <a:graphicData uri="http://schemas.openxmlformats.org/presentationml/2006/ole">
             <mc:AlternateContent xmlns:mc="http://schemas.openxmlformats.org/markup-compatibility/2006">
               <mc:Choice xmlns:v="urn:schemas-microsoft-com:vml" Requires="v">
-                <p:oleObj spid="_x0000_s185476" name="Equation" r:id="rId21" imgW="1231900" imgH="457200" progId="Equation.DSMT4">
+                <p:oleObj spid="_x0000_s185498" name="Equation" r:id="rId21" imgW="1231900" imgH="457200" progId="Equation.DSMT4">
                   <p:embed/>
                 </p:oleObj>
               </mc:Choice>
@@ -32394,7 +32394,7 @@
           <a:graphicData uri="http://schemas.openxmlformats.org/presentationml/2006/ole">
             <mc:AlternateContent xmlns:mc="http://schemas.openxmlformats.org/markup-compatibility/2006">
               <mc:Choice xmlns:v="urn:schemas-microsoft-com:vml" Requires="v">
-                <p:oleObj spid="_x0000_s185477" name="Equation" r:id="rId23" imgW="152334" imgH="139639" progId="Equation.DSMT4">
+                <p:oleObj spid="_x0000_s185499" name="Equation" r:id="rId23" imgW="152334" imgH="139639" progId="Equation.DSMT4">
                   <p:embed/>
                 </p:oleObj>
               </mc:Choice>
@@ -32659,7 +32659,7 @@
           <a:graphicData uri="http://schemas.openxmlformats.org/presentationml/2006/ole">
             <mc:AlternateContent xmlns:mc="http://schemas.openxmlformats.org/markup-compatibility/2006">
               <mc:Choice xmlns:v="urn:schemas-microsoft-com:vml" Requires="v">
-                <p:oleObj spid="_x0000_s186388" name="Equation" r:id="rId4" imgW="2692080" imgH="812520" progId="Equation.DSMT4">
+                <p:oleObj spid="_x0000_s186392" name="Equation" r:id="rId4" imgW="2692080" imgH="812520" progId="Equation.DSMT4">
                   <p:embed/>
                 </p:oleObj>
               </mc:Choice>
@@ -32729,7 +32729,7 @@
           <a:graphicData uri="http://schemas.openxmlformats.org/presentationml/2006/ole">
             <mc:AlternateContent xmlns:mc="http://schemas.openxmlformats.org/markup-compatibility/2006">
               <mc:Choice xmlns:v="urn:schemas-microsoft-com:vml" Requires="v">
-                <p:oleObj spid="_x0000_s186389" name="Equation" r:id="rId6" imgW="2603160" imgH="812520" progId="Equation.DSMT4">
+                <p:oleObj spid="_x0000_s186393" name="Equation" r:id="rId6" imgW="2603160" imgH="812520" progId="Equation.DSMT4">
                   <p:embed/>
                 </p:oleObj>
               </mc:Choice>
@@ -33025,7 +33025,7 @@
           <a:graphicData uri="http://schemas.openxmlformats.org/presentationml/2006/ole">
             <mc:AlternateContent xmlns:mc="http://schemas.openxmlformats.org/markup-compatibility/2006">
               <mc:Choice xmlns:v="urn:schemas-microsoft-com:vml" Requires="v">
-                <p:oleObj spid="_x0000_s187493" name="Equation" r:id="rId4" imgW="1231560" imgH="304560" progId="Equation.DSMT4">
+                <p:oleObj spid="_x0000_s187515" name="Equation" r:id="rId4" imgW="1231560" imgH="304560" progId="Equation.DSMT4">
                   <p:embed/>
                 </p:oleObj>
               </mc:Choice>
@@ -33095,7 +33095,7 @@
           <a:graphicData uri="http://schemas.openxmlformats.org/presentationml/2006/ole">
             <mc:AlternateContent xmlns:mc="http://schemas.openxmlformats.org/markup-compatibility/2006">
               <mc:Choice xmlns:v="urn:schemas-microsoft-com:vml" Requires="v">
-                <p:oleObj spid="_x0000_s187494" name="Equation" r:id="rId6" imgW="3136680" imgH="444240" progId="Equation.DSMT4">
+                <p:oleObj spid="_x0000_s187516" name="Equation" r:id="rId6" imgW="3136680" imgH="444240" progId="Equation.DSMT4">
                   <p:embed/>
                 </p:oleObj>
               </mc:Choice>
@@ -33165,7 +33165,7 @@
           <a:graphicData uri="http://schemas.openxmlformats.org/presentationml/2006/ole">
             <mc:AlternateContent xmlns:mc="http://schemas.openxmlformats.org/markup-compatibility/2006">
               <mc:Choice xmlns:v="urn:schemas-microsoft-com:vml" Requires="v">
-                <p:oleObj spid="_x0000_s187495" name="Equation" r:id="rId8" imgW="2616120" imgH="291960" progId="Equation.DSMT4">
+                <p:oleObj spid="_x0000_s187517" name="Equation" r:id="rId8" imgW="2616120" imgH="291960" progId="Equation.DSMT4">
                   <p:embed/>
                 </p:oleObj>
               </mc:Choice>
@@ -33235,7 +33235,7 @@
           <a:graphicData uri="http://schemas.openxmlformats.org/presentationml/2006/ole">
             <mc:AlternateContent xmlns:mc="http://schemas.openxmlformats.org/markup-compatibility/2006">
               <mc:Choice xmlns:v="urn:schemas-microsoft-com:vml" Requires="v">
-                <p:oleObj spid="_x0000_s187496" name="Equation" r:id="rId10" imgW="3936960" imgH="419040" progId="Equation.DSMT4">
+                <p:oleObj spid="_x0000_s187518" name="Equation" r:id="rId10" imgW="3936960" imgH="419040" progId="Equation.DSMT4">
                   <p:embed/>
                 </p:oleObj>
               </mc:Choice>
@@ -33305,7 +33305,7 @@
           <a:graphicData uri="http://schemas.openxmlformats.org/presentationml/2006/ole">
             <mc:AlternateContent xmlns:mc="http://schemas.openxmlformats.org/markup-compatibility/2006">
               <mc:Choice xmlns:v="urn:schemas-microsoft-com:vml" Requires="v">
-                <p:oleObj spid="_x0000_s187497" name="Equation" r:id="rId12" imgW="1168200" imgH="419040" progId="Equation.DSMT4">
+                <p:oleObj spid="_x0000_s187519" name="Equation" r:id="rId12" imgW="1168200" imgH="419040" progId="Equation.DSMT4">
                   <p:embed/>
                 </p:oleObj>
               </mc:Choice>
@@ -33375,7 +33375,7 @@
           <a:graphicData uri="http://schemas.openxmlformats.org/presentationml/2006/ole">
             <mc:AlternateContent xmlns:mc="http://schemas.openxmlformats.org/markup-compatibility/2006">
               <mc:Choice xmlns:v="urn:schemas-microsoft-com:vml" Requires="v">
-                <p:oleObj spid="_x0000_s187498" name="Equation" r:id="rId14" imgW="2781000" imgH="419040" progId="Equation.DSMT4">
+                <p:oleObj spid="_x0000_s187520" name="Equation" r:id="rId14" imgW="2781000" imgH="419040" progId="Equation.DSMT4">
                   <p:embed/>
                 </p:oleObj>
               </mc:Choice>
@@ -33445,7 +33445,7 @@
           <a:graphicData uri="http://schemas.openxmlformats.org/presentationml/2006/ole">
             <mc:AlternateContent xmlns:mc="http://schemas.openxmlformats.org/markup-compatibility/2006">
               <mc:Choice xmlns:v="urn:schemas-microsoft-com:vml" Requires="v">
-                <p:oleObj spid="_x0000_s187499" name="Equation" r:id="rId16" imgW="1130040" imgH="419040" progId="Equation.DSMT4">
+                <p:oleObj spid="_x0000_s187521" name="Equation" r:id="rId16" imgW="1130040" imgH="419040" progId="Equation.DSMT4">
                   <p:embed/>
                 </p:oleObj>
               </mc:Choice>
@@ -33515,7 +33515,7 @@
           <a:graphicData uri="http://schemas.openxmlformats.org/presentationml/2006/ole">
             <mc:AlternateContent xmlns:mc="http://schemas.openxmlformats.org/markup-compatibility/2006">
               <mc:Choice xmlns:v="urn:schemas-microsoft-com:vml" Requires="v">
-                <p:oleObj spid="_x0000_s187500" name="Equation" r:id="rId18" imgW="1625400" imgH="241200" progId="Equation.DSMT4">
+                <p:oleObj spid="_x0000_s187522" name="Equation" r:id="rId18" imgW="1625400" imgH="241200" progId="Equation.DSMT4">
                   <p:embed/>
                 </p:oleObj>
               </mc:Choice>
@@ -33713,7 +33713,7 @@
           <a:graphicData uri="http://schemas.openxmlformats.org/presentationml/2006/ole">
             <mc:AlternateContent xmlns:mc="http://schemas.openxmlformats.org/markup-compatibility/2006">
               <mc:Choice xmlns:v="urn:schemas-microsoft-com:vml" Requires="v">
-                <p:oleObj spid="_x0000_s187501" name="Equation" r:id="rId20" imgW="406080" imgH="393480" progId="Equation.DSMT4">
+                <p:oleObj spid="_x0000_s187523" name="Equation" r:id="rId20" imgW="406080" imgH="393480" progId="Equation.DSMT4">
                   <p:embed/>
                 </p:oleObj>
               </mc:Choice>
@@ -33783,7 +33783,7 @@
           <a:graphicData uri="http://schemas.openxmlformats.org/presentationml/2006/ole">
             <mc:AlternateContent xmlns:mc="http://schemas.openxmlformats.org/markup-compatibility/2006">
               <mc:Choice xmlns:v="urn:schemas-microsoft-com:vml" Requires="v">
-                <p:oleObj spid="_x0000_s187502" name="Equation" r:id="rId22" imgW="203040" imgH="164880" progId="Equation.DSMT4">
+                <p:oleObj spid="_x0000_s187524" name="Equation" r:id="rId22" imgW="203040" imgH="164880" progId="Equation.DSMT4">
                   <p:embed/>
                 </p:oleObj>
               </mc:Choice>
@@ -33853,7 +33853,7 @@
           <a:graphicData uri="http://schemas.openxmlformats.org/presentationml/2006/ole">
             <mc:AlternateContent xmlns:mc="http://schemas.openxmlformats.org/markup-compatibility/2006">
               <mc:Choice xmlns:v="urn:schemas-microsoft-com:vml" Requires="v">
-                <p:oleObj spid="_x0000_s187503" name="Equation" r:id="rId24" imgW="1041120" imgH="241200" progId="Equation.DSMT4">
+                <p:oleObj spid="_x0000_s187525" name="Equation" r:id="rId24" imgW="1041120" imgH="241200" progId="Equation.DSMT4">
                   <p:embed/>
                 </p:oleObj>
               </mc:Choice>
@@ -34087,7 +34087,7 @@
           <a:graphicData uri="http://schemas.openxmlformats.org/presentationml/2006/ole">
             <mc:AlternateContent xmlns:mc="http://schemas.openxmlformats.org/markup-compatibility/2006">
               <mc:Choice xmlns:v="urn:schemas-microsoft-com:vml" Requires="v">
-                <p:oleObj spid="_x0000_s15448" r:id="rId3" imgW="774364" imgH="253890" progId="Equation.DSMT4">
+                <p:oleObj spid="_x0000_s15464" r:id="rId3" imgW="774364" imgH="253890" progId="Equation.DSMT4">
                   <p:embed/>
                 </p:oleObj>
               </mc:Choice>
@@ -34157,7 +34157,7 @@
           <a:graphicData uri="http://schemas.openxmlformats.org/presentationml/2006/ole">
             <mc:AlternateContent xmlns:mc="http://schemas.openxmlformats.org/markup-compatibility/2006">
               <mc:Choice xmlns:v="urn:schemas-microsoft-com:vml" Requires="v">
-                <p:oleObj spid="_x0000_s15449" r:id="rId5" imgW="901309" imgH="253890" progId="Equation.DSMT4">
+                <p:oleObj spid="_x0000_s15465" r:id="rId5" imgW="901309" imgH="253890" progId="Equation.DSMT4">
                   <p:embed/>
                 </p:oleObj>
               </mc:Choice>
@@ -34227,7 +34227,7 @@
           <a:graphicData uri="http://schemas.openxmlformats.org/presentationml/2006/ole">
             <mc:AlternateContent xmlns:mc="http://schemas.openxmlformats.org/markup-compatibility/2006">
               <mc:Choice xmlns:v="urn:schemas-microsoft-com:vml" Requires="v">
-                <p:oleObj spid="_x0000_s15450" r:id="rId7" imgW="3987800" imgH="431800" progId="Equation.DSMT4">
+                <p:oleObj spid="_x0000_s15466" r:id="rId7" imgW="3987800" imgH="431800" progId="Equation.DSMT4">
                   <p:embed/>
                 </p:oleObj>
               </mc:Choice>
@@ -34297,7 +34297,7 @@
           <a:graphicData uri="http://schemas.openxmlformats.org/presentationml/2006/ole">
             <mc:AlternateContent xmlns:mc="http://schemas.openxmlformats.org/markup-compatibility/2006">
               <mc:Choice xmlns:v="urn:schemas-microsoft-com:vml" Requires="v">
-                <p:oleObj spid="_x0000_s15451" r:id="rId9" imgW="774364" imgH="253890" progId="Equation.DSMT4">
+                <p:oleObj spid="_x0000_s15467" r:id="rId9" imgW="774364" imgH="253890" progId="Equation.DSMT4">
                   <p:embed/>
                 </p:oleObj>
               </mc:Choice>
@@ -34367,7 +34367,7 @@
           <a:graphicData uri="http://schemas.openxmlformats.org/presentationml/2006/ole">
             <mc:AlternateContent xmlns:mc="http://schemas.openxmlformats.org/markup-compatibility/2006">
               <mc:Choice xmlns:v="urn:schemas-microsoft-com:vml" Requires="v">
-                <p:oleObj spid="_x0000_s15452" r:id="rId10" imgW="901309" imgH="253890" progId="Equation.DSMT4">
+                <p:oleObj spid="_x0000_s15468" r:id="rId10" imgW="901309" imgH="253890" progId="Equation.DSMT4">
                   <p:embed/>
                 </p:oleObj>
               </mc:Choice>
@@ -34437,7 +34437,7 @@
           <a:graphicData uri="http://schemas.openxmlformats.org/presentationml/2006/ole">
             <mc:AlternateContent xmlns:mc="http://schemas.openxmlformats.org/markup-compatibility/2006">
               <mc:Choice xmlns:v="urn:schemas-microsoft-com:vml" Requires="v">
-                <p:oleObj spid="_x0000_s15453" r:id="rId11" imgW="3987800" imgH="431800" progId="Equation.DSMT4">
+                <p:oleObj spid="_x0000_s15469" r:id="rId11" imgW="3987800" imgH="431800" progId="Equation.DSMT4">
                   <p:embed/>
                 </p:oleObj>
               </mc:Choice>
@@ -34523,7 +34523,7 @@
             <a:graphicData uri="http://schemas.openxmlformats.org/presentationml/2006/ole">
               <mc:AlternateContent xmlns:mc="http://schemas.openxmlformats.org/markup-compatibility/2006">
                 <mc:Choice xmlns:v="urn:schemas-microsoft-com:vml" Requires="v">
-                  <p:oleObj spid="_x0000_s15454" r:id="rId12" imgW="774364" imgH="253890" progId="Equation.DSMT4">
+                  <p:oleObj spid="_x0000_s15470" r:id="rId12" imgW="774364" imgH="253890" progId="Equation.DSMT4">
                     <p:embed/>
                   </p:oleObj>
                 </mc:Choice>
@@ -34593,7 +34593,7 @@
             <a:graphicData uri="http://schemas.openxmlformats.org/presentationml/2006/ole">
               <mc:AlternateContent xmlns:mc="http://schemas.openxmlformats.org/markup-compatibility/2006">
                 <mc:Choice xmlns:v="urn:schemas-microsoft-com:vml" Requires="v">
-                  <p:oleObj spid="_x0000_s15455" r:id="rId13" imgW="901309" imgH="253890" progId="Equation.DSMT4">
+                  <p:oleObj spid="_x0000_s15471" r:id="rId13" imgW="901309" imgH="253890" progId="Equation.DSMT4">
                     <p:embed/>
                   </p:oleObj>
                 </mc:Choice>
@@ -35055,7 +35055,7 @@
           <a:graphicData uri="http://schemas.openxmlformats.org/presentationml/2006/ole">
             <mc:AlternateContent xmlns:mc="http://schemas.openxmlformats.org/markup-compatibility/2006">
               <mc:Choice xmlns:v="urn:schemas-microsoft-com:vml" Requires="v">
-                <p:oleObj spid="_x0000_s188589" name="Equation" r:id="rId4" imgW="1346200" imgH="431800" progId="Equation.DSMT4">
+                <p:oleObj spid="_x0000_s188627" name="Equation" r:id="rId4" imgW="1346200" imgH="431800" progId="Equation.DSMT4">
                   <p:embed/>
                 </p:oleObj>
               </mc:Choice>
@@ -35125,7 +35125,7 @@
           <a:graphicData uri="http://schemas.openxmlformats.org/presentationml/2006/ole">
             <mc:AlternateContent xmlns:mc="http://schemas.openxmlformats.org/markup-compatibility/2006">
               <mc:Choice xmlns:v="urn:schemas-microsoft-com:vml" Requires="v">
-                <p:oleObj spid="_x0000_s188590" name="Equation" r:id="rId6" imgW="1333440" imgH="431640" progId="Equation.DSMT4">
+                <p:oleObj spid="_x0000_s188628" name="Equation" r:id="rId6" imgW="1333440" imgH="431640" progId="Equation.DSMT4">
                   <p:embed/>
                 </p:oleObj>
               </mc:Choice>
@@ -35195,7 +35195,7 @@
           <a:graphicData uri="http://schemas.openxmlformats.org/presentationml/2006/ole">
             <mc:AlternateContent xmlns:mc="http://schemas.openxmlformats.org/markup-compatibility/2006">
               <mc:Choice xmlns:v="urn:schemas-microsoft-com:vml" Requires="v">
-                <p:oleObj spid="_x0000_s188591" name="Equation" r:id="rId8" imgW="1054080" imgH="457200" progId="Equation.DSMT4">
+                <p:oleObj spid="_x0000_s188629" name="Equation" r:id="rId8" imgW="1054080" imgH="457200" progId="Equation.DSMT4">
                   <p:embed/>
                 </p:oleObj>
               </mc:Choice>
@@ -35265,7 +35265,7 @@
           <a:graphicData uri="http://schemas.openxmlformats.org/presentationml/2006/ole">
             <mc:AlternateContent xmlns:mc="http://schemas.openxmlformats.org/markup-compatibility/2006">
               <mc:Choice xmlns:v="urn:schemas-microsoft-com:vml" Requires="v">
-                <p:oleObj spid="_x0000_s188592" name="Equation" r:id="rId10" imgW="1828800" imgH="393480" progId="Equation.DSMT4">
+                <p:oleObj spid="_x0000_s188630" name="Equation" r:id="rId10" imgW="1828800" imgH="393480" progId="Equation.DSMT4">
                   <p:embed/>
                 </p:oleObj>
               </mc:Choice>
@@ -35419,7 +35419,7 @@
           <a:graphicData uri="http://schemas.openxmlformats.org/presentationml/2006/ole">
             <mc:AlternateContent xmlns:mc="http://schemas.openxmlformats.org/markup-compatibility/2006">
               <mc:Choice xmlns:v="urn:schemas-microsoft-com:vml" Requires="v">
-                <p:oleObj spid="_x0000_s188593" name="Equation" r:id="rId12" imgW="152280" imgH="139680" progId="Equation.DSMT4">
+                <p:oleObj spid="_x0000_s188631" name="Equation" r:id="rId12" imgW="152280" imgH="139680" progId="Equation.DSMT4">
                   <p:embed/>
                 </p:oleObj>
               </mc:Choice>
@@ -35489,7 +35489,7 @@
           <a:graphicData uri="http://schemas.openxmlformats.org/presentationml/2006/ole">
             <mc:AlternateContent xmlns:mc="http://schemas.openxmlformats.org/markup-compatibility/2006">
               <mc:Choice xmlns:v="urn:schemas-microsoft-com:vml" Requires="v">
-                <p:oleObj spid="_x0000_s188594" name="Equation" r:id="rId14" imgW="190440" imgH="164880" progId="Equation.DSMT4">
+                <p:oleObj spid="_x0000_s188632" name="Equation" r:id="rId14" imgW="190440" imgH="164880" progId="Equation.DSMT4">
                   <p:embed/>
                 </p:oleObj>
               </mc:Choice>
@@ -35559,7 +35559,7 @@
           <a:graphicData uri="http://schemas.openxmlformats.org/presentationml/2006/ole">
             <mc:AlternateContent xmlns:mc="http://schemas.openxmlformats.org/markup-compatibility/2006">
               <mc:Choice xmlns:v="urn:schemas-microsoft-com:vml" Requires="v">
-                <p:oleObj spid="_x0000_s188595" name="Equation" r:id="rId16" imgW="533160" imgH="393480" progId="Equation.DSMT4">
+                <p:oleObj spid="_x0000_s188633" name="Equation" r:id="rId16" imgW="533160" imgH="393480" progId="Equation.DSMT4">
                   <p:embed/>
                 </p:oleObj>
               </mc:Choice>
@@ -35629,7 +35629,7 @@
           <a:graphicData uri="http://schemas.openxmlformats.org/presentationml/2006/ole">
             <mc:AlternateContent xmlns:mc="http://schemas.openxmlformats.org/markup-compatibility/2006">
               <mc:Choice xmlns:v="urn:schemas-microsoft-com:vml" Requires="v">
-                <p:oleObj spid="_x0000_s188596" name="Equation" r:id="rId18" imgW="241200" imgH="393480" progId="Equation.DSMT4">
+                <p:oleObj spid="_x0000_s188634" name="Equation" r:id="rId18" imgW="241200" imgH="393480" progId="Equation.DSMT4">
                   <p:embed/>
                 </p:oleObj>
               </mc:Choice>
@@ -35699,7 +35699,7 @@
           <a:graphicData uri="http://schemas.openxmlformats.org/presentationml/2006/ole">
             <mc:AlternateContent xmlns:mc="http://schemas.openxmlformats.org/markup-compatibility/2006">
               <mc:Choice xmlns:v="urn:schemas-microsoft-com:vml" Requires="v">
-                <p:oleObj spid="_x0000_s188597" name="Equation" r:id="rId20" imgW="444240" imgH="177480" progId="Equation.DSMT4">
+                <p:oleObj spid="_x0000_s188635" name="Equation" r:id="rId20" imgW="444240" imgH="177480" progId="Equation.DSMT4">
                   <p:embed/>
                 </p:oleObj>
               </mc:Choice>
@@ -35831,7 +35831,7 @@
           <a:graphicData uri="http://schemas.openxmlformats.org/presentationml/2006/ole">
             <mc:AlternateContent xmlns:mc="http://schemas.openxmlformats.org/markup-compatibility/2006">
               <mc:Choice xmlns:v="urn:schemas-microsoft-com:vml" Requires="v">
-                <p:oleObj spid="_x0000_s188598" name="Equation" r:id="rId22" imgW="190440" imgH="228600" progId="Equation.DSMT4">
+                <p:oleObj spid="_x0000_s188636" name="Equation" r:id="rId22" imgW="190440" imgH="228600" progId="Equation.DSMT4">
                   <p:embed/>
                 </p:oleObj>
               </mc:Choice>
@@ -35901,7 +35901,7 @@
           <a:graphicData uri="http://schemas.openxmlformats.org/presentationml/2006/ole">
             <mc:AlternateContent xmlns:mc="http://schemas.openxmlformats.org/markup-compatibility/2006">
               <mc:Choice xmlns:v="urn:schemas-microsoft-com:vml" Requires="v">
-                <p:oleObj spid="_x0000_s188599" name="Equation" r:id="rId24" imgW="203040" imgH="228600" progId="Equation.DSMT4">
+                <p:oleObj spid="_x0000_s188637" name="Equation" r:id="rId24" imgW="203040" imgH="228600" progId="Equation.DSMT4">
                   <p:embed/>
                 </p:oleObj>
               </mc:Choice>
@@ -35971,7 +35971,7 @@
           <a:graphicData uri="http://schemas.openxmlformats.org/presentationml/2006/ole">
             <mc:AlternateContent xmlns:mc="http://schemas.openxmlformats.org/markup-compatibility/2006">
               <mc:Choice xmlns:v="urn:schemas-microsoft-com:vml" Requires="v">
-                <p:oleObj spid="_x0000_s188600" name="Equation" r:id="rId26" imgW="152280" imgH="139680" progId="Equation.DSMT4">
+                <p:oleObj spid="_x0000_s188638" name="Equation" r:id="rId26" imgW="152280" imgH="139680" progId="Equation.DSMT4">
                   <p:embed/>
                 </p:oleObj>
               </mc:Choice>
@@ -36041,7 +36041,7 @@
           <a:graphicData uri="http://schemas.openxmlformats.org/presentationml/2006/ole">
             <mc:AlternateContent xmlns:mc="http://schemas.openxmlformats.org/markup-compatibility/2006">
               <mc:Choice xmlns:v="urn:schemas-microsoft-com:vml" Requires="v">
-                <p:oleObj spid="_x0000_s188601" name="Equation" r:id="rId28" imgW="533160" imgH="393480" progId="Equation.DSMT4">
+                <p:oleObj spid="_x0000_s188639" name="Equation" r:id="rId28" imgW="533160" imgH="393480" progId="Equation.DSMT4">
                   <p:embed/>
                 </p:oleObj>
               </mc:Choice>
@@ -36111,7 +36111,7 @@
           <a:graphicData uri="http://schemas.openxmlformats.org/presentationml/2006/ole">
             <mc:AlternateContent xmlns:mc="http://schemas.openxmlformats.org/markup-compatibility/2006">
               <mc:Choice xmlns:v="urn:schemas-microsoft-com:vml" Requires="v">
-                <p:oleObj spid="_x0000_s188602" name="Equation" r:id="rId30" imgW="190440" imgH="203040" progId="Equation.DSMT4">
+                <p:oleObj spid="_x0000_s188640" name="Equation" r:id="rId30" imgW="190440" imgH="203040" progId="Equation.DSMT4">
                   <p:embed/>
                 </p:oleObj>
               </mc:Choice>
@@ -36181,7 +36181,7 @@
           <a:graphicData uri="http://schemas.openxmlformats.org/presentationml/2006/ole">
             <mc:AlternateContent xmlns:mc="http://schemas.openxmlformats.org/markup-compatibility/2006">
               <mc:Choice xmlns:v="urn:schemas-microsoft-com:vml" Requires="v">
-                <p:oleObj spid="_x0000_s188603" name="Equation" r:id="rId32" imgW="711000" imgH="431640" progId="Equation.DSMT4">
+                <p:oleObj spid="_x0000_s188641" name="Equation" r:id="rId32" imgW="711000" imgH="431640" progId="Equation.DSMT4">
                   <p:embed/>
                 </p:oleObj>
               </mc:Choice>
@@ -36251,7 +36251,7 @@
           <a:graphicData uri="http://schemas.openxmlformats.org/presentationml/2006/ole">
             <mc:AlternateContent xmlns:mc="http://schemas.openxmlformats.org/markup-compatibility/2006">
               <mc:Choice xmlns:v="urn:schemas-microsoft-com:vml" Requires="v">
-                <p:oleObj spid="_x0000_s188604" name="Equation" r:id="rId34" imgW="203040" imgH="228600" progId="Equation.DSMT4">
+                <p:oleObj spid="_x0000_s188642" name="Equation" r:id="rId34" imgW="203040" imgH="228600" progId="Equation.DSMT4">
                   <p:embed/>
                 </p:oleObj>
               </mc:Choice>
@@ -36390,7 +36390,7 @@
           <a:graphicData uri="http://schemas.openxmlformats.org/presentationml/2006/ole">
             <mc:AlternateContent xmlns:mc="http://schemas.openxmlformats.org/markup-compatibility/2006">
               <mc:Choice xmlns:v="urn:schemas-microsoft-com:vml" Requires="v">
-                <p:oleObj spid="_x0000_s188605" name="Equation" r:id="rId36" imgW="190440" imgH="164880" progId="Equation.DSMT4">
+                <p:oleObj spid="_x0000_s188643" name="Equation" r:id="rId36" imgW="190440" imgH="164880" progId="Equation.DSMT4">
                   <p:embed/>
                 </p:oleObj>
               </mc:Choice>
@@ -36460,7 +36460,7 @@
           <a:graphicData uri="http://schemas.openxmlformats.org/presentationml/2006/ole">
             <mc:AlternateContent xmlns:mc="http://schemas.openxmlformats.org/markup-compatibility/2006">
               <mc:Choice xmlns:v="urn:schemas-microsoft-com:vml" Requires="v">
-                <p:oleObj spid="_x0000_s188606" name="Equation" r:id="rId37" imgW="1041120" imgH="241200" progId="Equation.DSMT4">
+                <p:oleObj spid="_x0000_s188644" name="Equation" r:id="rId37" imgW="1041120" imgH="241200" progId="Equation.DSMT4">
                   <p:embed/>
                 </p:oleObj>
               </mc:Choice>
@@ -36530,7 +36530,7 @@
           <a:graphicData uri="http://schemas.openxmlformats.org/presentationml/2006/ole">
             <mc:AlternateContent xmlns:mc="http://schemas.openxmlformats.org/markup-compatibility/2006">
               <mc:Choice xmlns:v="urn:schemas-microsoft-com:vml" Requires="v">
-                <p:oleObj spid="_x0000_s188607" name="Equation" r:id="rId39" imgW="152280" imgH="139680" progId="Equation.DSMT4">
+                <p:oleObj spid="_x0000_s188645" name="Equation" r:id="rId39" imgW="152280" imgH="139680" progId="Equation.DSMT4">
                   <p:embed/>
                 </p:oleObj>
               </mc:Choice>
@@ -36819,7 +36819,7 @@
           <a:graphicData uri="http://schemas.openxmlformats.org/presentationml/2006/ole">
             <mc:AlternateContent xmlns:mc="http://schemas.openxmlformats.org/markup-compatibility/2006">
               <mc:Choice xmlns:v="urn:schemas-microsoft-com:vml" Requires="v">
-                <p:oleObj spid="_x0000_s189676" name="Equation" r:id="rId4" imgW="710891" imgH="253890" progId="Equation.DSMT4">
+                <p:oleObj spid="_x0000_s189728" name="Equation" r:id="rId4" imgW="710891" imgH="253890" progId="Equation.DSMT4">
                   <p:embed/>
                 </p:oleObj>
               </mc:Choice>
@@ -36976,7 +36976,7 @@
           <a:graphicData uri="http://schemas.openxmlformats.org/presentationml/2006/ole">
             <mc:AlternateContent xmlns:mc="http://schemas.openxmlformats.org/markup-compatibility/2006">
               <mc:Choice xmlns:v="urn:schemas-microsoft-com:vml" Requires="v">
-                <p:oleObj spid="_x0000_s189677" name="Equation" r:id="rId6" imgW="711000" imgH="253800" progId="Equation.DSMT4">
+                <p:oleObj spid="_x0000_s189729" name="Equation" r:id="rId6" imgW="711000" imgH="253800" progId="Equation.DSMT4">
                   <p:embed/>
                 </p:oleObj>
               </mc:Choice>
@@ -37149,7 +37149,7 @@
           <a:graphicData uri="http://schemas.openxmlformats.org/presentationml/2006/ole">
             <mc:AlternateContent xmlns:mc="http://schemas.openxmlformats.org/markup-compatibility/2006">
               <mc:Choice xmlns:v="urn:schemas-microsoft-com:vml" Requires="v">
-                <p:oleObj spid="_x0000_s189678" name="Equation" r:id="rId8" imgW="253800" imgH="393480" progId="Equation.DSMT4">
+                <p:oleObj spid="_x0000_s189730" name="Equation" r:id="rId8" imgW="253800" imgH="393480" progId="Equation.DSMT4">
                   <p:embed/>
                 </p:oleObj>
               </mc:Choice>
@@ -37649,7 +37649,7 @@
           <a:graphicData uri="http://schemas.openxmlformats.org/presentationml/2006/ole">
             <mc:AlternateContent xmlns:mc="http://schemas.openxmlformats.org/markup-compatibility/2006">
               <mc:Choice xmlns:v="urn:schemas-microsoft-com:vml" Requires="v">
-                <p:oleObj spid="_x0000_s189679" name="Equation" r:id="rId11" imgW="3784320" imgH="469800" progId="Equation.DSMT4">
+                <p:oleObj spid="_x0000_s189731" name="Equation" r:id="rId11" imgW="3784320" imgH="469800" progId="Equation.DSMT4">
                   <p:embed/>
                 </p:oleObj>
               </mc:Choice>
@@ -37720,7 +37720,7 @@
           <a:graphicData uri="http://schemas.openxmlformats.org/presentationml/2006/ole">
             <mc:AlternateContent xmlns:mc="http://schemas.openxmlformats.org/markup-compatibility/2006">
               <mc:Choice xmlns:v="urn:schemas-microsoft-com:vml" Requires="v">
-                <p:oleObj spid="_x0000_s189680" name="Equation" r:id="rId13" imgW="774360" imgH="253800" progId="Equation.DSMT4">
+                <p:oleObj spid="_x0000_s189732" name="Equation" r:id="rId13" imgW="774360" imgH="253800" progId="Equation.DSMT4">
                   <p:embed/>
                 </p:oleObj>
               </mc:Choice>
@@ -37791,7 +37791,7 @@
           <a:graphicData uri="http://schemas.openxmlformats.org/presentationml/2006/ole">
             <mc:AlternateContent xmlns:mc="http://schemas.openxmlformats.org/markup-compatibility/2006">
               <mc:Choice xmlns:v="urn:schemas-microsoft-com:vml" Requires="v">
-                <p:oleObj spid="_x0000_s189681" name="Equation" r:id="rId15" imgW="190440" imgH="164880" progId="Equation.DSMT4">
+                <p:oleObj spid="_x0000_s189733" name="Equation" r:id="rId15" imgW="190440" imgH="164880" progId="Equation.DSMT4">
                   <p:embed/>
                 </p:oleObj>
               </mc:Choice>
@@ -37861,7 +37861,7 @@
           <a:graphicData uri="http://schemas.openxmlformats.org/presentationml/2006/ole">
             <mc:AlternateContent xmlns:mc="http://schemas.openxmlformats.org/markup-compatibility/2006">
               <mc:Choice xmlns:v="urn:schemas-microsoft-com:vml" Requires="v">
-                <p:oleObj spid="_x0000_s189682" name="Equation" r:id="rId17" imgW="342720" imgH="253800" progId="Equation.DSMT4">
+                <p:oleObj spid="_x0000_s189734" name="Equation" r:id="rId17" imgW="342720" imgH="253800" progId="Equation.DSMT4">
                   <p:embed/>
                 </p:oleObj>
               </mc:Choice>
@@ -37931,7 +37931,7 @@
           <a:graphicData uri="http://schemas.openxmlformats.org/presentationml/2006/ole">
             <mc:AlternateContent xmlns:mc="http://schemas.openxmlformats.org/markup-compatibility/2006">
               <mc:Choice xmlns:v="urn:schemas-microsoft-com:vml" Requires="v">
-                <p:oleObj spid="_x0000_s189683" name="Equation" r:id="rId19" imgW="152280" imgH="139680" progId="Equation.DSMT4">
+                <p:oleObj spid="_x0000_s189735" name="Equation" r:id="rId19" imgW="152280" imgH="139680" progId="Equation.DSMT4">
                   <p:embed/>
                 </p:oleObj>
               </mc:Choice>
@@ -38001,7 +38001,7 @@
           <a:graphicData uri="http://schemas.openxmlformats.org/presentationml/2006/ole">
             <mc:AlternateContent xmlns:mc="http://schemas.openxmlformats.org/markup-compatibility/2006">
               <mc:Choice xmlns:v="urn:schemas-microsoft-com:vml" Requires="v">
-                <p:oleObj spid="_x0000_s189684" name="Equation" r:id="rId21" imgW="291960" imgH="203040" progId="Equation.DSMT4">
+                <p:oleObj spid="_x0000_s189736" name="Equation" r:id="rId21" imgW="291960" imgH="203040" progId="Equation.DSMT4">
                   <p:embed/>
                 </p:oleObj>
               </mc:Choice>
@@ -38071,7 +38071,7 @@
           <a:graphicData uri="http://schemas.openxmlformats.org/presentationml/2006/ole">
             <mc:AlternateContent xmlns:mc="http://schemas.openxmlformats.org/markup-compatibility/2006">
               <mc:Choice xmlns:v="urn:schemas-microsoft-com:vml" Requires="v">
-                <p:oleObj spid="_x0000_s189685" name="Equation" r:id="rId23" imgW="190440" imgH="228600" progId="Equation.DSMT4">
+                <p:oleObj spid="_x0000_s189737" name="Equation" r:id="rId23" imgW="190440" imgH="228600" progId="Equation.DSMT4">
                   <p:embed/>
                 </p:oleObj>
               </mc:Choice>
@@ -38141,7 +38141,7 @@
           <a:graphicData uri="http://schemas.openxmlformats.org/presentationml/2006/ole">
             <mc:AlternateContent xmlns:mc="http://schemas.openxmlformats.org/markup-compatibility/2006">
               <mc:Choice xmlns:v="urn:schemas-microsoft-com:vml" Requires="v">
-                <p:oleObj spid="_x0000_s189686" name="Equation" r:id="rId25" imgW="203040" imgH="164880" progId="Equation.DSMT4">
+                <p:oleObj spid="_x0000_s189738" name="Equation" r:id="rId25" imgW="203040" imgH="164880" progId="Equation.DSMT4">
                   <p:embed/>
                 </p:oleObj>
               </mc:Choice>
@@ -38211,7 +38211,7 @@
           <a:graphicData uri="http://schemas.openxmlformats.org/presentationml/2006/ole">
             <mc:AlternateContent xmlns:mc="http://schemas.openxmlformats.org/markup-compatibility/2006">
               <mc:Choice xmlns:v="urn:schemas-microsoft-com:vml" Requires="v">
-                <p:oleObj spid="_x0000_s189687" name="Equation" r:id="rId27" imgW="317160" imgH="203040" progId="Equation.DSMT4">
+                <p:oleObj spid="_x0000_s189739" name="Equation" r:id="rId27" imgW="317160" imgH="203040" progId="Equation.DSMT4">
                   <p:embed/>
                 </p:oleObj>
               </mc:Choice>
@@ -38281,7 +38281,7 @@
           <a:graphicData uri="http://schemas.openxmlformats.org/presentationml/2006/ole">
             <mc:AlternateContent xmlns:mc="http://schemas.openxmlformats.org/markup-compatibility/2006">
               <mc:Choice xmlns:v="urn:schemas-microsoft-com:vml" Requires="v">
-                <p:oleObj spid="_x0000_s189688" name="Equation" r:id="rId29" imgW="152280" imgH="139680" progId="Equation.DSMT4">
+                <p:oleObj spid="_x0000_s189740" name="Equation" r:id="rId29" imgW="152280" imgH="139680" progId="Equation.DSMT4">
                   <p:embed/>
                 </p:oleObj>
               </mc:Choice>
@@ -38351,7 +38351,7 @@
           <a:graphicData uri="http://schemas.openxmlformats.org/presentationml/2006/ole">
             <mc:AlternateContent xmlns:mc="http://schemas.openxmlformats.org/markup-compatibility/2006">
               <mc:Choice xmlns:v="urn:schemas-microsoft-com:vml" Requires="v">
-                <p:oleObj spid="_x0000_s189689" name="Equation" r:id="rId31" imgW="469800" imgH="139680" progId="Equation.DSMT4">
+                <p:oleObj spid="_x0000_s189741" name="Equation" r:id="rId31" imgW="469800" imgH="139680" progId="Equation.DSMT4">
                   <p:embed/>
                 </p:oleObj>
               </mc:Choice>
@@ -38421,7 +38421,7 @@
           <a:graphicData uri="http://schemas.openxmlformats.org/presentationml/2006/ole">
             <mc:AlternateContent xmlns:mc="http://schemas.openxmlformats.org/markup-compatibility/2006">
               <mc:Choice xmlns:v="urn:schemas-microsoft-com:vml" Requires="v">
-                <p:oleObj spid="_x0000_s189690" name="Equation" r:id="rId33" imgW="622080" imgH="203040" progId="Equation.DSMT4">
+                <p:oleObj spid="_x0000_s189742" name="Equation" r:id="rId33" imgW="622080" imgH="203040" progId="Equation.DSMT4">
                   <p:embed/>
                 </p:oleObj>
               </mc:Choice>
@@ -38491,7 +38491,7 @@
           <a:graphicData uri="http://schemas.openxmlformats.org/presentationml/2006/ole">
             <mc:AlternateContent xmlns:mc="http://schemas.openxmlformats.org/markup-compatibility/2006">
               <mc:Choice xmlns:v="urn:schemas-microsoft-com:vml" Requires="v">
-                <p:oleObj spid="_x0000_s189691" name="Equation" r:id="rId35" imgW="634680" imgH="203040" progId="Equation.DSMT4">
+                <p:oleObj spid="_x0000_s189743" name="Equation" r:id="rId35" imgW="634680" imgH="203040" progId="Equation.DSMT4">
                   <p:embed/>
                 </p:oleObj>
               </mc:Choice>
@@ -38561,7 +38561,7 @@
           <a:graphicData uri="http://schemas.openxmlformats.org/presentationml/2006/ole">
             <mc:AlternateContent xmlns:mc="http://schemas.openxmlformats.org/markup-compatibility/2006">
               <mc:Choice xmlns:v="urn:schemas-microsoft-com:vml" Requires="v">
-                <p:oleObj spid="_x0000_s189692" name="Equation" r:id="rId37" imgW="609480" imgH="203040" progId="Equation.DSMT4">
+                <p:oleObj spid="_x0000_s189744" name="Equation" r:id="rId37" imgW="609480" imgH="203040" progId="Equation.DSMT4">
                   <p:embed/>
                 </p:oleObj>
               </mc:Choice>
@@ -38631,7 +38631,7 @@
           <a:graphicData uri="http://schemas.openxmlformats.org/presentationml/2006/ole">
             <mc:AlternateContent xmlns:mc="http://schemas.openxmlformats.org/markup-compatibility/2006">
               <mc:Choice xmlns:v="urn:schemas-microsoft-com:vml" Requires="v">
-                <p:oleObj spid="_x0000_s189693" name="Equation" r:id="rId39" imgW="558720" imgH="203040" progId="Equation.DSMT4">
+                <p:oleObj spid="_x0000_s189745" name="Equation" r:id="rId39" imgW="558720" imgH="203040" progId="Equation.DSMT4">
                   <p:embed/>
                 </p:oleObj>
               </mc:Choice>
@@ -38701,7 +38701,7 @@
           <a:graphicData uri="http://schemas.openxmlformats.org/presentationml/2006/ole">
             <mc:AlternateContent xmlns:mc="http://schemas.openxmlformats.org/markup-compatibility/2006">
               <mc:Choice xmlns:v="urn:schemas-microsoft-com:vml" Requires="v">
-                <p:oleObj spid="_x0000_s189694" name="Equation" r:id="rId41" imgW="495000" imgH="228600" progId="Equation.DSMT4">
+                <p:oleObj spid="_x0000_s189746" name="Equation" r:id="rId41" imgW="495000" imgH="228600" progId="Equation.DSMT4">
                   <p:embed/>
                 </p:oleObj>
               </mc:Choice>
@@ -38771,7 +38771,7 @@
           <a:graphicData uri="http://schemas.openxmlformats.org/presentationml/2006/ole">
             <mc:AlternateContent xmlns:mc="http://schemas.openxmlformats.org/markup-compatibility/2006">
               <mc:Choice xmlns:v="urn:schemas-microsoft-com:vml" Requires="v">
-                <p:oleObj spid="_x0000_s189695" name="Equation" r:id="rId43" imgW="190440" imgH="228600" progId="Equation.DSMT4">
+                <p:oleObj spid="_x0000_s189747" name="Equation" r:id="rId43" imgW="190440" imgH="228600" progId="Equation.DSMT4">
                   <p:embed/>
                 </p:oleObj>
               </mc:Choice>
@@ -38841,7 +38841,7 @@
           <a:graphicData uri="http://schemas.openxmlformats.org/presentationml/2006/ole">
             <mc:AlternateContent xmlns:mc="http://schemas.openxmlformats.org/markup-compatibility/2006">
               <mc:Choice xmlns:v="urn:schemas-microsoft-com:vml" Requires="v">
-                <p:oleObj spid="_x0000_s189696" name="Equation" r:id="rId45" imgW="190440" imgH="228600" progId="Equation.DSMT4">
+                <p:oleObj spid="_x0000_s189748" name="Equation" r:id="rId45" imgW="190440" imgH="228600" progId="Equation.DSMT4">
                   <p:embed/>
                 </p:oleObj>
               </mc:Choice>
@@ -38911,7 +38911,7 @@
           <a:graphicData uri="http://schemas.openxmlformats.org/presentationml/2006/ole">
             <mc:AlternateContent xmlns:mc="http://schemas.openxmlformats.org/markup-compatibility/2006">
               <mc:Choice xmlns:v="urn:schemas-microsoft-com:vml" Requires="v">
-                <p:oleObj spid="_x0000_s189697" name="Equation" r:id="rId46" imgW="469800" imgH="139680" progId="Equation.DSMT4">
+                <p:oleObj spid="_x0000_s189749" name="Equation" r:id="rId46" imgW="469800" imgH="139680" progId="Equation.DSMT4">
                   <p:embed/>
                 </p:oleObj>
               </mc:Choice>
@@ -38981,7 +38981,7 @@
           <a:graphicData uri="http://schemas.openxmlformats.org/presentationml/2006/ole">
             <mc:AlternateContent xmlns:mc="http://schemas.openxmlformats.org/markup-compatibility/2006">
               <mc:Choice xmlns:v="urn:schemas-microsoft-com:vml" Requires="v">
-                <p:oleObj spid="_x0000_s189698" name="Equation" r:id="rId48" imgW="558720" imgH="203040" progId="Equation.DSMT4">
+                <p:oleObj spid="_x0000_s189750" name="Equation" r:id="rId48" imgW="558720" imgH="203040" progId="Equation.DSMT4">
                   <p:embed/>
                 </p:oleObj>
               </mc:Choice>
@@ -39051,7 +39051,7 @@
           <a:graphicData uri="http://schemas.openxmlformats.org/presentationml/2006/ole">
             <mc:AlternateContent xmlns:mc="http://schemas.openxmlformats.org/markup-compatibility/2006">
               <mc:Choice xmlns:v="urn:schemas-microsoft-com:vml" Requires="v">
-                <p:oleObj spid="_x0000_s189699" name="Equation" r:id="rId50" imgW="533160" imgH="228600" progId="Equation.DSMT4">
+                <p:oleObj spid="_x0000_s189751" name="Equation" r:id="rId50" imgW="533160" imgH="228600" progId="Equation.DSMT4">
                   <p:embed/>
                 </p:oleObj>
               </mc:Choice>
@@ -39121,7 +39121,7 @@
           <a:graphicData uri="http://schemas.openxmlformats.org/presentationml/2006/ole">
             <mc:AlternateContent xmlns:mc="http://schemas.openxmlformats.org/markup-compatibility/2006">
               <mc:Choice xmlns:v="urn:schemas-microsoft-com:vml" Requires="v">
-                <p:oleObj spid="_x0000_s189700" name="Equation" r:id="rId52" imgW="215640" imgH="228600" progId="Equation.DSMT4">
+                <p:oleObj spid="_x0000_s189752" name="Equation" r:id="rId52" imgW="215640" imgH="228600" progId="Equation.DSMT4">
                   <p:embed/>
                 </p:oleObj>
               </mc:Choice>
@@ -39191,7 +39191,7 @@
           <a:graphicData uri="http://schemas.openxmlformats.org/presentationml/2006/ole">
             <mc:AlternateContent xmlns:mc="http://schemas.openxmlformats.org/markup-compatibility/2006">
               <mc:Choice xmlns:v="urn:schemas-microsoft-com:vml" Requires="v">
-                <p:oleObj spid="_x0000_s189701" name="Equation" r:id="rId54" imgW="152280" imgH="139680" progId="Equation.DSMT4">
+                <p:oleObj spid="_x0000_s189753" name="Equation" r:id="rId54" imgW="152280" imgH="139680" progId="Equation.DSMT4">
                   <p:embed/>
                 </p:oleObj>
               </mc:Choice>
@@ -39474,7 +39474,7 @@
           <a:graphicData uri="http://schemas.openxmlformats.org/presentationml/2006/ole">
             <mc:AlternateContent xmlns:mc="http://schemas.openxmlformats.org/markup-compatibility/2006">
               <mc:Choice xmlns:v="urn:schemas-microsoft-com:vml" Requires="v">
-                <p:oleObj spid="_x0000_s190511" name="Equation" r:id="rId4" imgW="507780" imgH="203112" progId="Equation.DSMT4">
+                <p:oleObj spid="_x0000_s190521" name="Equation" r:id="rId4" imgW="507780" imgH="203112" progId="Equation.DSMT4">
                   <p:embed/>
                 </p:oleObj>
               </mc:Choice>
@@ -39630,7 +39630,7 @@
           <a:graphicData uri="http://schemas.openxmlformats.org/presentationml/2006/ole">
             <mc:AlternateContent xmlns:mc="http://schemas.openxmlformats.org/markup-compatibility/2006">
               <mc:Choice xmlns:v="urn:schemas-microsoft-com:vml" Requires="v">
-                <p:oleObj spid="_x0000_s190512" name="Equation" r:id="rId6" imgW="507780" imgH="203112" progId="Equation.DSMT4">
+                <p:oleObj spid="_x0000_s190522" name="Equation" r:id="rId6" imgW="507780" imgH="203112" progId="Equation.DSMT4">
                   <p:embed/>
                 </p:oleObj>
               </mc:Choice>
@@ -39786,7 +39786,7 @@
           <a:graphicData uri="http://schemas.openxmlformats.org/presentationml/2006/ole">
             <mc:AlternateContent xmlns:mc="http://schemas.openxmlformats.org/markup-compatibility/2006">
               <mc:Choice xmlns:v="urn:schemas-microsoft-com:vml" Requires="v">
-                <p:oleObj spid="_x0000_s190513" name="Equation" r:id="rId7" imgW="507960" imgH="203040" progId="Equation.DSMT4">
+                <p:oleObj spid="_x0000_s190523" name="Equation" r:id="rId7" imgW="507960" imgH="203040" progId="Equation.DSMT4">
                   <p:embed/>
                 </p:oleObj>
               </mc:Choice>
@@ -39972,7 +39972,7 @@
           <a:graphicData uri="http://schemas.openxmlformats.org/presentationml/2006/ole">
             <mc:AlternateContent xmlns:mc="http://schemas.openxmlformats.org/markup-compatibility/2006">
               <mc:Choice xmlns:v="urn:schemas-microsoft-com:vml" Requires="v">
-                <p:oleObj spid="_x0000_s190514" name="Equation" r:id="rId9" imgW="3619440" imgH="812520" progId="Equation.DSMT4">
+                <p:oleObj spid="_x0000_s190524" name="Equation" r:id="rId9" imgW="3619440" imgH="812520" progId="Equation.DSMT4">
                   <p:embed/>
                 </p:oleObj>
               </mc:Choice>
@@ -40087,7 +40087,7 @@
           <a:graphicData uri="http://schemas.openxmlformats.org/presentationml/2006/ole">
             <mc:AlternateContent xmlns:mc="http://schemas.openxmlformats.org/markup-compatibility/2006">
               <mc:Choice xmlns:v="urn:schemas-microsoft-com:vml" Requires="v">
-                <p:oleObj spid="_x0000_s190515" name="Equation" r:id="rId11" imgW="355320" imgH="203040" progId="Equation.DSMT4">
+                <p:oleObj spid="_x0000_s190525" name="Equation" r:id="rId11" imgW="355320" imgH="203040" progId="Equation.DSMT4">
                   <p:embed/>
                 </p:oleObj>
               </mc:Choice>
@@ -40425,7 +40425,7 @@
           <a:graphicData uri="http://schemas.openxmlformats.org/presentationml/2006/ole">
             <mc:AlternateContent xmlns:mc="http://schemas.openxmlformats.org/markup-compatibility/2006">
               <mc:Choice xmlns:v="urn:schemas-microsoft-com:vml" Requires="v">
-                <p:oleObj spid="_x0000_s191607" name="Equation" r:id="rId3" imgW="507780" imgH="203112" progId="Equation.DSMT4">
+                <p:oleObj spid="_x0000_s191633" name="Equation" r:id="rId3" imgW="507780" imgH="203112" progId="Equation.DSMT4">
                   <p:embed/>
                 </p:oleObj>
               </mc:Choice>
@@ -40581,7 +40581,7 @@
           <a:graphicData uri="http://schemas.openxmlformats.org/presentationml/2006/ole">
             <mc:AlternateContent xmlns:mc="http://schemas.openxmlformats.org/markup-compatibility/2006">
               <mc:Choice xmlns:v="urn:schemas-microsoft-com:vml" Requires="v">
-                <p:oleObj spid="_x0000_s191608" name="Equation" r:id="rId5" imgW="507780" imgH="203112" progId="Equation.DSMT4">
+                <p:oleObj spid="_x0000_s191634" name="Equation" r:id="rId5" imgW="507780" imgH="203112" progId="Equation.DSMT4">
                   <p:embed/>
                 </p:oleObj>
               </mc:Choice>
@@ -40787,7 +40787,7 @@
           <a:graphicData uri="http://schemas.openxmlformats.org/presentationml/2006/ole">
             <mc:AlternateContent xmlns:mc="http://schemas.openxmlformats.org/markup-compatibility/2006">
               <mc:Choice xmlns:v="urn:schemas-microsoft-com:vml" Requires="v">
-                <p:oleObj spid="_x0000_s191609" name="Equation" r:id="rId6" imgW="1054080" imgH="457200" progId="Equation.DSMT4">
+                <p:oleObj spid="_x0000_s191635" name="Equation" r:id="rId6" imgW="1054080" imgH="457200" progId="Equation.DSMT4">
                   <p:embed/>
                 </p:oleObj>
               </mc:Choice>
@@ -40894,7 +40894,7 @@
           <a:graphicData uri="http://schemas.openxmlformats.org/presentationml/2006/ole">
             <mc:AlternateContent xmlns:mc="http://schemas.openxmlformats.org/markup-compatibility/2006">
               <mc:Choice xmlns:v="urn:schemas-microsoft-com:vml" Requires="v">
-                <p:oleObj spid="_x0000_s191610" name="Equation" r:id="rId8" imgW="2450880" imgH="241200" progId="Equation.DSMT4">
+                <p:oleObj spid="_x0000_s191636" name="Equation" r:id="rId8" imgW="2450880" imgH="241200" progId="Equation.DSMT4">
                   <p:embed/>
                 </p:oleObj>
               </mc:Choice>
@@ -40964,7 +40964,7 @@
           <a:graphicData uri="http://schemas.openxmlformats.org/presentationml/2006/ole">
             <mc:AlternateContent xmlns:mc="http://schemas.openxmlformats.org/markup-compatibility/2006">
               <mc:Choice xmlns:v="urn:schemas-microsoft-com:vml" Requires="v">
-                <p:oleObj spid="_x0000_s191611" name="Equation" r:id="rId10" imgW="2666880" imgH="241200" progId="Equation.DSMT4">
+                <p:oleObj spid="_x0000_s191637" name="Equation" r:id="rId10" imgW="2666880" imgH="241200" progId="Equation.DSMT4">
                   <p:embed/>
                 </p:oleObj>
               </mc:Choice>
@@ -41079,7 +41079,7 @@
           <a:graphicData uri="http://schemas.openxmlformats.org/presentationml/2006/ole">
             <mc:AlternateContent xmlns:mc="http://schemas.openxmlformats.org/markup-compatibility/2006">
               <mc:Choice xmlns:v="urn:schemas-microsoft-com:vml" Requires="v">
-                <p:oleObj spid="_x0000_s191612" name="Equation" r:id="rId12" imgW="190440" imgH="203040" progId="Equation.DSMT4">
+                <p:oleObj spid="_x0000_s191638" name="Equation" r:id="rId12" imgW="190440" imgH="203040" progId="Equation.DSMT4">
                   <p:embed/>
                 </p:oleObj>
               </mc:Choice>
@@ -41149,7 +41149,7 @@
           <a:graphicData uri="http://schemas.openxmlformats.org/presentationml/2006/ole">
             <mc:AlternateContent xmlns:mc="http://schemas.openxmlformats.org/markup-compatibility/2006">
               <mc:Choice xmlns:v="urn:schemas-microsoft-com:vml" Requires="v">
-                <p:oleObj spid="_x0000_s191613" name="Equation" r:id="rId14" imgW="672840" imgH="444240" progId="Equation.DSMT4">
+                <p:oleObj spid="_x0000_s191639" name="Equation" r:id="rId14" imgW="672840" imgH="444240" progId="Equation.DSMT4">
                   <p:embed/>
                 </p:oleObj>
               </mc:Choice>
@@ -41219,7 +41219,7 @@
           <a:graphicData uri="http://schemas.openxmlformats.org/presentationml/2006/ole">
             <mc:AlternateContent xmlns:mc="http://schemas.openxmlformats.org/markup-compatibility/2006">
               <mc:Choice xmlns:v="urn:schemas-microsoft-com:vml" Requires="v">
-                <p:oleObj spid="_x0000_s191614" name="Equation" r:id="rId16" imgW="1117440" imgH="495000" progId="Equation.DSMT4">
+                <p:oleObj spid="_x0000_s191640" name="Equation" r:id="rId16" imgW="1117440" imgH="495000" progId="Equation.DSMT4">
                   <p:embed/>
                 </p:oleObj>
               </mc:Choice>
@@ -41289,7 +41289,7 @@
           <a:graphicData uri="http://schemas.openxmlformats.org/presentationml/2006/ole">
             <mc:AlternateContent xmlns:mc="http://schemas.openxmlformats.org/markup-compatibility/2006">
               <mc:Choice xmlns:v="urn:schemas-microsoft-com:vml" Requires="v">
-                <p:oleObj spid="_x0000_s191615" name="Equation" r:id="rId18" imgW="761760" imgH="241200" progId="Equation.DSMT4">
+                <p:oleObj spid="_x0000_s191641" name="Equation" r:id="rId18" imgW="761760" imgH="241200" progId="Equation.DSMT4">
                   <p:embed/>
                 </p:oleObj>
               </mc:Choice>
@@ -41359,7 +41359,7 @@
           <a:graphicData uri="http://schemas.openxmlformats.org/presentationml/2006/ole">
             <mc:AlternateContent xmlns:mc="http://schemas.openxmlformats.org/markup-compatibility/2006">
               <mc:Choice xmlns:v="urn:schemas-microsoft-com:vml" Requires="v">
-                <p:oleObj spid="_x0000_s191616" name="Equation" r:id="rId20" imgW="711000" imgH="431640" progId="Equation.DSMT4">
+                <p:oleObj spid="_x0000_s191642" name="Equation" r:id="rId20" imgW="711000" imgH="431640" progId="Equation.DSMT4">
                   <p:embed/>
                 </p:oleObj>
               </mc:Choice>
@@ -41429,7 +41429,7 @@
           <a:graphicData uri="http://schemas.openxmlformats.org/presentationml/2006/ole">
             <mc:AlternateContent xmlns:mc="http://schemas.openxmlformats.org/markup-compatibility/2006">
               <mc:Choice xmlns:v="urn:schemas-microsoft-com:vml" Requires="v">
-                <p:oleObj spid="_x0000_s191617" name="Equation" r:id="rId22" imgW="190440" imgH="203040" progId="Equation.DSMT4">
+                <p:oleObj spid="_x0000_s191643" name="Equation" r:id="rId22" imgW="190440" imgH="203040" progId="Equation.DSMT4">
                   <p:embed/>
                 </p:oleObj>
               </mc:Choice>
@@ -41499,7 +41499,7 @@
           <a:graphicData uri="http://schemas.openxmlformats.org/presentationml/2006/ole">
             <mc:AlternateContent xmlns:mc="http://schemas.openxmlformats.org/markup-compatibility/2006">
               <mc:Choice xmlns:v="urn:schemas-microsoft-com:vml" Requires="v">
-                <p:oleObj spid="_x0000_s191618" name="Equation" r:id="rId24" imgW="203040" imgH="228600" progId="Equation.DSMT4">
+                <p:oleObj spid="_x0000_s191644" name="Equation" r:id="rId24" imgW="203040" imgH="228600" progId="Equation.DSMT4">
                   <p:embed/>
                 </p:oleObj>
               </mc:Choice>
@@ -41569,7 +41569,7 @@
           <a:graphicData uri="http://schemas.openxmlformats.org/presentationml/2006/ole">
             <mc:AlternateContent xmlns:mc="http://schemas.openxmlformats.org/markup-compatibility/2006">
               <mc:Choice xmlns:v="urn:schemas-microsoft-com:vml" Requires="v">
-                <p:oleObj spid="_x0000_s191619" name="Equation" r:id="rId26" imgW="203040" imgH="228600" progId="Equation.DSMT4">
+                <p:oleObj spid="_x0000_s191645" name="Equation" r:id="rId26" imgW="203040" imgH="228600" progId="Equation.DSMT4">
                   <p:embed/>
                 </p:oleObj>
               </mc:Choice>
@@ -43303,7 +43303,7 @@
           <a:graphicData uri="http://schemas.openxmlformats.org/presentationml/2006/ole">
             <mc:AlternateContent xmlns:mc="http://schemas.openxmlformats.org/markup-compatibility/2006">
               <mc:Choice xmlns:v="urn:schemas-microsoft-com:vml" Requires="v">
-                <p:oleObj spid="_x0000_s16630" r:id="rId3" imgW="2755900" imgH="444500" progId="Equation.DSMT4">
+                <p:oleObj spid="_x0000_s16678" r:id="rId3" imgW="2755900" imgH="444500" progId="Equation.DSMT4">
                   <p:embed/>
                 </p:oleObj>
               </mc:Choice>
@@ -43373,7 +43373,7 @@
           <a:graphicData uri="http://schemas.openxmlformats.org/presentationml/2006/ole">
             <mc:AlternateContent xmlns:mc="http://schemas.openxmlformats.org/markup-compatibility/2006">
               <mc:Choice xmlns:v="urn:schemas-microsoft-com:vml" Requires="v">
-                <p:oleObj spid="_x0000_s16631" r:id="rId5" imgW="1155199" imgH="266584" progId="Equation.DSMT4">
+                <p:oleObj spid="_x0000_s16679" r:id="rId5" imgW="1155199" imgH="266584" progId="Equation.DSMT4">
                   <p:embed/>
                 </p:oleObj>
               </mc:Choice>
@@ -43443,7 +43443,7 @@
           <a:graphicData uri="http://schemas.openxmlformats.org/presentationml/2006/ole">
             <mc:AlternateContent xmlns:mc="http://schemas.openxmlformats.org/markup-compatibility/2006">
               <mc:Choice xmlns:v="urn:schemas-microsoft-com:vml" Requires="v">
-                <p:oleObj spid="_x0000_s16632" name="公式" r:id="rId7" imgW="368140" imgH="177723" progId="Equation.3">
+                <p:oleObj spid="_x0000_s16680" name="公式" r:id="rId7" imgW="368140" imgH="177723" progId="Equation.3">
                   <p:embed/>
                 </p:oleObj>
               </mc:Choice>
@@ -43513,7 +43513,7 @@
           <a:graphicData uri="http://schemas.openxmlformats.org/presentationml/2006/ole">
             <mc:AlternateContent xmlns:mc="http://schemas.openxmlformats.org/markup-compatibility/2006">
               <mc:Choice xmlns:v="urn:schemas-microsoft-com:vml" Requires="v">
-                <p:oleObj spid="_x0000_s16633" name="公式" r:id="rId9" imgW="596641" imgH="304668" progId="Equation.3">
+                <p:oleObj spid="_x0000_s16681" name="公式" r:id="rId9" imgW="596641" imgH="304668" progId="Equation.3">
                   <p:embed/>
                 </p:oleObj>
               </mc:Choice>
@@ -43583,7 +43583,7 @@
           <a:graphicData uri="http://schemas.openxmlformats.org/presentationml/2006/ole">
             <mc:AlternateContent xmlns:mc="http://schemas.openxmlformats.org/markup-compatibility/2006">
               <mc:Choice xmlns:v="urn:schemas-microsoft-com:vml" Requires="v">
-                <p:oleObj spid="_x0000_s16634" name="公式" r:id="rId11" imgW="494870" imgH="304536" progId="Equation.3">
+                <p:oleObj spid="_x0000_s16682" name="公式" r:id="rId11" imgW="494870" imgH="304536" progId="Equation.3">
                   <p:embed/>
                 </p:oleObj>
               </mc:Choice>
@@ -43653,7 +43653,7 @@
           <a:graphicData uri="http://schemas.openxmlformats.org/presentationml/2006/ole">
             <mc:AlternateContent xmlns:mc="http://schemas.openxmlformats.org/markup-compatibility/2006">
               <mc:Choice xmlns:v="urn:schemas-microsoft-com:vml" Requires="v">
-                <p:oleObj spid="_x0000_s16635" r:id="rId13" imgW="2755900" imgH="444500" progId="Equation.DSMT4">
+                <p:oleObj spid="_x0000_s16683" r:id="rId13" imgW="2755900" imgH="444500" progId="Equation.DSMT4">
                   <p:embed/>
                 </p:oleObj>
               </mc:Choice>
@@ -43723,7 +43723,7 @@
           <a:graphicData uri="http://schemas.openxmlformats.org/presentationml/2006/ole">
             <mc:AlternateContent xmlns:mc="http://schemas.openxmlformats.org/markup-compatibility/2006">
               <mc:Choice xmlns:v="urn:schemas-microsoft-com:vml" Requires="v">
-                <p:oleObj spid="_x0000_s16636" r:id="rId14" imgW="1155199" imgH="266584" progId="Equation.DSMT4">
+                <p:oleObj spid="_x0000_s16684" r:id="rId14" imgW="1155199" imgH="266584" progId="Equation.DSMT4">
                   <p:embed/>
                 </p:oleObj>
               </mc:Choice>
@@ -43793,7 +43793,7 @@
           <a:graphicData uri="http://schemas.openxmlformats.org/presentationml/2006/ole">
             <mc:AlternateContent xmlns:mc="http://schemas.openxmlformats.org/markup-compatibility/2006">
               <mc:Choice xmlns:v="urn:schemas-microsoft-com:vml" Requires="v">
-                <p:oleObj spid="_x0000_s16637" name="公式" r:id="rId15" imgW="596641" imgH="304668" progId="Equation.3">
+                <p:oleObj spid="_x0000_s16685" name="公式" r:id="rId15" imgW="596641" imgH="304668" progId="Equation.3">
                   <p:embed/>
                 </p:oleObj>
               </mc:Choice>
@@ -43863,7 +43863,7 @@
           <a:graphicData uri="http://schemas.openxmlformats.org/presentationml/2006/ole">
             <mc:AlternateContent xmlns:mc="http://schemas.openxmlformats.org/markup-compatibility/2006">
               <mc:Choice xmlns:v="urn:schemas-microsoft-com:vml" Requires="v">
-                <p:oleObj spid="_x0000_s16638" r:id="rId16" imgW="2755900" imgH="444500" progId="Equation.DSMT4">
+                <p:oleObj spid="_x0000_s16686" r:id="rId16" imgW="2755900" imgH="444500" progId="Equation.DSMT4">
                   <p:embed/>
                 </p:oleObj>
               </mc:Choice>
@@ -43933,7 +43933,7 @@
           <a:graphicData uri="http://schemas.openxmlformats.org/presentationml/2006/ole">
             <mc:AlternateContent xmlns:mc="http://schemas.openxmlformats.org/markup-compatibility/2006">
               <mc:Choice xmlns:v="urn:schemas-microsoft-com:vml" Requires="v">
-                <p:oleObj spid="_x0000_s16639" r:id="rId17" imgW="1155199" imgH="266584" progId="Equation.DSMT4">
+                <p:oleObj spid="_x0000_s16687" r:id="rId17" imgW="1155199" imgH="266584" progId="Equation.DSMT4">
                   <p:embed/>
                 </p:oleObj>
               </mc:Choice>
@@ -44003,7 +44003,7 @@
           <a:graphicData uri="http://schemas.openxmlformats.org/presentationml/2006/ole">
             <mc:AlternateContent xmlns:mc="http://schemas.openxmlformats.org/markup-compatibility/2006">
               <mc:Choice xmlns:v="urn:schemas-microsoft-com:vml" Requires="v">
-                <p:oleObj spid="_x0000_s16640" r:id="rId18" imgW="2755900" imgH="444500" progId="Equation.DSMT4">
+                <p:oleObj spid="_x0000_s16688" r:id="rId18" imgW="2755900" imgH="444500" progId="Equation.DSMT4">
                   <p:embed/>
                 </p:oleObj>
               </mc:Choice>
@@ -44073,7 +44073,7 @@
           <a:graphicData uri="http://schemas.openxmlformats.org/presentationml/2006/ole">
             <mc:AlternateContent xmlns:mc="http://schemas.openxmlformats.org/markup-compatibility/2006">
               <mc:Choice xmlns:v="urn:schemas-microsoft-com:vml" Requires="v">
-                <p:oleObj spid="_x0000_s16641" r:id="rId19" imgW="1155199" imgH="266584" progId="Equation.DSMT4">
+                <p:oleObj spid="_x0000_s16689" r:id="rId19" imgW="1155199" imgH="266584" progId="Equation.DSMT4">
                   <p:embed/>
                 </p:oleObj>
               </mc:Choice>
@@ -44143,7 +44143,7 @@
           <a:graphicData uri="http://schemas.openxmlformats.org/presentationml/2006/ole">
             <mc:AlternateContent xmlns:mc="http://schemas.openxmlformats.org/markup-compatibility/2006">
               <mc:Choice xmlns:v="urn:schemas-microsoft-com:vml" Requires="v">
-                <p:oleObj spid="_x0000_s16642" name="公式" r:id="rId20" imgW="368140" imgH="177723" progId="Equation.3">
+                <p:oleObj spid="_x0000_s16690" name="公式" r:id="rId20" imgW="368140" imgH="177723" progId="Equation.3">
                   <p:embed/>
                 </p:oleObj>
               </mc:Choice>
@@ -44213,7 +44213,7 @@
           <a:graphicData uri="http://schemas.openxmlformats.org/presentationml/2006/ole">
             <mc:AlternateContent xmlns:mc="http://schemas.openxmlformats.org/markup-compatibility/2006">
               <mc:Choice xmlns:v="urn:schemas-microsoft-com:vml" Requires="v">
-                <p:oleObj spid="_x0000_s16643" r:id="rId21" imgW="2755900" imgH="444500" progId="Equation.DSMT4">
+                <p:oleObj spid="_x0000_s16691" r:id="rId21" imgW="2755900" imgH="444500" progId="Equation.DSMT4">
                   <p:embed/>
                 </p:oleObj>
               </mc:Choice>
@@ -44283,7 +44283,7 @@
           <a:graphicData uri="http://schemas.openxmlformats.org/presentationml/2006/ole">
             <mc:AlternateContent xmlns:mc="http://schemas.openxmlformats.org/markup-compatibility/2006">
               <mc:Choice xmlns:v="urn:schemas-microsoft-com:vml" Requires="v">
-                <p:oleObj spid="_x0000_s16644" r:id="rId22" imgW="1155199" imgH="266584" progId="Equation.DSMT4">
+                <p:oleObj spid="_x0000_s16692" r:id="rId22" imgW="1155199" imgH="266584" progId="Equation.DSMT4">
                   <p:embed/>
                 </p:oleObj>
               </mc:Choice>
@@ -44353,7 +44353,7 @@
           <a:graphicData uri="http://schemas.openxmlformats.org/presentationml/2006/ole">
             <mc:AlternateContent xmlns:mc="http://schemas.openxmlformats.org/markup-compatibility/2006">
               <mc:Choice xmlns:v="urn:schemas-microsoft-com:vml" Requires="v">
-                <p:oleObj spid="_x0000_s16645" name="公式" r:id="rId23" imgW="596641" imgH="304668" progId="Equation.3">
+                <p:oleObj spid="_x0000_s16693" name="公式" r:id="rId23" imgW="596641" imgH="304668" progId="Equation.3">
                   <p:embed/>
                 </p:oleObj>
               </mc:Choice>
@@ -44423,7 +44423,7 @@
           <a:graphicData uri="http://schemas.openxmlformats.org/presentationml/2006/ole">
             <mc:AlternateContent xmlns:mc="http://schemas.openxmlformats.org/markup-compatibility/2006">
               <mc:Choice xmlns:v="urn:schemas-microsoft-com:vml" Requires="v">
-                <p:oleObj spid="_x0000_s16646" name="公式" r:id="rId24" imgW="368140" imgH="177723" progId="Equation.3">
+                <p:oleObj spid="_x0000_s16694" name="公式" r:id="rId24" imgW="368140" imgH="177723" progId="Equation.3">
                   <p:embed/>
                 </p:oleObj>
               </mc:Choice>
@@ -44493,7 +44493,7 @@
           <a:graphicData uri="http://schemas.openxmlformats.org/presentationml/2006/ole">
             <mc:AlternateContent xmlns:mc="http://schemas.openxmlformats.org/markup-compatibility/2006">
               <mc:Choice xmlns:v="urn:schemas-microsoft-com:vml" Requires="v">
-                <p:oleObj spid="_x0000_s16647" r:id="rId25" imgW="2755900" imgH="444500" progId="Equation.DSMT4">
+                <p:oleObj spid="_x0000_s16695" r:id="rId25" imgW="2755900" imgH="444500" progId="Equation.DSMT4">
                   <p:embed/>
                 </p:oleObj>
               </mc:Choice>
@@ -44563,7 +44563,7 @@
           <a:graphicData uri="http://schemas.openxmlformats.org/presentationml/2006/ole">
             <mc:AlternateContent xmlns:mc="http://schemas.openxmlformats.org/markup-compatibility/2006">
               <mc:Choice xmlns:v="urn:schemas-microsoft-com:vml" Requires="v">
-                <p:oleObj spid="_x0000_s16648" r:id="rId26" imgW="1155199" imgH="266584" progId="Equation.DSMT4">
+                <p:oleObj spid="_x0000_s16696" r:id="rId26" imgW="1155199" imgH="266584" progId="Equation.DSMT4">
                   <p:embed/>
                 </p:oleObj>
               </mc:Choice>
@@ -44633,7 +44633,7 @@
           <a:graphicData uri="http://schemas.openxmlformats.org/presentationml/2006/ole">
             <mc:AlternateContent xmlns:mc="http://schemas.openxmlformats.org/markup-compatibility/2006">
               <mc:Choice xmlns:v="urn:schemas-microsoft-com:vml" Requires="v">
-                <p:oleObj spid="_x0000_s16649" name="公式" r:id="rId27" imgW="494870" imgH="304536" progId="Equation.3">
+                <p:oleObj spid="_x0000_s16697" name="公式" r:id="rId27" imgW="494870" imgH="304536" progId="Equation.3">
                   <p:embed/>
                 </p:oleObj>
               </mc:Choice>
@@ -44719,7 +44719,7 @@
             <a:graphicData uri="http://schemas.openxmlformats.org/presentationml/2006/ole">
               <mc:AlternateContent xmlns:mc="http://schemas.openxmlformats.org/markup-compatibility/2006">
                 <mc:Choice xmlns:v="urn:schemas-microsoft-com:vml" Requires="v">
-                  <p:oleObj spid="_x0000_s16650" name="公式" r:id="rId28" imgW="596641" imgH="304668" progId="Equation.3">
+                  <p:oleObj spid="_x0000_s16698" name="公式" r:id="rId28" imgW="596641" imgH="304668" progId="Equation.3">
                     <p:embed/>
                   </p:oleObj>
                 </mc:Choice>
@@ -44789,7 +44789,7 @@
             <a:graphicData uri="http://schemas.openxmlformats.org/presentationml/2006/ole">
               <mc:AlternateContent xmlns:mc="http://schemas.openxmlformats.org/markup-compatibility/2006">
                 <mc:Choice xmlns:v="urn:schemas-microsoft-com:vml" Requires="v">
-                  <p:oleObj spid="_x0000_s16651" name="公式" r:id="rId29" imgW="368140" imgH="177723" progId="Equation.3">
+                  <p:oleObj spid="_x0000_s16699" name="公式" r:id="rId29" imgW="368140" imgH="177723" progId="Equation.3">
                     <p:embed/>
                   </p:oleObj>
                 </mc:Choice>
@@ -44859,7 +44859,7 @@
             <a:graphicData uri="http://schemas.openxmlformats.org/presentationml/2006/ole">
               <mc:AlternateContent xmlns:mc="http://schemas.openxmlformats.org/markup-compatibility/2006">
                 <mc:Choice xmlns:v="urn:schemas-microsoft-com:vml" Requires="v">
-                  <p:oleObj spid="_x0000_s16652" r:id="rId30" imgW="2755900" imgH="444500" progId="Equation.DSMT4">
+                  <p:oleObj spid="_x0000_s16700" r:id="rId30" imgW="2755900" imgH="444500" progId="Equation.DSMT4">
                     <p:embed/>
                   </p:oleObj>
                 </mc:Choice>
@@ -44929,7 +44929,7 @@
             <a:graphicData uri="http://schemas.openxmlformats.org/presentationml/2006/ole">
               <mc:AlternateContent xmlns:mc="http://schemas.openxmlformats.org/markup-compatibility/2006">
                 <mc:Choice xmlns:v="urn:schemas-microsoft-com:vml" Requires="v">
-                  <p:oleObj spid="_x0000_s16653" name="Equation" r:id="rId31" imgW="1155199" imgH="266584" progId="Equation.DSMT4">
+                  <p:oleObj spid="_x0000_s16701" name="Equation" r:id="rId31" imgW="1155199" imgH="266584" progId="Equation.DSMT4">
                     <p:embed/>
                   </p:oleObj>
                 </mc:Choice>
@@ -47212,7 +47212,7 @@
             <a:graphicData uri="http://schemas.openxmlformats.org/presentationml/2006/ole">
               <mc:AlternateContent xmlns:mc="http://schemas.openxmlformats.org/markup-compatibility/2006">
                 <mc:Choice xmlns:v="urn:schemas-microsoft-com:vml" Requires="v">
-                  <p:oleObj spid="_x0000_s25638" name="Equation" r:id="rId3" imgW="418918" imgH="241195" progId="Equation.DSMT4">
+                  <p:oleObj spid="_x0000_s25644" name="Equation" r:id="rId3" imgW="418918" imgH="241195" progId="Equation.DSMT4">
                     <p:embed/>
                   </p:oleObj>
                 </mc:Choice>
@@ -47282,7 +47282,7 @@
             <a:graphicData uri="http://schemas.openxmlformats.org/presentationml/2006/ole">
               <mc:AlternateContent xmlns:mc="http://schemas.openxmlformats.org/markup-compatibility/2006">
                 <mc:Choice xmlns:v="urn:schemas-microsoft-com:vml" Requires="v">
-                  <p:oleObj spid="_x0000_s25639" r:id="rId5" imgW="965200" imgH="292100" progId="Equation.DSMT4">
+                  <p:oleObj spid="_x0000_s25645" r:id="rId5" imgW="965200" imgH="292100" progId="Equation.DSMT4">
                     <p:embed/>
                   </p:oleObj>
                 </mc:Choice>
@@ -47386,7 +47386,7 @@
             <a:graphicData uri="http://schemas.openxmlformats.org/presentationml/2006/ole">
               <mc:AlternateContent xmlns:mc="http://schemas.openxmlformats.org/markup-compatibility/2006">
                 <mc:Choice xmlns:v="urn:schemas-microsoft-com:vml" Requires="v">
-                  <p:oleObj spid="_x0000_s25640" r:id="rId7" imgW="761669" imgH="393529" progId="Equation.DSMT4">
+                  <p:oleObj spid="_x0000_s25646" r:id="rId7" imgW="761669" imgH="393529" progId="Equation.DSMT4">
                     <p:embed/>
                   </p:oleObj>
                 </mc:Choice>
@@ -47888,7 +47888,7 @@
           <a:graphicData uri="http://schemas.openxmlformats.org/presentationml/2006/ole">
             <mc:AlternateContent xmlns:mc="http://schemas.openxmlformats.org/markup-compatibility/2006">
               <mc:Choice xmlns:v="urn:schemas-microsoft-com:vml" Requires="v">
-                <p:oleObj spid="_x0000_s246798" name="位图图像" r:id="rId3" imgW="1704762" imgH="647619" progId="PBrush">
+                <p:oleObj spid="_x0000_s246800" name="位图图像" r:id="rId3" imgW="1704762" imgH="647619" progId="PBrush">
                   <p:embed/>
                 </p:oleObj>
               </mc:Choice>
@@ -48056,7 +48056,7 @@
           <a:graphicData uri="http://schemas.openxmlformats.org/presentationml/2006/ole">
             <mc:AlternateContent xmlns:mc="http://schemas.openxmlformats.org/markup-compatibility/2006">
               <mc:Choice xmlns:v="urn:schemas-microsoft-com:vml" Requires="v">
-                <p:oleObj spid="_x0000_s247822" name="位图图像" r:id="rId3" imgW="1276190" imgH="1114581" progId="PBrush">
+                <p:oleObj spid="_x0000_s247824" name="位图图像" r:id="rId3" imgW="1276190" imgH="1114581" progId="PBrush">
                   <p:embed/>
                 </p:oleObj>
               </mc:Choice>
@@ -48234,7 +48234,7 @@
           <a:graphicData uri="http://schemas.openxmlformats.org/presentationml/2006/ole">
             <mc:AlternateContent xmlns:mc="http://schemas.openxmlformats.org/markup-compatibility/2006">
               <mc:Choice xmlns:v="urn:schemas-microsoft-com:vml" Requires="v">
-                <p:oleObj spid="_x0000_s248851" name="位图图像" r:id="rId3" imgW="3924848" imgH="1638529" progId="PBrush">
+                <p:oleObj spid="_x0000_s248853" name="位图图像" r:id="rId3" imgW="3924848" imgH="1638529" progId="PBrush">
                   <p:embed/>
                 </p:oleObj>
               </mc:Choice>
@@ -49170,7 +49170,7 @@
           <a:graphicData uri="http://schemas.openxmlformats.org/presentationml/2006/ole">
             <mc:AlternateContent xmlns:mc="http://schemas.openxmlformats.org/markup-compatibility/2006">
               <mc:Choice xmlns:v="urn:schemas-microsoft-com:vml" Requires="v">
-                <p:oleObj spid="_x0000_s270358" name="位图图像" r:id="rId3" imgW="3315163" imgH="2190476" progId="PBrush">
+                <p:oleObj spid="_x0000_s270362" name="位图图像" r:id="rId3" imgW="3315163" imgH="2190476" progId="PBrush">
                   <p:embed/>
                 </p:oleObj>
               </mc:Choice>
@@ -49242,7 +49242,7 @@
           <a:graphicData uri="http://schemas.openxmlformats.org/presentationml/2006/ole">
             <mc:AlternateContent xmlns:mc="http://schemas.openxmlformats.org/markup-compatibility/2006">
               <mc:Choice xmlns:v="urn:schemas-microsoft-com:vml" Requires="v">
-                <p:oleObj spid="_x0000_s270359" name="位图图像" r:id="rId5" imgW="2619048" imgH="2591162" progId="PBrush">
+                <p:oleObj spid="_x0000_s270363" name="位图图像" r:id="rId5" imgW="2619048" imgH="2591162" progId="PBrush">
                   <p:embed/>
                 </p:oleObj>
               </mc:Choice>
@@ -49509,7 +49509,7 @@
             <a:graphicData uri="http://schemas.openxmlformats.org/presentationml/2006/ole">
               <mc:AlternateContent xmlns:mc="http://schemas.openxmlformats.org/markup-compatibility/2006">
                 <mc:Choice xmlns:v="urn:schemas-microsoft-com:vml" Requires="v">
-                  <p:oleObj spid="_x0000_s27685" r:id="rId3" imgW="736600" imgH="203200" progId="Equation.DSMT4">
+                  <p:oleObj spid="_x0000_s27691" r:id="rId3" imgW="736600" imgH="203200" progId="Equation.DSMT4">
                     <p:embed/>
                   </p:oleObj>
                 </mc:Choice>
@@ -49579,7 +49579,7 @@
             <a:graphicData uri="http://schemas.openxmlformats.org/presentationml/2006/ole">
               <mc:AlternateContent xmlns:mc="http://schemas.openxmlformats.org/markup-compatibility/2006">
                 <mc:Choice xmlns:v="urn:schemas-microsoft-com:vml" Requires="v">
-                  <p:oleObj spid="_x0000_s27686" r:id="rId5" imgW="1473200" imgH="254000" progId="Equation.DSMT4">
+                  <p:oleObj spid="_x0000_s27692" r:id="rId5" imgW="1473200" imgH="254000" progId="Equation.DSMT4">
                     <p:embed/>
                   </p:oleObj>
                 </mc:Choice>
@@ -49649,7 +49649,7 @@
             <a:graphicData uri="http://schemas.openxmlformats.org/presentationml/2006/ole">
               <mc:AlternateContent xmlns:mc="http://schemas.openxmlformats.org/markup-compatibility/2006">
                 <mc:Choice xmlns:v="urn:schemas-microsoft-com:vml" Requires="v">
-                  <p:oleObj spid="_x0000_s27687" r:id="rId7" imgW="647419" imgH="253890" progId="Equation.DSMT4">
+                  <p:oleObj spid="_x0000_s27693" r:id="rId7" imgW="647419" imgH="253890" progId="Equation.DSMT4">
                     <p:embed/>
                   </p:oleObj>
                 </mc:Choice>
@@ -50075,7 +50075,7 @@
           <a:graphicData uri="http://schemas.openxmlformats.org/presentationml/2006/ole">
             <mc:AlternateContent xmlns:mc="http://schemas.openxmlformats.org/markup-compatibility/2006">
               <mc:Choice xmlns:v="urn:schemas-microsoft-com:vml" Requires="v">
-                <p:oleObj spid="_x0000_s275469" name="位图图像" r:id="rId3" imgW="4401164" imgH="1991003" progId="PBrush">
+                <p:oleObj spid="_x0000_s275471" name="位图图像" r:id="rId3" imgW="4401164" imgH="1991003" progId="PBrush">
                   <p:embed/>
                 </p:oleObj>
               </mc:Choice>
@@ -52007,7 +52007,7 @@
           <a:graphicData uri="http://schemas.openxmlformats.org/presentationml/2006/ole">
             <mc:AlternateContent xmlns:mc="http://schemas.openxmlformats.org/markup-compatibility/2006">
               <mc:Choice xmlns:v="urn:schemas-microsoft-com:vml" Requires="v">
-                <p:oleObj spid="_x0000_s55323" r:id="rId3" imgW="3777082" imgH="2503018" progId="">
+                <p:oleObj spid="_x0000_s55325" r:id="rId3" imgW="3777082" imgH="2503018" progId="">
                   <p:embed/>
                 </p:oleObj>
               </mc:Choice>
@@ -52764,7 +52764,7 @@
             <a:graphicData uri="http://schemas.openxmlformats.org/presentationml/2006/ole">
               <mc:AlternateContent xmlns:mc="http://schemas.openxmlformats.org/markup-compatibility/2006">
                 <mc:Choice xmlns:v="urn:schemas-microsoft-com:vml" Requires="v">
-                  <p:oleObj spid="_x0000_s28710" name="公式" r:id="rId3" imgW="418918" imgH="165028" progId="Equation.3">
+                  <p:oleObj spid="_x0000_s28716" name="公式" r:id="rId3" imgW="418918" imgH="165028" progId="Equation.3">
                     <p:embed/>
                   </p:oleObj>
                 </mc:Choice>
@@ -52834,7 +52834,7 @@
             <a:graphicData uri="http://schemas.openxmlformats.org/presentationml/2006/ole">
               <mc:AlternateContent xmlns:mc="http://schemas.openxmlformats.org/markup-compatibility/2006">
                 <mc:Choice xmlns:v="urn:schemas-microsoft-com:vml" Requires="v">
-                  <p:oleObj spid="_x0000_s28711" r:id="rId5" imgW="1028700" imgH="419100" progId="Equation.DSMT4">
+                  <p:oleObj spid="_x0000_s28717" r:id="rId5" imgW="1028700" imgH="419100" progId="Equation.DSMT4">
                     <p:embed/>
                   </p:oleObj>
                 </mc:Choice>
@@ -52904,7 +52904,7 @@
             <a:graphicData uri="http://schemas.openxmlformats.org/presentationml/2006/ole">
               <mc:AlternateContent xmlns:mc="http://schemas.openxmlformats.org/markup-compatibility/2006">
                 <mc:Choice xmlns:v="urn:schemas-microsoft-com:vml" Requires="v">
-                  <p:oleObj spid="_x0000_s28712" name="公式" r:id="rId7" imgW="583947" imgH="203112" progId="Equation.3">
+                  <p:oleObj spid="_x0000_s28718" name="公式" r:id="rId7" imgW="583947" imgH="203112" progId="Equation.3">
                     <p:embed/>
                   </p:oleObj>
                 </mc:Choice>

--- a/Lessons/eis/交流阻抗及解析.pptx
+++ b/Lessons/eis/交流阻抗及解析.pptx
@@ -333,7 +333,7 @@
           <a:p>
             <a:fld id="{FB284F44-018A-4E80-9050-ACFA65016ED4}" type="datetimeFigureOut">
               <a:rPr lang="zh-CN" altLang="en-US" smtClean="0"/>
-              <a:t>2018/1/4 Thursday</a:t>
+              <a:t>2018/1/4</a:t>
             </a:fld>
             <a:endParaRPr lang="zh-CN" altLang="en-US"/>
           </a:p>
@@ -819,7 +819,7 @@
               <a:pPr>
                 <a:defRPr/>
               </a:pPr>
-              <a:t>2018/1/4 Thursday</a:t>
+              <a:t>2018/1/4</a:t>
             </a:fld>
             <a:endParaRPr lang="zh-CN" altLang="en-US"/>
           </a:p>
@@ -1134,7 +1134,7 @@
               <a:pPr>
                 <a:defRPr/>
               </a:pPr>
-              <a:t>2018/1/4 Thursday</a:t>
+              <a:t>2018/1/4</a:t>
             </a:fld>
             <a:endParaRPr lang="zh-CN" altLang="en-US"/>
           </a:p>
@@ -1324,7 +1324,7 @@
               <a:pPr>
                 <a:defRPr/>
               </a:pPr>
-              <a:t>2018/1/4 Thursday</a:t>
+              <a:t>2018/1/4</a:t>
             </a:fld>
             <a:endParaRPr lang="zh-CN" altLang="en-US"/>
           </a:p>
@@ -1524,7 +1524,7 @@
               <a:pPr>
                 <a:defRPr/>
               </a:pPr>
-              <a:t>2018/1/4 Thursday</a:t>
+              <a:t>2018/1/4</a:t>
             </a:fld>
             <a:endParaRPr lang="zh-CN" altLang="en-US"/>
           </a:p>
@@ -1836,7 +1836,7 @@
               <a:pPr>
                 <a:defRPr/>
               </a:pPr>
-              <a:t>2018/1/4 Thursday</a:t>
+              <a:t>2018/1/4</a:t>
             </a:fld>
             <a:endParaRPr lang="zh-CN" altLang="en-US"/>
           </a:p>
@@ -2092,7 +2092,7 @@
               <a:pPr>
                 <a:defRPr/>
               </a:pPr>
-              <a:t>2018/1/4 Thursday</a:t>
+              <a:t>2018/1/4</a:t>
             </a:fld>
             <a:endParaRPr lang="zh-CN" altLang="en-US"/>
           </a:p>
@@ -2354,7 +2354,7 @@
               <a:pPr>
                 <a:defRPr/>
               </a:pPr>
-              <a:t>2018/1/4 Thursday</a:t>
+              <a:t>2018/1/4</a:t>
             </a:fld>
             <a:endParaRPr lang="zh-CN" altLang="en-US"/>
           </a:p>
@@ -2544,7 +2544,7 @@
               <a:pPr>
                 <a:defRPr/>
               </a:pPr>
-              <a:t>2018/1/4 Thursday</a:t>
+              <a:t>2018/1/4</a:t>
             </a:fld>
             <a:endParaRPr lang="zh-CN" altLang="en-US"/>
           </a:p>
@@ -2811,7 +2811,7 @@
               <a:pPr>
                 <a:defRPr/>
               </a:pPr>
-              <a:t>2018/1/4 Thursday</a:t>
+              <a:t>2018/1/4</a:t>
             </a:fld>
             <a:endParaRPr lang="zh-CN" altLang="en-US"/>
           </a:p>
@@ -3118,7 +3118,7 @@
               <a:pPr>
                 <a:defRPr/>
               </a:pPr>
-              <a:t>2018/1/4 Thursday</a:t>
+              <a:t>2018/1/4</a:t>
             </a:fld>
             <a:endParaRPr lang="zh-CN" altLang="en-US"/>
           </a:p>
@@ -3559,7 +3559,7 @@
               <a:pPr>
                 <a:defRPr/>
               </a:pPr>
-              <a:t>2018/1/4 Thursday</a:t>
+              <a:t>2018/1/4</a:t>
             </a:fld>
             <a:endParaRPr lang="zh-CN" altLang="en-US"/>
           </a:p>
@@ -3698,7 +3698,7 @@
               <a:pPr>
                 <a:defRPr/>
               </a:pPr>
-              <a:t>2018/1/4 Thursday</a:t>
+              <a:t>2018/1/4</a:t>
             </a:fld>
             <a:endParaRPr lang="zh-CN" altLang="en-US"/>
           </a:p>
@@ -3815,7 +3815,7 @@
               <a:pPr>
                 <a:defRPr/>
               </a:pPr>
-              <a:t>2018/1/4 Thursday</a:t>
+              <a:t>2018/1/4</a:t>
             </a:fld>
             <a:endParaRPr lang="zh-CN" altLang="en-US"/>
           </a:p>
@@ -4112,7 +4112,7 @@
               <a:pPr>
                 <a:defRPr/>
               </a:pPr>
-              <a:t>2018/1/4 Thursday</a:t>
+              <a:t>2018/1/4</a:t>
             </a:fld>
             <a:endParaRPr lang="zh-CN" altLang="en-US"/>
           </a:p>
@@ -4368,7 +4368,7 @@
               <a:pPr>
                 <a:defRPr/>
               </a:pPr>
-              <a:t>2018/1/4 Thursday</a:t>
+              <a:t>2018/1/4</a:t>
             </a:fld>
             <a:endParaRPr lang="zh-CN" altLang="en-US"/>
           </a:p>
@@ -5673,7 +5673,7 @@
           <a:graphicData uri="http://schemas.openxmlformats.org/presentationml/2006/ole">
             <mc:AlternateContent xmlns:mc="http://schemas.openxmlformats.org/markup-compatibility/2006">
               <mc:Choice xmlns:v="urn:schemas-microsoft-com:vml" Requires="v">
-                <p:oleObj spid="_x0000_s32797" r:id="rId3" imgW="152202" imgH="126835" progId="Equation.DSMT4">
+                <p:oleObj spid="_x0000_s32805" r:id="rId3" imgW="152202" imgH="126835" progId="Equation.DSMT4">
                   <p:embed/>
                 </p:oleObj>
               </mc:Choice>
@@ -5777,7 +5777,7 @@
           <a:graphicData uri="http://schemas.openxmlformats.org/presentationml/2006/ole">
             <mc:AlternateContent xmlns:mc="http://schemas.openxmlformats.org/markup-compatibility/2006">
               <mc:Choice xmlns:v="urn:schemas-microsoft-com:vml" Requires="v">
-                <p:oleObj spid="_x0000_s32798" r:id="rId5" imgW="342751" imgH="431613" progId="Equation.DSMT4">
+                <p:oleObj spid="_x0000_s32806" r:id="rId5" imgW="342751" imgH="431613" progId="Equation.DSMT4">
                   <p:embed/>
                 </p:oleObj>
               </mc:Choice>
@@ -7042,7 +7042,7 @@
           <a:graphicData uri="http://schemas.openxmlformats.org/presentationml/2006/ole">
             <mc:AlternateContent xmlns:mc="http://schemas.openxmlformats.org/markup-compatibility/2006">
               <mc:Choice xmlns:v="urn:schemas-microsoft-com:vml" Requires="v">
-                <p:oleObj spid="_x0000_s63575" name="Equation" r:id="rId3" imgW="203024" imgH="164957" progId="Equation.DSMT4">
+                <p:oleObj spid="_x0000_s63599" name="Equation" r:id="rId3" imgW="203024" imgH="164957" progId="Equation.DSMT4">
                   <p:embed/>
                 </p:oleObj>
               </mc:Choice>
@@ -7146,7 +7146,7 @@
           <a:graphicData uri="http://schemas.openxmlformats.org/presentationml/2006/ole">
             <mc:AlternateContent xmlns:mc="http://schemas.openxmlformats.org/markup-compatibility/2006">
               <mc:Choice xmlns:v="urn:schemas-microsoft-com:vml" Requires="v">
-                <p:oleObj spid="_x0000_s63576" name="Equation" r:id="rId5" imgW="177492" imgH="164814" progId="Equation.DSMT4">
+                <p:oleObj spid="_x0000_s63600" name="Equation" r:id="rId5" imgW="177492" imgH="164814" progId="Equation.DSMT4">
                   <p:embed/>
                 </p:oleObj>
               </mc:Choice>
@@ -7250,7 +7250,7 @@
           <a:graphicData uri="http://schemas.openxmlformats.org/presentationml/2006/ole">
             <mc:AlternateContent xmlns:mc="http://schemas.openxmlformats.org/markup-compatibility/2006">
               <mc:Choice xmlns:v="urn:schemas-microsoft-com:vml" Requires="v">
-                <p:oleObj spid="_x0000_s63577" name="Equation" r:id="rId7" imgW="291973" imgH="203112" progId="Equation.DSMT4">
+                <p:oleObj spid="_x0000_s63601" name="Equation" r:id="rId7" imgW="291973" imgH="203112" progId="Equation.DSMT4">
                   <p:embed/>
                 </p:oleObj>
               </mc:Choice>
@@ -7354,7 +7354,7 @@
           <a:graphicData uri="http://schemas.openxmlformats.org/presentationml/2006/ole">
             <mc:AlternateContent xmlns:mc="http://schemas.openxmlformats.org/markup-compatibility/2006">
               <mc:Choice xmlns:v="urn:schemas-microsoft-com:vml" Requires="v">
-                <p:oleObj spid="_x0000_s63578" name="Equation" r:id="rId9" imgW="291973" imgH="203112" progId="Equation.DSMT4">
+                <p:oleObj spid="_x0000_s63602" name="Equation" r:id="rId9" imgW="291973" imgH="203112" progId="Equation.DSMT4">
                   <p:embed/>
                 </p:oleObj>
               </mc:Choice>
@@ -7458,7 +7458,7 @@
           <a:graphicData uri="http://schemas.openxmlformats.org/presentationml/2006/ole">
             <mc:AlternateContent xmlns:mc="http://schemas.openxmlformats.org/markup-compatibility/2006">
               <mc:Choice xmlns:v="urn:schemas-microsoft-com:vml" Requires="v">
-                <p:oleObj spid="_x0000_s63579" name="Equation" r:id="rId11" imgW="330057" imgH="253890" progId="Equation.DSMT4">
+                <p:oleObj spid="_x0000_s63603" name="Equation" r:id="rId11" imgW="330057" imgH="253890" progId="Equation.DSMT4">
                   <p:embed/>
                 </p:oleObj>
               </mc:Choice>
@@ -7562,7 +7562,7 @@
           <a:graphicData uri="http://schemas.openxmlformats.org/presentationml/2006/ole">
             <mc:AlternateContent xmlns:mc="http://schemas.openxmlformats.org/markup-compatibility/2006">
               <mc:Choice xmlns:v="urn:schemas-microsoft-com:vml" Requires="v">
-                <p:oleObj spid="_x0000_s63580" name="Equation" r:id="rId13" imgW="126835" imgH="202936" progId="Equation.DSMT4">
+                <p:oleObj spid="_x0000_s63604" name="Equation" r:id="rId13" imgW="126835" imgH="202936" progId="Equation.DSMT4">
                   <p:embed/>
                 </p:oleObj>
               </mc:Choice>
@@ -7842,7 +7842,7 @@
           <a:graphicData uri="http://schemas.openxmlformats.org/presentationml/2006/ole">
             <mc:AlternateContent xmlns:mc="http://schemas.openxmlformats.org/markup-compatibility/2006">
               <mc:Choice xmlns:v="urn:schemas-microsoft-com:vml" Requires="v">
-                <p:oleObj spid="_x0000_s58390" name="Equation" r:id="rId4" imgW="3530600" imgH="431800" progId="Equation.DSMT4">
+                <p:oleObj spid="_x0000_s58394" name="Equation" r:id="rId4" imgW="3530600" imgH="431800" progId="Equation.DSMT4">
                   <p:embed/>
                 </p:oleObj>
               </mc:Choice>
@@ -8129,7 +8129,7 @@
           <a:graphicData uri="http://schemas.openxmlformats.org/presentationml/2006/ole">
             <mc:AlternateContent xmlns:mc="http://schemas.openxmlformats.org/markup-compatibility/2006">
               <mc:Choice xmlns:v="urn:schemas-microsoft-com:vml" Requires="v">
-                <p:oleObj spid="_x0000_s26701" name="Equation" r:id="rId4" imgW="177492" imgH="164814" progId="Equation.DSMT4">
+                <p:oleObj spid="_x0000_s26721" name="Equation" r:id="rId4" imgW="177492" imgH="164814" progId="Equation.DSMT4">
                   <p:embed/>
                 </p:oleObj>
               </mc:Choice>
@@ -8233,7 +8233,7 @@
           <a:graphicData uri="http://schemas.openxmlformats.org/presentationml/2006/ole">
             <mc:AlternateContent xmlns:mc="http://schemas.openxmlformats.org/markup-compatibility/2006">
               <mc:Choice xmlns:v="urn:schemas-microsoft-com:vml" Requires="v">
-                <p:oleObj spid="_x0000_s26702" name="Equation" r:id="rId6" imgW="177492" imgH="164814" progId="Equation.DSMT4">
+                <p:oleObj spid="_x0000_s26722" name="Equation" r:id="rId6" imgW="177492" imgH="164814" progId="Equation.DSMT4">
                   <p:embed/>
                 </p:oleObj>
               </mc:Choice>
@@ -8337,7 +8337,7 @@
           <a:graphicData uri="http://schemas.openxmlformats.org/presentationml/2006/ole">
             <mc:AlternateContent xmlns:mc="http://schemas.openxmlformats.org/markup-compatibility/2006">
               <mc:Choice xmlns:v="urn:schemas-microsoft-com:vml" Requires="v">
-                <p:oleObj spid="_x0000_s26703" name="Equation" r:id="rId7" imgW="203024" imgH="164957" progId="Equation.DSMT4">
+                <p:oleObj spid="_x0000_s26723" name="Equation" r:id="rId7" imgW="203024" imgH="164957" progId="Equation.DSMT4">
                   <p:embed/>
                 </p:oleObj>
               </mc:Choice>
@@ -8441,7 +8441,7 @@
           <a:graphicData uri="http://schemas.openxmlformats.org/presentationml/2006/ole">
             <mc:AlternateContent xmlns:mc="http://schemas.openxmlformats.org/markup-compatibility/2006">
               <mc:Choice xmlns:v="urn:schemas-microsoft-com:vml" Requires="v">
-                <p:oleObj spid="_x0000_s26704" name="Equation" r:id="rId9" imgW="152268" imgH="203024" progId="Equation.DSMT4">
+                <p:oleObj spid="_x0000_s26724" name="Equation" r:id="rId9" imgW="152268" imgH="203024" progId="Equation.DSMT4">
                   <p:embed/>
                 </p:oleObj>
               </mc:Choice>
@@ -8513,7 +8513,7 @@
           <a:graphicData uri="http://schemas.openxmlformats.org/presentationml/2006/ole">
             <mc:AlternateContent xmlns:mc="http://schemas.openxmlformats.org/markup-compatibility/2006">
               <mc:Choice xmlns:v="urn:schemas-microsoft-com:vml" Requires="v">
-                <p:oleObj spid="_x0000_s26705" name="Equation" r:id="rId11" imgW="203024" imgH="164957" progId="Equation.DSMT4">
+                <p:oleObj spid="_x0000_s26725" name="Equation" r:id="rId11" imgW="203024" imgH="164957" progId="Equation.DSMT4">
                   <p:embed/>
                 </p:oleObj>
               </mc:Choice>
@@ -8826,7 +8826,7 @@
           <a:graphicData uri="http://schemas.openxmlformats.org/presentationml/2006/ole">
             <mc:AlternateContent xmlns:mc="http://schemas.openxmlformats.org/markup-compatibility/2006">
               <mc:Choice xmlns:v="urn:schemas-microsoft-com:vml" Requires="v">
-                <p:oleObj spid="_x0000_s36989" name="Equation" r:id="rId3" imgW="710891" imgH="253890" progId="Equation.DSMT4">
+                <p:oleObj spid="_x0000_s37025" name="Equation" r:id="rId3" imgW="710891" imgH="253890" progId="Equation.DSMT4">
                   <p:embed/>
                 </p:oleObj>
               </mc:Choice>
@@ -8930,7 +8930,7 @@
           <a:graphicData uri="http://schemas.openxmlformats.org/presentationml/2006/ole">
             <mc:AlternateContent xmlns:mc="http://schemas.openxmlformats.org/markup-compatibility/2006">
               <mc:Choice xmlns:v="urn:schemas-microsoft-com:vml" Requires="v">
-                <p:oleObj spid="_x0000_s36990" name="Equation" r:id="rId5" imgW="1028254" imgH="291973" progId="Equation.DSMT4">
+                <p:oleObj spid="_x0000_s37026" name="Equation" r:id="rId5" imgW="1028254" imgH="291973" progId="Equation.DSMT4">
                   <p:embed/>
                 </p:oleObj>
               </mc:Choice>
@@ -9034,7 +9034,7 @@
           <a:graphicData uri="http://schemas.openxmlformats.org/presentationml/2006/ole">
             <mc:AlternateContent xmlns:mc="http://schemas.openxmlformats.org/markup-compatibility/2006">
               <mc:Choice xmlns:v="urn:schemas-microsoft-com:vml" Requires="v">
-                <p:oleObj spid="_x0000_s36991" name="Equation" r:id="rId7" imgW="2197100" imgH="508000" progId="Equation.DSMT4">
+                <p:oleObj spid="_x0000_s37027" name="Equation" r:id="rId7" imgW="2197100" imgH="508000" progId="Equation.DSMT4">
                   <p:embed/>
                 </p:oleObj>
               </mc:Choice>
@@ -9138,7 +9138,7 @@
           <a:graphicData uri="http://schemas.openxmlformats.org/presentationml/2006/ole">
             <mc:AlternateContent xmlns:mc="http://schemas.openxmlformats.org/markup-compatibility/2006">
               <mc:Choice xmlns:v="urn:schemas-microsoft-com:vml" Requires="v">
-                <p:oleObj spid="_x0000_s36992" name="Equation" r:id="rId9" imgW="2476500" imgH="393700" progId="Equation.DSMT4">
+                <p:oleObj spid="_x0000_s37028" name="Equation" r:id="rId9" imgW="2476500" imgH="393700" progId="Equation.DSMT4">
                   <p:embed/>
                 </p:oleObj>
               </mc:Choice>
@@ -9242,7 +9242,7 @@
           <a:graphicData uri="http://schemas.openxmlformats.org/presentationml/2006/ole">
             <mc:AlternateContent xmlns:mc="http://schemas.openxmlformats.org/markup-compatibility/2006">
               <mc:Choice xmlns:v="urn:schemas-microsoft-com:vml" Requires="v">
-                <p:oleObj spid="_x0000_s36993" name="Equation" r:id="rId11" imgW="2145369" imgH="393529" progId="Equation.DSMT4">
+                <p:oleObj spid="_x0000_s37029" name="Equation" r:id="rId11" imgW="2145369" imgH="393529" progId="Equation.DSMT4">
                   <p:embed/>
                 </p:oleObj>
               </mc:Choice>
@@ -9346,7 +9346,7 @@
           <a:graphicData uri="http://schemas.openxmlformats.org/presentationml/2006/ole">
             <mc:AlternateContent xmlns:mc="http://schemas.openxmlformats.org/markup-compatibility/2006">
               <mc:Choice xmlns:v="urn:schemas-microsoft-com:vml" Requires="v">
-                <p:oleObj spid="_x0000_s36994" name="Equation" r:id="rId13" imgW="787058" imgH="253890" progId="Equation.DSMT4">
+                <p:oleObj spid="_x0000_s37030" name="Equation" r:id="rId13" imgW="787058" imgH="253890" progId="Equation.DSMT4">
                   <p:embed/>
                 </p:oleObj>
               </mc:Choice>
@@ -9450,7 +9450,7 @@
           <a:graphicData uri="http://schemas.openxmlformats.org/presentationml/2006/ole">
             <mc:AlternateContent xmlns:mc="http://schemas.openxmlformats.org/markup-compatibility/2006">
               <mc:Choice xmlns:v="urn:schemas-microsoft-com:vml" Requires="v">
-                <p:oleObj spid="_x0000_s36995" name="Equation" r:id="rId15" imgW="330057" imgH="253890" progId="Equation.DSMT4">
+                <p:oleObj spid="_x0000_s37031" name="Equation" r:id="rId15" imgW="330057" imgH="253890" progId="Equation.DSMT4">
                   <p:embed/>
                 </p:oleObj>
               </mc:Choice>
@@ -9554,7 +9554,7 @@
           <a:graphicData uri="http://schemas.openxmlformats.org/presentationml/2006/ole">
             <mc:AlternateContent xmlns:mc="http://schemas.openxmlformats.org/markup-compatibility/2006">
               <mc:Choice xmlns:v="urn:schemas-microsoft-com:vml" Requires="v">
-                <p:oleObj spid="_x0000_s36996" name="Equation" r:id="rId17" imgW="330057" imgH="253890" progId="Equation.DSMT4">
+                <p:oleObj spid="_x0000_s37032" name="Equation" r:id="rId17" imgW="330057" imgH="253890" progId="Equation.DSMT4">
                   <p:embed/>
                 </p:oleObj>
               </mc:Choice>
@@ -9658,7 +9658,7 @@
           <a:graphicData uri="http://schemas.openxmlformats.org/presentationml/2006/ole">
             <mc:AlternateContent xmlns:mc="http://schemas.openxmlformats.org/markup-compatibility/2006">
               <mc:Choice xmlns:v="urn:schemas-microsoft-com:vml" Requires="v">
-                <p:oleObj spid="_x0000_s36997" name="Equation" r:id="rId18" imgW="291973" imgH="203112" progId="Equation.DSMT4">
+                <p:oleObj spid="_x0000_s37033" name="Equation" r:id="rId18" imgW="291973" imgH="203112" progId="Equation.DSMT4">
                   <p:embed/>
                 </p:oleObj>
               </mc:Choice>
@@ -9971,7 +9971,7 @@
           <a:graphicData uri="http://schemas.openxmlformats.org/presentationml/2006/ole">
             <mc:AlternateContent xmlns:mc="http://schemas.openxmlformats.org/markup-compatibility/2006">
               <mc:Choice xmlns:v="urn:schemas-microsoft-com:vml" Requires="v">
-                <p:oleObj spid="_x0000_s74883" name="Equation" r:id="rId3" imgW="710891" imgH="253890" progId="Equation.DSMT4">
+                <p:oleObj spid="_x0000_s74919" name="Equation" r:id="rId3" imgW="710891" imgH="253890" progId="Equation.DSMT4">
                   <p:embed/>
                 </p:oleObj>
               </mc:Choice>
@@ -10075,7 +10075,7 @@
           <a:graphicData uri="http://schemas.openxmlformats.org/presentationml/2006/ole">
             <mc:AlternateContent xmlns:mc="http://schemas.openxmlformats.org/markup-compatibility/2006">
               <mc:Choice xmlns:v="urn:schemas-microsoft-com:vml" Requires="v">
-                <p:oleObj spid="_x0000_s74884" name="Equation" r:id="rId5" imgW="1028254" imgH="291973" progId="Equation.DSMT4">
+                <p:oleObj spid="_x0000_s74920" name="Equation" r:id="rId5" imgW="1028254" imgH="291973" progId="Equation.DSMT4">
                   <p:embed/>
                 </p:oleObj>
               </mc:Choice>
@@ -10179,7 +10179,7 @@
           <a:graphicData uri="http://schemas.openxmlformats.org/presentationml/2006/ole">
             <mc:AlternateContent xmlns:mc="http://schemas.openxmlformats.org/markup-compatibility/2006">
               <mc:Choice xmlns:v="urn:schemas-microsoft-com:vml" Requires="v">
-                <p:oleObj spid="_x0000_s74885" name="Equation" r:id="rId7" imgW="2197100" imgH="508000" progId="Equation.DSMT4">
+                <p:oleObj spid="_x0000_s74921" name="Equation" r:id="rId7" imgW="2197100" imgH="508000" progId="Equation.DSMT4">
                   <p:embed/>
                 </p:oleObj>
               </mc:Choice>
@@ -10283,7 +10283,7 @@
           <a:graphicData uri="http://schemas.openxmlformats.org/presentationml/2006/ole">
             <mc:AlternateContent xmlns:mc="http://schemas.openxmlformats.org/markup-compatibility/2006">
               <mc:Choice xmlns:v="urn:schemas-microsoft-com:vml" Requires="v">
-                <p:oleObj spid="_x0000_s74886" name="Equation" r:id="rId9" imgW="2476500" imgH="393700" progId="Equation.DSMT4">
+                <p:oleObj spid="_x0000_s74922" name="Equation" r:id="rId9" imgW="2476500" imgH="393700" progId="Equation.DSMT4">
                   <p:embed/>
                 </p:oleObj>
               </mc:Choice>
@@ -10387,7 +10387,7 @@
           <a:graphicData uri="http://schemas.openxmlformats.org/presentationml/2006/ole">
             <mc:AlternateContent xmlns:mc="http://schemas.openxmlformats.org/markup-compatibility/2006">
               <mc:Choice xmlns:v="urn:schemas-microsoft-com:vml" Requires="v">
-                <p:oleObj spid="_x0000_s74887" name="Equation" r:id="rId11" imgW="2145369" imgH="393529" progId="Equation.DSMT4">
+                <p:oleObj spid="_x0000_s74923" name="Equation" r:id="rId11" imgW="2145369" imgH="393529" progId="Equation.DSMT4">
                   <p:embed/>
                 </p:oleObj>
               </mc:Choice>
@@ -10491,7 +10491,7 @@
           <a:graphicData uri="http://schemas.openxmlformats.org/presentationml/2006/ole">
             <mc:AlternateContent xmlns:mc="http://schemas.openxmlformats.org/markup-compatibility/2006">
               <mc:Choice xmlns:v="urn:schemas-microsoft-com:vml" Requires="v">
-                <p:oleObj spid="_x0000_s74888" name="Equation" r:id="rId13" imgW="787058" imgH="253890" progId="Equation.DSMT4">
+                <p:oleObj spid="_x0000_s74924" name="Equation" r:id="rId13" imgW="787058" imgH="253890" progId="Equation.DSMT4">
                   <p:embed/>
                 </p:oleObj>
               </mc:Choice>
@@ -10595,7 +10595,7 @@
           <a:graphicData uri="http://schemas.openxmlformats.org/presentationml/2006/ole">
             <mc:AlternateContent xmlns:mc="http://schemas.openxmlformats.org/markup-compatibility/2006">
               <mc:Choice xmlns:v="urn:schemas-microsoft-com:vml" Requires="v">
-                <p:oleObj spid="_x0000_s74889" name="Equation" r:id="rId15" imgW="330057" imgH="253890" progId="Equation.DSMT4">
+                <p:oleObj spid="_x0000_s74925" name="Equation" r:id="rId15" imgW="330057" imgH="253890" progId="Equation.DSMT4">
                   <p:embed/>
                 </p:oleObj>
               </mc:Choice>
@@ -10699,7 +10699,7 @@
           <a:graphicData uri="http://schemas.openxmlformats.org/presentationml/2006/ole">
             <mc:AlternateContent xmlns:mc="http://schemas.openxmlformats.org/markup-compatibility/2006">
               <mc:Choice xmlns:v="urn:schemas-microsoft-com:vml" Requires="v">
-                <p:oleObj spid="_x0000_s74890" name="Equation" r:id="rId17" imgW="330057" imgH="253890" progId="Equation.DSMT4">
+                <p:oleObj spid="_x0000_s74926" name="Equation" r:id="rId17" imgW="330057" imgH="253890" progId="Equation.DSMT4">
                   <p:embed/>
                 </p:oleObj>
               </mc:Choice>
@@ -10803,7 +10803,7 @@
           <a:graphicData uri="http://schemas.openxmlformats.org/presentationml/2006/ole">
             <mc:AlternateContent xmlns:mc="http://schemas.openxmlformats.org/markup-compatibility/2006">
               <mc:Choice xmlns:v="urn:schemas-microsoft-com:vml" Requires="v">
-                <p:oleObj spid="_x0000_s74891" name="Equation" r:id="rId18" imgW="291973" imgH="203112" progId="Equation.DSMT4">
+                <p:oleObj spid="_x0000_s74927" name="Equation" r:id="rId18" imgW="291973" imgH="203112" progId="Equation.DSMT4">
                   <p:embed/>
                 </p:oleObj>
               </mc:Choice>
@@ -11128,7 +11128,7 @@
           <a:graphicData uri="http://schemas.openxmlformats.org/presentationml/2006/ole">
             <mc:AlternateContent xmlns:mc="http://schemas.openxmlformats.org/markup-compatibility/2006">
               <mc:Choice xmlns:v="urn:schemas-microsoft-com:vml" Requires="v">
-                <p:oleObj spid="_x0000_s79988" name="Equation" r:id="rId3" imgW="710891" imgH="253890" progId="Equation.DSMT4">
+                <p:oleObj spid="_x0000_s80020" name="Equation" r:id="rId3" imgW="710891" imgH="253890" progId="Equation.DSMT4">
                   <p:embed/>
                 </p:oleObj>
               </mc:Choice>
@@ -11232,7 +11232,7 @@
           <a:graphicData uri="http://schemas.openxmlformats.org/presentationml/2006/ole">
             <mc:AlternateContent xmlns:mc="http://schemas.openxmlformats.org/markup-compatibility/2006">
               <mc:Choice xmlns:v="urn:schemas-microsoft-com:vml" Requires="v">
-                <p:oleObj spid="_x0000_s79989" name="Equation" r:id="rId5" imgW="1028254" imgH="291973" progId="Equation.DSMT4">
+                <p:oleObj spid="_x0000_s80021" name="Equation" r:id="rId5" imgW="1028254" imgH="291973" progId="Equation.DSMT4">
                   <p:embed/>
                 </p:oleObj>
               </mc:Choice>
@@ -11336,7 +11336,7 @@
           <a:graphicData uri="http://schemas.openxmlformats.org/presentationml/2006/ole">
             <mc:AlternateContent xmlns:mc="http://schemas.openxmlformats.org/markup-compatibility/2006">
               <mc:Choice xmlns:v="urn:schemas-microsoft-com:vml" Requires="v">
-                <p:oleObj spid="_x0000_s79990" name="Equation" r:id="rId7" imgW="2197100" imgH="508000" progId="Equation.DSMT4">
+                <p:oleObj spid="_x0000_s80022" name="Equation" r:id="rId7" imgW="2197100" imgH="508000" progId="Equation.DSMT4">
                   <p:embed/>
                 </p:oleObj>
               </mc:Choice>
@@ -11440,7 +11440,7 @@
           <a:graphicData uri="http://schemas.openxmlformats.org/presentationml/2006/ole">
             <mc:AlternateContent xmlns:mc="http://schemas.openxmlformats.org/markup-compatibility/2006">
               <mc:Choice xmlns:v="urn:schemas-microsoft-com:vml" Requires="v">
-                <p:oleObj spid="_x0000_s79991" name="Equation" r:id="rId9" imgW="2476500" imgH="393700" progId="Equation.DSMT4">
+                <p:oleObj spid="_x0000_s80023" name="Equation" r:id="rId9" imgW="2476500" imgH="393700" progId="Equation.DSMT4">
                   <p:embed/>
                 </p:oleObj>
               </mc:Choice>
@@ -11646,7 +11646,7 @@
           <a:graphicData uri="http://schemas.openxmlformats.org/presentationml/2006/ole">
             <mc:AlternateContent xmlns:mc="http://schemas.openxmlformats.org/markup-compatibility/2006">
               <mc:Choice xmlns:v="urn:schemas-microsoft-com:vml" Requires="v">
-                <p:oleObj spid="_x0000_s79992" name="Equation" r:id="rId11" imgW="330057" imgH="253890" progId="Equation.DSMT4">
+                <p:oleObj spid="_x0000_s80024" name="Equation" r:id="rId11" imgW="330057" imgH="253890" progId="Equation.DSMT4">
                   <p:embed/>
                 </p:oleObj>
               </mc:Choice>
@@ -11750,7 +11750,7 @@
           <a:graphicData uri="http://schemas.openxmlformats.org/presentationml/2006/ole">
             <mc:AlternateContent xmlns:mc="http://schemas.openxmlformats.org/markup-compatibility/2006">
               <mc:Choice xmlns:v="urn:schemas-microsoft-com:vml" Requires="v">
-                <p:oleObj spid="_x0000_s79993" name="Equation" r:id="rId13" imgW="291973" imgH="203112" progId="Equation.DSMT4">
+                <p:oleObj spid="_x0000_s80025" name="Equation" r:id="rId13" imgW="291973" imgH="203112" progId="Equation.DSMT4">
                   <p:embed/>
                 </p:oleObj>
               </mc:Choice>
@@ -11854,7 +11854,7 @@
           <a:graphicData uri="http://schemas.openxmlformats.org/presentationml/2006/ole">
             <mc:AlternateContent xmlns:mc="http://schemas.openxmlformats.org/markup-compatibility/2006">
               <mc:Choice xmlns:v="urn:schemas-microsoft-com:vml" Requires="v">
-                <p:oleObj spid="_x0000_s79994" name="Equation" r:id="rId15" imgW="2133600" imgH="393700" progId="Equation.DSMT4">
+                <p:oleObj spid="_x0000_s80026" name="Equation" r:id="rId15" imgW="2133600" imgH="393700" progId="Equation.DSMT4">
                   <p:embed/>
                 </p:oleObj>
               </mc:Choice>
@@ -11992,7 +11992,7 @@
           <a:graphicData uri="http://schemas.openxmlformats.org/presentationml/2006/ole">
             <mc:AlternateContent xmlns:mc="http://schemas.openxmlformats.org/markup-compatibility/2006">
               <mc:Choice xmlns:v="urn:schemas-microsoft-com:vml" Requires="v">
-                <p:oleObj spid="_x0000_s79995" name="Equation" r:id="rId17" imgW="1269449" imgH="253890" progId="Equation.DSMT4">
+                <p:oleObj spid="_x0000_s80027" name="Equation" r:id="rId17" imgW="1269449" imgH="253890" progId="Equation.DSMT4">
                   <p:embed/>
                 </p:oleObj>
               </mc:Choice>
@@ -12256,7 +12256,7 @@
           <a:graphicData uri="http://schemas.openxmlformats.org/presentationml/2006/ole">
             <mc:AlternateContent xmlns:mc="http://schemas.openxmlformats.org/markup-compatibility/2006">
               <mc:Choice xmlns:v="urn:schemas-microsoft-com:vml" Requires="v">
-                <p:oleObj spid="_x0000_s78916" name="Equation" r:id="rId3" imgW="507780" imgH="203112" progId="Equation.DSMT4">
+                <p:oleObj spid="_x0000_s78936" name="Equation" r:id="rId3" imgW="507780" imgH="203112" progId="Equation.DSMT4">
                   <p:embed/>
                 </p:oleObj>
               </mc:Choice>
@@ -12360,7 +12360,7 @@
           <a:graphicData uri="http://schemas.openxmlformats.org/presentationml/2006/ole">
             <mc:AlternateContent xmlns:mc="http://schemas.openxmlformats.org/markup-compatibility/2006">
               <mc:Choice xmlns:v="urn:schemas-microsoft-com:vml" Requires="v">
-                <p:oleObj spid="_x0000_s78917" name="Equation" r:id="rId5" imgW="863225" imgH="393529" progId="Equation.DSMT4">
+                <p:oleObj spid="_x0000_s78937" name="Equation" r:id="rId5" imgW="863225" imgH="393529" progId="Equation.DSMT4">
                   <p:embed/>
                 </p:oleObj>
               </mc:Choice>
@@ -12464,7 +12464,7 @@
           <a:graphicData uri="http://schemas.openxmlformats.org/presentationml/2006/ole">
             <mc:AlternateContent xmlns:mc="http://schemas.openxmlformats.org/markup-compatibility/2006">
               <mc:Choice xmlns:v="urn:schemas-microsoft-com:vml" Requires="v">
-                <p:oleObj spid="_x0000_s78918" name="Equation" r:id="rId7" imgW="1981200" imgH="647700" progId="Equation.DSMT4">
+                <p:oleObj spid="_x0000_s78938" name="Equation" r:id="rId7" imgW="1981200" imgH="647700" progId="Equation.DSMT4">
                   <p:embed/>
                 </p:oleObj>
               </mc:Choice>
@@ -12568,7 +12568,7 @@
           <a:graphicData uri="http://schemas.openxmlformats.org/presentationml/2006/ole">
             <mc:AlternateContent xmlns:mc="http://schemas.openxmlformats.org/markup-compatibility/2006">
               <mc:Choice xmlns:v="urn:schemas-microsoft-com:vml" Requires="v">
-                <p:oleObj spid="_x0000_s78919" name="Equation" r:id="rId9" imgW="355292" imgH="203024" progId="Equation.DSMT4">
+                <p:oleObj spid="_x0000_s78939" name="Equation" r:id="rId9" imgW="355292" imgH="203024" progId="Equation.DSMT4">
                   <p:embed/>
                 </p:oleObj>
               </mc:Choice>
@@ -12672,7 +12672,7 @@
           <a:graphicData uri="http://schemas.openxmlformats.org/presentationml/2006/ole">
             <mc:AlternateContent xmlns:mc="http://schemas.openxmlformats.org/markup-compatibility/2006">
               <mc:Choice xmlns:v="urn:schemas-microsoft-com:vml" Requires="v">
-                <p:oleObj spid="_x0000_s78920" name="Equation" r:id="rId11" imgW="1612900" imgH="647700" progId="Equation.DSMT4">
+                <p:oleObj spid="_x0000_s78940" name="Equation" r:id="rId11" imgW="1612900" imgH="647700" progId="Equation.DSMT4">
                   <p:embed/>
                 </p:oleObj>
               </mc:Choice>
@@ -12936,7 +12936,7 @@
           <a:graphicData uri="http://schemas.openxmlformats.org/presentationml/2006/ole">
             <mc:AlternateContent xmlns:mc="http://schemas.openxmlformats.org/markup-compatibility/2006">
               <mc:Choice xmlns:v="urn:schemas-microsoft-com:vml" Requires="v">
-                <p:oleObj spid="_x0000_s80981" name="Equation" r:id="rId3" imgW="507780" imgH="203112" progId="Equation.DSMT4">
+                <p:oleObj spid="_x0000_s81005" name="Equation" r:id="rId3" imgW="507780" imgH="203112" progId="Equation.DSMT4">
                   <p:embed/>
                 </p:oleObj>
               </mc:Choice>
@@ -13040,7 +13040,7 @@
           <a:graphicData uri="http://schemas.openxmlformats.org/presentationml/2006/ole">
             <mc:AlternateContent xmlns:mc="http://schemas.openxmlformats.org/markup-compatibility/2006">
               <mc:Choice xmlns:v="urn:schemas-microsoft-com:vml" Requires="v">
-                <p:oleObj spid="_x0000_s80982" name="Equation" r:id="rId5" imgW="863225" imgH="393529" progId="Equation.DSMT4">
+                <p:oleObj spid="_x0000_s81006" name="Equation" r:id="rId5" imgW="863225" imgH="393529" progId="Equation.DSMT4">
                   <p:embed/>
                 </p:oleObj>
               </mc:Choice>
@@ -13144,7 +13144,7 @@
           <a:graphicData uri="http://schemas.openxmlformats.org/presentationml/2006/ole">
             <mc:AlternateContent xmlns:mc="http://schemas.openxmlformats.org/markup-compatibility/2006">
               <mc:Choice xmlns:v="urn:schemas-microsoft-com:vml" Requires="v">
-                <p:oleObj spid="_x0000_s80983" name="Equation" r:id="rId7" imgW="1981200" imgH="647700" progId="Equation.DSMT4">
+                <p:oleObj spid="_x0000_s81007" name="Equation" r:id="rId7" imgW="1981200" imgH="647700" progId="Equation.DSMT4">
                   <p:embed/>
                 </p:oleObj>
               </mc:Choice>
@@ -13316,7 +13316,7 @@
           <a:graphicData uri="http://schemas.openxmlformats.org/presentationml/2006/ole">
             <mc:AlternateContent xmlns:mc="http://schemas.openxmlformats.org/markup-compatibility/2006">
               <mc:Choice xmlns:v="urn:schemas-microsoft-com:vml" Requires="v">
-                <p:oleObj spid="_x0000_s80984" name="Equation" r:id="rId9" imgW="1638300" imgH="647700" progId="Equation.DSMT4">
+                <p:oleObj spid="_x0000_s81008" name="Equation" r:id="rId9" imgW="1638300" imgH="647700" progId="Equation.DSMT4">
                   <p:embed/>
                 </p:oleObj>
               </mc:Choice>
@@ -13420,7 +13420,7 @@
           <a:graphicData uri="http://schemas.openxmlformats.org/presentationml/2006/ole">
             <mc:AlternateContent xmlns:mc="http://schemas.openxmlformats.org/markup-compatibility/2006">
               <mc:Choice xmlns:v="urn:schemas-microsoft-com:vml" Requires="v">
-                <p:oleObj spid="_x0000_s80985" name="Equation" r:id="rId11" imgW="406048" imgH="393359" progId="Equation.DSMT4">
+                <p:oleObj spid="_x0000_s81009" name="Equation" r:id="rId11" imgW="406048" imgH="393359" progId="Equation.DSMT4">
                   <p:embed/>
                 </p:oleObj>
               </mc:Choice>
@@ -13524,7 +13524,7 @@
           <a:graphicData uri="http://schemas.openxmlformats.org/presentationml/2006/ole">
             <mc:AlternateContent xmlns:mc="http://schemas.openxmlformats.org/markup-compatibility/2006">
               <mc:Choice xmlns:v="urn:schemas-microsoft-com:vml" Requires="v">
-                <p:oleObj spid="_x0000_s80986" name="Equation" r:id="rId13" imgW="164957" imgH="393359" progId="Equation.DSMT4">
+                <p:oleObj spid="_x0000_s81010" name="Equation" r:id="rId13" imgW="164957" imgH="393359" progId="Equation.DSMT4">
                   <p:embed/>
                 </p:oleObj>
               </mc:Choice>
@@ -14196,7 +14196,7 @@
           <a:graphicData uri="http://schemas.openxmlformats.org/presentationml/2006/ole">
             <mc:AlternateContent xmlns:mc="http://schemas.openxmlformats.org/markup-compatibility/2006">
               <mc:Choice xmlns:v="urn:schemas-microsoft-com:vml" Requires="v">
-                <p:oleObj spid="_x0000_s82045" name="Equation" r:id="rId3" imgW="152334" imgH="139639" progId="Equation.DSMT4">
+                <p:oleObj spid="_x0000_s82077" name="Equation" r:id="rId3" imgW="152334" imgH="139639" progId="Equation.DSMT4">
                   <p:embed/>
                 </p:oleObj>
               </mc:Choice>
@@ -14300,7 +14300,7 @@
           <a:graphicData uri="http://schemas.openxmlformats.org/presentationml/2006/ole">
             <mc:AlternateContent xmlns:mc="http://schemas.openxmlformats.org/markup-compatibility/2006">
               <mc:Choice xmlns:v="urn:schemas-microsoft-com:vml" Requires="v">
-                <p:oleObj spid="_x0000_s82046" name="Equation" r:id="rId5" imgW="190417" imgH="203112" progId="Equation.DSMT4">
+                <p:oleObj spid="_x0000_s82078" name="Equation" r:id="rId5" imgW="190417" imgH="203112" progId="Equation.DSMT4">
                   <p:embed/>
                 </p:oleObj>
               </mc:Choice>
@@ -14404,7 +14404,7 @@
           <a:graphicData uri="http://schemas.openxmlformats.org/presentationml/2006/ole">
             <mc:AlternateContent xmlns:mc="http://schemas.openxmlformats.org/markup-compatibility/2006">
               <mc:Choice xmlns:v="urn:schemas-microsoft-com:vml" Requires="v">
-                <p:oleObj spid="_x0000_s82047" name="Equation" r:id="rId7" imgW="660113" imgH="431613" progId="Equation.DSMT4">
+                <p:oleObj spid="_x0000_s82079" name="Equation" r:id="rId7" imgW="660113" imgH="431613" progId="Equation.DSMT4">
                   <p:embed/>
                 </p:oleObj>
               </mc:Choice>
@@ -14508,7 +14508,7 @@
           <a:graphicData uri="http://schemas.openxmlformats.org/presentationml/2006/ole">
             <mc:AlternateContent xmlns:mc="http://schemas.openxmlformats.org/markup-compatibility/2006">
               <mc:Choice xmlns:v="urn:schemas-microsoft-com:vml" Requires="v">
-                <p:oleObj spid="_x0000_s82048" name="Equation" r:id="rId9" imgW="647700" imgH="431800" progId="Equation.DSMT4">
+                <p:oleObj spid="_x0000_s82080" name="Equation" r:id="rId9" imgW="647700" imgH="431800" progId="Equation.DSMT4">
                   <p:embed/>
                 </p:oleObj>
               </mc:Choice>
@@ -14612,7 +14612,7 @@
           <a:graphicData uri="http://schemas.openxmlformats.org/presentationml/2006/ole">
             <mc:AlternateContent xmlns:mc="http://schemas.openxmlformats.org/markup-compatibility/2006">
               <mc:Choice xmlns:v="urn:schemas-microsoft-com:vml" Requires="v">
-                <p:oleObj spid="_x0000_s82049" name="Equation" r:id="rId11" imgW="190417" imgH="203112" progId="Equation.DSMT4">
+                <p:oleObj spid="_x0000_s82081" name="Equation" r:id="rId11" imgW="190417" imgH="203112" progId="Equation.DSMT4">
                   <p:embed/>
                 </p:oleObj>
               </mc:Choice>
@@ -14716,7 +14716,7 @@
           <a:graphicData uri="http://schemas.openxmlformats.org/presentationml/2006/ole">
             <mc:AlternateContent xmlns:mc="http://schemas.openxmlformats.org/markup-compatibility/2006">
               <mc:Choice xmlns:v="urn:schemas-microsoft-com:vml" Requires="v">
-                <p:oleObj spid="_x0000_s82050" name="Equation" r:id="rId12" imgW="228501" imgH="393529" progId="Equation.DSMT4">
+                <p:oleObj spid="_x0000_s82082" name="Equation" r:id="rId12" imgW="228501" imgH="393529" progId="Equation.DSMT4">
                   <p:embed/>
                 </p:oleObj>
               </mc:Choice>
@@ -14820,7 +14820,7 @@
           <a:graphicData uri="http://schemas.openxmlformats.org/presentationml/2006/ole">
             <mc:AlternateContent xmlns:mc="http://schemas.openxmlformats.org/markup-compatibility/2006">
               <mc:Choice xmlns:v="urn:schemas-microsoft-com:vml" Requires="v">
-                <p:oleObj spid="_x0000_s82051" name="Equation" r:id="rId14" imgW="126835" imgH="139518" progId="Equation.DSMT4">
+                <p:oleObj spid="_x0000_s82083" name="Equation" r:id="rId14" imgW="126835" imgH="139518" progId="Equation.DSMT4">
                   <p:embed/>
                 </p:oleObj>
               </mc:Choice>
@@ -14924,7 +14924,7 @@
           <a:graphicData uri="http://schemas.openxmlformats.org/presentationml/2006/ole">
             <mc:AlternateContent xmlns:mc="http://schemas.openxmlformats.org/markup-compatibility/2006">
               <mc:Choice xmlns:v="urn:schemas-microsoft-com:vml" Requires="v">
-                <p:oleObj spid="_x0000_s82052" name="Equation" r:id="rId16" imgW="914400" imgH="393700" progId="Equation.DSMT4">
+                <p:oleObj spid="_x0000_s82084" name="Equation" r:id="rId16" imgW="914400" imgH="393700" progId="Equation.DSMT4">
                   <p:embed/>
                 </p:oleObj>
               </mc:Choice>
@@ -15230,7 +15230,7 @@
           <a:graphicData uri="http://schemas.openxmlformats.org/presentationml/2006/ole">
             <mc:AlternateContent xmlns:mc="http://schemas.openxmlformats.org/markup-compatibility/2006">
               <mc:Choice xmlns:v="urn:schemas-microsoft-com:vml" Requires="v">
-                <p:oleObj spid="_x0000_s103438" name="Equation" r:id="rId3" imgW="2501900" imgH="469900" progId="Equation.DSMT4">
+                <p:oleObj spid="_x0000_s103442" name="Equation" r:id="rId3" imgW="2501900" imgH="469900" progId="Equation.DSMT4">
                   <p:embed/>
                 </p:oleObj>
               </mc:Choice>
@@ -16060,7 +16060,7 @@
           <a:graphicData uri="http://schemas.openxmlformats.org/presentationml/2006/ole">
             <mc:AlternateContent xmlns:mc="http://schemas.openxmlformats.org/markup-compatibility/2006">
               <mc:Choice xmlns:v="urn:schemas-microsoft-com:vml" Requires="v">
-                <p:oleObj spid="_x0000_s102487" name="Equation" r:id="rId3" imgW="2527300" imgH="457200" progId="Equation.DSMT4">
+                <p:oleObj spid="_x0000_s102515" name="Equation" r:id="rId3" imgW="2527300" imgH="457200" progId="Equation.DSMT4">
                   <p:embed/>
                 </p:oleObj>
               </mc:Choice>
@@ -16164,7 +16164,7 @@
           <a:graphicData uri="http://schemas.openxmlformats.org/presentationml/2006/ole">
             <mc:AlternateContent xmlns:mc="http://schemas.openxmlformats.org/markup-compatibility/2006">
               <mc:Choice xmlns:v="urn:schemas-microsoft-com:vml" Requires="v">
-                <p:oleObj spid="_x0000_s102488" name="Equation" r:id="rId5" imgW="2527300" imgH="457200" progId="Equation.DSMT4">
+                <p:oleObj spid="_x0000_s102516" name="Equation" r:id="rId5" imgW="2527300" imgH="457200" progId="Equation.DSMT4">
                   <p:embed/>
                 </p:oleObj>
               </mc:Choice>
@@ -16234,7 +16234,7 @@
           <a:graphicData uri="http://schemas.openxmlformats.org/presentationml/2006/ole">
             <mc:AlternateContent xmlns:mc="http://schemas.openxmlformats.org/markup-compatibility/2006">
               <mc:Choice xmlns:v="urn:schemas-microsoft-com:vml" Requires="v">
-                <p:oleObj spid="_x0000_s102489" name="Equation" r:id="rId6" imgW="3048000" imgH="469900" progId="Equation.DSMT4">
+                <p:oleObj spid="_x0000_s102517" name="Equation" r:id="rId6" imgW="3048000" imgH="469900" progId="Equation.DSMT4">
                   <p:embed/>
                 </p:oleObj>
               </mc:Choice>
@@ -16327,7 +16327,7 @@
           <a:graphicData uri="http://schemas.openxmlformats.org/presentationml/2006/ole">
             <mc:AlternateContent xmlns:mc="http://schemas.openxmlformats.org/markup-compatibility/2006">
               <mc:Choice xmlns:v="urn:schemas-microsoft-com:vml" Requires="v">
-                <p:oleObj spid="_x0000_s102490" name="Equation" r:id="rId8" imgW="1155700" imgH="469900" progId="Equation.DSMT4">
+                <p:oleObj spid="_x0000_s102518" name="Equation" r:id="rId8" imgW="1155700" imgH="469900" progId="Equation.DSMT4">
                   <p:embed/>
                 </p:oleObj>
               </mc:Choice>
@@ -16420,7 +16420,7 @@
           <a:graphicData uri="http://schemas.openxmlformats.org/presentationml/2006/ole">
             <mc:AlternateContent xmlns:mc="http://schemas.openxmlformats.org/markup-compatibility/2006">
               <mc:Choice xmlns:v="urn:schemas-microsoft-com:vml" Requires="v">
-                <p:oleObj spid="_x0000_s102491" name="Equation" r:id="rId10" imgW="2146300" imgH="482600" progId="Equation.DSMT4">
+                <p:oleObj spid="_x0000_s102519" name="Equation" r:id="rId10" imgW="2146300" imgH="482600" progId="Equation.DSMT4">
                   <p:embed/>
                 </p:oleObj>
               </mc:Choice>
@@ -16513,7 +16513,7 @@
           <a:graphicData uri="http://schemas.openxmlformats.org/presentationml/2006/ole">
             <mc:AlternateContent xmlns:mc="http://schemas.openxmlformats.org/markup-compatibility/2006">
               <mc:Choice xmlns:v="urn:schemas-microsoft-com:vml" Requires="v">
-                <p:oleObj spid="_x0000_s102492" name="Equation" r:id="rId12" imgW="1143000" imgH="469900" progId="Equation.DSMT4">
+                <p:oleObj spid="_x0000_s102520" name="Equation" r:id="rId12" imgW="1143000" imgH="469900" progId="Equation.DSMT4">
                   <p:embed/>
                 </p:oleObj>
               </mc:Choice>
@@ -16606,7 +16606,7 @@
           <a:graphicData uri="http://schemas.openxmlformats.org/presentationml/2006/ole">
             <mc:AlternateContent xmlns:mc="http://schemas.openxmlformats.org/markup-compatibility/2006">
               <mc:Choice xmlns:v="urn:schemas-microsoft-com:vml" Requires="v">
-                <p:oleObj spid="_x0000_s102493" name="Equation" r:id="rId14" imgW="1167893" imgH="482391" progId="Equation.DSMT4">
+                <p:oleObj spid="_x0000_s102521" name="Equation" r:id="rId14" imgW="1167893" imgH="482391" progId="Equation.DSMT4">
                   <p:embed/>
                 </p:oleObj>
               </mc:Choice>
@@ -17010,7 +17010,7 @@
           <a:graphicData uri="http://schemas.openxmlformats.org/presentationml/2006/ole">
             <mc:AlternateContent xmlns:mc="http://schemas.openxmlformats.org/markup-compatibility/2006">
               <mc:Choice xmlns:v="urn:schemas-microsoft-com:vml" Requires="v">
-                <p:oleObj spid="_x0000_s101473" name="Equation" r:id="rId4" imgW="1143000" imgH="469900" progId="Equation.DSMT4">
+                <p:oleObj spid="_x0000_s101505" name="Equation" r:id="rId4" imgW="1143000" imgH="469900" progId="Equation.DSMT4">
                   <p:embed/>
                 </p:oleObj>
               </mc:Choice>
@@ -17103,7 +17103,7 @@
           <a:graphicData uri="http://schemas.openxmlformats.org/presentationml/2006/ole">
             <mc:AlternateContent xmlns:mc="http://schemas.openxmlformats.org/markup-compatibility/2006">
               <mc:Choice xmlns:v="urn:schemas-microsoft-com:vml" Requires="v">
-                <p:oleObj spid="_x0000_s101474" name="Equation" r:id="rId6" imgW="1167893" imgH="482391" progId="Equation.DSMT4">
+                <p:oleObj spid="_x0000_s101506" name="Equation" r:id="rId6" imgW="1167893" imgH="482391" progId="Equation.DSMT4">
                   <p:embed/>
                 </p:oleObj>
               </mc:Choice>
@@ -17196,7 +17196,7 @@
           <a:graphicData uri="http://schemas.openxmlformats.org/presentationml/2006/ole">
             <mc:AlternateContent xmlns:mc="http://schemas.openxmlformats.org/markup-compatibility/2006">
               <mc:Choice xmlns:v="urn:schemas-microsoft-com:vml" Requires="v">
-                <p:oleObj spid="_x0000_s101475" name="Equation" r:id="rId8" imgW="190335" imgH="164957" progId="Equation.DSMT4">
+                <p:oleObj spid="_x0000_s101507" name="Equation" r:id="rId8" imgW="190335" imgH="164957" progId="Equation.DSMT4">
                   <p:embed/>
                 </p:oleObj>
               </mc:Choice>
@@ -17289,7 +17289,7 @@
           <a:graphicData uri="http://schemas.openxmlformats.org/presentationml/2006/ole">
             <mc:AlternateContent xmlns:mc="http://schemas.openxmlformats.org/markup-compatibility/2006">
               <mc:Choice xmlns:v="urn:schemas-microsoft-com:vml" Requires="v">
-                <p:oleObj spid="_x0000_s101476" name="Equation" r:id="rId10" imgW="203024" imgH="164957" progId="Equation.DSMT4">
+                <p:oleObj spid="_x0000_s101508" name="Equation" r:id="rId10" imgW="203024" imgH="164957" progId="Equation.DSMT4">
                   <p:embed/>
                 </p:oleObj>
               </mc:Choice>
@@ -17382,7 +17382,7 @@
           <a:graphicData uri="http://schemas.openxmlformats.org/presentationml/2006/ole">
             <mc:AlternateContent xmlns:mc="http://schemas.openxmlformats.org/markup-compatibility/2006">
               <mc:Choice xmlns:v="urn:schemas-microsoft-com:vml" Requires="v">
-                <p:oleObj spid="_x0000_s101477" name="Equation" r:id="rId12" imgW="1244600" imgH="393700" progId="Equation.DSMT4">
+                <p:oleObj spid="_x0000_s101509" name="Equation" r:id="rId12" imgW="1244600" imgH="393700" progId="Equation.DSMT4">
                   <p:embed/>
                 </p:oleObj>
               </mc:Choice>
@@ -17475,7 +17475,7 @@
           <a:graphicData uri="http://schemas.openxmlformats.org/presentationml/2006/ole">
             <mc:AlternateContent xmlns:mc="http://schemas.openxmlformats.org/markup-compatibility/2006">
               <mc:Choice xmlns:v="urn:schemas-microsoft-com:vml" Requires="v">
-                <p:oleObj spid="_x0000_s101478" name="Equation" r:id="rId14" imgW="812447" imgH="393529" progId="Equation.DSMT4">
+                <p:oleObj spid="_x0000_s101510" name="Equation" r:id="rId14" imgW="812447" imgH="393529" progId="Equation.DSMT4">
                   <p:embed/>
                 </p:oleObj>
               </mc:Choice>
@@ -17568,7 +17568,7 @@
           <a:graphicData uri="http://schemas.openxmlformats.org/presentationml/2006/ole">
             <mc:AlternateContent xmlns:mc="http://schemas.openxmlformats.org/markup-compatibility/2006">
               <mc:Choice xmlns:v="urn:schemas-microsoft-com:vml" Requires="v">
-                <p:oleObj spid="_x0000_s101479" name="Equation" r:id="rId16" imgW="203024" imgH="164957" progId="Equation.DSMT4">
+                <p:oleObj spid="_x0000_s101511" name="Equation" r:id="rId16" imgW="203024" imgH="164957" progId="Equation.DSMT4">
                   <p:embed/>
                 </p:oleObj>
               </mc:Choice>
@@ -17661,7 +17661,7 @@
           <a:graphicData uri="http://schemas.openxmlformats.org/presentationml/2006/ole">
             <mc:AlternateContent xmlns:mc="http://schemas.openxmlformats.org/markup-compatibility/2006">
               <mc:Choice xmlns:v="urn:schemas-microsoft-com:vml" Requires="v">
-                <p:oleObj spid="_x0000_s101480" name="Equation" r:id="rId18" imgW="1637589" imgH="622030" progId="Equation.DSMT4">
+                <p:oleObj spid="_x0000_s101512" name="Equation" r:id="rId18" imgW="1637589" imgH="622030" progId="Equation.DSMT4">
                   <p:embed/>
                 </p:oleObj>
               </mc:Choice>
@@ -18007,7 +18007,7 @@
           <a:graphicData uri="http://schemas.openxmlformats.org/presentationml/2006/ole">
             <mc:AlternateContent xmlns:mc="http://schemas.openxmlformats.org/markup-compatibility/2006">
               <mc:Choice xmlns:v="urn:schemas-microsoft-com:vml" Requires="v">
-                <p:oleObj spid="_x0000_s123062" name="Equation" r:id="rId4" imgW="1231366" imgH="253890" progId="Equation.DSMT4">
+                <p:oleObj spid="_x0000_s123110" name="Equation" r:id="rId4" imgW="1231366" imgH="253890" progId="Equation.DSMT4">
                   <p:embed/>
                 </p:oleObj>
               </mc:Choice>
@@ -18100,7 +18100,7 @@
           <a:graphicData uri="http://schemas.openxmlformats.org/presentationml/2006/ole">
             <mc:AlternateContent xmlns:mc="http://schemas.openxmlformats.org/markup-compatibility/2006">
               <mc:Choice xmlns:v="urn:schemas-microsoft-com:vml" Requires="v">
-                <p:oleObj spid="_x0000_s123063" name="Equation" r:id="rId6" imgW="1256755" imgH="253890" progId="Equation.DSMT4">
+                <p:oleObj spid="_x0000_s123111" name="Equation" r:id="rId6" imgW="1256755" imgH="253890" progId="Equation.DSMT4">
                   <p:embed/>
                 </p:oleObj>
               </mc:Choice>
@@ -18193,7 +18193,7 @@
           <a:graphicData uri="http://schemas.openxmlformats.org/presentationml/2006/ole">
             <mc:AlternateContent xmlns:mc="http://schemas.openxmlformats.org/markup-compatibility/2006">
               <mc:Choice xmlns:v="urn:schemas-microsoft-com:vml" Requires="v">
-                <p:oleObj spid="_x0000_s123064" name="Equation" r:id="rId8" imgW="393529" imgH="418918" progId="Equation.DSMT4">
+                <p:oleObj spid="_x0000_s123112" name="Equation" r:id="rId8" imgW="393529" imgH="418918" progId="Equation.DSMT4">
                   <p:embed/>
                 </p:oleObj>
               </mc:Choice>
@@ -18286,7 +18286,7 @@
           <a:graphicData uri="http://schemas.openxmlformats.org/presentationml/2006/ole">
             <mc:AlternateContent xmlns:mc="http://schemas.openxmlformats.org/markup-compatibility/2006">
               <mc:Choice xmlns:v="urn:schemas-microsoft-com:vml" Requires="v">
-                <p:oleObj spid="_x0000_s123065" name="Equation" r:id="rId10" imgW="2032000" imgH="419100" progId="Equation.DSMT4">
+                <p:oleObj spid="_x0000_s123113" name="Equation" r:id="rId10" imgW="2032000" imgH="419100" progId="Equation.DSMT4">
                   <p:embed/>
                 </p:oleObj>
               </mc:Choice>
@@ -18379,7 +18379,7 @@
           <a:graphicData uri="http://schemas.openxmlformats.org/presentationml/2006/ole">
             <mc:AlternateContent xmlns:mc="http://schemas.openxmlformats.org/markup-compatibility/2006">
               <mc:Choice xmlns:v="urn:schemas-microsoft-com:vml" Requires="v">
-                <p:oleObj spid="_x0000_s123066" name="Equation" r:id="rId12" imgW="1536700" imgH="419100" progId="Equation.DSMT4">
+                <p:oleObj spid="_x0000_s123114" name="Equation" r:id="rId12" imgW="1536700" imgH="419100" progId="Equation.DSMT4">
                   <p:embed/>
                 </p:oleObj>
               </mc:Choice>
@@ -18472,7 +18472,7 @@
           <a:graphicData uri="http://schemas.openxmlformats.org/presentationml/2006/ole">
             <mc:AlternateContent xmlns:mc="http://schemas.openxmlformats.org/markup-compatibility/2006">
               <mc:Choice xmlns:v="urn:schemas-microsoft-com:vml" Requires="v">
-                <p:oleObj spid="_x0000_s123067" name="Equation" r:id="rId14" imgW="241195" imgH="418918" progId="Equation.DSMT4">
+                <p:oleObj spid="_x0000_s123115" name="Equation" r:id="rId14" imgW="241195" imgH="418918" progId="Equation.DSMT4">
                   <p:embed/>
                 </p:oleObj>
               </mc:Choice>
@@ -18565,7 +18565,7 @@
           <a:graphicData uri="http://schemas.openxmlformats.org/presentationml/2006/ole">
             <mc:AlternateContent xmlns:mc="http://schemas.openxmlformats.org/markup-compatibility/2006">
               <mc:Choice xmlns:v="urn:schemas-microsoft-com:vml" Requires="v">
-                <p:oleObj spid="_x0000_s123068" name="Equation" r:id="rId16" imgW="241195" imgH="418918" progId="Equation.DSMT4">
+                <p:oleObj spid="_x0000_s123116" name="Equation" r:id="rId16" imgW="241195" imgH="418918" progId="Equation.DSMT4">
                   <p:embed/>
                 </p:oleObj>
               </mc:Choice>
@@ -18658,7 +18658,7 @@
           <a:graphicData uri="http://schemas.openxmlformats.org/presentationml/2006/ole">
             <mc:AlternateContent xmlns:mc="http://schemas.openxmlformats.org/markup-compatibility/2006">
               <mc:Choice xmlns:v="urn:schemas-microsoft-com:vml" Requires="v">
-                <p:oleObj spid="_x0000_s123069" name="Equation" r:id="rId18" imgW="431425" imgH="177646" progId="Equation.DSMT4">
+                <p:oleObj spid="_x0000_s123117" name="Equation" r:id="rId18" imgW="431425" imgH="177646" progId="Equation.DSMT4">
                   <p:embed/>
                 </p:oleObj>
               </mc:Choice>
@@ -18751,7 +18751,7 @@
           <a:graphicData uri="http://schemas.openxmlformats.org/presentationml/2006/ole">
             <mc:AlternateContent xmlns:mc="http://schemas.openxmlformats.org/markup-compatibility/2006">
               <mc:Choice xmlns:v="urn:schemas-microsoft-com:vml" Requires="v">
-                <p:oleObj spid="_x0000_s123070" name="Equation" r:id="rId20" imgW="405872" imgH="177569" progId="Equation.DSMT4">
+                <p:oleObj spid="_x0000_s123118" name="Equation" r:id="rId20" imgW="405872" imgH="177569" progId="Equation.DSMT4">
                   <p:embed/>
                 </p:oleObj>
               </mc:Choice>
@@ -18844,7 +18844,7 @@
           <a:graphicData uri="http://schemas.openxmlformats.org/presentationml/2006/ole">
             <mc:AlternateContent xmlns:mc="http://schemas.openxmlformats.org/markup-compatibility/2006">
               <mc:Choice xmlns:v="urn:schemas-microsoft-com:vml" Requires="v">
-                <p:oleObj spid="_x0000_s123071" name="Equation" r:id="rId22" imgW="203112" imgH="241195" progId="Equation.DSMT4">
+                <p:oleObj spid="_x0000_s123119" name="Equation" r:id="rId22" imgW="203112" imgH="241195" progId="Equation.DSMT4">
                   <p:embed/>
                 </p:oleObj>
               </mc:Choice>
@@ -18937,7 +18937,7 @@
           <a:graphicData uri="http://schemas.openxmlformats.org/presentationml/2006/ole">
             <mc:AlternateContent xmlns:mc="http://schemas.openxmlformats.org/markup-compatibility/2006">
               <mc:Choice xmlns:v="urn:schemas-microsoft-com:vml" Requires="v">
-                <p:oleObj spid="_x0000_s123072" name="Equation" r:id="rId24" imgW="203112" imgH="241195" progId="Equation.DSMT4">
+                <p:oleObj spid="_x0000_s123120" name="Equation" r:id="rId24" imgW="203112" imgH="241195" progId="Equation.DSMT4">
                   <p:embed/>
                 </p:oleObj>
               </mc:Choice>
@@ -19030,7 +19030,7 @@
           <a:graphicData uri="http://schemas.openxmlformats.org/presentationml/2006/ole">
             <mc:AlternateContent xmlns:mc="http://schemas.openxmlformats.org/markup-compatibility/2006">
               <mc:Choice xmlns:v="urn:schemas-microsoft-com:vml" Requires="v">
-                <p:oleObj spid="_x0000_s123073" name="Equation" r:id="rId26" imgW="215806" imgH="228501" progId="Equation.DSMT4">
+                <p:oleObj spid="_x0000_s123121" name="Equation" r:id="rId26" imgW="215806" imgH="228501" progId="Equation.DSMT4">
                   <p:embed/>
                 </p:oleObj>
               </mc:Choice>
@@ -19313,7 +19313,7 @@
           <a:graphicData uri="http://schemas.openxmlformats.org/presentationml/2006/ole">
             <mc:AlternateContent xmlns:mc="http://schemas.openxmlformats.org/markup-compatibility/2006">
               <mc:Choice xmlns:v="urn:schemas-microsoft-com:vml" Requires="v">
-                <p:oleObj spid="_x0000_s141404" name="Equation" r:id="rId4" imgW="710891" imgH="253890" progId="Equation.DSMT4">
+                <p:oleObj spid="_x0000_s141432" name="Equation" r:id="rId4" imgW="710891" imgH="253890" progId="Equation.DSMT4">
                   <p:embed/>
                 </p:oleObj>
               </mc:Choice>
@@ -19383,7 +19383,7 @@
           <a:graphicData uri="http://schemas.openxmlformats.org/presentationml/2006/ole">
             <mc:AlternateContent xmlns:mc="http://schemas.openxmlformats.org/markup-compatibility/2006">
               <mc:Choice xmlns:v="urn:schemas-microsoft-com:vml" Requires="v">
-                <p:oleObj spid="_x0000_s141405" name="Equation" r:id="rId6" imgW="4521200" imgH="584200" progId="Equation.DSMT4">
+                <p:oleObj spid="_x0000_s141433" name="Equation" r:id="rId6" imgW="4521200" imgH="584200" progId="Equation.DSMT4">
                   <p:embed/>
                 </p:oleObj>
               </mc:Choice>
@@ -19528,7 +19528,7 @@
           <a:graphicData uri="http://schemas.openxmlformats.org/presentationml/2006/ole">
             <mc:AlternateContent xmlns:mc="http://schemas.openxmlformats.org/markup-compatibility/2006">
               <mc:Choice xmlns:v="urn:schemas-microsoft-com:vml" Requires="v">
-                <p:oleObj spid="_x0000_s141406" name="Equation" r:id="rId8" imgW="1384300" imgH="304800" progId="Equation.DSMT4">
+                <p:oleObj spid="_x0000_s141434" name="Equation" r:id="rId8" imgW="1384300" imgH="304800" progId="Equation.DSMT4">
                   <p:embed/>
                 </p:oleObj>
               </mc:Choice>
@@ -19621,7 +19621,7 @@
           <a:graphicData uri="http://schemas.openxmlformats.org/presentationml/2006/ole">
             <mc:AlternateContent xmlns:mc="http://schemas.openxmlformats.org/markup-compatibility/2006">
               <mc:Choice xmlns:v="urn:schemas-microsoft-com:vml" Requires="v">
-                <p:oleObj spid="_x0000_s141407" name="Equation" r:id="rId10" imgW="787058" imgH="253890" progId="Equation.DSMT4">
+                <p:oleObj spid="_x0000_s141435" name="Equation" r:id="rId10" imgW="787058" imgH="253890" progId="Equation.DSMT4">
                   <p:embed/>
                 </p:oleObj>
               </mc:Choice>
@@ -19767,7 +19767,7 @@
           <a:graphicData uri="http://schemas.openxmlformats.org/presentationml/2006/ole">
             <mc:AlternateContent xmlns:mc="http://schemas.openxmlformats.org/markup-compatibility/2006">
               <mc:Choice xmlns:v="urn:schemas-microsoft-com:vml" Requires="v">
-                <p:oleObj spid="_x0000_s141408" name="Equation" r:id="rId12" imgW="342751" imgH="253890" progId="Equation.DSMT4">
+                <p:oleObj spid="_x0000_s141436" name="Equation" r:id="rId12" imgW="342751" imgH="253890" progId="Equation.DSMT4">
                   <p:embed/>
                 </p:oleObj>
               </mc:Choice>
@@ -19860,7 +19860,7 @@
           <a:graphicData uri="http://schemas.openxmlformats.org/presentationml/2006/ole">
             <mc:AlternateContent xmlns:mc="http://schemas.openxmlformats.org/markup-compatibility/2006">
               <mc:Choice xmlns:v="urn:schemas-microsoft-com:vml" Requires="v">
-                <p:oleObj spid="_x0000_s141409" name="Equation" r:id="rId14" imgW="291973" imgH="203112" progId="Equation.DSMT4">
+                <p:oleObj spid="_x0000_s141437" name="Equation" r:id="rId14" imgW="291973" imgH="203112" progId="Equation.DSMT4">
                   <p:embed/>
                 </p:oleObj>
               </mc:Choice>
@@ -19953,7 +19953,7 @@
           <a:graphicData uri="http://schemas.openxmlformats.org/presentationml/2006/ole">
             <mc:AlternateContent xmlns:mc="http://schemas.openxmlformats.org/markup-compatibility/2006">
               <mc:Choice xmlns:v="urn:schemas-microsoft-com:vml" Requires="v">
-                <p:oleObj spid="_x0000_s141410" name="Equation" r:id="rId16" imgW="342751" imgH="253890" progId="Equation.DSMT4">
+                <p:oleObj spid="_x0000_s141438" name="Equation" r:id="rId16" imgW="342751" imgH="253890" progId="Equation.DSMT4">
                   <p:embed/>
                 </p:oleObj>
               </mc:Choice>
@@ -20147,7 +20147,7 @@
           <a:graphicData uri="http://schemas.openxmlformats.org/presentationml/2006/ole">
             <mc:AlternateContent xmlns:mc="http://schemas.openxmlformats.org/markup-compatibility/2006">
               <mc:Choice xmlns:v="urn:schemas-microsoft-com:vml" Requires="v">
-                <p:oleObj spid="_x0000_s142386" name="Equation" r:id="rId3" imgW="1943100" imgH="304800" progId="Equation.DSMT4">
+                <p:oleObj spid="_x0000_s142402" name="Equation" r:id="rId3" imgW="1943100" imgH="304800" progId="Equation.DSMT4">
                   <p:embed/>
                 </p:oleObj>
               </mc:Choice>
@@ -20240,7 +20240,7 @@
           <a:graphicData uri="http://schemas.openxmlformats.org/presentationml/2006/ole">
             <mc:AlternateContent xmlns:mc="http://schemas.openxmlformats.org/markup-compatibility/2006">
               <mc:Choice xmlns:v="urn:schemas-microsoft-com:vml" Requires="v">
-                <p:oleObj spid="_x0000_s142387" name="Equation" r:id="rId5" imgW="2971800" imgH="254000" progId="Equation.DSMT4">
+                <p:oleObj spid="_x0000_s142403" name="Equation" r:id="rId5" imgW="2971800" imgH="254000" progId="Equation.DSMT4">
                   <p:embed/>
                 </p:oleObj>
               </mc:Choice>
@@ -20424,7 +20424,7 @@
           <a:graphicData uri="http://schemas.openxmlformats.org/presentationml/2006/ole">
             <mc:AlternateContent xmlns:mc="http://schemas.openxmlformats.org/markup-compatibility/2006">
               <mc:Choice xmlns:v="urn:schemas-microsoft-com:vml" Requires="v">
-                <p:oleObj spid="_x0000_s142388" name="Equation" r:id="rId7" imgW="507780" imgH="203112" progId="Equation.DSMT4">
+                <p:oleObj spid="_x0000_s142404" name="Equation" r:id="rId7" imgW="507780" imgH="203112" progId="Equation.DSMT4">
                   <p:embed/>
                 </p:oleObj>
               </mc:Choice>
@@ -20517,7 +20517,7 @@
           <a:graphicData uri="http://schemas.openxmlformats.org/presentationml/2006/ole">
             <mc:AlternateContent xmlns:mc="http://schemas.openxmlformats.org/markup-compatibility/2006">
               <mc:Choice xmlns:v="urn:schemas-microsoft-com:vml" Requires="v">
-                <p:oleObj spid="_x0000_s142389" name="Equation" r:id="rId9" imgW="3187700" imgH="927100" progId="Equation.DSMT4">
+                <p:oleObj spid="_x0000_s142405" name="Equation" r:id="rId9" imgW="3187700" imgH="927100" progId="Equation.DSMT4">
                   <p:embed/>
                 </p:oleObj>
               </mc:Choice>
@@ -20812,7 +20812,7 @@
           <a:graphicData uri="http://schemas.openxmlformats.org/presentationml/2006/ole">
             <mc:AlternateContent xmlns:mc="http://schemas.openxmlformats.org/markup-compatibility/2006">
               <mc:Choice xmlns:v="urn:schemas-microsoft-com:vml" Requires="v">
-                <p:oleObj spid="_x0000_s143422" name="Equation" r:id="rId3" imgW="1714500" imgH="279400" progId="Equation.DSMT4">
+                <p:oleObj spid="_x0000_s143442" name="Equation" r:id="rId3" imgW="1714500" imgH="279400" progId="Equation.DSMT4">
                   <p:embed/>
                 </p:oleObj>
               </mc:Choice>
@@ -20905,7 +20905,7 @@
           <a:graphicData uri="http://schemas.openxmlformats.org/presentationml/2006/ole">
             <mc:AlternateContent xmlns:mc="http://schemas.openxmlformats.org/markup-compatibility/2006">
               <mc:Choice xmlns:v="urn:schemas-microsoft-com:vml" Requires="v">
-                <p:oleObj spid="_x0000_s143423" name="Equation" r:id="rId5" imgW="355292" imgH="203024" progId="Equation.DSMT4">
+                <p:oleObj spid="_x0000_s143443" name="Equation" r:id="rId5" imgW="355292" imgH="203024" progId="Equation.DSMT4">
                   <p:embed/>
                 </p:oleObj>
               </mc:Choice>
@@ -20998,7 +20998,7 @@
           <a:graphicData uri="http://schemas.openxmlformats.org/presentationml/2006/ole">
             <mc:AlternateContent xmlns:mc="http://schemas.openxmlformats.org/markup-compatibility/2006">
               <mc:Choice xmlns:v="urn:schemas-microsoft-com:vml" Requires="v">
-                <p:oleObj spid="_x0000_s143424" name="Equation" r:id="rId7" imgW="1765300" imgH="279400" progId="Equation.DSMT4">
+                <p:oleObj spid="_x0000_s143444" name="Equation" r:id="rId7" imgW="1765300" imgH="279400" progId="Equation.DSMT4">
                   <p:embed/>
                 </p:oleObj>
               </mc:Choice>
@@ -21091,7 +21091,7 @@
           <a:graphicData uri="http://schemas.openxmlformats.org/presentationml/2006/ole">
             <mc:AlternateContent xmlns:mc="http://schemas.openxmlformats.org/markup-compatibility/2006">
               <mc:Choice xmlns:v="urn:schemas-microsoft-com:vml" Requires="v">
-                <p:oleObj spid="_x0000_s143425" name="Equation" r:id="rId9" imgW="406048" imgH="393359" progId="Equation.DSMT4">
+                <p:oleObj spid="_x0000_s143445" name="Equation" r:id="rId9" imgW="406048" imgH="393359" progId="Equation.DSMT4">
                   <p:embed/>
                 </p:oleObj>
               </mc:Choice>
@@ -21184,7 +21184,7 @@
           <a:graphicData uri="http://schemas.openxmlformats.org/presentationml/2006/ole">
             <mc:AlternateContent xmlns:mc="http://schemas.openxmlformats.org/markup-compatibility/2006">
               <mc:Choice xmlns:v="urn:schemas-microsoft-com:vml" Requires="v">
-                <p:oleObj spid="_x0000_s143426" name="Equation" r:id="rId11" imgW="164957" imgH="393359" progId="Equation.DSMT4">
+                <p:oleObj spid="_x0000_s143446" name="Equation" r:id="rId11" imgW="164957" imgH="393359" progId="Equation.DSMT4">
                   <p:embed/>
                 </p:oleObj>
               </mc:Choice>
@@ -21435,7 +21435,7 @@
           <a:graphicData uri="http://schemas.openxmlformats.org/presentationml/2006/ole">
             <mc:AlternateContent xmlns:mc="http://schemas.openxmlformats.org/markup-compatibility/2006">
               <mc:Choice xmlns:v="urn:schemas-microsoft-com:vml" Requires="v">
-                <p:oleObj spid="_x0000_s161914" name="Equation" r:id="rId3" imgW="203024" imgH="164957" progId="Equation.DSMT4">
+                <p:oleObj spid="_x0000_s161954" name="Equation" r:id="rId3" imgW="203024" imgH="164957" progId="Equation.DSMT4">
                   <p:embed/>
                 </p:oleObj>
               </mc:Choice>
@@ -21528,7 +21528,7 @@
           <a:graphicData uri="http://schemas.openxmlformats.org/presentationml/2006/ole">
             <mc:AlternateContent xmlns:mc="http://schemas.openxmlformats.org/markup-compatibility/2006">
               <mc:Choice xmlns:v="urn:schemas-microsoft-com:vml" Requires="v">
-                <p:oleObj spid="_x0000_s161915" name="Equation" r:id="rId5" imgW="190417" imgH="203112" progId="Equation.DSMT4">
+                <p:oleObj spid="_x0000_s161955" name="Equation" r:id="rId5" imgW="190417" imgH="203112" progId="Equation.DSMT4">
                   <p:embed/>
                 </p:oleObj>
               </mc:Choice>
@@ -21658,7 +21658,7 @@
           <a:graphicData uri="http://schemas.openxmlformats.org/presentationml/2006/ole">
             <mc:AlternateContent xmlns:mc="http://schemas.openxmlformats.org/markup-compatibility/2006">
               <mc:Choice xmlns:v="urn:schemas-microsoft-com:vml" Requires="v">
-                <p:oleObj spid="_x0000_s161916" name="Equation" r:id="rId7" imgW="1167893" imgH="482391" progId="Equation.DSMT4">
+                <p:oleObj spid="_x0000_s161956" name="Equation" r:id="rId7" imgW="1167893" imgH="482391" progId="Equation.DSMT4">
                   <p:embed/>
                 </p:oleObj>
               </mc:Choice>
@@ -21751,7 +21751,7 @@
           <a:graphicData uri="http://schemas.openxmlformats.org/presentationml/2006/ole">
             <mc:AlternateContent xmlns:mc="http://schemas.openxmlformats.org/markup-compatibility/2006">
               <mc:Choice xmlns:v="urn:schemas-microsoft-com:vml" Requires="v">
-                <p:oleObj spid="_x0000_s161917" name="Equation" r:id="rId9" imgW="672808" imgH="444307" progId="Equation.DSMT4">
+                <p:oleObj spid="_x0000_s161957" name="Equation" r:id="rId9" imgW="672808" imgH="444307" progId="Equation.DSMT4">
                   <p:embed/>
                 </p:oleObj>
               </mc:Choice>
@@ -21850,7 +21850,7 @@
           <a:graphicData uri="http://schemas.openxmlformats.org/presentationml/2006/ole">
             <mc:AlternateContent xmlns:mc="http://schemas.openxmlformats.org/markup-compatibility/2006">
               <mc:Choice xmlns:v="urn:schemas-microsoft-com:vml" Requires="v">
-                <p:oleObj spid="_x0000_s161918" name="Equation" r:id="rId11" imgW="2806700" imgH="571500" progId="Equation.DSMT4">
+                <p:oleObj spid="_x0000_s161958" name="Equation" r:id="rId11" imgW="2806700" imgH="571500" progId="Equation.DSMT4">
                   <p:embed/>
                 </p:oleObj>
               </mc:Choice>
@@ -21943,7 +21943,7 @@
           <a:graphicData uri="http://schemas.openxmlformats.org/presentationml/2006/ole">
             <mc:AlternateContent xmlns:mc="http://schemas.openxmlformats.org/markup-compatibility/2006">
               <mc:Choice xmlns:v="urn:schemas-microsoft-com:vml" Requires="v">
-                <p:oleObj spid="_x0000_s161919" name="Equation" r:id="rId13" imgW="710891" imgH="444307" progId="Equation.DSMT4">
+                <p:oleObj spid="_x0000_s161959" name="Equation" r:id="rId13" imgW="710891" imgH="444307" progId="Equation.DSMT4">
                   <p:embed/>
                 </p:oleObj>
               </mc:Choice>
@@ -22105,7 +22105,7 @@
           <a:graphicData uri="http://schemas.openxmlformats.org/presentationml/2006/ole">
             <mc:AlternateContent xmlns:mc="http://schemas.openxmlformats.org/markup-compatibility/2006">
               <mc:Choice xmlns:v="urn:schemas-microsoft-com:vml" Requires="v">
-                <p:oleObj spid="_x0000_s161920" name="Equation" r:id="rId15" imgW="190417" imgH="203112" progId="Equation.DSMT4">
+                <p:oleObj spid="_x0000_s161960" name="Equation" r:id="rId15" imgW="190417" imgH="203112" progId="Equation.DSMT4">
                   <p:embed/>
                 </p:oleObj>
               </mc:Choice>
@@ -22198,7 +22198,7 @@
           <a:graphicData uri="http://schemas.openxmlformats.org/presentationml/2006/ole">
             <mc:AlternateContent xmlns:mc="http://schemas.openxmlformats.org/markup-compatibility/2006">
               <mc:Choice xmlns:v="urn:schemas-microsoft-com:vml" Requires="v">
-                <p:oleObj spid="_x0000_s161921" name="Equation" r:id="rId17" imgW="203112" imgH="241195" progId="Equation.DSMT4">
+                <p:oleObj spid="_x0000_s161961" name="Equation" r:id="rId17" imgW="203112" imgH="241195" progId="Equation.DSMT4">
                   <p:embed/>
                 </p:oleObj>
               </mc:Choice>
@@ -22291,7 +22291,7 @@
           <a:graphicData uri="http://schemas.openxmlformats.org/presentationml/2006/ole">
             <mc:AlternateContent xmlns:mc="http://schemas.openxmlformats.org/markup-compatibility/2006">
               <mc:Choice xmlns:v="urn:schemas-microsoft-com:vml" Requires="v">
-                <p:oleObj spid="_x0000_s161922" name="Equation" r:id="rId19" imgW="203112" imgH="228501" progId="Equation.DSMT4">
+                <p:oleObj spid="_x0000_s161962" name="Equation" r:id="rId19" imgW="203112" imgH="228501" progId="Equation.DSMT4">
                   <p:embed/>
                 </p:oleObj>
               </mc:Choice>
@@ -22384,7 +22384,7 @@
           <a:graphicData uri="http://schemas.openxmlformats.org/presentationml/2006/ole">
             <mc:AlternateContent xmlns:mc="http://schemas.openxmlformats.org/markup-compatibility/2006">
               <mc:Choice xmlns:v="urn:schemas-microsoft-com:vml" Requires="v">
-                <p:oleObj spid="_x0000_s161923" name="Equation" r:id="rId21" imgW="926698" imgH="393529" progId="Equation.DSMT4">
+                <p:oleObj spid="_x0000_s161963" name="Equation" r:id="rId21" imgW="926698" imgH="393529" progId="Equation.DSMT4">
                   <p:embed/>
                 </p:oleObj>
               </mc:Choice>
@@ -22540,545 +22540,6 @@
           <a:chExt cx="0" cy="0"/>
         </a:xfrm>
       </p:grpSpPr>
-      <p:grpSp>
-        <p:nvGrpSpPr>
-          <p:cNvPr id="160781" name="组合 19"/>
-          <p:cNvGrpSpPr>
-            <a:grpSpLocks/>
-          </p:cNvGrpSpPr>
-          <p:nvPr/>
-        </p:nvGrpSpPr>
-        <p:grpSpPr bwMode="auto">
-          <a:xfrm>
-            <a:off x="2071688" y="2214563"/>
-            <a:ext cx="3786187" cy="1143000"/>
-            <a:chOff x="2071670" y="2214554"/>
-            <a:chExt cx="3786214" cy="1143008"/>
-          </a:xfrm>
-        </p:grpSpPr>
-        <p:cxnSp>
-          <p:nvCxnSpPr>
-            <p:cNvPr id="5" name="直接连接符 4"/>
-            <p:cNvCxnSpPr/>
-            <p:nvPr/>
-          </p:nvCxnSpPr>
-          <p:spPr>
-            <a:xfrm>
-              <a:off x="3286116" y="2855908"/>
-              <a:ext cx="500067" cy="1587"/>
-            </a:xfrm>
-            <a:prstGeom prst="line">
-              <a:avLst/>
-            </a:prstGeom>
-          </p:spPr>
-          <p:style>
-            <a:lnRef idx="1">
-              <a:schemeClr val="accent1"/>
-            </a:lnRef>
-            <a:fillRef idx="0">
-              <a:schemeClr val="accent1"/>
-            </a:fillRef>
-            <a:effectRef idx="0">
-              <a:schemeClr val="accent1"/>
-            </a:effectRef>
-            <a:fontRef idx="minor">
-              <a:schemeClr val="tx1"/>
-            </a:fontRef>
-          </p:style>
-        </p:cxnSp>
-        <p:cxnSp>
-          <p:nvCxnSpPr>
-            <p:cNvPr id="6" name="直接连接符 5"/>
-            <p:cNvCxnSpPr/>
-            <p:nvPr/>
-          </p:nvCxnSpPr>
-          <p:spPr>
-            <a:xfrm rot="5400000">
-              <a:off x="3357554" y="2857495"/>
-              <a:ext cx="857256" cy="3175"/>
-            </a:xfrm>
-            <a:prstGeom prst="line">
-              <a:avLst/>
-            </a:prstGeom>
-          </p:spPr>
-          <p:style>
-            <a:lnRef idx="1">
-              <a:schemeClr val="accent1"/>
-            </a:lnRef>
-            <a:fillRef idx="0">
-              <a:schemeClr val="accent1"/>
-            </a:fillRef>
-            <a:effectRef idx="0">
-              <a:schemeClr val="accent1"/>
-            </a:effectRef>
-            <a:fontRef idx="minor">
-              <a:schemeClr val="tx1"/>
-            </a:fontRef>
-          </p:style>
-        </p:cxnSp>
-        <p:cxnSp>
-          <p:nvCxnSpPr>
-            <p:cNvPr id="7" name="直接连接符 6"/>
-            <p:cNvCxnSpPr/>
-            <p:nvPr/>
-          </p:nvCxnSpPr>
-          <p:spPr>
-            <a:xfrm>
-              <a:off x="3786182" y="2428867"/>
-              <a:ext cx="571504" cy="1588"/>
-            </a:xfrm>
-            <a:prstGeom prst="line">
-              <a:avLst/>
-            </a:prstGeom>
-          </p:spPr>
-          <p:style>
-            <a:lnRef idx="1">
-              <a:schemeClr val="accent1"/>
-            </a:lnRef>
-            <a:fillRef idx="0">
-              <a:schemeClr val="accent1"/>
-            </a:fillRef>
-            <a:effectRef idx="0">
-              <a:schemeClr val="accent1"/>
-            </a:effectRef>
-            <a:fontRef idx="minor">
-              <a:schemeClr val="tx1"/>
-            </a:fontRef>
-          </p:style>
-        </p:cxnSp>
-        <p:cxnSp>
-          <p:nvCxnSpPr>
-            <p:cNvPr id="8" name="直接连接符 7"/>
-            <p:cNvCxnSpPr/>
-            <p:nvPr/>
-          </p:nvCxnSpPr>
-          <p:spPr>
-            <a:xfrm>
-              <a:off x="3786182" y="3286123"/>
-              <a:ext cx="428628" cy="1588"/>
-            </a:xfrm>
-            <a:prstGeom prst="line">
-              <a:avLst/>
-            </a:prstGeom>
-          </p:spPr>
-          <p:style>
-            <a:lnRef idx="1">
-              <a:schemeClr val="accent1"/>
-            </a:lnRef>
-            <a:fillRef idx="0">
-              <a:schemeClr val="accent1"/>
-            </a:fillRef>
-            <a:effectRef idx="0">
-              <a:schemeClr val="accent1"/>
-            </a:effectRef>
-            <a:fontRef idx="minor">
-              <a:schemeClr val="tx1"/>
-            </a:fontRef>
-          </p:style>
-        </p:cxnSp>
-        <p:cxnSp>
-          <p:nvCxnSpPr>
-            <p:cNvPr id="9" name="直接连接符 8"/>
-            <p:cNvCxnSpPr/>
-            <p:nvPr/>
-          </p:nvCxnSpPr>
-          <p:spPr>
-            <a:xfrm rot="5400000">
-              <a:off x="4179091" y="2391561"/>
-              <a:ext cx="357189" cy="3175"/>
-            </a:xfrm>
-            <a:prstGeom prst="line">
-              <a:avLst/>
-            </a:prstGeom>
-          </p:spPr>
-          <p:style>
-            <a:lnRef idx="1">
-              <a:schemeClr val="accent1"/>
-            </a:lnRef>
-            <a:fillRef idx="0">
-              <a:schemeClr val="accent1"/>
-            </a:fillRef>
-            <a:effectRef idx="0">
-              <a:schemeClr val="accent1"/>
-            </a:effectRef>
-            <a:fontRef idx="minor">
-              <a:schemeClr val="tx1"/>
-            </a:fontRef>
-          </p:style>
-        </p:cxnSp>
-        <p:cxnSp>
-          <p:nvCxnSpPr>
-            <p:cNvPr id="10" name="直接连接符 9"/>
-            <p:cNvCxnSpPr/>
-            <p:nvPr/>
-          </p:nvCxnSpPr>
-          <p:spPr>
-            <a:xfrm rot="5400000">
-              <a:off x="4322761" y="2392355"/>
-              <a:ext cx="357189" cy="1587"/>
-            </a:xfrm>
-            <a:prstGeom prst="line">
-              <a:avLst/>
-            </a:prstGeom>
-          </p:spPr>
-          <p:style>
-            <a:lnRef idx="1">
-              <a:schemeClr val="accent1"/>
-            </a:lnRef>
-            <a:fillRef idx="0">
-              <a:schemeClr val="accent1"/>
-            </a:fillRef>
-            <a:effectRef idx="0">
-              <a:schemeClr val="accent1"/>
-            </a:effectRef>
-            <a:fontRef idx="minor">
-              <a:schemeClr val="tx1"/>
-            </a:fontRef>
-          </p:style>
-        </p:cxnSp>
-        <p:cxnSp>
-          <p:nvCxnSpPr>
-            <p:cNvPr id="11" name="直接连接符 10"/>
-            <p:cNvCxnSpPr/>
-            <p:nvPr/>
-          </p:nvCxnSpPr>
-          <p:spPr>
-            <a:xfrm>
-              <a:off x="4500562" y="2427280"/>
-              <a:ext cx="642942" cy="1587"/>
-            </a:xfrm>
-            <a:prstGeom prst="line">
-              <a:avLst/>
-            </a:prstGeom>
-          </p:spPr>
-          <p:style>
-            <a:lnRef idx="1">
-              <a:schemeClr val="accent1"/>
-            </a:lnRef>
-            <a:fillRef idx="0">
-              <a:schemeClr val="accent1"/>
-            </a:fillRef>
-            <a:effectRef idx="0">
-              <a:schemeClr val="accent1"/>
-            </a:effectRef>
-            <a:fontRef idx="minor">
-              <a:schemeClr val="tx1"/>
-            </a:fontRef>
-          </p:style>
-        </p:cxnSp>
-        <p:cxnSp>
-          <p:nvCxnSpPr>
-            <p:cNvPr id="12" name="直接连接符 11"/>
-            <p:cNvCxnSpPr/>
-            <p:nvPr/>
-          </p:nvCxnSpPr>
-          <p:spPr>
-            <a:xfrm rot="5400000">
-              <a:off x="4714877" y="2855907"/>
-              <a:ext cx="857256" cy="3175"/>
-            </a:xfrm>
-            <a:prstGeom prst="line">
-              <a:avLst/>
-            </a:prstGeom>
-          </p:spPr>
-          <p:style>
-            <a:lnRef idx="1">
-              <a:schemeClr val="accent1"/>
-            </a:lnRef>
-            <a:fillRef idx="0">
-              <a:schemeClr val="accent1"/>
-            </a:fillRef>
-            <a:effectRef idx="0">
-              <a:schemeClr val="accent1"/>
-            </a:effectRef>
-            <a:fontRef idx="minor">
-              <a:schemeClr val="tx1"/>
-            </a:fontRef>
-          </p:style>
-        </p:cxnSp>
-        <p:sp>
-          <p:nvSpPr>
-            <p:cNvPr id="13" name="矩形 12"/>
-            <p:cNvSpPr/>
-            <p:nvPr/>
-          </p:nvSpPr>
-          <p:spPr>
-            <a:xfrm>
-              <a:off x="2857488" y="2786058"/>
-              <a:ext cx="428628" cy="142876"/>
-            </a:xfrm>
-            <a:prstGeom prst="rect">
-              <a:avLst/>
-            </a:prstGeom>
-            <a:solidFill>
-              <a:schemeClr val="tx2">
-                <a:lumMod val="40000"/>
-                <a:lumOff val="60000"/>
-              </a:schemeClr>
-            </a:solidFill>
-            <a:ln w="9525">
-              <a:solidFill>
-                <a:schemeClr val="tx1"/>
-              </a:solidFill>
-            </a:ln>
-          </p:spPr>
-          <p:style>
-            <a:lnRef idx="2">
-              <a:schemeClr val="accent1">
-                <a:shade val="50000"/>
-              </a:schemeClr>
-            </a:lnRef>
-            <a:fillRef idx="1">
-              <a:schemeClr val="accent1"/>
-            </a:fillRef>
-            <a:effectRef idx="0">
-              <a:schemeClr val="accent1"/>
-            </a:effectRef>
-            <a:fontRef idx="minor">
-              <a:schemeClr val="lt1"/>
-            </a:fontRef>
-          </p:style>
-          <p:txBody>
-            <a:bodyPr anchor="ctr"/>
-            <a:lstStyle/>
-            <a:p>
-              <a:pPr algn="ctr">
-                <a:defRPr/>
-              </a:pPr>
-              <a:endParaRPr lang="zh-CN" altLang="en-US"/>
-            </a:p>
-          </p:txBody>
-        </p:sp>
-        <p:cxnSp>
-          <p:nvCxnSpPr>
-            <p:cNvPr id="14" name="直接连接符 13"/>
-            <p:cNvCxnSpPr/>
-            <p:nvPr/>
-          </p:nvCxnSpPr>
-          <p:spPr>
-            <a:xfrm>
-              <a:off x="4643438" y="3286123"/>
-              <a:ext cx="500066" cy="1588"/>
-            </a:xfrm>
-            <a:prstGeom prst="line">
-              <a:avLst/>
-            </a:prstGeom>
-          </p:spPr>
-          <p:style>
-            <a:lnRef idx="1">
-              <a:schemeClr val="accent1"/>
-            </a:lnRef>
-            <a:fillRef idx="0">
-              <a:schemeClr val="accent1"/>
-            </a:fillRef>
-            <a:effectRef idx="0">
-              <a:schemeClr val="accent1"/>
-            </a:effectRef>
-            <a:fontRef idx="minor">
-              <a:schemeClr val="tx1"/>
-            </a:fontRef>
-          </p:style>
-        </p:cxnSp>
-        <p:cxnSp>
-          <p:nvCxnSpPr>
-            <p:cNvPr id="15" name="直接连接符 14"/>
-            <p:cNvCxnSpPr/>
-            <p:nvPr/>
-          </p:nvCxnSpPr>
-          <p:spPr>
-            <a:xfrm>
-              <a:off x="5143504" y="2857495"/>
-              <a:ext cx="571504" cy="1588"/>
-            </a:xfrm>
-            <a:prstGeom prst="line">
-              <a:avLst/>
-            </a:prstGeom>
-          </p:spPr>
-          <p:style>
-            <a:lnRef idx="1">
-              <a:schemeClr val="accent1"/>
-            </a:lnRef>
-            <a:fillRef idx="0">
-              <a:schemeClr val="accent1"/>
-            </a:fillRef>
-            <a:effectRef idx="0">
-              <a:schemeClr val="accent1"/>
-            </a:effectRef>
-            <a:fontRef idx="minor">
-              <a:schemeClr val="tx1"/>
-            </a:fontRef>
-          </p:style>
-        </p:cxnSp>
-        <p:cxnSp>
-          <p:nvCxnSpPr>
-            <p:cNvPr id="16" name="直接连接符 15"/>
-            <p:cNvCxnSpPr>
-              <a:stCxn id="13" idx="1"/>
-            </p:cNvCxnSpPr>
-            <p:nvPr/>
-          </p:nvCxnSpPr>
-          <p:spPr>
-            <a:xfrm rot="10800000">
-              <a:off x="2214546" y="2857495"/>
-              <a:ext cx="642942" cy="1588"/>
-            </a:xfrm>
-            <a:prstGeom prst="line">
-              <a:avLst/>
-            </a:prstGeom>
-          </p:spPr>
-          <p:style>
-            <a:lnRef idx="1">
-              <a:schemeClr val="accent1"/>
-            </a:lnRef>
-            <a:fillRef idx="0">
-              <a:schemeClr val="accent1"/>
-            </a:fillRef>
-            <a:effectRef idx="0">
-              <a:schemeClr val="accent1"/>
-            </a:effectRef>
-            <a:fontRef idx="minor">
-              <a:schemeClr val="tx1"/>
-            </a:fontRef>
-          </p:style>
-        </p:cxnSp>
-        <p:sp>
-          <p:nvSpPr>
-            <p:cNvPr id="17" name="椭圆 16"/>
-            <p:cNvSpPr/>
-            <p:nvPr/>
-          </p:nvSpPr>
-          <p:spPr>
-            <a:xfrm>
-              <a:off x="2071670" y="2786058"/>
-              <a:ext cx="142876" cy="142876"/>
-            </a:xfrm>
-            <a:prstGeom prst="ellipse">
-              <a:avLst/>
-            </a:prstGeom>
-          </p:spPr>
-          <p:style>
-            <a:lnRef idx="2">
-              <a:schemeClr val="dk1">
-                <a:shade val="50000"/>
-              </a:schemeClr>
-            </a:lnRef>
-            <a:fillRef idx="1">
-              <a:schemeClr val="dk1"/>
-            </a:fillRef>
-            <a:effectRef idx="0">
-              <a:schemeClr val="dk1"/>
-            </a:effectRef>
-            <a:fontRef idx="minor">
-              <a:schemeClr val="lt1"/>
-            </a:fontRef>
-          </p:style>
-          <p:txBody>
-            <a:bodyPr anchor="ctr"/>
-            <a:lstStyle/>
-            <a:p>
-              <a:pPr algn="ctr">
-                <a:defRPr/>
-              </a:pPr>
-              <a:endParaRPr lang="zh-CN" altLang="en-US"/>
-            </a:p>
-          </p:txBody>
-        </p:sp>
-        <p:sp>
-          <p:nvSpPr>
-            <p:cNvPr id="18" name="椭圆 17"/>
-            <p:cNvSpPr/>
-            <p:nvPr/>
-          </p:nvSpPr>
-          <p:spPr>
-            <a:xfrm>
-              <a:off x="5715008" y="2786058"/>
-              <a:ext cx="142876" cy="142876"/>
-            </a:xfrm>
-            <a:prstGeom prst="ellipse">
-              <a:avLst/>
-            </a:prstGeom>
-          </p:spPr>
-          <p:style>
-            <a:lnRef idx="2">
-              <a:schemeClr val="dk1">
-                <a:shade val="50000"/>
-              </a:schemeClr>
-            </a:lnRef>
-            <a:fillRef idx="1">
-              <a:schemeClr val="dk1"/>
-            </a:fillRef>
-            <a:effectRef idx="0">
-              <a:schemeClr val="dk1"/>
-            </a:effectRef>
-            <a:fontRef idx="minor">
-              <a:schemeClr val="lt1"/>
-            </a:fontRef>
-          </p:style>
-          <p:txBody>
-            <a:bodyPr anchor="ctr"/>
-            <a:lstStyle/>
-            <a:p>
-              <a:pPr algn="ctr">
-                <a:defRPr/>
-              </a:pPr>
-              <a:endParaRPr lang="zh-CN" altLang="en-US"/>
-            </a:p>
-          </p:txBody>
-        </p:sp>
-        <p:sp>
-          <p:nvSpPr>
-            <p:cNvPr id="19" name="矩形 18"/>
-            <p:cNvSpPr/>
-            <p:nvPr/>
-          </p:nvSpPr>
-          <p:spPr>
-            <a:xfrm>
-              <a:off x="4214810" y="3214686"/>
-              <a:ext cx="428628" cy="142876"/>
-            </a:xfrm>
-            <a:prstGeom prst="rect">
-              <a:avLst/>
-            </a:prstGeom>
-            <a:solidFill>
-              <a:schemeClr val="tx2">
-                <a:lumMod val="40000"/>
-                <a:lumOff val="60000"/>
-              </a:schemeClr>
-            </a:solidFill>
-            <a:ln w="9525">
-              <a:solidFill>
-                <a:schemeClr val="tx1"/>
-              </a:solidFill>
-            </a:ln>
-          </p:spPr>
-          <p:style>
-            <a:lnRef idx="2">
-              <a:schemeClr val="accent1">
-                <a:shade val="50000"/>
-              </a:schemeClr>
-            </a:lnRef>
-            <a:fillRef idx="1">
-              <a:schemeClr val="accent1"/>
-            </a:fillRef>
-            <a:effectRef idx="0">
-              <a:schemeClr val="accent1"/>
-            </a:effectRef>
-            <a:fontRef idx="minor">
-              <a:schemeClr val="lt1"/>
-            </a:fontRef>
-          </p:style>
-          <p:txBody>
-            <a:bodyPr anchor="ctr"/>
-            <a:lstStyle/>
-            <a:p>
-              <a:pPr algn="ctr">
-                <a:defRPr/>
-              </a:pPr>
-              <a:endParaRPr lang="zh-CN" altLang="en-US"/>
-            </a:p>
-          </p:txBody>
-        </p:sp>
-      </p:grpSp>
       <p:sp>
         <p:nvSpPr>
           <p:cNvPr id="21" name="Rectangle 3"/>
@@ -23089,8 +22550,8 @@
         </p:nvSpPr>
         <p:spPr bwMode="auto">
           <a:xfrm>
-            <a:off x="457200" y="1600200"/>
-            <a:ext cx="8229600" cy="4525963"/>
+            <a:off x="251520" y="1196752"/>
+            <a:ext cx="1728192" cy="504056"/>
           </a:xfrm>
           <a:prstGeom prst="rect">
             <a:avLst/>
@@ -23184,8 +22645,8 @@
         </p:nvSpPr>
         <p:spPr bwMode="auto">
           <a:xfrm>
-            <a:off x="571500" y="3571875"/>
-            <a:ext cx="7500938" cy="523875"/>
+            <a:off x="395536" y="3717032"/>
+            <a:ext cx="1008112" cy="523875"/>
           </a:xfrm>
           <a:prstGeom prst="rect">
             <a:avLst/>
@@ -23199,7 +22660,7 @@
           </a:ln>
         </p:spPr>
         <p:txBody>
-          <a:bodyPr>
+          <a:bodyPr wrap="square">
             <a:spAutoFit/>
           </a:bodyPr>
           <a:lstStyle/>
@@ -23227,7 +22688,7 @@
           <a:graphicData uri="http://schemas.openxmlformats.org/presentationml/2006/ole">
             <mc:AlternateContent xmlns:mc="http://schemas.openxmlformats.org/markup-compatibility/2006">
               <mc:Choice xmlns:v="urn:schemas-microsoft-com:vml" Requires="v">
-                <p:oleObj spid="_x0000_s160805" name="Equation" r:id="rId3" imgW="6362700" imgH="685800" progId="Equation.DSMT4">
+                <p:oleObj spid="_x0000_s160817" name="Equation" r:id="rId3" imgW="6362700" imgH="685800" progId="Equation.DSMT4">
                   <p:embed/>
                 </p:oleObj>
               </mc:Choice>
@@ -23357,7 +22818,7 @@
           <a:graphicData uri="http://schemas.openxmlformats.org/presentationml/2006/ole">
             <mc:AlternateContent xmlns:mc="http://schemas.openxmlformats.org/markup-compatibility/2006">
               <mc:Choice xmlns:v="urn:schemas-microsoft-com:vml" Requires="v">
-                <p:oleObj spid="_x0000_s160806" name="Equation" r:id="rId5" imgW="1485900" imgH="469900" progId="Equation.DSMT4">
+                <p:oleObj spid="_x0000_s160818" name="Equation" r:id="rId5" imgW="1485900" imgH="469900" progId="Equation.DSMT4">
                   <p:embed/>
                 </p:oleObj>
               </mc:Choice>
@@ -23487,7 +22948,7 @@
           <a:graphicData uri="http://schemas.openxmlformats.org/presentationml/2006/ole">
             <mc:AlternateContent xmlns:mc="http://schemas.openxmlformats.org/markup-compatibility/2006">
               <mc:Choice xmlns:v="urn:schemas-microsoft-com:vml" Requires="v">
-                <p:oleObj spid="_x0000_s160807" name="Equation" r:id="rId7" imgW="1167893" imgH="495085" progId="Equation.DSMT4">
+                <p:oleObj spid="_x0000_s160819" name="Equation" r:id="rId7" imgW="1167893" imgH="495085" progId="Equation.DSMT4">
                   <p:embed/>
                 </p:oleObj>
               </mc:Choice>
@@ -23564,220 +23025,780 @@
           </a:graphicData>
         </a:graphic>
       </p:graphicFrame>
-      <p:sp>
-        <p:nvSpPr>
-          <p:cNvPr id="160787" name="TextBox 25"/>
-          <p:cNvSpPr txBox="1">
-            <a:spLocks noChangeArrowheads="1"/>
-          </p:cNvSpPr>
+      <p:grpSp>
+        <p:nvGrpSpPr>
+          <p:cNvPr id="2" name="组合 1">
+            <a:extLst>
+              <a:ext uri="{FF2B5EF4-FFF2-40B4-BE49-F238E27FC236}">
+                <a16:creationId xmlns:a16="http://schemas.microsoft.com/office/drawing/2014/main" id="{654D8E71-40F2-46E8-8755-C7BE555E8E16}"/>
+              </a:ext>
+            </a:extLst>
+          </p:cNvPr>
+          <p:cNvGrpSpPr/>
           <p:nvPr/>
-        </p:nvSpPr>
-        <p:spPr bwMode="auto">
+        </p:nvGrpSpPr>
+        <p:grpSpPr>
           <a:xfrm>
-            <a:off x="2857500" y="2273300"/>
-            <a:ext cx="857250" cy="369888"/>
+            <a:off x="1928813" y="1857375"/>
+            <a:ext cx="4071937" cy="2012950"/>
+            <a:chOff x="1928813" y="1857375"/>
+            <a:chExt cx="4071937" cy="2012950"/>
           </a:xfrm>
-          <a:prstGeom prst="rect">
-            <a:avLst/>
-          </a:prstGeom>
-          <a:noFill/>
-          <a:ln w="9525">
+        </p:grpSpPr>
+        <p:grpSp>
+          <p:nvGrpSpPr>
+            <p:cNvPr id="160781" name="组合 19"/>
+            <p:cNvGrpSpPr>
+              <a:grpSpLocks/>
+            </p:cNvGrpSpPr>
+            <p:nvPr/>
+          </p:nvGrpSpPr>
+          <p:grpSpPr bwMode="auto">
+            <a:xfrm>
+              <a:off x="2071688" y="2214563"/>
+              <a:ext cx="3786187" cy="1143000"/>
+              <a:chOff x="2071670" y="2214554"/>
+              <a:chExt cx="3786214" cy="1143008"/>
+            </a:xfrm>
+          </p:grpSpPr>
+          <p:cxnSp>
+            <p:nvCxnSpPr>
+              <p:cNvPr id="5" name="直接连接符 4"/>
+              <p:cNvCxnSpPr/>
+              <p:nvPr/>
+            </p:nvCxnSpPr>
+            <p:spPr>
+              <a:xfrm>
+                <a:off x="3286116" y="2855908"/>
+                <a:ext cx="500067" cy="1587"/>
+              </a:xfrm>
+              <a:prstGeom prst="line">
+                <a:avLst/>
+              </a:prstGeom>
+            </p:spPr>
+            <p:style>
+              <a:lnRef idx="1">
+                <a:schemeClr val="accent1"/>
+              </a:lnRef>
+              <a:fillRef idx="0">
+                <a:schemeClr val="accent1"/>
+              </a:fillRef>
+              <a:effectRef idx="0">
+                <a:schemeClr val="accent1"/>
+              </a:effectRef>
+              <a:fontRef idx="minor">
+                <a:schemeClr val="tx1"/>
+              </a:fontRef>
+            </p:style>
+          </p:cxnSp>
+          <p:cxnSp>
+            <p:nvCxnSpPr>
+              <p:cNvPr id="6" name="直接连接符 5"/>
+              <p:cNvCxnSpPr/>
+              <p:nvPr/>
+            </p:nvCxnSpPr>
+            <p:spPr>
+              <a:xfrm rot="5400000">
+                <a:off x="3357554" y="2857495"/>
+                <a:ext cx="857256" cy="3175"/>
+              </a:xfrm>
+              <a:prstGeom prst="line">
+                <a:avLst/>
+              </a:prstGeom>
+            </p:spPr>
+            <p:style>
+              <a:lnRef idx="1">
+                <a:schemeClr val="accent1"/>
+              </a:lnRef>
+              <a:fillRef idx="0">
+                <a:schemeClr val="accent1"/>
+              </a:fillRef>
+              <a:effectRef idx="0">
+                <a:schemeClr val="accent1"/>
+              </a:effectRef>
+              <a:fontRef idx="minor">
+                <a:schemeClr val="tx1"/>
+              </a:fontRef>
+            </p:style>
+          </p:cxnSp>
+          <p:cxnSp>
+            <p:nvCxnSpPr>
+              <p:cNvPr id="7" name="直接连接符 6"/>
+              <p:cNvCxnSpPr/>
+              <p:nvPr/>
+            </p:nvCxnSpPr>
+            <p:spPr>
+              <a:xfrm>
+                <a:off x="3786182" y="2428867"/>
+                <a:ext cx="571504" cy="1588"/>
+              </a:xfrm>
+              <a:prstGeom prst="line">
+                <a:avLst/>
+              </a:prstGeom>
+            </p:spPr>
+            <p:style>
+              <a:lnRef idx="1">
+                <a:schemeClr val="accent1"/>
+              </a:lnRef>
+              <a:fillRef idx="0">
+                <a:schemeClr val="accent1"/>
+              </a:fillRef>
+              <a:effectRef idx="0">
+                <a:schemeClr val="accent1"/>
+              </a:effectRef>
+              <a:fontRef idx="minor">
+                <a:schemeClr val="tx1"/>
+              </a:fontRef>
+            </p:style>
+          </p:cxnSp>
+          <p:cxnSp>
+            <p:nvCxnSpPr>
+              <p:cNvPr id="8" name="直接连接符 7"/>
+              <p:cNvCxnSpPr/>
+              <p:nvPr/>
+            </p:nvCxnSpPr>
+            <p:spPr>
+              <a:xfrm>
+                <a:off x="3786182" y="3286123"/>
+                <a:ext cx="428628" cy="1588"/>
+              </a:xfrm>
+              <a:prstGeom prst="line">
+                <a:avLst/>
+              </a:prstGeom>
+            </p:spPr>
+            <p:style>
+              <a:lnRef idx="1">
+                <a:schemeClr val="accent1"/>
+              </a:lnRef>
+              <a:fillRef idx="0">
+                <a:schemeClr val="accent1"/>
+              </a:fillRef>
+              <a:effectRef idx="0">
+                <a:schemeClr val="accent1"/>
+              </a:effectRef>
+              <a:fontRef idx="minor">
+                <a:schemeClr val="tx1"/>
+              </a:fontRef>
+            </p:style>
+          </p:cxnSp>
+          <p:cxnSp>
+            <p:nvCxnSpPr>
+              <p:cNvPr id="9" name="直接连接符 8"/>
+              <p:cNvCxnSpPr/>
+              <p:nvPr/>
+            </p:nvCxnSpPr>
+            <p:spPr>
+              <a:xfrm rot="5400000">
+                <a:off x="4179091" y="2391561"/>
+                <a:ext cx="357189" cy="3175"/>
+              </a:xfrm>
+              <a:prstGeom prst="line">
+                <a:avLst/>
+              </a:prstGeom>
+            </p:spPr>
+            <p:style>
+              <a:lnRef idx="1">
+                <a:schemeClr val="accent1"/>
+              </a:lnRef>
+              <a:fillRef idx="0">
+                <a:schemeClr val="accent1"/>
+              </a:fillRef>
+              <a:effectRef idx="0">
+                <a:schemeClr val="accent1"/>
+              </a:effectRef>
+              <a:fontRef idx="minor">
+                <a:schemeClr val="tx1"/>
+              </a:fontRef>
+            </p:style>
+          </p:cxnSp>
+          <p:cxnSp>
+            <p:nvCxnSpPr>
+              <p:cNvPr id="10" name="直接连接符 9"/>
+              <p:cNvCxnSpPr/>
+              <p:nvPr/>
+            </p:nvCxnSpPr>
+            <p:spPr>
+              <a:xfrm rot="5400000">
+                <a:off x="4322761" y="2392355"/>
+                <a:ext cx="357189" cy="1587"/>
+              </a:xfrm>
+              <a:prstGeom prst="line">
+                <a:avLst/>
+              </a:prstGeom>
+            </p:spPr>
+            <p:style>
+              <a:lnRef idx="1">
+                <a:schemeClr val="accent1"/>
+              </a:lnRef>
+              <a:fillRef idx="0">
+                <a:schemeClr val="accent1"/>
+              </a:fillRef>
+              <a:effectRef idx="0">
+                <a:schemeClr val="accent1"/>
+              </a:effectRef>
+              <a:fontRef idx="minor">
+                <a:schemeClr val="tx1"/>
+              </a:fontRef>
+            </p:style>
+          </p:cxnSp>
+          <p:cxnSp>
+            <p:nvCxnSpPr>
+              <p:cNvPr id="11" name="直接连接符 10"/>
+              <p:cNvCxnSpPr/>
+              <p:nvPr/>
+            </p:nvCxnSpPr>
+            <p:spPr>
+              <a:xfrm>
+                <a:off x="4500562" y="2427280"/>
+                <a:ext cx="642942" cy="1587"/>
+              </a:xfrm>
+              <a:prstGeom prst="line">
+                <a:avLst/>
+              </a:prstGeom>
+            </p:spPr>
+            <p:style>
+              <a:lnRef idx="1">
+                <a:schemeClr val="accent1"/>
+              </a:lnRef>
+              <a:fillRef idx="0">
+                <a:schemeClr val="accent1"/>
+              </a:fillRef>
+              <a:effectRef idx="0">
+                <a:schemeClr val="accent1"/>
+              </a:effectRef>
+              <a:fontRef idx="minor">
+                <a:schemeClr val="tx1"/>
+              </a:fontRef>
+            </p:style>
+          </p:cxnSp>
+          <p:cxnSp>
+            <p:nvCxnSpPr>
+              <p:cNvPr id="12" name="直接连接符 11"/>
+              <p:cNvCxnSpPr/>
+              <p:nvPr/>
+            </p:nvCxnSpPr>
+            <p:spPr>
+              <a:xfrm rot="5400000">
+                <a:off x="4714877" y="2855907"/>
+                <a:ext cx="857256" cy="3175"/>
+              </a:xfrm>
+              <a:prstGeom prst="line">
+                <a:avLst/>
+              </a:prstGeom>
+            </p:spPr>
+            <p:style>
+              <a:lnRef idx="1">
+                <a:schemeClr val="accent1"/>
+              </a:lnRef>
+              <a:fillRef idx="0">
+                <a:schemeClr val="accent1"/>
+              </a:fillRef>
+              <a:effectRef idx="0">
+                <a:schemeClr val="accent1"/>
+              </a:effectRef>
+              <a:fontRef idx="minor">
+                <a:schemeClr val="tx1"/>
+              </a:fontRef>
+            </p:style>
+          </p:cxnSp>
+          <p:sp>
+            <p:nvSpPr>
+              <p:cNvPr id="13" name="矩形 12"/>
+              <p:cNvSpPr/>
+              <p:nvPr/>
+            </p:nvSpPr>
+            <p:spPr>
+              <a:xfrm>
+                <a:off x="2857488" y="2786058"/>
+                <a:ext cx="428628" cy="142876"/>
+              </a:xfrm>
+              <a:prstGeom prst="rect">
+                <a:avLst/>
+              </a:prstGeom>
+              <a:solidFill>
+                <a:schemeClr val="tx2">
+                  <a:lumMod val="40000"/>
+                  <a:lumOff val="60000"/>
+                </a:schemeClr>
+              </a:solidFill>
+              <a:ln w="9525">
+                <a:solidFill>
+                  <a:schemeClr val="tx1"/>
+                </a:solidFill>
+              </a:ln>
+            </p:spPr>
+            <p:style>
+              <a:lnRef idx="2">
+                <a:schemeClr val="accent1">
+                  <a:shade val="50000"/>
+                </a:schemeClr>
+              </a:lnRef>
+              <a:fillRef idx="1">
+                <a:schemeClr val="accent1"/>
+              </a:fillRef>
+              <a:effectRef idx="0">
+                <a:schemeClr val="accent1"/>
+              </a:effectRef>
+              <a:fontRef idx="minor">
+                <a:schemeClr val="lt1"/>
+              </a:fontRef>
+            </p:style>
+            <p:txBody>
+              <a:bodyPr anchor="ctr"/>
+              <a:lstStyle/>
+              <a:p>
+                <a:pPr algn="ctr">
+                  <a:defRPr/>
+                </a:pPr>
+                <a:endParaRPr lang="zh-CN" altLang="en-US"/>
+              </a:p>
+            </p:txBody>
+          </p:sp>
+          <p:cxnSp>
+            <p:nvCxnSpPr>
+              <p:cNvPr id="14" name="直接连接符 13"/>
+              <p:cNvCxnSpPr/>
+              <p:nvPr/>
+            </p:nvCxnSpPr>
+            <p:spPr>
+              <a:xfrm>
+                <a:off x="4643438" y="3286123"/>
+                <a:ext cx="500066" cy="1588"/>
+              </a:xfrm>
+              <a:prstGeom prst="line">
+                <a:avLst/>
+              </a:prstGeom>
+            </p:spPr>
+            <p:style>
+              <a:lnRef idx="1">
+                <a:schemeClr val="accent1"/>
+              </a:lnRef>
+              <a:fillRef idx="0">
+                <a:schemeClr val="accent1"/>
+              </a:fillRef>
+              <a:effectRef idx="0">
+                <a:schemeClr val="accent1"/>
+              </a:effectRef>
+              <a:fontRef idx="minor">
+                <a:schemeClr val="tx1"/>
+              </a:fontRef>
+            </p:style>
+          </p:cxnSp>
+          <p:cxnSp>
+            <p:nvCxnSpPr>
+              <p:cNvPr id="15" name="直接连接符 14"/>
+              <p:cNvCxnSpPr/>
+              <p:nvPr/>
+            </p:nvCxnSpPr>
+            <p:spPr>
+              <a:xfrm>
+                <a:off x="5143504" y="2857495"/>
+                <a:ext cx="571504" cy="1588"/>
+              </a:xfrm>
+              <a:prstGeom prst="line">
+                <a:avLst/>
+              </a:prstGeom>
+            </p:spPr>
+            <p:style>
+              <a:lnRef idx="1">
+                <a:schemeClr val="accent1"/>
+              </a:lnRef>
+              <a:fillRef idx="0">
+                <a:schemeClr val="accent1"/>
+              </a:fillRef>
+              <a:effectRef idx="0">
+                <a:schemeClr val="accent1"/>
+              </a:effectRef>
+              <a:fontRef idx="minor">
+                <a:schemeClr val="tx1"/>
+              </a:fontRef>
+            </p:style>
+          </p:cxnSp>
+          <p:cxnSp>
+            <p:nvCxnSpPr>
+              <p:cNvPr id="16" name="直接连接符 15"/>
+              <p:cNvCxnSpPr>
+                <a:stCxn id="13" idx="1"/>
+              </p:cNvCxnSpPr>
+              <p:nvPr/>
+            </p:nvCxnSpPr>
+            <p:spPr>
+              <a:xfrm rot="10800000">
+                <a:off x="2214546" y="2857495"/>
+                <a:ext cx="642942" cy="1588"/>
+              </a:xfrm>
+              <a:prstGeom prst="line">
+                <a:avLst/>
+              </a:prstGeom>
+            </p:spPr>
+            <p:style>
+              <a:lnRef idx="1">
+                <a:schemeClr val="accent1"/>
+              </a:lnRef>
+              <a:fillRef idx="0">
+                <a:schemeClr val="accent1"/>
+              </a:fillRef>
+              <a:effectRef idx="0">
+                <a:schemeClr val="accent1"/>
+              </a:effectRef>
+              <a:fontRef idx="minor">
+                <a:schemeClr val="tx1"/>
+              </a:fontRef>
+            </p:style>
+          </p:cxnSp>
+          <p:sp>
+            <p:nvSpPr>
+              <p:cNvPr id="17" name="椭圆 16"/>
+              <p:cNvSpPr/>
+              <p:nvPr/>
+            </p:nvSpPr>
+            <p:spPr>
+              <a:xfrm>
+                <a:off x="2071670" y="2786058"/>
+                <a:ext cx="142876" cy="142876"/>
+              </a:xfrm>
+              <a:prstGeom prst="ellipse">
+                <a:avLst/>
+              </a:prstGeom>
+            </p:spPr>
+            <p:style>
+              <a:lnRef idx="2">
+                <a:schemeClr val="dk1">
+                  <a:shade val="50000"/>
+                </a:schemeClr>
+              </a:lnRef>
+              <a:fillRef idx="1">
+                <a:schemeClr val="dk1"/>
+              </a:fillRef>
+              <a:effectRef idx="0">
+                <a:schemeClr val="dk1"/>
+              </a:effectRef>
+              <a:fontRef idx="minor">
+                <a:schemeClr val="lt1"/>
+              </a:fontRef>
+            </p:style>
+            <p:txBody>
+              <a:bodyPr anchor="ctr"/>
+              <a:lstStyle/>
+              <a:p>
+                <a:pPr algn="ctr">
+                  <a:defRPr/>
+                </a:pPr>
+                <a:endParaRPr lang="zh-CN" altLang="en-US"/>
+              </a:p>
+            </p:txBody>
+          </p:sp>
+          <p:sp>
+            <p:nvSpPr>
+              <p:cNvPr id="18" name="椭圆 17"/>
+              <p:cNvSpPr/>
+              <p:nvPr/>
+            </p:nvSpPr>
+            <p:spPr>
+              <a:xfrm>
+                <a:off x="5715008" y="2786058"/>
+                <a:ext cx="142876" cy="142876"/>
+              </a:xfrm>
+              <a:prstGeom prst="ellipse">
+                <a:avLst/>
+              </a:prstGeom>
+            </p:spPr>
+            <p:style>
+              <a:lnRef idx="2">
+                <a:schemeClr val="dk1">
+                  <a:shade val="50000"/>
+                </a:schemeClr>
+              </a:lnRef>
+              <a:fillRef idx="1">
+                <a:schemeClr val="dk1"/>
+              </a:fillRef>
+              <a:effectRef idx="0">
+                <a:schemeClr val="dk1"/>
+              </a:effectRef>
+              <a:fontRef idx="minor">
+                <a:schemeClr val="lt1"/>
+              </a:fontRef>
+            </p:style>
+            <p:txBody>
+              <a:bodyPr anchor="ctr"/>
+              <a:lstStyle/>
+              <a:p>
+                <a:pPr algn="ctr">
+                  <a:defRPr/>
+                </a:pPr>
+                <a:endParaRPr lang="zh-CN" altLang="en-US"/>
+              </a:p>
+            </p:txBody>
+          </p:sp>
+          <p:sp>
+            <p:nvSpPr>
+              <p:cNvPr id="19" name="矩形 18"/>
+              <p:cNvSpPr/>
+              <p:nvPr/>
+            </p:nvSpPr>
+            <p:spPr>
+              <a:xfrm>
+                <a:off x="4214810" y="3214686"/>
+                <a:ext cx="428628" cy="142876"/>
+              </a:xfrm>
+              <a:prstGeom prst="rect">
+                <a:avLst/>
+              </a:prstGeom>
+              <a:solidFill>
+                <a:schemeClr val="tx2">
+                  <a:lumMod val="40000"/>
+                  <a:lumOff val="60000"/>
+                </a:schemeClr>
+              </a:solidFill>
+              <a:ln w="9525">
+                <a:solidFill>
+                  <a:schemeClr val="tx1"/>
+                </a:solidFill>
+              </a:ln>
+            </p:spPr>
+            <p:style>
+              <a:lnRef idx="2">
+                <a:schemeClr val="accent1">
+                  <a:shade val="50000"/>
+                </a:schemeClr>
+              </a:lnRef>
+              <a:fillRef idx="1">
+                <a:schemeClr val="accent1"/>
+              </a:fillRef>
+              <a:effectRef idx="0">
+                <a:schemeClr val="accent1"/>
+              </a:effectRef>
+              <a:fontRef idx="minor">
+                <a:schemeClr val="lt1"/>
+              </a:fontRef>
+            </p:style>
+            <p:txBody>
+              <a:bodyPr anchor="ctr"/>
+              <a:lstStyle/>
+              <a:p>
+                <a:pPr algn="ctr">
+                  <a:defRPr/>
+                </a:pPr>
+                <a:endParaRPr lang="zh-CN" altLang="en-US"/>
+              </a:p>
+            </p:txBody>
+          </p:sp>
+        </p:grpSp>
+        <p:sp>
+          <p:nvSpPr>
+            <p:cNvPr id="160787" name="TextBox 25"/>
+            <p:cNvSpPr txBox="1">
+              <a:spLocks noChangeArrowheads="1"/>
+            </p:cNvSpPr>
+            <p:nvPr/>
+          </p:nvSpPr>
+          <p:spPr bwMode="auto">
+            <a:xfrm>
+              <a:off x="2857500" y="2273300"/>
+              <a:ext cx="857250" cy="369888"/>
+            </a:xfrm>
+            <a:prstGeom prst="rect">
+              <a:avLst/>
+            </a:prstGeom>
             <a:noFill/>
-            <a:miter lim="800000"/>
-            <a:headEnd/>
-            <a:tailEnd/>
-          </a:ln>
-        </p:spPr>
-        <p:txBody>
-          <a:bodyPr>
-            <a:spAutoFit/>
-          </a:bodyPr>
-          <a:lstStyle/>
-          <a:p>
-            <a:r>
-              <a:rPr lang="en-US" altLang="zh-CN"/>
-              <a:t>R</a:t>
-            </a:r>
-            <a:r>
-              <a:rPr lang="en-US" altLang="zh-CN" baseline="-25000"/>
-              <a:t>L</a:t>
-            </a:r>
-            <a:endParaRPr lang="zh-CN" altLang="en-US" baseline="-25000"/>
-          </a:p>
-        </p:txBody>
-      </p:sp>
-      <p:sp>
-        <p:nvSpPr>
-          <p:cNvPr id="160788" name="TextBox 26"/>
-          <p:cNvSpPr txBox="1">
-            <a:spLocks noChangeArrowheads="1"/>
-          </p:cNvSpPr>
-          <p:nvPr/>
-        </p:nvSpPr>
-        <p:spPr bwMode="auto">
-          <a:xfrm>
-            <a:off x="4214813" y="1857375"/>
-            <a:ext cx="928687" cy="369888"/>
-          </a:xfrm>
-          <a:prstGeom prst="rect">
-            <a:avLst/>
-          </a:prstGeom>
-          <a:noFill/>
-          <a:ln w="9525">
+            <a:ln w="9525">
+              <a:noFill/>
+              <a:miter lim="800000"/>
+              <a:headEnd/>
+              <a:tailEnd/>
+            </a:ln>
+          </p:spPr>
+          <p:txBody>
+            <a:bodyPr>
+              <a:spAutoFit/>
+            </a:bodyPr>
+            <a:lstStyle/>
+            <a:p>
+              <a:r>
+                <a:rPr lang="en-US" altLang="zh-CN"/>
+                <a:t>R</a:t>
+              </a:r>
+              <a:r>
+                <a:rPr lang="en-US" altLang="zh-CN" baseline="-25000"/>
+                <a:t>L</a:t>
+              </a:r>
+              <a:endParaRPr lang="zh-CN" altLang="en-US" baseline="-25000"/>
+            </a:p>
+          </p:txBody>
+        </p:sp>
+        <p:sp>
+          <p:nvSpPr>
+            <p:cNvPr id="160788" name="TextBox 26"/>
+            <p:cNvSpPr txBox="1">
+              <a:spLocks noChangeArrowheads="1"/>
+            </p:cNvSpPr>
+            <p:nvPr/>
+          </p:nvSpPr>
+          <p:spPr bwMode="auto">
+            <a:xfrm>
+              <a:off x="4214813" y="1857375"/>
+              <a:ext cx="928687" cy="369888"/>
+            </a:xfrm>
+            <a:prstGeom prst="rect">
+              <a:avLst/>
+            </a:prstGeom>
             <a:noFill/>
-            <a:miter lim="800000"/>
-            <a:headEnd/>
-            <a:tailEnd/>
-          </a:ln>
-        </p:spPr>
-        <p:txBody>
-          <a:bodyPr>
-            <a:spAutoFit/>
-          </a:bodyPr>
-          <a:lstStyle/>
-          <a:p>
-            <a:r>
-              <a:rPr lang="en-US" altLang="zh-CN"/>
-              <a:t>C</a:t>
-            </a:r>
-            <a:r>
-              <a:rPr lang="en-US" altLang="zh-CN" baseline="-25000"/>
-              <a:t>d</a:t>
-            </a:r>
-            <a:endParaRPr lang="zh-CN" altLang="en-US" baseline="-25000"/>
-          </a:p>
-        </p:txBody>
-      </p:sp>
-      <p:sp>
-        <p:nvSpPr>
-          <p:cNvPr id="160789" name="TextBox 27"/>
-          <p:cNvSpPr txBox="1">
-            <a:spLocks noChangeArrowheads="1"/>
-          </p:cNvSpPr>
-          <p:nvPr/>
-        </p:nvSpPr>
-        <p:spPr bwMode="auto">
-          <a:xfrm>
-            <a:off x="4214813" y="3500438"/>
-            <a:ext cx="928687" cy="369887"/>
-          </a:xfrm>
-          <a:prstGeom prst="rect">
-            <a:avLst/>
-          </a:prstGeom>
-          <a:noFill/>
-          <a:ln w="9525">
+            <a:ln w="9525">
+              <a:noFill/>
+              <a:miter lim="800000"/>
+              <a:headEnd/>
+              <a:tailEnd/>
+            </a:ln>
+          </p:spPr>
+          <p:txBody>
+            <a:bodyPr>
+              <a:spAutoFit/>
+            </a:bodyPr>
+            <a:lstStyle/>
+            <a:p>
+              <a:r>
+                <a:rPr lang="en-US" altLang="zh-CN"/>
+                <a:t>C</a:t>
+              </a:r>
+              <a:r>
+                <a:rPr lang="en-US" altLang="zh-CN" baseline="-25000"/>
+                <a:t>d</a:t>
+              </a:r>
+              <a:endParaRPr lang="zh-CN" altLang="en-US" baseline="-25000"/>
+            </a:p>
+          </p:txBody>
+        </p:sp>
+        <p:sp>
+          <p:nvSpPr>
+            <p:cNvPr id="160789" name="TextBox 27"/>
+            <p:cNvSpPr txBox="1">
+              <a:spLocks noChangeArrowheads="1"/>
+            </p:cNvSpPr>
+            <p:nvPr/>
+          </p:nvSpPr>
+          <p:spPr bwMode="auto">
+            <a:xfrm>
+              <a:off x="4214813" y="3500438"/>
+              <a:ext cx="928687" cy="369887"/>
+            </a:xfrm>
+            <a:prstGeom prst="rect">
+              <a:avLst/>
+            </a:prstGeom>
             <a:noFill/>
-            <a:miter lim="800000"/>
-            <a:headEnd/>
-            <a:tailEnd/>
-          </a:ln>
-        </p:spPr>
-        <p:txBody>
-          <a:bodyPr>
-            <a:spAutoFit/>
-          </a:bodyPr>
-          <a:lstStyle/>
-          <a:p>
-            <a:r>
-              <a:rPr lang="en-US" altLang="zh-CN"/>
-              <a:t>R</a:t>
-            </a:r>
-            <a:r>
-              <a:rPr lang="en-US" altLang="zh-CN" baseline="-25000"/>
-              <a:t>p</a:t>
-            </a:r>
-            <a:endParaRPr lang="zh-CN" altLang="en-US" baseline="-25000"/>
-          </a:p>
-        </p:txBody>
-      </p:sp>
-      <p:sp>
-        <p:nvSpPr>
-          <p:cNvPr id="160790" name="TextBox 28"/>
-          <p:cNvSpPr txBox="1">
-            <a:spLocks noChangeArrowheads="1"/>
-          </p:cNvSpPr>
-          <p:nvPr/>
-        </p:nvSpPr>
-        <p:spPr bwMode="auto">
-          <a:xfrm>
-            <a:off x="1928813" y="2905125"/>
-            <a:ext cx="428625" cy="523875"/>
-          </a:xfrm>
-          <a:prstGeom prst="rect">
-            <a:avLst/>
-          </a:prstGeom>
-          <a:noFill/>
-          <a:ln w="9525">
+            <a:ln w="9525">
+              <a:noFill/>
+              <a:miter lim="800000"/>
+              <a:headEnd/>
+              <a:tailEnd/>
+            </a:ln>
+          </p:spPr>
+          <p:txBody>
+            <a:bodyPr>
+              <a:spAutoFit/>
+            </a:bodyPr>
+            <a:lstStyle/>
+            <a:p>
+              <a:r>
+                <a:rPr lang="en-US" altLang="zh-CN"/>
+                <a:t>R</a:t>
+              </a:r>
+              <a:r>
+                <a:rPr lang="en-US" altLang="zh-CN" baseline="-25000"/>
+                <a:t>p</a:t>
+              </a:r>
+              <a:endParaRPr lang="zh-CN" altLang="en-US" baseline="-25000"/>
+            </a:p>
+          </p:txBody>
+        </p:sp>
+        <p:sp>
+          <p:nvSpPr>
+            <p:cNvPr id="160790" name="TextBox 28"/>
+            <p:cNvSpPr txBox="1">
+              <a:spLocks noChangeArrowheads="1"/>
+            </p:cNvSpPr>
+            <p:nvPr/>
+          </p:nvSpPr>
+          <p:spPr bwMode="auto">
+            <a:xfrm>
+              <a:off x="1928813" y="2905125"/>
+              <a:ext cx="428625" cy="523875"/>
+            </a:xfrm>
+            <a:prstGeom prst="rect">
+              <a:avLst/>
+            </a:prstGeom>
             <a:noFill/>
-            <a:miter lim="800000"/>
-            <a:headEnd/>
-            <a:tailEnd/>
-          </a:ln>
-        </p:spPr>
-        <p:txBody>
-          <a:bodyPr>
-            <a:spAutoFit/>
-          </a:bodyPr>
-          <a:lstStyle/>
-          <a:p>
-            <a:r>
-              <a:rPr lang="en-US" altLang="zh-CN" sz="2800" b="1">
+            <a:ln w="9525">
+              <a:noFill/>
+              <a:miter lim="800000"/>
+              <a:headEnd/>
+              <a:tailEnd/>
+            </a:ln>
+          </p:spPr>
+          <p:txBody>
+            <a:bodyPr>
+              <a:spAutoFit/>
+            </a:bodyPr>
+            <a:lstStyle/>
+            <a:p>
+              <a:r>
+                <a:rPr lang="en-US" altLang="zh-CN" sz="2800" b="1">
+                  <a:latin typeface="Times New Roman" pitchFamily="18" charset="0"/>
+                  <a:cs typeface="Times New Roman" pitchFamily="18" charset="0"/>
+                </a:rPr>
+                <a:t>A</a:t>
+              </a:r>
+              <a:endParaRPr lang="zh-CN" altLang="en-US" sz="2800" b="1">
                 <a:latin typeface="Times New Roman" pitchFamily="18" charset="0"/>
                 <a:cs typeface="Times New Roman" pitchFamily="18" charset="0"/>
-              </a:rPr>
-              <a:t>A</a:t>
-            </a:r>
-            <a:endParaRPr lang="zh-CN" altLang="en-US" sz="2800" b="1">
-              <a:latin typeface="Times New Roman" pitchFamily="18" charset="0"/>
-              <a:cs typeface="Times New Roman" pitchFamily="18" charset="0"/>
-            </a:endParaRPr>
-          </a:p>
-        </p:txBody>
-      </p:sp>
-      <p:sp>
-        <p:nvSpPr>
-          <p:cNvPr id="160791" name="TextBox 29"/>
-          <p:cNvSpPr txBox="1">
-            <a:spLocks noChangeArrowheads="1"/>
-          </p:cNvSpPr>
-          <p:nvPr/>
-        </p:nvSpPr>
-        <p:spPr bwMode="auto">
-          <a:xfrm>
-            <a:off x="5572125" y="2857500"/>
-            <a:ext cx="428625" cy="523875"/>
-          </a:xfrm>
-          <a:prstGeom prst="rect">
-            <a:avLst/>
-          </a:prstGeom>
-          <a:noFill/>
-          <a:ln w="9525">
+              </a:endParaRPr>
+            </a:p>
+          </p:txBody>
+        </p:sp>
+        <p:sp>
+          <p:nvSpPr>
+            <p:cNvPr id="160791" name="TextBox 29"/>
+            <p:cNvSpPr txBox="1">
+              <a:spLocks noChangeArrowheads="1"/>
+            </p:cNvSpPr>
+            <p:nvPr/>
+          </p:nvSpPr>
+          <p:spPr bwMode="auto">
+            <a:xfrm>
+              <a:off x="5572125" y="2857500"/>
+              <a:ext cx="428625" cy="523875"/>
+            </a:xfrm>
+            <a:prstGeom prst="rect">
+              <a:avLst/>
+            </a:prstGeom>
             <a:noFill/>
-            <a:miter lim="800000"/>
-            <a:headEnd/>
-            <a:tailEnd/>
-          </a:ln>
-        </p:spPr>
-        <p:txBody>
-          <a:bodyPr>
-            <a:spAutoFit/>
-          </a:bodyPr>
-          <a:lstStyle/>
-          <a:p>
-            <a:r>
-              <a:rPr lang="en-US" altLang="zh-CN" sz="2800" b="1">
+            <a:ln w="9525">
+              <a:noFill/>
+              <a:miter lim="800000"/>
+              <a:headEnd/>
+              <a:tailEnd/>
+            </a:ln>
+          </p:spPr>
+          <p:txBody>
+            <a:bodyPr>
+              <a:spAutoFit/>
+            </a:bodyPr>
+            <a:lstStyle/>
+            <a:p>
+              <a:r>
+                <a:rPr lang="en-US" altLang="zh-CN" sz="2800" b="1">
+                  <a:latin typeface="Times New Roman" pitchFamily="18" charset="0"/>
+                  <a:cs typeface="Times New Roman" pitchFamily="18" charset="0"/>
+                </a:rPr>
+                <a:t>B</a:t>
+              </a:r>
+              <a:endParaRPr lang="zh-CN" altLang="en-US" sz="2800" b="1">
                 <a:latin typeface="Times New Roman" pitchFamily="18" charset="0"/>
                 <a:cs typeface="Times New Roman" pitchFamily="18" charset="0"/>
-              </a:rPr>
-              <a:t>B</a:t>
-            </a:r>
-            <a:endParaRPr lang="zh-CN" altLang="en-US" sz="2800" b="1">
-              <a:latin typeface="Times New Roman" pitchFamily="18" charset="0"/>
-              <a:cs typeface="Times New Roman" pitchFamily="18" charset="0"/>
-            </a:endParaRPr>
-          </a:p>
-        </p:txBody>
-      </p:sp>
+              </a:endParaRPr>
+            </a:p>
+          </p:txBody>
+        </p:sp>
+      </p:grpSp>
     </p:spTree>
   </p:cSld>
   <p:clrMapOvr>
@@ -23943,7 +23964,7 @@
           <a:graphicData uri="http://schemas.openxmlformats.org/presentationml/2006/ole">
             <mc:AlternateContent xmlns:mc="http://schemas.openxmlformats.org/markup-compatibility/2006">
               <mc:Choice xmlns:v="urn:schemas-microsoft-com:vml" Requires="v">
-                <p:oleObj spid="_x0000_s159805" name="Equation" r:id="rId4" imgW="1167893" imgH="495085" progId="Equation.DSMT4">
+                <p:oleObj spid="_x0000_s159830" name="Equation" r:id="rId4" imgW="1167893" imgH="495085" progId="Equation.DSMT4">
                   <p:embed/>
                 </p:oleObj>
               </mc:Choice>
@@ -24036,7 +24057,7 @@
           <a:graphicData uri="http://schemas.openxmlformats.org/presentationml/2006/ole">
             <mc:AlternateContent xmlns:mc="http://schemas.openxmlformats.org/markup-compatibility/2006">
               <mc:Choice xmlns:v="urn:schemas-microsoft-com:vml" Requires="v">
-                <p:oleObj spid="_x0000_s159806" name="Equation" r:id="rId6" imgW="1485900" imgH="431800" progId="Equation.DSMT4">
+                <p:oleObj spid="_x0000_s159831" name="Equation" r:id="rId6" imgW="1485900" imgH="431800" progId="Equation.DSMT4">
                   <p:embed/>
                 </p:oleObj>
               </mc:Choice>
@@ -24129,7 +24150,7 @@
           <a:graphicData uri="http://schemas.openxmlformats.org/presentationml/2006/ole">
             <mc:AlternateContent xmlns:mc="http://schemas.openxmlformats.org/markup-compatibility/2006">
               <mc:Choice xmlns:v="urn:schemas-microsoft-com:vml" Requires="v">
-                <p:oleObj spid="_x0000_s159807" name="Equation" r:id="rId8" imgW="1409088" imgH="482391" progId="Equation.DSMT4">
+                <p:oleObj spid="_x0000_s159832" name="Equation" r:id="rId8" imgW="1409088" imgH="482391" progId="Equation.DSMT4">
                   <p:embed/>
                 </p:oleObj>
               </mc:Choice>
@@ -24222,7 +24243,7 @@
           <a:graphicData uri="http://schemas.openxmlformats.org/presentationml/2006/ole">
             <mc:AlternateContent xmlns:mc="http://schemas.openxmlformats.org/markup-compatibility/2006">
               <mc:Choice xmlns:v="urn:schemas-microsoft-com:vml" Requires="v">
-                <p:oleObj spid="_x0000_s159808" name="Equation" r:id="rId10" imgW="1459866" imgH="482391" progId="Equation.DSMT4">
+                <p:oleObj spid="_x0000_s159833" name="Equation" r:id="rId10" imgW="1459866" imgH="482391" progId="Equation.DSMT4">
                   <p:embed/>
                 </p:oleObj>
               </mc:Choice>
@@ -24315,7 +24336,7 @@
           <a:graphicData uri="http://schemas.openxmlformats.org/presentationml/2006/ole">
             <mc:AlternateContent xmlns:mc="http://schemas.openxmlformats.org/markup-compatibility/2006">
               <mc:Choice xmlns:v="urn:schemas-microsoft-com:vml" Requires="v">
-                <p:oleObj spid="_x0000_s159809" name="Equation" r:id="rId12" imgW="6731000" imgH="914400" progId="Equation.DSMT4">
+                <p:oleObj spid="_x0000_s159834" name="Equation" r:id="rId12" imgW="6731000" imgH="914400" progId="Equation.DSMT4">
                   <p:embed/>
                 </p:oleObj>
               </mc:Choice>
@@ -24523,7 +24544,7 @@
           <a:graphicData uri="http://schemas.openxmlformats.org/presentationml/2006/ole">
             <mc:AlternateContent xmlns:mc="http://schemas.openxmlformats.org/markup-compatibility/2006">
               <mc:Choice xmlns:v="urn:schemas-microsoft-com:vml" Requires="v">
-                <p:oleObj spid="_x0000_s162929" name="Equation" r:id="rId3" imgW="1943100" imgH="469900" progId="Equation.DSMT4">
+                <p:oleObj spid="_x0000_s162961" name="Equation" r:id="rId3" imgW="1943100" imgH="469900" progId="Equation.DSMT4">
                   <p:embed/>
                 </p:oleObj>
               </mc:Choice>
@@ -24751,7 +24772,7 @@
           <a:graphicData uri="http://schemas.openxmlformats.org/presentationml/2006/ole">
             <mc:AlternateContent xmlns:mc="http://schemas.openxmlformats.org/markup-compatibility/2006">
               <mc:Choice xmlns:v="urn:schemas-microsoft-com:vml" Requires="v">
-                <p:oleObj spid="_x0000_s162930" name="Equation" r:id="rId5" imgW="164957" imgH="190335" progId="Equation.DSMT4">
+                <p:oleObj spid="_x0000_s162962" name="Equation" r:id="rId5" imgW="164957" imgH="190335" progId="Equation.DSMT4">
                   <p:embed/>
                 </p:oleObj>
               </mc:Choice>
@@ -24844,7 +24865,7 @@
           <a:graphicData uri="http://schemas.openxmlformats.org/presentationml/2006/ole">
             <mc:AlternateContent xmlns:mc="http://schemas.openxmlformats.org/markup-compatibility/2006">
               <mc:Choice xmlns:v="urn:schemas-microsoft-com:vml" Requires="v">
-                <p:oleObj spid="_x0000_s162931" name="Equation" r:id="rId7" imgW="723586" imgH="431613" progId="Equation.DSMT4">
+                <p:oleObj spid="_x0000_s162963" name="Equation" r:id="rId7" imgW="723586" imgH="431613" progId="Equation.DSMT4">
                   <p:embed/>
                 </p:oleObj>
               </mc:Choice>
@@ -24937,7 +24958,7 @@
           <a:graphicData uri="http://schemas.openxmlformats.org/presentationml/2006/ole">
             <mc:AlternateContent xmlns:mc="http://schemas.openxmlformats.org/markup-compatibility/2006">
               <mc:Choice xmlns:v="urn:schemas-microsoft-com:vml" Requires="v">
-                <p:oleObj spid="_x0000_s162932" name="Equation" r:id="rId9" imgW="253890" imgH="393529" progId="Equation.DSMT4">
+                <p:oleObj spid="_x0000_s162964" name="Equation" r:id="rId9" imgW="253890" imgH="393529" progId="Equation.DSMT4">
                   <p:embed/>
                 </p:oleObj>
               </mc:Choice>
@@ -25030,7 +25051,7 @@
           <a:graphicData uri="http://schemas.openxmlformats.org/presentationml/2006/ole">
             <mc:AlternateContent xmlns:mc="http://schemas.openxmlformats.org/markup-compatibility/2006">
               <mc:Choice xmlns:v="urn:schemas-microsoft-com:vml" Requires="v">
-                <p:oleObj spid="_x0000_s162933" name="Equation" r:id="rId11" imgW="164957" imgH="190335" progId="Equation.DSMT4">
+                <p:oleObj spid="_x0000_s162965" name="Equation" r:id="rId11" imgW="164957" imgH="190335" progId="Equation.DSMT4">
                   <p:embed/>
                 </p:oleObj>
               </mc:Choice>
@@ -25123,7 +25144,7 @@
           <a:graphicData uri="http://schemas.openxmlformats.org/presentationml/2006/ole">
             <mc:AlternateContent xmlns:mc="http://schemas.openxmlformats.org/markup-compatibility/2006">
               <mc:Choice xmlns:v="urn:schemas-microsoft-com:vml" Requires="v">
-                <p:oleObj spid="_x0000_s162934" name="Equation" r:id="rId13" imgW="177646" imgH="190335" progId="Equation.DSMT4">
+                <p:oleObj spid="_x0000_s162966" name="Equation" r:id="rId13" imgW="177646" imgH="190335" progId="Equation.DSMT4">
                   <p:embed/>
                 </p:oleObj>
               </mc:Choice>
@@ -25216,7 +25237,7 @@
           <a:graphicData uri="http://schemas.openxmlformats.org/presentationml/2006/ole">
             <mc:AlternateContent xmlns:mc="http://schemas.openxmlformats.org/markup-compatibility/2006">
               <mc:Choice xmlns:v="urn:schemas-microsoft-com:vml" Requires="v">
-                <p:oleObj spid="_x0000_s162935" name="Equation" r:id="rId15" imgW="215806" imgH="228501" progId="Equation.DSMT4">
+                <p:oleObj spid="_x0000_s162967" name="Equation" r:id="rId15" imgW="215806" imgH="228501" progId="Equation.DSMT4">
                   <p:embed/>
                 </p:oleObj>
               </mc:Choice>
@@ -25309,7 +25330,7 @@
           <a:graphicData uri="http://schemas.openxmlformats.org/presentationml/2006/ole">
             <mc:AlternateContent xmlns:mc="http://schemas.openxmlformats.org/markup-compatibility/2006">
               <mc:Choice xmlns:v="urn:schemas-microsoft-com:vml" Requires="v">
-                <p:oleObj spid="_x0000_s162936" name="Equation" r:id="rId17" imgW="215806" imgH="228501" progId="Equation.DSMT4">
+                <p:oleObj spid="_x0000_s162968" name="Equation" r:id="rId17" imgW="215806" imgH="228501" progId="Equation.DSMT4">
                   <p:embed/>
                 </p:oleObj>
               </mc:Choice>
@@ -25623,7 +25644,7 @@
           <a:graphicData uri="http://schemas.openxmlformats.org/presentationml/2006/ole">
             <mc:AlternateContent xmlns:mc="http://schemas.openxmlformats.org/markup-compatibility/2006">
               <mc:Choice xmlns:v="urn:schemas-microsoft-com:vml" Requires="v">
-                <p:oleObj spid="_x0000_s158793" name="Equation" r:id="rId4" imgW="685800" imgH="254000" progId="Equation.DSMT4">
+                <p:oleObj spid="_x0000_s158829" name="Equation" r:id="rId4" imgW="685800" imgH="254000" progId="Equation.DSMT4">
                   <p:embed/>
                 </p:oleObj>
               </mc:Choice>
@@ -25716,7 +25737,7 @@
           <a:graphicData uri="http://schemas.openxmlformats.org/presentationml/2006/ole">
             <mc:AlternateContent xmlns:mc="http://schemas.openxmlformats.org/markup-compatibility/2006">
               <mc:Choice xmlns:v="urn:schemas-microsoft-com:vml" Requires="v">
-                <p:oleObj spid="_x0000_s158794" name="Equation" r:id="rId6" imgW="3632200" imgH="685800" progId="Equation.DSMT4">
+                <p:oleObj spid="_x0000_s158830" name="Equation" r:id="rId6" imgW="3632200" imgH="685800" progId="Equation.DSMT4">
                   <p:embed/>
                 </p:oleObj>
               </mc:Choice>
@@ -25809,7 +25830,7 @@
           <a:graphicData uri="http://schemas.openxmlformats.org/presentationml/2006/ole">
             <mc:AlternateContent xmlns:mc="http://schemas.openxmlformats.org/markup-compatibility/2006">
               <mc:Choice xmlns:v="urn:schemas-microsoft-com:vml" Requires="v">
-                <p:oleObj spid="_x0000_s158795" name="Equation" r:id="rId8" imgW="634725" imgH="228501" progId="Equation.DSMT4">
+                <p:oleObj spid="_x0000_s158831" name="Equation" r:id="rId8" imgW="634725" imgH="228501" progId="Equation.DSMT4">
                   <p:embed/>
                 </p:oleObj>
               </mc:Choice>
@@ -25902,7 +25923,7 @@
           <a:graphicData uri="http://schemas.openxmlformats.org/presentationml/2006/ole">
             <mc:AlternateContent xmlns:mc="http://schemas.openxmlformats.org/markup-compatibility/2006">
               <mc:Choice xmlns:v="urn:schemas-microsoft-com:vml" Requires="v">
-                <p:oleObj spid="_x0000_s158796" name="Equation" r:id="rId10" imgW="977476" imgH="444307" progId="Equation.DSMT4">
+                <p:oleObj spid="_x0000_s158832" name="Equation" r:id="rId10" imgW="977476" imgH="444307" progId="Equation.DSMT4">
                   <p:embed/>
                 </p:oleObj>
               </mc:Choice>
@@ -25995,7 +26016,7 @@
           <a:graphicData uri="http://schemas.openxmlformats.org/presentationml/2006/ole">
             <mc:AlternateContent xmlns:mc="http://schemas.openxmlformats.org/markup-compatibility/2006">
               <mc:Choice xmlns:v="urn:schemas-microsoft-com:vml" Requires="v">
-                <p:oleObj spid="_x0000_s158797" name="Equation" r:id="rId12" imgW="1562100" imgH="457200" progId="Equation.DSMT4">
+                <p:oleObj spid="_x0000_s158833" name="Equation" r:id="rId12" imgW="1562100" imgH="457200" progId="Equation.DSMT4">
                   <p:embed/>
                 </p:oleObj>
               </mc:Choice>
@@ -26125,7 +26146,7 @@
           <a:graphicData uri="http://schemas.openxmlformats.org/presentationml/2006/ole">
             <mc:AlternateContent xmlns:mc="http://schemas.openxmlformats.org/markup-compatibility/2006">
               <mc:Choice xmlns:v="urn:schemas-microsoft-com:vml" Requires="v">
-                <p:oleObj spid="_x0000_s158798" name="Equation" r:id="rId14" imgW="2844800" imgH="254000" progId="Equation.DSMT4">
+                <p:oleObj spid="_x0000_s158834" name="Equation" r:id="rId14" imgW="2844800" imgH="254000" progId="Equation.DSMT4">
                   <p:embed/>
                 </p:oleObj>
               </mc:Choice>
@@ -26289,129 +26310,129 @@
           <a:lstStyle/>
           <a:p>
             <a:r>
-              <a:rPr lang="zh-CN" altLang="en-US"/>
+              <a:rPr lang="zh-CN" altLang="en-US" dirty="0"/>
               <a:t>讨论：</a:t>
             </a:r>
-            <a:endParaRPr lang="en-US" altLang="zh-CN"/>
-          </a:p>
-          <a:p>
-            <a:endParaRPr lang="en-US" altLang="zh-CN"/>
-          </a:p>
-          <a:p>
-            <a:r>
-              <a:rPr lang="zh-CN" altLang="en-US"/>
+            <a:endParaRPr lang="en-US" altLang="zh-CN" dirty="0"/>
+          </a:p>
+          <a:p>
+            <a:endParaRPr lang="en-US" altLang="zh-CN" dirty="0"/>
+          </a:p>
+          <a:p>
+            <a:r>
+              <a:rPr lang="zh-CN" altLang="en-US" dirty="0"/>
               <a:t>（</a:t>
             </a:r>
             <a:r>
-              <a:rPr lang="en-US" altLang="zh-CN"/>
+              <a:rPr lang="en-US" altLang="zh-CN" dirty="0"/>
               <a:t>1</a:t>
             </a:r>
             <a:r>
-              <a:rPr lang="zh-CN" altLang="en-US"/>
+              <a:rPr lang="zh-CN" altLang="en-US" dirty="0"/>
               <a:t>）低频区</a:t>
             </a:r>
-            <a:endParaRPr lang="en-US" altLang="zh-CN"/>
-          </a:p>
-          <a:p>
-            <a:endParaRPr lang="en-US" altLang="zh-CN"/>
-          </a:p>
-          <a:p>
-            <a:r>
-              <a:rPr lang="zh-CN" altLang="en-US"/>
+            <a:endParaRPr lang="en-US" altLang="zh-CN" dirty="0"/>
+          </a:p>
+          <a:p>
+            <a:endParaRPr lang="en-US" altLang="zh-CN" dirty="0"/>
+          </a:p>
+          <a:p>
+            <a:r>
+              <a:rPr lang="zh-CN" altLang="en-US" dirty="0"/>
               <a:t>                    ，               ，式子就简化为</a:t>
             </a:r>
-            <a:endParaRPr lang="en-US" altLang="zh-CN"/>
-          </a:p>
-          <a:p>
-            <a:endParaRPr lang="en-US" altLang="zh-CN"/>
-          </a:p>
-          <a:p>
-            <a:r>
-              <a:rPr lang="zh-CN" altLang="en-US"/>
+            <a:endParaRPr lang="en-US" altLang="zh-CN" dirty="0"/>
+          </a:p>
+          <a:p>
+            <a:endParaRPr lang="en-US" altLang="zh-CN" dirty="0"/>
+          </a:p>
+          <a:p>
+            <a:r>
+              <a:rPr lang="zh-CN" altLang="en-US" dirty="0"/>
               <a:t>由图可以直接得出</a:t>
             </a:r>
             <a:r>
-              <a:rPr lang="en-US" altLang="zh-CN"/>
+              <a:rPr lang="en-US" altLang="zh-CN" dirty="0"/>
               <a:t>                </a:t>
             </a:r>
             <a:r>
-              <a:rPr lang="zh-CN" altLang="en-US"/>
+              <a:rPr lang="zh-CN" altLang="en-US" dirty="0"/>
               <a:t>。</a:t>
             </a:r>
             <a:r>
-              <a:rPr lang="en-US" altLang="zh-CN"/>
+              <a:rPr lang="en-US" altLang="zh-CN" dirty="0"/>
               <a:t>         </a:t>
             </a:r>
           </a:p>
           <a:p>
-            <a:endParaRPr lang="en-US" altLang="zh-CN"/>
-          </a:p>
-          <a:p>
-            <a:r>
-              <a:rPr lang="zh-CN" altLang="en-US"/>
+            <a:endParaRPr lang="en-US" altLang="zh-CN" dirty="0"/>
+          </a:p>
+          <a:p>
+            <a:r>
+              <a:rPr lang="zh-CN" altLang="en-US" dirty="0"/>
               <a:t>（</a:t>
             </a:r>
             <a:r>
-              <a:rPr lang="en-US" altLang="zh-CN"/>
+              <a:rPr lang="en-US" altLang="zh-CN" dirty="0"/>
               <a:t>2</a:t>
             </a:r>
             <a:r>
-              <a:rPr lang="zh-CN" altLang="en-US"/>
+              <a:rPr lang="zh-CN" altLang="en-US" dirty="0"/>
               <a:t>）高频区</a:t>
             </a:r>
-            <a:endParaRPr lang="en-US" altLang="zh-CN"/>
-          </a:p>
-          <a:p>
-            <a:endParaRPr lang="en-US" altLang="zh-CN"/>
-          </a:p>
-          <a:p>
-            <a:r>
-              <a:rPr lang="en-US" altLang="zh-CN"/>
+            <a:endParaRPr lang="en-US" altLang="zh-CN" dirty="0"/>
+          </a:p>
+          <a:p>
+            <a:endParaRPr lang="en-US" altLang="zh-CN" dirty="0"/>
+          </a:p>
+          <a:p>
+            <a:r>
+              <a:rPr lang="en-US" altLang="zh-CN" dirty="0"/>
               <a:t>                    </a:t>
             </a:r>
             <a:r>
-              <a:rPr lang="zh-CN" altLang="en-US"/>
+              <a:rPr lang="zh-CN" altLang="en-US" dirty="0"/>
               <a:t>，               则</a:t>
             </a:r>
-            <a:endParaRPr lang="en-US" altLang="zh-CN"/>
-          </a:p>
-          <a:p>
-            <a:endParaRPr lang="en-US" altLang="zh-CN"/>
-          </a:p>
-          <a:p>
-            <a:r>
-              <a:rPr lang="zh-CN" altLang="en-US"/>
+            <a:endParaRPr lang="en-US" altLang="zh-CN" dirty="0"/>
+          </a:p>
+          <a:p>
+            <a:endParaRPr lang="en-US" altLang="zh-CN" dirty="0"/>
+          </a:p>
+          <a:p>
+            <a:r>
+              <a:rPr lang="zh-CN" altLang="en-US" dirty="0"/>
               <a:t>   </a:t>
             </a:r>
-            <a:endParaRPr lang="en-US" altLang="zh-CN"/>
-          </a:p>
-          <a:p>
-            <a:endParaRPr lang="en-US" altLang="zh-CN"/>
-          </a:p>
-          <a:p>
-            <a:endParaRPr lang="en-US" altLang="zh-CN"/>
-          </a:p>
-          <a:p>
-            <a:r>
-              <a:rPr lang="zh-CN" altLang="en-US"/>
+            <a:endParaRPr lang="en-US" altLang="zh-CN" dirty="0"/>
+          </a:p>
+          <a:p>
+            <a:endParaRPr lang="en-US" altLang="zh-CN" dirty="0"/>
+          </a:p>
+          <a:p>
+            <a:endParaRPr lang="en-US" altLang="zh-CN" dirty="0"/>
+          </a:p>
+          <a:p>
+            <a:r>
+              <a:rPr lang="zh-CN" altLang="en-US" dirty="0"/>
               <a:t>式子变为：</a:t>
             </a:r>
-            <a:endParaRPr lang="en-US" altLang="zh-CN"/>
-          </a:p>
-          <a:p>
-            <a:endParaRPr lang="en-US" altLang="zh-CN"/>
-          </a:p>
-          <a:p>
-            <a:r>
-              <a:rPr lang="zh-CN" altLang="en-US"/>
+            <a:endParaRPr lang="en-US" altLang="zh-CN" dirty="0"/>
+          </a:p>
+          <a:p>
+            <a:endParaRPr lang="en-US" altLang="zh-CN" dirty="0"/>
+          </a:p>
+          <a:p>
+            <a:r>
+              <a:rPr lang="zh-CN" altLang="en-US" dirty="0"/>
               <a:t>由此可见，可从高频条件下的</a:t>
             </a:r>
             <a:r>
-              <a:rPr lang="en-US" altLang="zh-CN"/>
+              <a:rPr lang="en-US" altLang="zh-CN" dirty="0"/>
               <a:t>Bode</a:t>
             </a:r>
             <a:r>
-              <a:rPr lang="zh-CN" altLang="en-US"/>
+              <a:rPr lang="zh-CN" altLang="en-US" dirty="0"/>
               <a:t>图求得溶液电阻。</a:t>
             </a:r>
           </a:p>
@@ -26433,7 +26454,7 @@
           <a:graphicData uri="http://schemas.openxmlformats.org/presentationml/2006/ole">
             <mc:AlternateContent xmlns:mc="http://schemas.openxmlformats.org/markup-compatibility/2006">
               <mc:Choice xmlns:v="urn:schemas-microsoft-com:vml" Requires="v">
-                <p:oleObj spid="_x0000_s164974" name="Equation" r:id="rId3" imgW="520700" imgH="228600" progId="Equation.DSMT4">
+                <p:oleObj spid="_x0000_s165010" name="Equation" r:id="rId3" imgW="520700" imgH="228600" progId="Equation.DSMT4">
                   <p:embed/>
                 </p:oleObj>
               </mc:Choice>
@@ -26526,7 +26547,7 @@
           <a:graphicData uri="http://schemas.openxmlformats.org/presentationml/2006/ole">
             <mc:AlternateContent xmlns:mc="http://schemas.openxmlformats.org/markup-compatibility/2006">
               <mc:Choice xmlns:v="urn:schemas-microsoft-com:vml" Requires="v">
-                <p:oleObj spid="_x0000_s164975" name="Equation" r:id="rId5" imgW="533169" imgH="228501" progId="Equation.DSMT4">
+                <p:oleObj spid="_x0000_s165011" name="Equation" r:id="rId5" imgW="533169" imgH="228501" progId="Equation.DSMT4">
                   <p:embed/>
                 </p:oleObj>
               </mc:Choice>
@@ -26619,7 +26640,7 @@
           <a:graphicData uri="http://schemas.openxmlformats.org/presentationml/2006/ole">
             <mc:AlternateContent xmlns:mc="http://schemas.openxmlformats.org/markup-compatibility/2006">
               <mc:Choice xmlns:v="urn:schemas-microsoft-com:vml" Requires="v">
-                <p:oleObj spid="_x0000_s164976" name="Equation" r:id="rId7" imgW="1244600" imgH="254000" progId="Equation.DSMT4">
+                <p:oleObj spid="_x0000_s165012" name="Equation" r:id="rId7" imgW="1244600" imgH="254000" progId="Equation.DSMT4">
                   <p:embed/>
                 </p:oleObj>
               </mc:Choice>
@@ -26712,7 +26733,7 @@
           <a:graphicData uri="http://schemas.openxmlformats.org/presentationml/2006/ole">
             <mc:AlternateContent xmlns:mc="http://schemas.openxmlformats.org/markup-compatibility/2006">
               <mc:Choice xmlns:v="urn:schemas-microsoft-com:vml" Requires="v">
-                <p:oleObj spid="_x0000_s164977" name="Equation" r:id="rId9" imgW="545863" imgH="228501" progId="Equation.DSMT4">
+                <p:oleObj spid="_x0000_s165013" name="Equation" r:id="rId9" imgW="545863" imgH="228501" progId="Equation.DSMT4">
                   <p:embed/>
                 </p:oleObj>
               </mc:Choice>
@@ -26805,7 +26826,7 @@
           <a:graphicData uri="http://schemas.openxmlformats.org/presentationml/2006/ole">
             <mc:AlternateContent xmlns:mc="http://schemas.openxmlformats.org/markup-compatibility/2006">
               <mc:Choice xmlns:v="urn:schemas-microsoft-com:vml" Requires="v">
-                <p:oleObj spid="_x0000_s164978" name="Equation" r:id="rId11" imgW="520700" imgH="228600" progId="Equation.DSMT4">
+                <p:oleObj spid="_x0000_s165014" name="Equation" r:id="rId11" imgW="520700" imgH="228600" progId="Equation.DSMT4">
                   <p:embed/>
                 </p:oleObj>
               </mc:Choice>
@@ -26898,7 +26919,7 @@
           <a:graphicData uri="http://schemas.openxmlformats.org/presentationml/2006/ole">
             <mc:AlternateContent xmlns:mc="http://schemas.openxmlformats.org/markup-compatibility/2006">
               <mc:Choice xmlns:v="urn:schemas-microsoft-com:vml" Requires="v">
-                <p:oleObj spid="_x0000_s164979" name="Equation" r:id="rId13" imgW="533169" imgH="228501" progId="Equation.DSMT4">
+                <p:oleObj spid="_x0000_s165015" name="Equation" r:id="rId13" imgW="533169" imgH="228501" progId="Equation.DSMT4">
                   <p:embed/>
                 </p:oleObj>
               </mc:Choice>
@@ -26991,7 +27012,7 @@
           <a:graphicData uri="http://schemas.openxmlformats.org/presentationml/2006/ole">
             <mc:AlternateContent xmlns:mc="http://schemas.openxmlformats.org/markup-compatibility/2006">
               <mc:Choice xmlns:v="urn:schemas-microsoft-com:vml" Requires="v">
-                <p:oleObj spid="_x0000_s164980" name="Equation" r:id="rId15" imgW="1993900" imgH="330200" progId="Equation.DSMT4">
+                <p:oleObj spid="_x0000_s165016" name="Equation" r:id="rId15" imgW="1993900" imgH="330200" progId="Equation.DSMT4">
                   <p:embed/>
                 </p:oleObj>
               </mc:Choice>
@@ -27084,7 +27105,7 @@
           <a:graphicData uri="http://schemas.openxmlformats.org/presentationml/2006/ole">
             <mc:AlternateContent xmlns:mc="http://schemas.openxmlformats.org/markup-compatibility/2006">
               <mc:Choice xmlns:v="urn:schemas-microsoft-com:vml" Requires="v">
-                <p:oleObj spid="_x0000_s164981" name="Equation" r:id="rId17" imgW="1943100" imgH="330200" progId="Equation.DSMT4">
+                <p:oleObj spid="_x0000_s165017" name="Equation" r:id="rId17" imgW="1943100" imgH="330200" progId="Equation.DSMT4">
                   <p:embed/>
                 </p:oleObj>
               </mc:Choice>
@@ -27177,7 +27198,7 @@
           <a:graphicData uri="http://schemas.openxmlformats.org/presentationml/2006/ole">
             <mc:AlternateContent xmlns:mc="http://schemas.openxmlformats.org/markup-compatibility/2006">
               <mc:Choice xmlns:v="urn:schemas-microsoft-com:vml" Requires="v">
-                <p:oleObj spid="_x0000_s164982" name="Equation" r:id="rId19" imgW="6591300" imgH="254000" progId="Equation.DSMT4">
+                <p:oleObj spid="_x0000_s165018" name="Equation" r:id="rId19" imgW="6591300" imgH="254000" progId="Equation.DSMT4">
                   <p:embed/>
                 </p:oleObj>
               </mc:Choice>
@@ -27372,7 +27393,7 @@
           <a:graphicData uri="http://schemas.openxmlformats.org/presentationml/2006/ole">
             <mc:AlternateContent xmlns:mc="http://schemas.openxmlformats.org/markup-compatibility/2006">
               <mc:Choice xmlns:v="urn:schemas-microsoft-com:vml" Requires="v">
-                <p:oleObj spid="_x0000_s180322" name="Equation" r:id="rId3" imgW="406048" imgH="203024" progId="Equation.DSMT4">
+                <p:oleObj spid="_x0000_s180362" name="Equation" r:id="rId3" imgW="406048" imgH="203024" progId="Equation.DSMT4">
                   <p:embed/>
                 </p:oleObj>
               </mc:Choice>
@@ -27465,7 +27486,7 @@
           <a:graphicData uri="http://schemas.openxmlformats.org/presentationml/2006/ole">
             <mc:AlternateContent xmlns:mc="http://schemas.openxmlformats.org/markup-compatibility/2006">
               <mc:Choice xmlns:v="urn:schemas-microsoft-com:vml" Requires="v">
-                <p:oleObj spid="_x0000_s180323" name="Equation" r:id="rId5" imgW="1993900" imgH="914400" progId="Equation.DSMT4">
+                <p:oleObj spid="_x0000_s180363" name="Equation" r:id="rId5" imgW="1993900" imgH="914400" progId="Equation.DSMT4">
                   <p:embed/>
                 </p:oleObj>
               </mc:Choice>
@@ -27595,7 +27616,7 @@
           <a:graphicData uri="http://schemas.openxmlformats.org/presentationml/2006/ole">
             <mc:AlternateContent xmlns:mc="http://schemas.openxmlformats.org/markup-compatibility/2006">
               <mc:Choice xmlns:v="urn:schemas-microsoft-com:vml" Requires="v">
-                <p:oleObj spid="_x0000_s180324" name="Equation" r:id="rId7" imgW="2171700" imgH="495300" progId="Equation.DSMT4">
+                <p:oleObj spid="_x0000_s180364" name="Equation" r:id="rId7" imgW="2171700" imgH="495300" progId="Equation.DSMT4">
                   <p:embed/>
                 </p:oleObj>
               </mc:Choice>
@@ -27682,8 +27703,8 @@
         </p:nvSpPr>
         <p:spPr bwMode="auto">
           <a:xfrm>
-            <a:off x="571500" y="3214688"/>
-            <a:ext cx="2143125" cy="369887"/>
+            <a:off x="571501" y="3214688"/>
+            <a:ext cx="832148" cy="369887"/>
           </a:xfrm>
           <a:prstGeom prst="rect">
             <a:avLst/>
@@ -27697,7 +27718,7 @@
           </a:ln>
         </p:spPr>
         <p:txBody>
-          <a:bodyPr>
+          <a:bodyPr wrap="square">
             <a:spAutoFit/>
           </a:bodyPr>
           <a:lstStyle/>
@@ -27719,8 +27740,8 @@
         </p:nvSpPr>
         <p:spPr bwMode="auto">
           <a:xfrm>
-            <a:off x="642938" y="3786188"/>
-            <a:ext cx="2357437" cy="369887"/>
+            <a:off x="642939" y="3786188"/>
+            <a:ext cx="1480789" cy="369887"/>
           </a:xfrm>
           <a:prstGeom prst="rect">
             <a:avLst/>
@@ -27734,22 +27755,22 @@
           </a:ln>
         </p:spPr>
         <p:txBody>
-          <a:bodyPr>
+          <a:bodyPr wrap="square">
             <a:spAutoFit/>
           </a:bodyPr>
           <a:lstStyle/>
           <a:p>
             <a:r>
-              <a:rPr lang="zh-CN" altLang="en-US"/>
+              <a:rPr lang="zh-CN" altLang="en-US" dirty="0"/>
               <a:t>（</a:t>
             </a:r>
             <a:r>
-              <a:rPr lang="en-US" altLang="zh-CN"/>
+              <a:rPr lang="en-US" altLang="zh-CN" dirty="0"/>
               <a:t>1</a:t>
             </a:r>
             <a:r>
-              <a:rPr lang="zh-CN" altLang="en-US"/>
-              <a:t>）低频区。</a:t>
+              <a:rPr lang="zh-CN" altLang="en-US" dirty="0"/>
+              <a:t>）低频区</a:t>
             </a:r>
           </a:p>
         </p:txBody>
@@ -27770,7 +27791,7 @@
           <a:graphicData uri="http://schemas.openxmlformats.org/presentationml/2006/ole">
             <mc:AlternateContent xmlns:mc="http://schemas.openxmlformats.org/markup-compatibility/2006">
               <mc:Choice xmlns:v="urn:schemas-microsoft-com:vml" Requires="v">
-                <p:oleObj spid="_x0000_s180325" name="Equation" r:id="rId9" imgW="1790700" imgH="292100" progId="Equation.DSMT4">
+                <p:oleObj spid="_x0000_s180365" name="Equation" r:id="rId9" imgW="1790700" imgH="292100" progId="Equation.DSMT4">
                   <p:embed/>
                 </p:oleObj>
               </mc:Choice>
@@ -27878,7 +27899,7 @@
           <a:lstStyle/>
           <a:p>
             <a:r>
-              <a:rPr lang="zh-CN" altLang="en-US"/>
+              <a:rPr lang="zh-CN" altLang="en-US" dirty="0"/>
               <a:t>所以</a:t>
             </a:r>
           </a:p>
@@ -27900,7 +27921,7 @@
           <a:graphicData uri="http://schemas.openxmlformats.org/presentationml/2006/ole">
             <mc:AlternateContent xmlns:mc="http://schemas.openxmlformats.org/markup-compatibility/2006">
               <mc:Choice xmlns:v="urn:schemas-microsoft-com:vml" Requires="v">
-                <p:oleObj spid="_x0000_s180326" name="Equation" r:id="rId11" imgW="355292" imgH="203024" progId="Equation.DSMT4">
+                <p:oleObj spid="_x0000_s180366" name="Equation" r:id="rId11" imgW="355292" imgH="203024" progId="Equation.DSMT4">
                   <p:embed/>
                 </p:oleObj>
               </mc:Choice>
@@ -28038,7 +28059,7 @@
           <a:graphicData uri="http://schemas.openxmlformats.org/presentationml/2006/ole">
             <mc:AlternateContent xmlns:mc="http://schemas.openxmlformats.org/markup-compatibility/2006">
               <mc:Choice xmlns:v="urn:schemas-microsoft-com:vml" Requires="v">
-                <p:oleObj spid="_x0000_s180327" name="Equation" r:id="rId13" imgW="2400300" imgH="469900" progId="Equation.DSMT4">
+                <p:oleObj spid="_x0000_s180367" name="Equation" r:id="rId13" imgW="2400300" imgH="469900" progId="Equation.DSMT4">
                   <p:embed/>
                 </p:oleObj>
               </mc:Choice>
@@ -28168,7 +28189,7 @@
           <a:graphicData uri="http://schemas.openxmlformats.org/presentationml/2006/ole">
             <mc:AlternateContent xmlns:mc="http://schemas.openxmlformats.org/markup-compatibility/2006">
               <mc:Choice xmlns:v="urn:schemas-microsoft-com:vml" Requires="v">
-                <p:oleObj spid="_x0000_s180328" name="Equation" r:id="rId15" imgW="2400300" imgH="495300" progId="Equation.DSMT4">
+                <p:oleObj spid="_x0000_s180368" name="Equation" r:id="rId15" imgW="2400300" imgH="495300" progId="Equation.DSMT4">
                   <p:embed/>
                 </p:oleObj>
               </mc:Choice>
@@ -28261,7 +28282,7 @@
           <a:graphicData uri="http://schemas.openxmlformats.org/presentationml/2006/ole">
             <mc:AlternateContent xmlns:mc="http://schemas.openxmlformats.org/markup-compatibility/2006">
               <mc:Choice xmlns:v="urn:schemas-microsoft-com:vml" Requires="v">
-                <p:oleObj spid="_x0000_s180329" name="Equation" r:id="rId17" imgW="355292" imgH="203024" progId="Equation.DSMT4">
+                <p:oleObj spid="_x0000_s180369" name="Equation" r:id="rId17" imgW="355292" imgH="203024" progId="Equation.DSMT4">
                   <p:embed/>
                 </p:oleObj>
               </mc:Choice>
@@ -28552,7 +28573,7 @@
           <a:graphicData uri="http://schemas.openxmlformats.org/presentationml/2006/ole">
             <mc:AlternateContent xmlns:mc="http://schemas.openxmlformats.org/markup-compatibility/2006">
               <mc:Choice xmlns:v="urn:schemas-microsoft-com:vml" Requires="v">
-                <p:oleObj spid="_x0000_s181323" name="Equation" r:id="rId3" imgW="126835" imgH="139518" progId="Equation.DSMT4">
+                <p:oleObj spid="_x0000_s181347" name="Equation" r:id="rId3" imgW="126835" imgH="139518" progId="Equation.DSMT4">
                   <p:embed/>
                 </p:oleObj>
               </mc:Choice>
@@ -28645,7 +28666,7 @@
           <a:graphicData uri="http://schemas.openxmlformats.org/presentationml/2006/ole">
             <mc:AlternateContent xmlns:mc="http://schemas.openxmlformats.org/markup-compatibility/2006">
               <mc:Choice xmlns:v="urn:schemas-microsoft-com:vml" Requires="v">
-                <p:oleObj spid="_x0000_s181324" name="Equation" r:id="rId5" imgW="215806" imgH="228501" progId="Equation.DSMT4">
+                <p:oleObj spid="_x0000_s181348" name="Equation" r:id="rId5" imgW="215806" imgH="228501" progId="Equation.DSMT4">
                   <p:embed/>
                 </p:oleObj>
               </mc:Choice>
@@ -28738,7 +28759,7 @@
           <a:graphicData uri="http://schemas.openxmlformats.org/presentationml/2006/ole">
             <mc:AlternateContent xmlns:mc="http://schemas.openxmlformats.org/markup-compatibility/2006">
               <mc:Choice xmlns:v="urn:schemas-microsoft-com:vml" Requires="v">
-                <p:oleObj spid="_x0000_s181325" name="Equation" r:id="rId7" imgW="203112" imgH="228501" progId="Equation.DSMT4">
+                <p:oleObj spid="_x0000_s181349" name="Equation" r:id="rId7" imgW="203112" imgH="228501" progId="Equation.DSMT4">
                   <p:embed/>
                 </p:oleObj>
               </mc:Choice>
@@ -28831,7 +28852,7 @@
           <a:graphicData uri="http://schemas.openxmlformats.org/presentationml/2006/ole">
             <mc:AlternateContent xmlns:mc="http://schemas.openxmlformats.org/markup-compatibility/2006">
               <mc:Choice xmlns:v="urn:schemas-microsoft-com:vml" Requires="v">
-                <p:oleObj spid="_x0000_s181326" name="Equation" r:id="rId9" imgW="952087" imgH="393529" progId="Equation.DSMT4">
+                <p:oleObj spid="_x0000_s181350" name="Equation" r:id="rId9" imgW="952087" imgH="393529" progId="Equation.DSMT4">
                   <p:embed/>
                 </p:oleObj>
               </mc:Choice>
@@ -28980,7 +29001,7 @@
           <a:graphicData uri="http://schemas.openxmlformats.org/presentationml/2006/ole">
             <mc:AlternateContent xmlns:mc="http://schemas.openxmlformats.org/markup-compatibility/2006">
               <mc:Choice xmlns:v="urn:schemas-microsoft-com:vml" Requires="v">
-                <p:oleObj spid="_x0000_s181327" name="Equation" r:id="rId11" imgW="190417" imgH="203112" progId="Equation.DSMT4">
+                <p:oleObj spid="_x0000_s181351" name="Equation" r:id="rId11" imgW="190417" imgH="203112" progId="Equation.DSMT4">
                   <p:embed/>
                 </p:oleObj>
               </mc:Choice>
@@ -29073,7 +29094,7 @@
           <a:graphicData uri="http://schemas.openxmlformats.org/presentationml/2006/ole">
             <mc:AlternateContent xmlns:mc="http://schemas.openxmlformats.org/markup-compatibility/2006">
               <mc:Choice xmlns:v="urn:schemas-microsoft-com:vml" Requires="v">
-                <p:oleObj spid="_x0000_s181328" name="Equation" r:id="rId13" imgW="215806" imgH="228501" progId="Equation.DSMT4">
+                <p:oleObj spid="_x0000_s181352" name="Equation" r:id="rId13" imgW="215806" imgH="228501" progId="Equation.DSMT4">
                   <p:embed/>
                 </p:oleObj>
               </mc:Choice>
@@ -29262,7 +29283,7 @@
           <a:graphicData uri="http://schemas.openxmlformats.org/presentationml/2006/ole">
             <mc:AlternateContent xmlns:mc="http://schemas.openxmlformats.org/markup-compatibility/2006">
               <mc:Choice xmlns:v="urn:schemas-microsoft-com:vml" Requires="v">
-                <p:oleObj spid="_x0000_s182286" name="Equation" r:id="rId3" imgW="749300" imgH="228600" progId="Equation.DSMT4">
+                <p:oleObj spid="_x0000_s182291" name="Equation" r:id="rId3" imgW="749300" imgH="228600" progId="Equation.DSMT4">
                   <p:embed/>
                 </p:oleObj>
               </mc:Choice>
@@ -29349,7 +29370,7 @@
         </p:nvGrpSpPr>
         <p:grpSpPr bwMode="auto">
           <a:xfrm>
-            <a:off x="1143000" y="3357563"/>
+            <a:off x="1907704" y="3645024"/>
             <a:ext cx="5357813" cy="1928812"/>
             <a:chOff x="1428728" y="2714620"/>
             <a:chExt cx="5357850" cy="1928826"/>
@@ -30519,17 +30540,23 @@
           <p:cNvGraphicFramePr>
             <a:graphicFrameLocks noChangeAspect="1"/>
           </p:cNvGraphicFramePr>
-          <p:nvPr/>
+          <p:nvPr>
+            <p:extLst>
+              <p:ext uri="{D42A27DB-BD31-4B8C-83A1-F6EECF244321}">
+                <p14:modId xmlns:p14="http://schemas.microsoft.com/office/powerpoint/2010/main" val="888579285"/>
+              </p:ext>
+            </p:extLst>
+          </p:nvPr>
         </p:nvGraphicFramePr>
         <p:xfrm>
-          <a:off x="1071563" y="1785938"/>
+          <a:off x="1043608" y="1844824"/>
           <a:ext cx="6072187" cy="1458912"/>
         </p:xfrm>
         <a:graphic>
           <a:graphicData uri="http://schemas.openxmlformats.org/presentationml/2006/ole">
             <mc:AlternateContent xmlns:mc="http://schemas.openxmlformats.org/markup-compatibility/2006">
               <mc:Choice xmlns:v="urn:schemas-microsoft-com:vml" Requires="v">
-                <p:oleObj spid="_x0000_s184382" name="Equation" r:id="rId3" imgW="4279900" imgH="1028700" progId="Equation.DSMT4">
+                <p:oleObj spid="_x0000_s184407" name="Equation" r:id="rId3" imgW="4279900" imgH="1028700" progId="Equation.DSMT4">
                   <p:embed/>
                 </p:oleObj>
               </mc:Choice>
@@ -30559,7 +30586,7 @@
                     </p:blipFill>
                     <p:spPr bwMode="auto">
                       <a:xfrm>
-                        <a:off x="1071563" y="1785938"/>
+                        <a:off x="1043608" y="1844824"/>
                         <a:ext cx="6072187" cy="1458912"/>
                       </a:xfrm>
                       <a:prstGeom prst="rect">
@@ -30622,7 +30649,7 @@
           <a:graphicData uri="http://schemas.openxmlformats.org/presentationml/2006/ole">
             <mc:AlternateContent xmlns:mc="http://schemas.openxmlformats.org/markup-compatibility/2006">
               <mc:Choice xmlns:v="urn:schemas-microsoft-com:vml" Requires="v">
-                <p:oleObj spid="_x0000_s184383" name="Equation" r:id="rId5" imgW="3390900" imgH="838200" progId="Equation.DSMT4">
+                <p:oleObj spid="_x0000_s184408" name="Equation" r:id="rId5" imgW="3390900" imgH="838200" progId="Equation.DSMT4">
                   <p:embed/>
                 </p:oleObj>
               </mc:Choice>
@@ -30715,7 +30742,7 @@
           <a:graphicData uri="http://schemas.openxmlformats.org/presentationml/2006/ole">
             <mc:AlternateContent xmlns:mc="http://schemas.openxmlformats.org/markup-compatibility/2006">
               <mc:Choice xmlns:v="urn:schemas-microsoft-com:vml" Requires="v">
-                <p:oleObj spid="_x0000_s184384" name="Equation" r:id="rId7" imgW="3390900" imgH="838200" progId="Equation.DSMT4">
+                <p:oleObj spid="_x0000_s184409" name="Equation" r:id="rId7" imgW="3390900" imgH="838200" progId="Equation.DSMT4">
                   <p:embed/>
                 </p:oleObj>
               </mc:Choice>
@@ -30845,7 +30872,7 @@
           <a:graphicData uri="http://schemas.openxmlformats.org/presentationml/2006/ole">
             <mc:AlternateContent xmlns:mc="http://schemas.openxmlformats.org/markup-compatibility/2006">
               <mc:Choice xmlns:v="urn:schemas-microsoft-com:vml" Requires="v">
-                <p:oleObj spid="_x0000_s184385" name="Equation" r:id="rId8" imgW="2514600" imgH="647700" progId="Equation.DSMT4">
+                <p:oleObj spid="_x0000_s184410" name="Equation" r:id="rId8" imgW="2514600" imgH="647700" progId="Equation.DSMT4">
                   <p:embed/>
                 </p:oleObj>
               </mc:Choice>
@@ -30975,7 +31002,7 @@
           <a:graphicData uri="http://schemas.openxmlformats.org/presentationml/2006/ole">
             <mc:AlternateContent xmlns:mc="http://schemas.openxmlformats.org/markup-compatibility/2006">
               <mc:Choice xmlns:v="urn:schemas-microsoft-com:vml" Requires="v">
-                <p:oleObj spid="_x0000_s184386" name="Equation" r:id="rId10" imgW="2235200" imgH="838200" progId="Equation.DSMT4">
+                <p:oleObj spid="_x0000_s184411" name="Equation" r:id="rId10" imgW="2235200" imgH="838200" progId="Equation.DSMT4">
                   <p:embed/>
                 </p:oleObj>
               </mc:Choice>
@@ -31243,7 +31270,7 @@
           <a:graphicData uri="http://schemas.openxmlformats.org/presentationml/2006/ole">
             <mc:AlternateContent xmlns:mc="http://schemas.openxmlformats.org/markup-compatibility/2006">
               <mc:Choice xmlns:v="urn:schemas-microsoft-com:vml" Requires="v">
-                <p:oleObj spid="_x0000_s185489" name="Equation" r:id="rId3" imgW="1892300" imgH="431800" progId="Equation.DSMT4">
+                <p:oleObj spid="_x0000_s185533" name="Equation" r:id="rId3" imgW="1892300" imgH="431800" progId="Equation.DSMT4">
                   <p:embed/>
                 </p:oleObj>
               </mc:Choice>
@@ -31406,7 +31433,7 @@
           <a:graphicData uri="http://schemas.openxmlformats.org/presentationml/2006/ole">
             <mc:AlternateContent xmlns:mc="http://schemas.openxmlformats.org/markup-compatibility/2006">
               <mc:Choice xmlns:v="urn:schemas-microsoft-com:vml" Requires="v">
-                <p:oleObj spid="_x0000_s185490" name="Equation" r:id="rId5" imgW="228600" imgH="228600" progId="Equation.DSMT4">
+                <p:oleObj spid="_x0000_s185534" name="Equation" r:id="rId5" imgW="228600" imgH="228600" progId="Equation.DSMT4">
                   <p:embed/>
                 </p:oleObj>
               </mc:Choice>
@@ -31499,7 +31526,7 @@
           <a:graphicData uri="http://schemas.openxmlformats.org/presentationml/2006/ole">
             <mc:AlternateContent xmlns:mc="http://schemas.openxmlformats.org/markup-compatibility/2006">
               <mc:Choice xmlns:v="urn:schemas-microsoft-com:vml" Requires="v">
-                <p:oleObj spid="_x0000_s185491" name="Equation" r:id="rId7" imgW="406048" imgH="393359" progId="Equation.DSMT4">
+                <p:oleObj spid="_x0000_s185535" name="Equation" r:id="rId7" imgW="406048" imgH="393359" progId="Equation.DSMT4">
                   <p:embed/>
                 </p:oleObj>
               </mc:Choice>
@@ -31592,7 +31619,7 @@
           <a:graphicData uri="http://schemas.openxmlformats.org/presentationml/2006/ole">
             <mc:AlternateContent xmlns:mc="http://schemas.openxmlformats.org/markup-compatibility/2006">
               <mc:Choice xmlns:v="urn:schemas-microsoft-com:vml" Requires="v">
-                <p:oleObj spid="_x0000_s185492" name="Equation" r:id="rId9" imgW="710891" imgH="431613" progId="Equation.DSMT4">
+                <p:oleObj spid="_x0000_s185536" name="Equation" r:id="rId9" imgW="710891" imgH="431613" progId="Equation.DSMT4">
                   <p:embed/>
                 </p:oleObj>
               </mc:Choice>
@@ -31685,7 +31712,7 @@
           <a:graphicData uri="http://schemas.openxmlformats.org/presentationml/2006/ole">
             <mc:AlternateContent xmlns:mc="http://schemas.openxmlformats.org/markup-compatibility/2006">
               <mc:Choice xmlns:v="urn:schemas-microsoft-com:vml" Requires="v">
-                <p:oleObj spid="_x0000_s185493" name="Equation" r:id="rId11" imgW="228600" imgH="228600" progId="Equation.DSMT4">
+                <p:oleObj spid="_x0000_s185537" name="Equation" r:id="rId11" imgW="228600" imgH="228600" progId="Equation.DSMT4">
                   <p:embed/>
                 </p:oleObj>
               </mc:Choice>
@@ -31778,7 +31805,7 @@
           <a:graphicData uri="http://schemas.openxmlformats.org/presentationml/2006/ole">
             <mc:AlternateContent xmlns:mc="http://schemas.openxmlformats.org/markup-compatibility/2006">
               <mc:Choice xmlns:v="urn:schemas-microsoft-com:vml" Requires="v">
-                <p:oleObj spid="_x0000_s185494" name="Equation" r:id="rId13" imgW="291973" imgH="253890" progId="Equation.DSMT4">
+                <p:oleObj spid="_x0000_s185538" name="Equation" r:id="rId13" imgW="291973" imgH="253890" progId="Equation.DSMT4">
                   <p:embed/>
                 </p:oleObj>
               </mc:Choice>
@@ -31871,7 +31898,7 @@
           <a:graphicData uri="http://schemas.openxmlformats.org/presentationml/2006/ole">
             <mc:AlternateContent xmlns:mc="http://schemas.openxmlformats.org/markup-compatibility/2006">
               <mc:Choice xmlns:v="urn:schemas-microsoft-com:vml" Requires="v">
-                <p:oleObj spid="_x0000_s185495" name="Equation" r:id="rId15" imgW="2654300" imgH="482600" progId="Equation.DSMT4">
+                <p:oleObj spid="_x0000_s185539" name="Equation" r:id="rId15" imgW="2654300" imgH="482600" progId="Equation.DSMT4">
                   <p:embed/>
                 </p:oleObj>
               </mc:Choice>
@@ -31964,7 +31991,7 @@
           <a:graphicData uri="http://schemas.openxmlformats.org/presentationml/2006/ole">
             <mc:AlternateContent xmlns:mc="http://schemas.openxmlformats.org/markup-compatibility/2006">
               <mc:Choice xmlns:v="urn:schemas-microsoft-com:vml" Requires="v">
-                <p:oleObj spid="_x0000_s185496" name="Equation" r:id="rId17" imgW="1828800" imgH="457200" progId="Equation.DSMT4">
+                <p:oleObj spid="_x0000_s185540" name="Equation" r:id="rId17" imgW="1828800" imgH="457200" progId="Equation.DSMT4">
                   <p:embed/>
                 </p:oleObj>
               </mc:Choice>
@@ -32057,7 +32084,7 @@
           <a:graphicData uri="http://schemas.openxmlformats.org/presentationml/2006/ole">
             <mc:AlternateContent xmlns:mc="http://schemas.openxmlformats.org/markup-compatibility/2006">
               <mc:Choice xmlns:v="urn:schemas-microsoft-com:vml" Requires="v">
-                <p:oleObj spid="_x0000_s185497" name="Equation" r:id="rId19" imgW="2311400" imgH="482600" progId="Equation.DSMT4">
+                <p:oleObj spid="_x0000_s185541" name="Equation" r:id="rId19" imgW="2311400" imgH="482600" progId="Equation.DSMT4">
                   <p:embed/>
                 </p:oleObj>
               </mc:Choice>
@@ -32187,7 +32214,7 @@
           <a:graphicData uri="http://schemas.openxmlformats.org/presentationml/2006/ole">
             <mc:AlternateContent xmlns:mc="http://schemas.openxmlformats.org/markup-compatibility/2006">
               <mc:Choice xmlns:v="urn:schemas-microsoft-com:vml" Requires="v">
-                <p:oleObj spid="_x0000_s185498" name="Equation" r:id="rId21" imgW="1231900" imgH="457200" progId="Equation.DSMT4">
+                <p:oleObj spid="_x0000_s185542" name="Equation" r:id="rId21" imgW="1231900" imgH="457200" progId="Equation.DSMT4">
                   <p:embed/>
                 </p:oleObj>
               </mc:Choice>
@@ -32394,7 +32421,7 @@
           <a:graphicData uri="http://schemas.openxmlformats.org/presentationml/2006/ole">
             <mc:AlternateContent xmlns:mc="http://schemas.openxmlformats.org/markup-compatibility/2006">
               <mc:Choice xmlns:v="urn:schemas-microsoft-com:vml" Requires="v">
-                <p:oleObj spid="_x0000_s185499" name="Equation" r:id="rId23" imgW="152334" imgH="139639" progId="Equation.DSMT4">
+                <p:oleObj spid="_x0000_s185543" name="Equation" r:id="rId23" imgW="152334" imgH="139639" progId="Equation.DSMT4">
                   <p:embed/>
                 </p:oleObj>
               </mc:Choice>
@@ -32659,7 +32686,7 @@
           <a:graphicData uri="http://schemas.openxmlformats.org/presentationml/2006/ole">
             <mc:AlternateContent xmlns:mc="http://schemas.openxmlformats.org/markup-compatibility/2006">
               <mc:Choice xmlns:v="urn:schemas-microsoft-com:vml" Requires="v">
-                <p:oleObj spid="_x0000_s186392" name="Equation" r:id="rId4" imgW="2692080" imgH="812520" progId="Equation.DSMT4">
+                <p:oleObj spid="_x0000_s186402" name="Equation" r:id="rId4" imgW="2692080" imgH="812520" progId="Equation.DSMT4">
                   <p:embed/>
                 </p:oleObj>
               </mc:Choice>
@@ -32729,7 +32756,7 @@
           <a:graphicData uri="http://schemas.openxmlformats.org/presentationml/2006/ole">
             <mc:AlternateContent xmlns:mc="http://schemas.openxmlformats.org/markup-compatibility/2006">
               <mc:Choice xmlns:v="urn:schemas-microsoft-com:vml" Requires="v">
-                <p:oleObj spid="_x0000_s186393" name="Equation" r:id="rId6" imgW="2603160" imgH="812520" progId="Equation.DSMT4">
+                <p:oleObj spid="_x0000_s186403" name="Equation" r:id="rId6" imgW="2603160" imgH="812520" progId="Equation.DSMT4">
                   <p:embed/>
                 </p:oleObj>
               </mc:Choice>
@@ -33025,7 +33052,7 @@
           <a:graphicData uri="http://schemas.openxmlformats.org/presentationml/2006/ole">
             <mc:AlternateContent xmlns:mc="http://schemas.openxmlformats.org/markup-compatibility/2006">
               <mc:Choice xmlns:v="urn:schemas-microsoft-com:vml" Requires="v">
-                <p:oleObj spid="_x0000_s187515" name="Equation" r:id="rId4" imgW="1231560" imgH="304560" progId="Equation.DSMT4">
+                <p:oleObj spid="_x0000_s187559" name="Equation" r:id="rId4" imgW="1231560" imgH="304560" progId="Equation.DSMT4">
                   <p:embed/>
                 </p:oleObj>
               </mc:Choice>
@@ -33095,7 +33122,7 @@
           <a:graphicData uri="http://schemas.openxmlformats.org/presentationml/2006/ole">
             <mc:AlternateContent xmlns:mc="http://schemas.openxmlformats.org/markup-compatibility/2006">
               <mc:Choice xmlns:v="urn:schemas-microsoft-com:vml" Requires="v">
-                <p:oleObj spid="_x0000_s187516" name="Equation" r:id="rId6" imgW="3136680" imgH="444240" progId="Equation.DSMT4">
+                <p:oleObj spid="_x0000_s187560" name="Equation" r:id="rId6" imgW="3136680" imgH="444240" progId="Equation.DSMT4">
                   <p:embed/>
                 </p:oleObj>
               </mc:Choice>
@@ -33165,7 +33192,7 @@
           <a:graphicData uri="http://schemas.openxmlformats.org/presentationml/2006/ole">
             <mc:AlternateContent xmlns:mc="http://schemas.openxmlformats.org/markup-compatibility/2006">
               <mc:Choice xmlns:v="urn:schemas-microsoft-com:vml" Requires="v">
-                <p:oleObj spid="_x0000_s187517" name="Equation" r:id="rId8" imgW="2616120" imgH="291960" progId="Equation.DSMT4">
+                <p:oleObj spid="_x0000_s187561" name="Equation" r:id="rId8" imgW="2616120" imgH="291960" progId="Equation.DSMT4">
                   <p:embed/>
                 </p:oleObj>
               </mc:Choice>
@@ -33235,7 +33262,7 @@
           <a:graphicData uri="http://schemas.openxmlformats.org/presentationml/2006/ole">
             <mc:AlternateContent xmlns:mc="http://schemas.openxmlformats.org/markup-compatibility/2006">
               <mc:Choice xmlns:v="urn:schemas-microsoft-com:vml" Requires="v">
-                <p:oleObj spid="_x0000_s187518" name="Equation" r:id="rId10" imgW="3936960" imgH="419040" progId="Equation.DSMT4">
+                <p:oleObj spid="_x0000_s187562" name="Equation" r:id="rId10" imgW="3936960" imgH="419040" progId="Equation.DSMT4">
                   <p:embed/>
                 </p:oleObj>
               </mc:Choice>
@@ -33305,7 +33332,7 @@
           <a:graphicData uri="http://schemas.openxmlformats.org/presentationml/2006/ole">
             <mc:AlternateContent xmlns:mc="http://schemas.openxmlformats.org/markup-compatibility/2006">
               <mc:Choice xmlns:v="urn:schemas-microsoft-com:vml" Requires="v">
-                <p:oleObj spid="_x0000_s187519" name="Equation" r:id="rId12" imgW="1168200" imgH="419040" progId="Equation.DSMT4">
+                <p:oleObj spid="_x0000_s187563" name="Equation" r:id="rId12" imgW="1168200" imgH="419040" progId="Equation.DSMT4">
                   <p:embed/>
                 </p:oleObj>
               </mc:Choice>
@@ -33375,7 +33402,7 @@
           <a:graphicData uri="http://schemas.openxmlformats.org/presentationml/2006/ole">
             <mc:AlternateContent xmlns:mc="http://schemas.openxmlformats.org/markup-compatibility/2006">
               <mc:Choice xmlns:v="urn:schemas-microsoft-com:vml" Requires="v">
-                <p:oleObj spid="_x0000_s187520" name="Equation" r:id="rId14" imgW="2781000" imgH="419040" progId="Equation.DSMT4">
+                <p:oleObj spid="_x0000_s187564" name="Equation" r:id="rId14" imgW="2781000" imgH="419040" progId="Equation.DSMT4">
                   <p:embed/>
                 </p:oleObj>
               </mc:Choice>
@@ -33445,7 +33472,7 @@
           <a:graphicData uri="http://schemas.openxmlformats.org/presentationml/2006/ole">
             <mc:AlternateContent xmlns:mc="http://schemas.openxmlformats.org/markup-compatibility/2006">
               <mc:Choice xmlns:v="urn:schemas-microsoft-com:vml" Requires="v">
-                <p:oleObj spid="_x0000_s187521" name="Equation" r:id="rId16" imgW="1130040" imgH="419040" progId="Equation.DSMT4">
+                <p:oleObj spid="_x0000_s187565" name="Equation" r:id="rId16" imgW="1130040" imgH="419040" progId="Equation.DSMT4">
                   <p:embed/>
                 </p:oleObj>
               </mc:Choice>
@@ -33515,7 +33542,7 @@
           <a:graphicData uri="http://schemas.openxmlformats.org/presentationml/2006/ole">
             <mc:AlternateContent xmlns:mc="http://schemas.openxmlformats.org/markup-compatibility/2006">
               <mc:Choice xmlns:v="urn:schemas-microsoft-com:vml" Requires="v">
-                <p:oleObj spid="_x0000_s187522" name="Equation" r:id="rId18" imgW="1625400" imgH="241200" progId="Equation.DSMT4">
+                <p:oleObj spid="_x0000_s187566" name="Equation" r:id="rId18" imgW="1625400" imgH="241200" progId="Equation.DSMT4">
                   <p:embed/>
                 </p:oleObj>
               </mc:Choice>
@@ -33713,7 +33740,7 @@
           <a:graphicData uri="http://schemas.openxmlformats.org/presentationml/2006/ole">
             <mc:AlternateContent xmlns:mc="http://schemas.openxmlformats.org/markup-compatibility/2006">
               <mc:Choice xmlns:v="urn:schemas-microsoft-com:vml" Requires="v">
-                <p:oleObj spid="_x0000_s187523" name="Equation" r:id="rId20" imgW="406080" imgH="393480" progId="Equation.DSMT4">
+                <p:oleObj spid="_x0000_s187567" name="Equation" r:id="rId20" imgW="406080" imgH="393480" progId="Equation.DSMT4">
                   <p:embed/>
                 </p:oleObj>
               </mc:Choice>
@@ -33783,7 +33810,7 @@
           <a:graphicData uri="http://schemas.openxmlformats.org/presentationml/2006/ole">
             <mc:AlternateContent xmlns:mc="http://schemas.openxmlformats.org/markup-compatibility/2006">
               <mc:Choice xmlns:v="urn:schemas-microsoft-com:vml" Requires="v">
-                <p:oleObj spid="_x0000_s187524" name="Equation" r:id="rId22" imgW="203040" imgH="164880" progId="Equation.DSMT4">
+                <p:oleObj spid="_x0000_s187568" name="Equation" r:id="rId22" imgW="203040" imgH="164880" progId="Equation.DSMT4">
                   <p:embed/>
                 </p:oleObj>
               </mc:Choice>
@@ -33853,7 +33880,7 @@
           <a:graphicData uri="http://schemas.openxmlformats.org/presentationml/2006/ole">
             <mc:AlternateContent xmlns:mc="http://schemas.openxmlformats.org/markup-compatibility/2006">
               <mc:Choice xmlns:v="urn:schemas-microsoft-com:vml" Requires="v">
-                <p:oleObj spid="_x0000_s187525" name="Equation" r:id="rId24" imgW="1041120" imgH="241200" progId="Equation.DSMT4">
+                <p:oleObj spid="_x0000_s187569" name="Equation" r:id="rId24" imgW="1041120" imgH="241200" progId="Equation.DSMT4">
                   <p:embed/>
                 </p:oleObj>
               </mc:Choice>
@@ -34087,7 +34114,7 @@
           <a:graphicData uri="http://schemas.openxmlformats.org/presentationml/2006/ole">
             <mc:AlternateContent xmlns:mc="http://schemas.openxmlformats.org/markup-compatibility/2006">
               <mc:Choice xmlns:v="urn:schemas-microsoft-com:vml" Requires="v">
-                <p:oleObj spid="_x0000_s15464" r:id="rId3" imgW="774364" imgH="253890" progId="Equation.DSMT4">
+                <p:oleObj spid="_x0000_s15496" r:id="rId3" imgW="774364" imgH="253890" progId="Equation.DSMT4">
                   <p:embed/>
                 </p:oleObj>
               </mc:Choice>
@@ -34157,7 +34184,7 @@
           <a:graphicData uri="http://schemas.openxmlformats.org/presentationml/2006/ole">
             <mc:AlternateContent xmlns:mc="http://schemas.openxmlformats.org/markup-compatibility/2006">
               <mc:Choice xmlns:v="urn:schemas-microsoft-com:vml" Requires="v">
-                <p:oleObj spid="_x0000_s15465" r:id="rId5" imgW="901309" imgH="253890" progId="Equation.DSMT4">
+                <p:oleObj spid="_x0000_s15497" r:id="rId5" imgW="901309" imgH="253890" progId="Equation.DSMT4">
                   <p:embed/>
                 </p:oleObj>
               </mc:Choice>
@@ -34227,7 +34254,7 @@
           <a:graphicData uri="http://schemas.openxmlformats.org/presentationml/2006/ole">
             <mc:AlternateContent xmlns:mc="http://schemas.openxmlformats.org/markup-compatibility/2006">
               <mc:Choice xmlns:v="urn:schemas-microsoft-com:vml" Requires="v">
-                <p:oleObj spid="_x0000_s15466" r:id="rId7" imgW="3987800" imgH="431800" progId="Equation.DSMT4">
+                <p:oleObj spid="_x0000_s15498" r:id="rId7" imgW="3987800" imgH="431800" progId="Equation.DSMT4">
                   <p:embed/>
                 </p:oleObj>
               </mc:Choice>
@@ -34297,7 +34324,7 @@
           <a:graphicData uri="http://schemas.openxmlformats.org/presentationml/2006/ole">
             <mc:AlternateContent xmlns:mc="http://schemas.openxmlformats.org/markup-compatibility/2006">
               <mc:Choice xmlns:v="urn:schemas-microsoft-com:vml" Requires="v">
-                <p:oleObj spid="_x0000_s15467" r:id="rId9" imgW="774364" imgH="253890" progId="Equation.DSMT4">
+                <p:oleObj spid="_x0000_s15499" r:id="rId9" imgW="774364" imgH="253890" progId="Equation.DSMT4">
                   <p:embed/>
                 </p:oleObj>
               </mc:Choice>
@@ -34367,7 +34394,7 @@
           <a:graphicData uri="http://schemas.openxmlformats.org/presentationml/2006/ole">
             <mc:AlternateContent xmlns:mc="http://schemas.openxmlformats.org/markup-compatibility/2006">
               <mc:Choice xmlns:v="urn:schemas-microsoft-com:vml" Requires="v">
-                <p:oleObj spid="_x0000_s15468" r:id="rId10" imgW="901309" imgH="253890" progId="Equation.DSMT4">
+                <p:oleObj spid="_x0000_s15500" r:id="rId10" imgW="901309" imgH="253890" progId="Equation.DSMT4">
                   <p:embed/>
                 </p:oleObj>
               </mc:Choice>
@@ -34437,7 +34464,7 @@
           <a:graphicData uri="http://schemas.openxmlformats.org/presentationml/2006/ole">
             <mc:AlternateContent xmlns:mc="http://schemas.openxmlformats.org/markup-compatibility/2006">
               <mc:Choice xmlns:v="urn:schemas-microsoft-com:vml" Requires="v">
-                <p:oleObj spid="_x0000_s15469" r:id="rId11" imgW="3987800" imgH="431800" progId="Equation.DSMT4">
+                <p:oleObj spid="_x0000_s15501" r:id="rId11" imgW="3987800" imgH="431800" progId="Equation.DSMT4">
                   <p:embed/>
                 </p:oleObj>
               </mc:Choice>
@@ -34523,7 +34550,7 @@
             <a:graphicData uri="http://schemas.openxmlformats.org/presentationml/2006/ole">
               <mc:AlternateContent xmlns:mc="http://schemas.openxmlformats.org/markup-compatibility/2006">
                 <mc:Choice xmlns:v="urn:schemas-microsoft-com:vml" Requires="v">
-                  <p:oleObj spid="_x0000_s15470" r:id="rId12" imgW="774364" imgH="253890" progId="Equation.DSMT4">
+                  <p:oleObj spid="_x0000_s15502" r:id="rId12" imgW="774364" imgH="253890" progId="Equation.DSMT4">
                     <p:embed/>
                   </p:oleObj>
                 </mc:Choice>
@@ -34593,7 +34620,7 @@
             <a:graphicData uri="http://schemas.openxmlformats.org/presentationml/2006/ole">
               <mc:AlternateContent xmlns:mc="http://schemas.openxmlformats.org/markup-compatibility/2006">
                 <mc:Choice xmlns:v="urn:schemas-microsoft-com:vml" Requires="v">
-                  <p:oleObj spid="_x0000_s15471" r:id="rId13" imgW="901309" imgH="253890" progId="Equation.DSMT4">
+                  <p:oleObj spid="_x0000_s15503" r:id="rId13" imgW="901309" imgH="253890" progId="Equation.DSMT4">
                     <p:embed/>
                   </p:oleObj>
                 </mc:Choice>
@@ -35055,7 +35082,7 @@
           <a:graphicData uri="http://schemas.openxmlformats.org/presentationml/2006/ole">
             <mc:AlternateContent xmlns:mc="http://schemas.openxmlformats.org/markup-compatibility/2006">
               <mc:Choice xmlns:v="urn:schemas-microsoft-com:vml" Requires="v">
-                <p:oleObj spid="_x0000_s188627" name="Equation" r:id="rId4" imgW="1346200" imgH="431800" progId="Equation.DSMT4">
+                <p:oleObj spid="_x0000_s188703" name="Equation" r:id="rId4" imgW="1346200" imgH="431800" progId="Equation.DSMT4">
                   <p:embed/>
                 </p:oleObj>
               </mc:Choice>
@@ -35125,7 +35152,7 @@
           <a:graphicData uri="http://schemas.openxmlformats.org/presentationml/2006/ole">
             <mc:AlternateContent xmlns:mc="http://schemas.openxmlformats.org/markup-compatibility/2006">
               <mc:Choice xmlns:v="urn:schemas-microsoft-com:vml" Requires="v">
-                <p:oleObj spid="_x0000_s188628" name="Equation" r:id="rId6" imgW="1333440" imgH="431640" progId="Equation.DSMT4">
+                <p:oleObj spid="_x0000_s188704" name="Equation" r:id="rId6" imgW="1333440" imgH="431640" progId="Equation.DSMT4">
                   <p:embed/>
                 </p:oleObj>
               </mc:Choice>
@@ -35195,7 +35222,7 @@
           <a:graphicData uri="http://schemas.openxmlformats.org/presentationml/2006/ole">
             <mc:AlternateContent xmlns:mc="http://schemas.openxmlformats.org/markup-compatibility/2006">
               <mc:Choice xmlns:v="urn:schemas-microsoft-com:vml" Requires="v">
-                <p:oleObj spid="_x0000_s188629" name="Equation" r:id="rId8" imgW="1054080" imgH="457200" progId="Equation.DSMT4">
+                <p:oleObj spid="_x0000_s188705" name="Equation" r:id="rId8" imgW="1054080" imgH="457200" progId="Equation.DSMT4">
                   <p:embed/>
                 </p:oleObj>
               </mc:Choice>
@@ -35265,7 +35292,7 @@
           <a:graphicData uri="http://schemas.openxmlformats.org/presentationml/2006/ole">
             <mc:AlternateContent xmlns:mc="http://schemas.openxmlformats.org/markup-compatibility/2006">
               <mc:Choice xmlns:v="urn:schemas-microsoft-com:vml" Requires="v">
-                <p:oleObj spid="_x0000_s188630" name="Equation" r:id="rId10" imgW="1828800" imgH="393480" progId="Equation.DSMT4">
+                <p:oleObj spid="_x0000_s188706" name="Equation" r:id="rId10" imgW="1828800" imgH="393480" progId="Equation.DSMT4">
                   <p:embed/>
                 </p:oleObj>
               </mc:Choice>
@@ -35419,7 +35446,7 @@
           <a:graphicData uri="http://schemas.openxmlformats.org/presentationml/2006/ole">
             <mc:AlternateContent xmlns:mc="http://schemas.openxmlformats.org/markup-compatibility/2006">
               <mc:Choice xmlns:v="urn:schemas-microsoft-com:vml" Requires="v">
-                <p:oleObj spid="_x0000_s188631" name="Equation" r:id="rId12" imgW="152280" imgH="139680" progId="Equation.DSMT4">
+                <p:oleObj spid="_x0000_s188707" name="Equation" r:id="rId12" imgW="152280" imgH="139680" progId="Equation.DSMT4">
                   <p:embed/>
                 </p:oleObj>
               </mc:Choice>
@@ -35489,7 +35516,7 @@
           <a:graphicData uri="http://schemas.openxmlformats.org/presentationml/2006/ole">
             <mc:AlternateContent xmlns:mc="http://schemas.openxmlformats.org/markup-compatibility/2006">
               <mc:Choice xmlns:v="urn:schemas-microsoft-com:vml" Requires="v">
-                <p:oleObj spid="_x0000_s188632" name="Equation" r:id="rId14" imgW="190440" imgH="164880" progId="Equation.DSMT4">
+                <p:oleObj spid="_x0000_s188708" name="Equation" r:id="rId14" imgW="190440" imgH="164880" progId="Equation.DSMT4">
                   <p:embed/>
                 </p:oleObj>
               </mc:Choice>
@@ -35559,7 +35586,7 @@
           <a:graphicData uri="http://schemas.openxmlformats.org/presentationml/2006/ole">
             <mc:AlternateContent xmlns:mc="http://schemas.openxmlformats.org/markup-compatibility/2006">
               <mc:Choice xmlns:v="urn:schemas-microsoft-com:vml" Requires="v">
-                <p:oleObj spid="_x0000_s188633" name="Equation" r:id="rId16" imgW="533160" imgH="393480" progId="Equation.DSMT4">
+                <p:oleObj spid="_x0000_s188709" name="Equation" r:id="rId16" imgW="533160" imgH="393480" progId="Equation.DSMT4">
                   <p:embed/>
                 </p:oleObj>
               </mc:Choice>
@@ -35629,7 +35656,7 @@
           <a:graphicData uri="http://schemas.openxmlformats.org/presentationml/2006/ole">
             <mc:AlternateContent xmlns:mc="http://schemas.openxmlformats.org/markup-compatibility/2006">
               <mc:Choice xmlns:v="urn:schemas-microsoft-com:vml" Requires="v">
-                <p:oleObj spid="_x0000_s188634" name="Equation" r:id="rId18" imgW="241200" imgH="393480" progId="Equation.DSMT4">
+                <p:oleObj spid="_x0000_s188710" name="Equation" r:id="rId18" imgW="241200" imgH="393480" progId="Equation.DSMT4">
                   <p:embed/>
                 </p:oleObj>
               </mc:Choice>
@@ -35699,7 +35726,7 @@
           <a:graphicData uri="http://schemas.openxmlformats.org/presentationml/2006/ole">
             <mc:AlternateContent xmlns:mc="http://schemas.openxmlformats.org/markup-compatibility/2006">
               <mc:Choice xmlns:v="urn:schemas-microsoft-com:vml" Requires="v">
-                <p:oleObj spid="_x0000_s188635" name="Equation" r:id="rId20" imgW="444240" imgH="177480" progId="Equation.DSMT4">
+                <p:oleObj spid="_x0000_s188711" name="Equation" r:id="rId20" imgW="444240" imgH="177480" progId="Equation.DSMT4">
                   <p:embed/>
                 </p:oleObj>
               </mc:Choice>
@@ -35831,7 +35858,7 @@
           <a:graphicData uri="http://schemas.openxmlformats.org/presentationml/2006/ole">
             <mc:AlternateContent xmlns:mc="http://schemas.openxmlformats.org/markup-compatibility/2006">
               <mc:Choice xmlns:v="urn:schemas-microsoft-com:vml" Requires="v">
-                <p:oleObj spid="_x0000_s188636" name="Equation" r:id="rId22" imgW="190440" imgH="228600" progId="Equation.DSMT4">
+                <p:oleObj spid="_x0000_s188712" name="Equation" r:id="rId22" imgW="190440" imgH="228600" progId="Equation.DSMT4">
                   <p:embed/>
                 </p:oleObj>
               </mc:Choice>
@@ -35901,7 +35928,7 @@
           <a:graphicData uri="http://schemas.openxmlformats.org/presentationml/2006/ole">
             <mc:AlternateContent xmlns:mc="http://schemas.openxmlformats.org/markup-compatibility/2006">
               <mc:Choice xmlns:v="urn:schemas-microsoft-com:vml" Requires="v">
-                <p:oleObj spid="_x0000_s188637" name="Equation" r:id="rId24" imgW="203040" imgH="228600" progId="Equation.DSMT4">
+                <p:oleObj spid="_x0000_s188713" name="Equation" r:id="rId24" imgW="203040" imgH="228600" progId="Equation.DSMT4">
                   <p:embed/>
                 </p:oleObj>
               </mc:Choice>
@@ -35971,7 +35998,7 @@
           <a:graphicData uri="http://schemas.openxmlformats.org/presentationml/2006/ole">
             <mc:AlternateContent xmlns:mc="http://schemas.openxmlformats.org/markup-compatibility/2006">
               <mc:Choice xmlns:v="urn:schemas-microsoft-com:vml" Requires="v">
-                <p:oleObj spid="_x0000_s188638" name="Equation" r:id="rId26" imgW="152280" imgH="139680" progId="Equation.DSMT4">
+                <p:oleObj spid="_x0000_s188714" name="Equation" r:id="rId26" imgW="152280" imgH="139680" progId="Equation.DSMT4">
                   <p:embed/>
                 </p:oleObj>
               </mc:Choice>
@@ -36041,7 +36068,7 @@
           <a:graphicData uri="http://schemas.openxmlformats.org/presentationml/2006/ole">
             <mc:AlternateContent xmlns:mc="http://schemas.openxmlformats.org/markup-compatibility/2006">
               <mc:Choice xmlns:v="urn:schemas-microsoft-com:vml" Requires="v">
-                <p:oleObj spid="_x0000_s188639" name="Equation" r:id="rId28" imgW="533160" imgH="393480" progId="Equation.DSMT4">
+                <p:oleObj spid="_x0000_s188715" name="Equation" r:id="rId28" imgW="533160" imgH="393480" progId="Equation.DSMT4">
                   <p:embed/>
                 </p:oleObj>
               </mc:Choice>
@@ -36111,7 +36138,7 @@
           <a:graphicData uri="http://schemas.openxmlformats.org/presentationml/2006/ole">
             <mc:AlternateContent xmlns:mc="http://schemas.openxmlformats.org/markup-compatibility/2006">
               <mc:Choice xmlns:v="urn:schemas-microsoft-com:vml" Requires="v">
-                <p:oleObj spid="_x0000_s188640" name="Equation" r:id="rId30" imgW="190440" imgH="203040" progId="Equation.DSMT4">
+                <p:oleObj spid="_x0000_s188716" name="Equation" r:id="rId30" imgW="190440" imgH="203040" progId="Equation.DSMT4">
                   <p:embed/>
                 </p:oleObj>
               </mc:Choice>
@@ -36181,7 +36208,7 @@
           <a:graphicData uri="http://schemas.openxmlformats.org/presentationml/2006/ole">
             <mc:AlternateContent xmlns:mc="http://schemas.openxmlformats.org/markup-compatibility/2006">
               <mc:Choice xmlns:v="urn:schemas-microsoft-com:vml" Requires="v">
-                <p:oleObj spid="_x0000_s188641" name="Equation" r:id="rId32" imgW="711000" imgH="431640" progId="Equation.DSMT4">
+                <p:oleObj spid="_x0000_s188717" name="Equation" r:id="rId32" imgW="711000" imgH="431640" progId="Equation.DSMT4">
                   <p:embed/>
                 </p:oleObj>
               </mc:Choice>
@@ -36251,7 +36278,7 @@
           <a:graphicData uri="http://schemas.openxmlformats.org/presentationml/2006/ole">
             <mc:AlternateContent xmlns:mc="http://schemas.openxmlformats.org/markup-compatibility/2006">
               <mc:Choice xmlns:v="urn:schemas-microsoft-com:vml" Requires="v">
-                <p:oleObj spid="_x0000_s188642" name="Equation" r:id="rId34" imgW="203040" imgH="228600" progId="Equation.DSMT4">
+                <p:oleObj spid="_x0000_s188718" name="Equation" r:id="rId34" imgW="203040" imgH="228600" progId="Equation.DSMT4">
                   <p:embed/>
                 </p:oleObj>
               </mc:Choice>
@@ -36390,7 +36417,7 @@
           <a:graphicData uri="http://schemas.openxmlformats.org/presentationml/2006/ole">
             <mc:AlternateContent xmlns:mc="http://schemas.openxmlformats.org/markup-compatibility/2006">
               <mc:Choice xmlns:v="urn:schemas-microsoft-com:vml" Requires="v">
-                <p:oleObj spid="_x0000_s188643" name="Equation" r:id="rId36" imgW="190440" imgH="164880" progId="Equation.DSMT4">
+                <p:oleObj spid="_x0000_s188719" name="Equation" r:id="rId36" imgW="190440" imgH="164880" progId="Equation.DSMT4">
                   <p:embed/>
                 </p:oleObj>
               </mc:Choice>
@@ -36460,7 +36487,7 @@
           <a:graphicData uri="http://schemas.openxmlformats.org/presentationml/2006/ole">
             <mc:AlternateContent xmlns:mc="http://schemas.openxmlformats.org/markup-compatibility/2006">
               <mc:Choice xmlns:v="urn:schemas-microsoft-com:vml" Requires="v">
-                <p:oleObj spid="_x0000_s188644" name="Equation" r:id="rId37" imgW="1041120" imgH="241200" progId="Equation.DSMT4">
+                <p:oleObj spid="_x0000_s188720" name="Equation" r:id="rId37" imgW="1041120" imgH="241200" progId="Equation.DSMT4">
                   <p:embed/>
                 </p:oleObj>
               </mc:Choice>
@@ -36530,7 +36557,7 @@
           <a:graphicData uri="http://schemas.openxmlformats.org/presentationml/2006/ole">
             <mc:AlternateContent xmlns:mc="http://schemas.openxmlformats.org/markup-compatibility/2006">
               <mc:Choice xmlns:v="urn:schemas-microsoft-com:vml" Requires="v">
-                <p:oleObj spid="_x0000_s188645" name="Equation" r:id="rId39" imgW="152280" imgH="139680" progId="Equation.DSMT4">
+                <p:oleObj spid="_x0000_s188721" name="Equation" r:id="rId39" imgW="152280" imgH="139680" progId="Equation.DSMT4">
                   <p:embed/>
                 </p:oleObj>
               </mc:Choice>
@@ -36819,7 +36846,7 @@
           <a:graphicData uri="http://schemas.openxmlformats.org/presentationml/2006/ole">
             <mc:AlternateContent xmlns:mc="http://schemas.openxmlformats.org/markup-compatibility/2006">
               <mc:Choice xmlns:v="urn:schemas-microsoft-com:vml" Requires="v">
-                <p:oleObj spid="_x0000_s189728" name="Equation" r:id="rId4" imgW="710891" imgH="253890" progId="Equation.DSMT4">
+                <p:oleObj spid="_x0000_s189832" name="Equation" r:id="rId4" imgW="710891" imgH="253890" progId="Equation.DSMT4">
                   <p:embed/>
                 </p:oleObj>
               </mc:Choice>
@@ -36976,7 +37003,7 @@
           <a:graphicData uri="http://schemas.openxmlformats.org/presentationml/2006/ole">
             <mc:AlternateContent xmlns:mc="http://schemas.openxmlformats.org/markup-compatibility/2006">
               <mc:Choice xmlns:v="urn:schemas-microsoft-com:vml" Requires="v">
-                <p:oleObj spid="_x0000_s189729" name="Equation" r:id="rId6" imgW="711000" imgH="253800" progId="Equation.DSMT4">
+                <p:oleObj spid="_x0000_s189833" name="Equation" r:id="rId6" imgW="711000" imgH="253800" progId="Equation.DSMT4">
                   <p:embed/>
                 </p:oleObj>
               </mc:Choice>
@@ -37149,7 +37176,7 @@
           <a:graphicData uri="http://schemas.openxmlformats.org/presentationml/2006/ole">
             <mc:AlternateContent xmlns:mc="http://schemas.openxmlformats.org/markup-compatibility/2006">
               <mc:Choice xmlns:v="urn:schemas-microsoft-com:vml" Requires="v">
-                <p:oleObj spid="_x0000_s189730" name="Equation" r:id="rId8" imgW="253800" imgH="393480" progId="Equation.DSMT4">
+                <p:oleObj spid="_x0000_s189834" name="Equation" r:id="rId8" imgW="253800" imgH="393480" progId="Equation.DSMT4">
                   <p:embed/>
                 </p:oleObj>
               </mc:Choice>
@@ -37649,7 +37676,7 @@
           <a:graphicData uri="http://schemas.openxmlformats.org/presentationml/2006/ole">
             <mc:AlternateContent xmlns:mc="http://schemas.openxmlformats.org/markup-compatibility/2006">
               <mc:Choice xmlns:v="urn:schemas-microsoft-com:vml" Requires="v">
-                <p:oleObj spid="_x0000_s189731" name="Equation" r:id="rId11" imgW="3784320" imgH="469800" progId="Equation.DSMT4">
+                <p:oleObj spid="_x0000_s189835" name="Equation" r:id="rId11" imgW="3784320" imgH="469800" progId="Equation.DSMT4">
                   <p:embed/>
                 </p:oleObj>
               </mc:Choice>
@@ -37720,7 +37747,7 @@
           <a:graphicData uri="http://schemas.openxmlformats.org/presentationml/2006/ole">
             <mc:AlternateContent xmlns:mc="http://schemas.openxmlformats.org/markup-compatibility/2006">
               <mc:Choice xmlns:v="urn:schemas-microsoft-com:vml" Requires="v">
-                <p:oleObj spid="_x0000_s189732" name="Equation" r:id="rId13" imgW="774360" imgH="253800" progId="Equation.DSMT4">
+                <p:oleObj spid="_x0000_s189836" name="Equation" r:id="rId13" imgW="774360" imgH="253800" progId="Equation.DSMT4">
                   <p:embed/>
                 </p:oleObj>
               </mc:Choice>
@@ -37791,7 +37818,7 @@
           <a:graphicData uri="http://schemas.openxmlformats.org/presentationml/2006/ole">
             <mc:AlternateContent xmlns:mc="http://schemas.openxmlformats.org/markup-compatibility/2006">
               <mc:Choice xmlns:v="urn:schemas-microsoft-com:vml" Requires="v">
-                <p:oleObj spid="_x0000_s189733" name="Equation" r:id="rId15" imgW="190440" imgH="164880" progId="Equation.DSMT4">
+                <p:oleObj spid="_x0000_s189837" name="Equation" r:id="rId15" imgW="190440" imgH="164880" progId="Equation.DSMT4">
                   <p:embed/>
                 </p:oleObj>
               </mc:Choice>
@@ -37861,7 +37888,7 @@
           <a:graphicData uri="http://schemas.openxmlformats.org/presentationml/2006/ole">
             <mc:AlternateContent xmlns:mc="http://schemas.openxmlformats.org/markup-compatibility/2006">
               <mc:Choice xmlns:v="urn:schemas-microsoft-com:vml" Requires="v">
-                <p:oleObj spid="_x0000_s189734" name="Equation" r:id="rId17" imgW="342720" imgH="253800" progId="Equation.DSMT4">
+                <p:oleObj spid="_x0000_s189838" name="Equation" r:id="rId17" imgW="342720" imgH="253800" progId="Equation.DSMT4">
                   <p:embed/>
                 </p:oleObj>
               </mc:Choice>
@@ -37931,7 +37958,7 @@
           <a:graphicData uri="http://schemas.openxmlformats.org/presentationml/2006/ole">
             <mc:AlternateContent xmlns:mc="http://schemas.openxmlformats.org/markup-compatibility/2006">
               <mc:Choice xmlns:v="urn:schemas-microsoft-com:vml" Requires="v">
-                <p:oleObj spid="_x0000_s189735" name="Equation" r:id="rId19" imgW="152280" imgH="139680" progId="Equation.DSMT4">
+                <p:oleObj spid="_x0000_s189839" name="Equation" r:id="rId19" imgW="152280" imgH="139680" progId="Equation.DSMT4">
                   <p:embed/>
                 </p:oleObj>
               </mc:Choice>
@@ -38001,7 +38028,7 @@
           <a:graphicData uri="http://schemas.openxmlformats.org/presentationml/2006/ole">
             <mc:AlternateContent xmlns:mc="http://schemas.openxmlformats.org/markup-compatibility/2006">
               <mc:Choice xmlns:v="urn:schemas-microsoft-com:vml" Requires="v">
-                <p:oleObj spid="_x0000_s189736" name="Equation" r:id="rId21" imgW="291960" imgH="203040" progId="Equation.DSMT4">
+                <p:oleObj spid="_x0000_s189840" name="Equation" r:id="rId21" imgW="291960" imgH="203040" progId="Equation.DSMT4">
                   <p:embed/>
                 </p:oleObj>
               </mc:Choice>
@@ -38071,7 +38098,7 @@
           <a:graphicData uri="http://schemas.openxmlformats.org/presentationml/2006/ole">
             <mc:AlternateContent xmlns:mc="http://schemas.openxmlformats.org/markup-compatibility/2006">
               <mc:Choice xmlns:v="urn:schemas-microsoft-com:vml" Requires="v">
-                <p:oleObj spid="_x0000_s189737" name="Equation" r:id="rId23" imgW="190440" imgH="228600" progId="Equation.DSMT4">
+                <p:oleObj spid="_x0000_s189841" name="Equation" r:id="rId23" imgW="190440" imgH="228600" progId="Equation.DSMT4">
                   <p:embed/>
                 </p:oleObj>
               </mc:Choice>
@@ -38141,7 +38168,7 @@
           <a:graphicData uri="http://schemas.openxmlformats.org/presentationml/2006/ole">
             <mc:AlternateContent xmlns:mc="http://schemas.openxmlformats.org/markup-compatibility/2006">
               <mc:Choice xmlns:v="urn:schemas-microsoft-com:vml" Requires="v">
-                <p:oleObj spid="_x0000_s189738" name="Equation" r:id="rId25" imgW="203040" imgH="164880" progId="Equation.DSMT4">
+                <p:oleObj spid="_x0000_s189842" name="Equation" r:id="rId25" imgW="203040" imgH="164880" progId="Equation.DSMT4">
                   <p:embed/>
                 </p:oleObj>
               </mc:Choice>
@@ -38211,7 +38238,7 @@
           <a:graphicData uri="http://schemas.openxmlformats.org/presentationml/2006/ole">
             <mc:AlternateContent xmlns:mc="http://schemas.openxmlformats.org/markup-compatibility/2006">
               <mc:Choice xmlns:v="urn:schemas-microsoft-com:vml" Requires="v">
-                <p:oleObj spid="_x0000_s189739" name="Equation" r:id="rId27" imgW="317160" imgH="203040" progId="Equation.DSMT4">
+                <p:oleObj spid="_x0000_s189843" name="Equation" r:id="rId27" imgW="317160" imgH="203040" progId="Equation.DSMT4">
                   <p:embed/>
                 </p:oleObj>
               </mc:Choice>
@@ -38281,7 +38308,7 @@
           <a:graphicData uri="http://schemas.openxmlformats.org/presentationml/2006/ole">
             <mc:AlternateContent xmlns:mc="http://schemas.openxmlformats.org/markup-compatibility/2006">
               <mc:Choice xmlns:v="urn:schemas-microsoft-com:vml" Requires="v">
-                <p:oleObj spid="_x0000_s189740" name="Equation" r:id="rId29" imgW="152280" imgH="139680" progId="Equation.DSMT4">
+                <p:oleObj spid="_x0000_s189844" name="Equation" r:id="rId29" imgW="152280" imgH="139680" progId="Equation.DSMT4">
                   <p:embed/>
                 </p:oleObj>
               </mc:Choice>
@@ -38351,7 +38378,7 @@
           <a:graphicData uri="http://schemas.openxmlformats.org/presentationml/2006/ole">
             <mc:AlternateContent xmlns:mc="http://schemas.openxmlformats.org/markup-compatibility/2006">
               <mc:Choice xmlns:v="urn:schemas-microsoft-com:vml" Requires="v">
-                <p:oleObj spid="_x0000_s189741" name="Equation" r:id="rId31" imgW="469800" imgH="139680" progId="Equation.DSMT4">
+                <p:oleObj spid="_x0000_s189845" name="Equation" r:id="rId31" imgW="469800" imgH="139680" progId="Equation.DSMT4">
                   <p:embed/>
                 </p:oleObj>
               </mc:Choice>
@@ -38421,7 +38448,7 @@
           <a:graphicData uri="http://schemas.openxmlformats.org/presentationml/2006/ole">
             <mc:AlternateContent xmlns:mc="http://schemas.openxmlformats.org/markup-compatibility/2006">
               <mc:Choice xmlns:v="urn:schemas-microsoft-com:vml" Requires="v">
-                <p:oleObj spid="_x0000_s189742" name="Equation" r:id="rId33" imgW="622080" imgH="203040" progId="Equation.DSMT4">
+                <p:oleObj spid="_x0000_s189846" name="Equation" r:id="rId33" imgW="622080" imgH="203040" progId="Equation.DSMT4">
                   <p:embed/>
                 </p:oleObj>
               </mc:Choice>
@@ -38491,7 +38518,7 @@
           <a:graphicData uri="http://schemas.openxmlformats.org/presentationml/2006/ole">
             <mc:AlternateContent xmlns:mc="http://schemas.openxmlformats.org/markup-compatibility/2006">
               <mc:Choice xmlns:v="urn:schemas-microsoft-com:vml" Requires="v">
-                <p:oleObj spid="_x0000_s189743" name="Equation" r:id="rId35" imgW="634680" imgH="203040" progId="Equation.DSMT4">
+                <p:oleObj spid="_x0000_s189847" name="Equation" r:id="rId35" imgW="634680" imgH="203040" progId="Equation.DSMT4">
                   <p:embed/>
                 </p:oleObj>
               </mc:Choice>
@@ -38561,7 +38588,7 @@
           <a:graphicData uri="http://schemas.openxmlformats.org/presentationml/2006/ole">
             <mc:AlternateContent xmlns:mc="http://schemas.openxmlformats.org/markup-compatibility/2006">
               <mc:Choice xmlns:v="urn:schemas-microsoft-com:vml" Requires="v">
-                <p:oleObj spid="_x0000_s189744" name="Equation" r:id="rId37" imgW="609480" imgH="203040" progId="Equation.DSMT4">
+                <p:oleObj spid="_x0000_s189848" name="Equation" r:id="rId37" imgW="609480" imgH="203040" progId="Equation.DSMT4">
                   <p:embed/>
                 </p:oleObj>
               </mc:Choice>
@@ -38631,7 +38658,7 @@
           <a:graphicData uri="http://schemas.openxmlformats.org/presentationml/2006/ole">
             <mc:AlternateContent xmlns:mc="http://schemas.openxmlformats.org/markup-compatibility/2006">
               <mc:Choice xmlns:v="urn:schemas-microsoft-com:vml" Requires="v">
-                <p:oleObj spid="_x0000_s189745" name="Equation" r:id="rId39" imgW="558720" imgH="203040" progId="Equation.DSMT4">
+                <p:oleObj spid="_x0000_s189849" name="Equation" r:id="rId39" imgW="558720" imgH="203040" progId="Equation.DSMT4">
                   <p:embed/>
                 </p:oleObj>
               </mc:Choice>
@@ -38701,7 +38728,7 @@
           <a:graphicData uri="http://schemas.openxmlformats.org/presentationml/2006/ole">
             <mc:AlternateContent xmlns:mc="http://schemas.openxmlformats.org/markup-compatibility/2006">
               <mc:Choice xmlns:v="urn:schemas-microsoft-com:vml" Requires="v">
-                <p:oleObj spid="_x0000_s189746" name="Equation" r:id="rId41" imgW="495000" imgH="228600" progId="Equation.DSMT4">
+                <p:oleObj spid="_x0000_s189850" name="Equation" r:id="rId41" imgW="495000" imgH="228600" progId="Equation.DSMT4">
                   <p:embed/>
                 </p:oleObj>
               </mc:Choice>
@@ -38771,7 +38798,7 @@
           <a:graphicData uri="http://schemas.openxmlformats.org/presentationml/2006/ole">
             <mc:AlternateContent xmlns:mc="http://schemas.openxmlformats.org/markup-compatibility/2006">
               <mc:Choice xmlns:v="urn:schemas-microsoft-com:vml" Requires="v">
-                <p:oleObj spid="_x0000_s189747" name="Equation" r:id="rId43" imgW="190440" imgH="228600" progId="Equation.DSMT4">
+                <p:oleObj spid="_x0000_s189851" name="Equation" r:id="rId43" imgW="190440" imgH="228600" progId="Equation.DSMT4">
                   <p:embed/>
                 </p:oleObj>
               </mc:Choice>
@@ -38841,7 +38868,7 @@
           <a:graphicData uri="http://schemas.openxmlformats.org/presentationml/2006/ole">
             <mc:AlternateContent xmlns:mc="http://schemas.openxmlformats.org/markup-compatibility/2006">
               <mc:Choice xmlns:v="urn:schemas-microsoft-com:vml" Requires="v">
-                <p:oleObj spid="_x0000_s189748" name="Equation" r:id="rId45" imgW="190440" imgH="228600" progId="Equation.DSMT4">
+                <p:oleObj spid="_x0000_s189852" name="Equation" r:id="rId45" imgW="190440" imgH="228600" progId="Equation.DSMT4">
                   <p:embed/>
                 </p:oleObj>
               </mc:Choice>
@@ -38911,7 +38938,7 @@
           <a:graphicData uri="http://schemas.openxmlformats.org/presentationml/2006/ole">
             <mc:AlternateContent xmlns:mc="http://schemas.openxmlformats.org/markup-compatibility/2006">
               <mc:Choice xmlns:v="urn:schemas-microsoft-com:vml" Requires="v">
-                <p:oleObj spid="_x0000_s189749" name="Equation" r:id="rId46" imgW="469800" imgH="139680" progId="Equation.DSMT4">
+                <p:oleObj spid="_x0000_s189853" name="Equation" r:id="rId46" imgW="469800" imgH="139680" progId="Equation.DSMT4">
                   <p:embed/>
                 </p:oleObj>
               </mc:Choice>
@@ -38981,7 +39008,7 @@
           <a:graphicData uri="http://schemas.openxmlformats.org/presentationml/2006/ole">
             <mc:AlternateContent xmlns:mc="http://schemas.openxmlformats.org/markup-compatibility/2006">
               <mc:Choice xmlns:v="urn:schemas-microsoft-com:vml" Requires="v">
-                <p:oleObj spid="_x0000_s189750" name="Equation" r:id="rId48" imgW="558720" imgH="203040" progId="Equation.DSMT4">
+                <p:oleObj spid="_x0000_s189854" name="Equation" r:id="rId48" imgW="558720" imgH="203040" progId="Equation.DSMT4">
                   <p:embed/>
                 </p:oleObj>
               </mc:Choice>
@@ -39051,7 +39078,7 @@
           <a:graphicData uri="http://schemas.openxmlformats.org/presentationml/2006/ole">
             <mc:AlternateContent xmlns:mc="http://schemas.openxmlformats.org/markup-compatibility/2006">
               <mc:Choice xmlns:v="urn:schemas-microsoft-com:vml" Requires="v">
-                <p:oleObj spid="_x0000_s189751" name="Equation" r:id="rId50" imgW="533160" imgH="228600" progId="Equation.DSMT4">
+                <p:oleObj spid="_x0000_s189855" name="Equation" r:id="rId50" imgW="533160" imgH="228600" progId="Equation.DSMT4">
                   <p:embed/>
                 </p:oleObj>
               </mc:Choice>
@@ -39121,7 +39148,7 @@
           <a:graphicData uri="http://schemas.openxmlformats.org/presentationml/2006/ole">
             <mc:AlternateContent xmlns:mc="http://schemas.openxmlformats.org/markup-compatibility/2006">
               <mc:Choice xmlns:v="urn:schemas-microsoft-com:vml" Requires="v">
-                <p:oleObj spid="_x0000_s189752" name="Equation" r:id="rId52" imgW="215640" imgH="228600" progId="Equation.DSMT4">
+                <p:oleObj spid="_x0000_s189856" name="Equation" r:id="rId52" imgW="215640" imgH="228600" progId="Equation.DSMT4">
                   <p:embed/>
                 </p:oleObj>
               </mc:Choice>
@@ -39191,7 +39218,7 @@
           <a:graphicData uri="http://schemas.openxmlformats.org/presentationml/2006/ole">
             <mc:AlternateContent xmlns:mc="http://schemas.openxmlformats.org/markup-compatibility/2006">
               <mc:Choice xmlns:v="urn:schemas-microsoft-com:vml" Requires="v">
-                <p:oleObj spid="_x0000_s189753" name="Equation" r:id="rId54" imgW="152280" imgH="139680" progId="Equation.DSMT4">
+                <p:oleObj spid="_x0000_s189857" name="Equation" r:id="rId54" imgW="152280" imgH="139680" progId="Equation.DSMT4">
                   <p:embed/>
                 </p:oleObj>
               </mc:Choice>
@@ -39474,7 +39501,7 @@
           <a:graphicData uri="http://schemas.openxmlformats.org/presentationml/2006/ole">
             <mc:AlternateContent xmlns:mc="http://schemas.openxmlformats.org/markup-compatibility/2006">
               <mc:Choice xmlns:v="urn:schemas-microsoft-com:vml" Requires="v">
-                <p:oleObj spid="_x0000_s190521" name="Equation" r:id="rId4" imgW="507780" imgH="203112" progId="Equation.DSMT4">
+                <p:oleObj spid="_x0000_s190541" name="Equation" r:id="rId4" imgW="507780" imgH="203112" progId="Equation.DSMT4">
                   <p:embed/>
                 </p:oleObj>
               </mc:Choice>
@@ -39630,7 +39657,7 @@
           <a:graphicData uri="http://schemas.openxmlformats.org/presentationml/2006/ole">
             <mc:AlternateContent xmlns:mc="http://schemas.openxmlformats.org/markup-compatibility/2006">
               <mc:Choice xmlns:v="urn:schemas-microsoft-com:vml" Requires="v">
-                <p:oleObj spid="_x0000_s190522" name="Equation" r:id="rId6" imgW="507780" imgH="203112" progId="Equation.DSMT4">
+                <p:oleObj spid="_x0000_s190542" name="Equation" r:id="rId6" imgW="507780" imgH="203112" progId="Equation.DSMT4">
                   <p:embed/>
                 </p:oleObj>
               </mc:Choice>
@@ -39786,7 +39813,7 @@
           <a:graphicData uri="http://schemas.openxmlformats.org/presentationml/2006/ole">
             <mc:AlternateContent xmlns:mc="http://schemas.openxmlformats.org/markup-compatibility/2006">
               <mc:Choice xmlns:v="urn:schemas-microsoft-com:vml" Requires="v">
-                <p:oleObj spid="_x0000_s190523" name="Equation" r:id="rId7" imgW="507960" imgH="203040" progId="Equation.DSMT4">
+                <p:oleObj spid="_x0000_s190543" name="Equation" r:id="rId7" imgW="507960" imgH="203040" progId="Equation.DSMT4">
                   <p:embed/>
                 </p:oleObj>
               </mc:Choice>
@@ -39972,7 +39999,7 @@
           <a:graphicData uri="http://schemas.openxmlformats.org/presentationml/2006/ole">
             <mc:AlternateContent xmlns:mc="http://schemas.openxmlformats.org/markup-compatibility/2006">
               <mc:Choice xmlns:v="urn:schemas-microsoft-com:vml" Requires="v">
-                <p:oleObj spid="_x0000_s190524" name="Equation" r:id="rId9" imgW="3619440" imgH="812520" progId="Equation.DSMT4">
+                <p:oleObj spid="_x0000_s190544" name="Equation" r:id="rId9" imgW="3619440" imgH="812520" progId="Equation.DSMT4">
                   <p:embed/>
                 </p:oleObj>
               </mc:Choice>
@@ -40087,7 +40114,7 @@
           <a:graphicData uri="http://schemas.openxmlformats.org/presentationml/2006/ole">
             <mc:AlternateContent xmlns:mc="http://schemas.openxmlformats.org/markup-compatibility/2006">
               <mc:Choice xmlns:v="urn:schemas-microsoft-com:vml" Requires="v">
-                <p:oleObj spid="_x0000_s190525" name="Equation" r:id="rId11" imgW="355320" imgH="203040" progId="Equation.DSMT4">
+                <p:oleObj spid="_x0000_s190545" name="Equation" r:id="rId11" imgW="355320" imgH="203040" progId="Equation.DSMT4">
                   <p:embed/>
                 </p:oleObj>
               </mc:Choice>
@@ -40425,7 +40452,7 @@
           <a:graphicData uri="http://schemas.openxmlformats.org/presentationml/2006/ole">
             <mc:AlternateContent xmlns:mc="http://schemas.openxmlformats.org/markup-compatibility/2006">
               <mc:Choice xmlns:v="urn:schemas-microsoft-com:vml" Requires="v">
-                <p:oleObj spid="_x0000_s191633" name="Equation" r:id="rId3" imgW="507780" imgH="203112" progId="Equation.DSMT4">
+                <p:oleObj spid="_x0000_s191685" name="Equation" r:id="rId3" imgW="507780" imgH="203112" progId="Equation.DSMT4">
                   <p:embed/>
                 </p:oleObj>
               </mc:Choice>
@@ -40581,7 +40608,7 @@
           <a:graphicData uri="http://schemas.openxmlformats.org/presentationml/2006/ole">
             <mc:AlternateContent xmlns:mc="http://schemas.openxmlformats.org/markup-compatibility/2006">
               <mc:Choice xmlns:v="urn:schemas-microsoft-com:vml" Requires="v">
-                <p:oleObj spid="_x0000_s191634" name="Equation" r:id="rId5" imgW="507780" imgH="203112" progId="Equation.DSMT4">
+                <p:oleObj spid="_x0000_s191686" name="Equation" r:id="rId5" imgW="507780" imgH="203112" progId="Equation.DSMT4">
                   <p:embed/>
                 </p:oleObj>
               </mc:Choice>
@@ -40787,7 +40814,7 @@
           <a:graphicData uri="http://schemas.openxmlformats.org/presentationml/2006/ole">
             <mc:AlternateContent xmlns:mc="http://schemas.openxmlformats.org/markup-compatibility/2006">
               <mc:Choice xmlns:v="urn:schemas-microsoft-com:vml" Requires="v">
-                <p:oleObj spid="_x0000_s191635" name="Equation" r:id="rId6" imgW="1054080" imgH="457200" progId="Equation.DSMT4">
+                <p:oleObj spid="_x0000_s191687" name="Equation" r:id="rId6" imgW="1054080" imgH="457200" progId="Equation.DSMT4">
                   <p:embed/>
                 </p:oleObj>
               </mc:Choice>
@@ -40894,7 +40921,7 @@
           <a:graphicData uri="http://schemas.openxmlformats.org/presentationml/2006/ole">
             <mc:AlternateContent xmlns:mc="http://schemas.openxmlformats.org/markup-compatibility/2006">
               <mc:Choice xmlns:v="urn:schemas-microsoft-com:vml" Requires="v">
-                <p:oleObj spid="_x0000_s191636" name="Equation" r:id="rId8" imgW="2450880" imgH="241200" progId="Equation.DSMT4">
+                <p:oleObj spid="_x0000_s191688" name="Equation" r:id="rId8" imgW="2450880" imgH="241200" progId="Equation.DSMT4">
                   <p:embed/>
                 </p:oleObj>
               </mc:Choice>
@@ -40964,7 +40991,7 @@
           <a:graphicData uri="http://schemas.openxmlformats.org/presentationml/2006/ole">
             <mc:AlternateContent xmlns:mc="http://schemas.openxmlformats.org/markup-compatibility/2006">
               <mc:Choice xmlns:v="urn:schemas-microsoft-com:vml" Requires="v">
-                <p:oleObj spid="_x0000_s191637" name="Equation" r:id="rId10" imgW="2666880" imgH="241200" progId="Equation.DSMT4">
+                <p:oleObj spid="_x0000_s191689" name="Equation" r:id="rId10" imgW="2666880" imgH="241200" progId="Equation.DSMT4">
                   <p:embed/>
                 </p:oleObj>
               </mc:Choice>
@@ -41079,7 +41106,7 @@
           <a:graphicData uri="http://schemas.openxmlformats.org/presentationml/2006/ole">
             <mc:AlternateContent xmlns:mc="http://schemas.openxmlformats.org/markup-compatibility/2006">
               <mc:Choice xmlns:v="urn:schemas-microsoft-com:vml" Requires="v">
-                <p:oleObj spid="_x0000_s191638" name="Equation" r:id="rId12" imgW="190440" imgH="203040" progId="Equation.DSMT4">
+                <p:oleObj spid="_x0000_s191690" name="Equation" r:id="rId12" imgW="190440" imgH="203040" progId="Equation.DSMT4">
                   <p:embed/>
                 </p:oleObj>
               </mc:Choice>
@@ -41149,7 +41176,7 @@
           <a:graphicData uri="http://schemas.openxmlformats.org/presentationml/2006/ole">
             <mc:AlternateContent xmlns:mc="http://schemas.openxmlformats.org/markup-compatibility/2006">
               <mc:Choice xmlns:v="urn:schemas-microsoft-com:vml" Requires="v">
-                <p:oleObj spid="_x0000_s191639" name="Equation" r:id="rId14" imgW="672840" imgH="444240" progId="Equation.DSMT4">
+                <p:oleObj spid="_x0000_s191691" name="Equation" r:id="rId14" imgW="672840" imgH="444240" progId="Equation.DSMT4">
                   <p:embed/>
                 </p:oleObj>
               </mc:Choice>
@@ -41219,7 +41246,7 @@
           <a:graphicData uri="http://schemas.openxmlformats.org/presentationml/2006/ole">
             <mc:AlternateContent xmlns:mc="http://schemas.openxmlformats.org/markup-compatibility/2006">
               <mc:Choice xmlns:v="urn:schemas-microsoft-com:vml" Requires="v">
-                <p:oleObj spid="_x0000_s191640" name="Equation" r:id="rId16" imgW="1117440" imgH="495000" progId="Equation.DSMT4">
+                <p:oleObj spid="_x0000_s191692" name="Equation" r:id="rId16" imgW="1117440" imgH="495000" progId="Equation.DSMT4">
                   <p:embed/>
                 </p:oleObj>
               </mc:Choice>
@@ -41289,7 +41316,7 @@
           <a:graphicData uri="http://schemas.openxmlformats.org/presentationml/2006/ole">
             <mc:AlternateContent xmlns:mc="http://schemas.openxmlformats.org/markup-compatibility/2006">
               <mc:Choice xmlns:v="urn:schemas-microsoft-com:vml" Requires="v">
-                <p:oleObj spid="_x0000_s191641" name="Equation" r:id="rId18" imgW="761760" imgH="241200" progId="Equation.DSMT4">
+                <p:oleObj spid="_x0000_s191693" name="Equation" r:id="rId18" imgW="761760" imgH="241200" progId="Equation.DSMT4">
                   <p:embed/>
                 </p:oleObj>
               </mc:Choice>
@@ -41359,7 +41386,7 @@
           <a:graphicData uri="http://schemas.openxmlformats.org/presentationml/2006/ole">
             <mc:AlternateContent xmlns:mc="http://schemas.openxmlformats.org/markup-compatibility/2006">
               <mc:Choice xmlns:v="urn:schemas-microsoft-com:vml" Requires="v">
-                <p:oleObj spid="_x0000_s191642" name="Equation" r:id="rId20" imgW="711000" imgH="431640" progId="Equation.DSMT4">
+                <p:oleObj spid="_x0000_s191694" name="Equation" r:id="rId20" imgW="711000" imgH="431640" progId="Equation.DSMT4">
                   <p:embed/>
                 </p:oleObj>
               </mc:Choice>
@@ -41429,7 +41456,7 @@
           <a:graphicData uri="http://schemas.openxmlformats.org/presentationml/2006/ole">
             <mc:AlternateContent xmlns:mc="http://schemas.openxmlformats.org/markup-compatibility/2006">
               <mc:Choice xmlns:v="urn:schemas-microsoft-com:vml" Requires="v">
-                <p:oleObj spid="_x0000_s191643" name="Equation" r:id="rId22" imgW="190440" imgH="203040" progId="Equation.DSMT4">
+                <p:oleObj spid="_x0000_s191695" name="Equation" r:id="rId22" imgW="190440" imgH="203040" progId="Equation.DSMT4">
                   <p:embed/>
                 </p:oleObj>
               </mc:Choice>
@@ -41499,7 +41526,7 @@
           <a:graphicData uri="http://schemas.openxmlformats.org/presentationml/2006/ole">
             <mc:AlternateContent xmlns:mc="http://schemas.openxmlformats.org/markup-compatibility/2006">
               <mc:Choice xmlns:v="urn:schemas-microsoft-com:vml" Requires="v">
-                <p:oleObj spid="_x0000_s191644" name="Equation" r:id="rId24" imgW="203040" imgH="228600" progId="Equation.DSMT4">
+                <p:oleObj spid="_x0000_s191696" name="Equation" r:id="rId24" imgW="203040" imgH="228600" progId="Equation.DSMT4">
                   <p:embed/>
                 </p:oleObj>
               </mc:Choice>
@@ -41569,7 +41596,7 @@
           <a:graphicData uri="http://schemas.openxmlformats.org/presentationml/2006/ole">
             <mc:AlternateContent xmlns:mc="http://schemas.openxmlformats.org/markup-compatibility/2006">
               <mc:Choice xmlns:v="urn:schemas-microsoft-com:vml" Requires="v">
-                <p:oleObj spid="_x0000_s191645" name="Equation" r:id="rId26" imgW="203040" imgH="228600" progId="Equation.DSMT4">
+                <p:oleObj spid="_x0000_s191697" name="Equation" r:id="rId26" imgW="203040" imgH="228600" progId="Equation.DSMT4">
                   <p:embed/>
                 </p:oleObj>
               </mc:Choice>
@@ -43303,7 +43330,7 @@
           <a:graphicData uri="http://schemas.openxmlformats.org/presentationml/2006/ole">
             <mc:AlternateContent xmlns:mc="http://schemas.openxmlformats.org/markup-compatibility/2006">
               <mc:Choice xmlns:v="urn:schemas-microsoft-com:vml" Requires="v">
-                <p:oleObj spid="_x0000_s16678" r:id="rId3" imgW="2755900" imgH="444500" progId="Equation.DSMT4">
+                <p:oleObj spid="_x0000_s16774" r:id="rId3" imgW="2755900" imgH="444500" progId="Equation.DSMT4">
                   <p:embed/>
                 </p:oleObj>
               </mc:Choice>
@@ -43373,7 +43400,7 @@
           <a:graphicData uri="http://schemas.openxmlformats.org/presentationml/2006/ole">
             <mc:AlternateContent xmlns:mc="http://schemas.openxmlformats.org/markup-compatibility/2006">
               <mc:Choice xmlns:v="urn:schemas-microsoft-com:vml" Requires="v">
-                <p:oleObj spid="_x0000_s16679" r:id="rId5" imgW="1155199" imgH="266584" progId="Equation.DSMT4">
+                <p:oleObj spid="_x0000_s16775" r:id="rId5" imgW="1155199" imgH="266584" progId="Equation.DSMT4">
                   <p:embed/>
                 </p:oleObj>
               </mc:Choice>
@@ -43443,7 +43470,7 @@
           <a:graphicData uri="http://schemas.openxmlformats.org/presentationml/2006/ole">
             <mc:AlternateContent xmlns:mc="http://schemas.openxmlformats.org/markup-compatibility/2006">
               <mc:Choice xmlns:v="urn:schemas-microsoft-com:vml" Requires="v">
-                <p:oleObj spid="_x0000_s16680" name="公式" r:id="rId7" imgW="368140" imgH="177723" progId="Equation.3">
+                <p:oleObj spid="_x0000_s16776" name="公式" r:id="rId7" imgW="368140" imgH="177723" progId="Equation.3">
                   <p:embed/>
                 </p:oleObj>
               </mc:Choice>
@@ -43513,7 +43540,7 @@
           <a:graphicData uri="http://schemas.openxmlformats.org/presentationml/2006/ole">
             <mc:AlternateContent xmlns:mc="http://schemas.openxmlformats.org/markup-compatibility/2006">
               <mc:Choice xmlns:v="urn:schemas-microsoft-com:vml" Requires="v">
-                <p:oleObj spid="_x0000_s16681" name="公式" r:id="rId9" imgW="596641" imgH="304668" progId="Equation.3">
+                <p:oleObj spid="_x0000_s16777" name="公式" r:id="rId9" imgW="596641" imgH="304668" progId="Equation.3">
                   <p:embed/>
                 </p:oleObj>
               </mc:Choice>
@@ -43583,7 +43610,7 @@
           <a:graphicData uri="http://schemas.openxmlformats.org/presentationml/2006/ole">
             <mc:AlternateContent xmlns:mc="http://schemas.openxmlformats.org/markup-compatibility/2006">
               <mc:Choice xmlns:v="urn:schemas-microsoft-com:vml" Requires="v">
-                <p:oleObj spid="_x0000_s16682" name="公式" r:id="rId11" imgW="494870" imgH="304536" progId="Equation.3">
+                <p:oleObj spid="_x0000_s16778" name="公式" r:id="rId11" imgW="494870" imgH="304536" progId="Equation.3">
                   <p:embed/>
                 </p:oleObj>
               </mc:Choice>
@@ -43653,7 +43680,7 @@
           <a:graphicData uri="http://schemas.openxmlformats.org/presentationml/2006/ole">
             <mc:AlternateContent xmlns:mc="http://schemas.openxmlformats.org/markup-compatibility/2006">
               <mc:Choice xmlns:v="urn:schemas-microsoft-com:vml" Requires="v">
-                <p:oleObj spid="_x0000_s16683" r:id="rId13" imgW="2755900" imgH="444500" progId="Equation.DSMT4">
+                <p:oleObj spid="_x0000_s16779" r:id="rId13" imgW="2755900" imgH="444500" progId="Equation.DSMT4">
                   <p:embed/>
                 </p:oleObj>
               </mc:Choice>
@@ -43723,7 +43750,7 @@
           <a:graphicData uri="http://schemas.openxmlformats.org/presentationml/2006/ole">
             <mc:AlternateContent xmlns:mc="http://schemas.openxmlformats.org/markup-compatibility/2006">
               <mc:Choice xmlns:v="urn:schemas-microsoft-com:vml" Requires="v">
-                <p:oleObj spid="_x0000_s16684" r:id="rId14" imgW="1155199" imgH="266584" progId="Equation.DSMT4">
+                <p:oleObj spid="_x0000_s16780" r:id="rId14" imgW="1155199" imgH="266584" progId="Equation.DSMT4">
                   <p:embed/>
                 </p:oleObj>
               </mc:Choice>
@@ -43793,7 +43820,7 @@
           <a:graphicData uri="http://schemas.openxmlformats.org/presentationml/2006/ole">
             <mc:AlternateContent xmlns:mc="http://schemas.openxmlformats.org/markup-compatibility/2006">
               <mc:Choice xmlns:v="urn:schemas-microsoft-com:vml" Requires="v">
-                <p:oleObj spid="_x0000_s16685" name="公式" r:id="rId15" imgW="596641" imgH="304668" progId="Equation.3">
+                <p:oleObj spid="_x0000_s16781" name="公式" r:id="rId15" imgW="596641" imgH="304668" progId="Equation.3">
                   <p:embed/>
                 </p:oleObj>
               </mc:Choice>
@@ -43863,7 +43890,7 @@
           <a:graphicData uri="http://schemas.openxmlformats.org/presentationml/2006/ole">
             <mc:AlternateContent xmlns:mc="http://schemas.openxmlformats.org/markup-compatibility/2006">
               <mc:Choice xmlns:v="urn:schemas-microsoft-com:vml" Requires="v">
-                <p:oleObj spid="_x0000_s16686" r:id="rId16" imgW="2755900" imgH="444500" progId="Equation.DSMT4">
+                <p:oleObj spid="_x0000_s16782" r:id="rId16" imgW="2755900" imgH="444500" progId="Equation.DSMT4">
                   <p:embed/>
                 </p:oleObj>
               </mc:Choice>
@@ -43933,7 +43960,7 @@
           <a:graphicData uri="http://schemas.openxmlformats.org/presentationml/2006/ole">
             <mc:AlternateContent xmlns:mc="http://schemas.openxmlformats.org/markup-compatibility/2006">
               <mc:Choice xmlns:v="urn:schemas-microsoft-com:vml" Requires="v">
-                <p:oleObj spid="_x0000_s16687" r:id="rId17" imgW="1155199" imgH="266584" progId="Equation.DSMT4">
+                <p:oleObj spid="_x0000_s16783" r:id="rId17" imgW="1155199" imgH="266584" progId="Equation.DSMT4">
                   <p:embed/>
                 </p:oleObj>
               </mc:Choice>
@@ -44003,7 +44030,7 @@
           <a:graphicData uri="http://schemas.openxmlformats.org/presentationml/2006/ole">
             <mc:AlternateContent xmlns:mc="http://schemas.openxmlformats.org/markup-compatibility/2006">
               <mc:Choice xmlns:v="urn:schemas-microsoft-com:vml" Requires="v">
-                <p:oleObj spid="_x0000_s16688" r:id="rId18" imgW="2755900" imgH="444500" progId="Equation.DSMT4">
+                <p:oleObj spid="_x0000_s16784" r:id="rId18" imgW="2755900" imgH="444500" progId="Equation.DSMT4">
                   <p:embed/>
                 </p:oleObj>
               </mc:Choice>
@@ -44073,7 +44100,7 @@
           <a:graphicData uri="http://schemas.openxmlformats.org/presentationml/2006/ole">
             <mc:AlternateContent xmlns:mc="http://schemas.openxmlformats.org/markup-compatibility/2006">
               <mc:Choice xmlns:v="urn:schemas-microsoft-com:vml" Requires="v">
-                <p:oleObj spid="_x0000_s16689" r:id="rId19" imgW="1155199" imgH="266584" progId="Equation.DSMT4">
+                <p:oleObj spid="_x0000_s16785" r:id="rId19" imgW="1155199" imgH="266584" progId="Equation.DSMT4">
                   <p:embed/>
                 </p:oleObj>
               </mc:Choice>
@@ -44143,7 +44170,7 @@
           <a:graphicData uri="http://schemas.openxmlformats.org/presentationml/2006/ole">
             <mc:AlternateContent xmlns:mc="http://schemas.openxmlformats.org/markup-compatibility/2006">
               <mc:Choice xmlns:v="urn:schemas-microsoft-com:vml" Requires="v">
-                <p:oleObj spid="_x0000_s16690" name="公式" r:id="rId20" imgW="368140" imgH="177723" progId="Equation.3">
+                <p:oleObj spid="_x0000_s16786" name="公式" r:id="rId20" imgW="368140" imgH="177723" progId="Equation.3">
                   <p:embed/>
                 </p:oleObj>
               </mc:Choice>
@@ -44213,7 +44240,7 @@
           <a:graphicData uri="http://schemas.openxmlformats.org/presentationml/2006/ole">
             <mc:AlternateContent xmlns:mc="http://schemas.openxmlformats.org/markup-compatibility/2006">
               <mc:Choice xmlns:v="urn:schemas-microsoft-com:vml" Requires="v">
-                <p:oleObj spid="_x0000_s16691" r:id="rId21" imgW="2755900" imgH="444500" progId="Equation.DSMT4">
+                <p:oleObj spid="_x0000_s16787" r:id="rId21" imgW="2755900" imgH="444500" progId="Equation.DSMT4">
                   <p:embed/>
                 </p:oleObj>
               </mc:Choice>
@@ -44283,7 +44310,7 @@
           <a:graphicData uri="http://schemas.openxmlformats.org/presentationml/2006/ole">
             <mc:AlternateContent xmlns:mc="http://schemas.openxmlformats.org/markup-compatibility/2006">
               <mc:Choice xmlns:v="urn:schemas-microsoft-com:vml" Requires="v">
-                <p:oleObj spid="_x0000_s16692" r:id="rId22" imgW="1155199" imgH="266584" progId="Equation.DSMT4">
+                <p:oleObj spid="_x0000_s16788" r:id="rId22" imgW="1155199" imgH="266584" progId="Equation.DSMT4">
                   <p:embed/>
                 </p:oleObj>
               </mc:Choice>
@@ -44353,7 +44380,7 @@
           <a:graphicData uri="http://schemas.openxmlformats.org/presentationml/2006/ole">
             <mc:AlternateContent xmlns:mc="http://schemas.openxmlformats.org/markup-compatibility/2006">
               <mc:Choice xmlns:v="urn:schemas-microsoft-com:vml" Requires="v">
-                <p:oleObj spid="_x0000_s16693" name="公式" r:id="rId23" imgW="596641" imgH="304668" progId="Equation.3">
+                <p:oleObj spid="_x0000_s16789" name="公式" r:id="rId23" imgW="596641" imgH="304668" progId="Equation.3">
                   <p:embed/>
                 </p:oleObj>
               </mc:Choice>
@@ -44423,7 +44450,7 @@
           <a:graphicData uri="http://schemas.openxmlformats.org/presentationml/2006/ole">
             <mc:AlternateContent xmlns:mc="http://schemas.openxmlformats.org/markup-compatibility/2006">
               <mc:Choice xmlns:v="urn:schemas-microsoft-com:vml" Requires="v">
-                <p:oleObj spid="_x0000_s16694" name="公式" r:id="rId24" imgW="368140" imgH="177723" progId="Equation.3">
+                <p:oleObj spid="_x0000_s16790" name="公式" r:id="rId24" imgW="368140" imgH="177723" progId="Equation.3">
                   <p:embed/>
                 </p:oleObj>
               </mc:Choice>
@@ -44493,7 +44520,7 @@
           <a:graphicData uri="http://schemas.openxmlformats.org/presentationml/2006/ole">
             <mc:AlternateContent xmlns:mc="http://schemas.openxmlformats.org/markup-compatibility/2006">
               <mc:Choice xmlns:v="urn:schemas-microsoft-com:vml" Requires="v">
-                <p:oleObj spid="_x0000_s16695" r:id="rId25" imgW="2755900" imgH="444500" progId="Equation.DSMT4">
+                <p:oleObj spid="_x0000_s16791" r:id="rId25" imgW="2755900" imgH="444500" progId="Equation.DSMT4">
                   <p:embed/>
                 </p:oleObj>
               </mc:Choice>
@@ -44563,7 +44590,7 @@
           <a:graphicData uri="http://schemas.openxmlformats.org/presentationml/2006/ole">
             <mc:AlternateContent xmlns:mc="http://schemas.openxmlformats.org/markup-compatibility/2006">
               <mc:Choice xmlns:v="urn:schemas-microsoft-com:vml" Requires="v">
-                <p:oleObj spid="_x0000_s16696" r:id="rId26" imgW="1155199" imgH="266584" progId="Equation.DSMT4">
+                <p:oleObj spid="_x0000_s16792" r:id="rId26" imgW="1155199" imgH="266584" progId="Equation.DSMT4">
                   <p:embed/>
                 </p:oleObj>
               </mc:Choice>
@@ -44633,7 +44660,7 @@
           <a:graphicData uri="http://schemas.openxmlformats.org/presentationml/2006/ole">
             <mc:AlternateContent xmlns:mc="http://schemas.openxmlformats.org/markup-compatibility/2006">
               <mc:Choice xmlns:v="urn:schemas-microsoft-com:vml" Requires="v">
-                <p:oleObj spid="_x0000_s16697" name="公式" r:id="rId27" imgW="494870" imgH="304536" progId="Equation.3">
+                <p:oleObj spid="_x0000_s16793" name="公式" r:id="rId27" imgW="494870" imgH="304536" progId="Equation.3">
                   <p:embed/>
                 </p:oleObj>
               </mc:Choice>
@@ -44719,7 +44746,7 @@
             <a:graphicData uri="http://schemas.openxmlformats.org/presentationml/2006/ole">
               <mc:AlternateContent xmlns:mc="http://schemas.openxmlformats.org/markup-compatibility/2006">
                 <mc:Choice xmlns:v="urn:schemas-microsoft-com:vml" Requires="v">
-                  <p:oleObj spid="_x0000_s16698" name="公式" r:id="rId28" imgW="596641" imgH="304668" progId="Equation.3">
+                  <p:oleObj spid="_x0000_s16794" name="公式" r:id="rId28" imgW="596641" imgH="304668" progId="Equation.3">
                     <p:embed/>
                   </p:oleObj>
                 </mc:Choice>
@@ -44789,7 +44816,7 @@
             <a:graphicData uri="http://schemas.openxmlformats.org/presentationml/2006/ole">
               <mc:AlternateContent xmlns:mc="http://schemas.openxmlformats.org/markup-compatibility/2006">
                 <mc:Choice xmlns:v="urn:schemas-microsoft-com:vml" Requires="v">
-                  <p:oleObj spid="_x0000_s16699" name="公式" r:id="rId29" imgW="368140" imgH="177723" progId="Equation.3">
+                  <p:oleObj spid="_x0000_s16795" name="公式" r:id="rId29" imgW="368140" imgH="177723" progId="Equation.3">
                     <p:embed/>
                   </p:oleObj>
                 </mc:Choice>
@@ -44859,7 +44886,7 @@
             <a:graphicData uri="http://schemas.openxmlformats.org/presentationml/2006/ole">
               <mc:AlternateContent xmlns:mc="http://schemas.openxmlformats.org/markup-compatibility/2006">
                 <mc:Choice xmlns:v="urn:schemas-microsoft-com:vml" Requires="v">
-                  <p:oleObj spid="_x0000_s16700" r:id="rId30" imgW="2755900" imgH="444500" progId="Equation.DSMT4">
+                  <p:oleObj spid="_x0000_s16796" r:id="rId30" imgW="2755900" imgH="444500" progId="Equation.DSMT4">
                     <p:embed/>
                   </p:oleObj>
                 </mc:Choice>
@@ -44929,7 +44956,7 @@
             <a:graphicData uri="http://schemas.openxmlformats.org/presentationml/2006/ole">
               <mc:AlternateContent xmlns:mc="http://schemas.openxmlformats.org/markup-compatibility/2006">
                 <mc:Choice xmlns:v="urn:schemas-microsoft-com:vml" Requires="v">
-                  <p:oleObj spid="_x0000_s16701" name="Equation" r:id="rId31" imgW="1155199" imgH="266584" progId="Equation.DSMT4">
+                  <p:oleObj spid="_x0000_s16797" name="Equation" r:id="rId31" imgW="1155199" imgH="266584" progId="Equation.DSMT4">
                     <p:embed/>
                   </p:oleObj>
                 </mc:Choice>
@@ -47212,7 +47239,7 @@
             <a:graphicData uri="http://schemas.openxmlformats.org/presentationml/2006/ole">
               <mc:AlternateContent xmlns:mc="http://schemas.openxmlformats.org/markup-compatibility/2006">
                 <mc:Choice xmlns:v="urn:schemas-microsoft-com:vml" Requires="v">
-                  <p:oleObj spid="_x0000_s25644" name="Equation" r:id="rId3" imgW="418918" imgH="241195" progId="Equation.DSMT4">
+                  <p:oleObj spid="_x0000_s25656" name="Equation" r:id="rId3" imgW="418918" imgH="241195" progId="Equation.DSMT4">
                     <p:embed/>
                   </p:oleObj>
                 </mc:Choice>
@@ -47282,7 +47309,7 @@
             <a:graphicData uri="http://schemas.openxmlformats.org/presentationml/2006/ole">
               <mc:AlternateContent xmlns:mc="http://schemas.openxmlformats.org/markup-compatibility/2006">
                 <mc:Choice xmlns:v="urn:schemas-microsoft-com:vml" Requires="v">
-                  <p:oleObj spid="_x0000_s25645" r:id="rId5" imgW="965200" imgH="292100" progId="Equation.DSMT4">
+                  <p:oleObj spid="_x0000_s25657" r:id="rId5" imgW="965200" imgH="292100" progId="Equation.DSMT4">
                     <p:embed/>
                   </p:oleObj>
                 </mc:Choice>
@@ -47386,7 +47413,7 @@
             <a:graphicData uri="http://schemas.openxmlformats.org/presentationml/2006/ole">
               <mc:AlternateContent xmlns:mc="http://schemas.openxmlformats.org/markup-compatibility/2006">
                 <mc:Choice xmlns:v="urn:schemas-microsoft-com:vml" Requires="v">
-                  <p:oleObj spid="_x0000_s25646" r:id="rId7" imgW="761669" imgH="393529" progId="Equation.DSMT4">
+                  <p:oleObj spid="_x0000_s25658" r:id="rId7" imgW="761669" imgH="393529" progId="Equation.DSMT4">
                     <p:embed/>
                   </p:oleObj>
                 </mc:Choice>
@@ -47888,7 +47915,7 @@
           <a:graphicData uri="http://schemas.openxmlformats.org/presentationml/2006/ole">
             <mc:AlternateContent xmlns:mc="http://schemas.openxmlformats.org/markup-compatibility/2006">
               <mc:Choice xmlns:v="urn:schemas-microsoft-com:vml" Requires="v">
-                <p:oleObj spid="_x0000_s246800" name="位图图像" r:id="rId3" imgW="1704762" imgH="647619" progId="PBrush">
+                <p:oleObj spid="_x0000_s246804" name="位图图像" r:id="rId3" imgW="1704762" imgH="647619" progId="PBrush">
                   <p:embed/>
                 </p:oleObj>
               </mc:Choice>
@@ -48056,7 +48083,7 @@
           <a:graphicData uri="http://schemas.openxmlformats.org/presentationml/2006/ole">
             <mc:AlternateContent xmlns:mc="http://schemas.openxmlformats.org/markup-compatibility/2006">
               <mc:Choice xmlns:v="urn:schemas-microsoft-com:vml" Requires="v">
-                <p:oleObj spid="_x0000_s247824" name="位图图像" r:id="rId3" imgW="1276190" imgH="1114581" progId="PBrush">
+                <p:oleObj spid="_x0000_s247828" name="位图图像" r:id="rId3" imgW="1276190" imgH="1114581" progId="PBrush">
                   <p:embed/>
                 </p:oleObj>
               </mc:Choice>
@@ -48234,7 +48261,7 @@
           <a:graphicData uri="http://schemas.openxmlformats.org/presentationml/2006/ole">
             <mc:AlternateContent xmlns:mc="http://schemas.openxmlformats.org/markup-compatibility/2006">
               <mc:Choice xmlns:v="urn:schemas-microsoft-com:vml" Requires="v">
-                <p:oleObj spid="_x0000_s248853" name="位图图像" r:id="rId3" imgW="3924848" imgH="1638529" progId="PBrush">
+                <p:oleObj spid="_x0000_s248857" name="位图图像" r:id="rId3" imgW="3924848" imgH="1638529" progId="PBrush">
                   <p:embed/>
                 </p:oleObj>
               </mc:Choice>
@@ -49170,7 +49197,7 @@
           <a:graphicData uri="http://schemas.openxmlformats.org/presentationml/2006/ole">
             <mc:AlternateContent xmlns:mc="http://schemas.openxmlformats.org/markup-compatibility/2006">
               <mc:Choice xmlns:v="urn:schemas-microsoft-com:vml" Requires="v">
-                <p:oleObj spid="_x0000_s270362" name="位图图像" r:id="rId3" imgW="3315163" imgH="2190476" progId="PBrush">
+                <p:oleObj spid="_x0000_s270370" name="位图图像" r:id="rId3" imgW="3315163" imgH="2190476" progId="PBrush">
                   <p:embed/>
                 </p:oleObj>
               </mc:Choice>
@@ -49242,7 +49269,7 @@
           <a:graphicData uri="http://schemas.openxmlformats.org/presentationml/2006/ole">
             <mc:AlternateContent xmlns:mc="http://schemas.openxmlformats.org/markup-compatibility/2006">
               <mc:Choice xmlns:v="urn:schemas-microsoft-com:vml" Requires="v">
-                <p:oleObj spid="_x0000_s270363" name="位图图像" r:id="rId5" imgW="2619048" imgH="2591162" progId="PBrush">
+                <p:oleObj spid="_x0000_s270371" name="位图图像" r:id="rId5" imgW="2619048" imgH="2591162" progId="PBrush">
                   <p:embed/>
                 </p:oleObj>
               </mc:Choice>
@@ -49509,7 +49536,7 @@
             <a:graphicData uri="http://schemas.openxmlformats.org/presentationml/2006/ole">
               <mc:AlternateContent xmlns:mc="http://schemas.openxmlformats.org/markup-compatibility/2006">
                 <mc:Choice xmlns:v="urn:schemas-microsoft-com:vml" Requires="v">
-                  <p:oleObj spid="_x0000_s27691" r:id="rId3" imgW="736600" imgH="203200" progId="Equation.DSMT4">
+                  <p:oleObj spid="_x0000_s27703" r:id="rId3" imgW="736600" imgH="203200" progId="Equation.DSMT4">
                     <p:embed/>
                   </p:oleObj>
                 </mc:Choice>
@@ -49579,7 +49606,7 @@
             <a:graphicData uri="http://schemas.openxmlformats.org/presentationml/2006/ole">
               <mc:AlternateContent xmlns:mc="http://schemas.openxmlformats.org/markup-compatibility/2006">
                 <mc:Choice xmlns:v="urn:schemas-microsoft-com:vml" Requires="v">
-                  <p:oleObj spid="_x0000_s27692" r:id="rId5" imgW="1473200" imgH="254000" progId="Equation.DSMT4">
+                  <p:oleObj spid="_x0000_s27704" r:id="rId5" imgW="1473200" imgH="254000" progId="Equation.DSMT4">
                     <p:embed/>
                   </p:oleObj>
                 </mc:Choice>
@@ -49649,7 +49676,7 @@
             <a:graphicData uri="http://schemas.openxmlformats.org/presentationml/2006/ole">
               <mc:AlternateContent xmlns:mc="http://schemas.openxmlformats.org/markup-compatibility/2006">
                 <mc:Choice xmlns:v="urn:schemas-microsoft-com:vml" Requires="v">
-                  <p:oleObj spid="_x0000_s27693" r:id="rId7" imgW="647419" imgH="253890" progId="Equation.DSMT4">
+                  <p:oleObj spid="_x0000_s27705" r:id="rId7" imgW="647419" imgH="253890" progId="Equation.DSMT4">
                     <p:embed/>
                   </p:oleObj>
                 </mc:Choice>
@@ -50075,7 +50102,7 @@
           <a:graphicData uri="http://schemas.openxmlformats.org/presentationml/2006/ole">
             <mc:AlternateContent xmlns:mc="http://schemas.openxmlformats.org/markup-compatibility/2006">
               <mc:Choice xmlns:v="urn:schemas-microsoft-com:vml" Requires="v">
-                <p:oleObj spid="_x0000_s275471" name="位图图像" r:id="rId3" imgW="4401164" imgH="1991003" progId="PBrush">
+                <p:oleObj spid="_x0000_s275475" name="位图图像" r:id="rId3" imgW="4401164" imgH="1991003" progId="PBrush">
                   <p:embed/>
                 </p:oleObj>
               </mc:Choice>
@@ -52007,7 +52034,7 @@
           <a:graphicData uri="http://schemas.openxmlformats.org/presentationml/2006/ole">
             <mc:AlternateContent xmlns:mc="http://schemas.openxmlformats.org/markup-compatibility/2006">
               <mc:Choice xmlns:v="urn:schemas-microsoft-com:vml" Requires="v">
-                <p:oleObj spid="_x0000_s55325" r:id="rId3" imgW="3777082" imgH="2503018" progId="">
+                <p:oleObj spid="_x0000_s55329" r:id="rId3" imgW="3777082" imgH="2503018" progId="">
                   <p:embed/>
                 </p:oleObj>
               </mc:Choice>
@@ -52764,7 +52791,7 @@
             <a:graphicData uri="http://schemas.openxmlformats.org/presentationml/2006/ole">
               <mc:AlternateContent xmlns:mc="http://schemas.openxmlformats.org/markup-compatibility/2006">
                 <mc:Choice xmlns:v="urn:schemas-microsoft-com:vml" Requires="v">
-                  <p:oleObj spid="_x0000_s28716" name="公式" r:id="rId3" imgW="418918" imgH="165028" progId="Equation.3">
+                  <p:oleObj spid="_x0000_s28728" name="公式" r:id="rId3" imgW="418918" imgH="165028" progId="Equation.3">
                     <p:embed/>
                   </p:oleObj>
                 </mc:Choice>
@@ -52834,7 +52861,7 @@
             <a:graphicData uri="http://schemas.openxmlformats.org/presentationml/2006/ole">
               <mc:AlternateContent xmlns:mc="http://schemas.openxmlformats.org/markup-compatibility/2006">
                 <mc:Choice xmlns:v="urn:schemas-microsoft-com:vml" Requires="v">
-                  <p:oleObj spid="_x0000_s28717" r:id="rId5" imgW="1028700" imgH="419100" progId="Equation.DSMT4">
+                  <p:oleObj spid="_x0000_s28729" r:id="rId5" imgW="1028700" imgH="419100" progId="Equation.DSMT4">
                     <p:embed/>
                   </p:oleObj>
                 </mc:Choice>
@@ -52904,7 +52931,7 @@
             <a:graphicData uri="http://schemas.openxmlformats.org/presentationml/2006/ole">
               <mc:AlternateContent xmlns:mc="http://schemas.openxmlformats.org/markup-compatibility/2006">
                 <mc:Choice xmlns:v="urn:schemas-microsoft-com:vml" Requires="v">
-                  <p:oleObj spid="_x0000_s28718" name="公式" r:id="rId7" imgW="583947" imgH="203112" progId="Equation.3">
+                  <p:oleObj spid="_x0000_s28730" name="公式" r:id="rId7" imgW="583947" imgH="203112" progId="Equation.3">
                     <p:embed/>
                   </p:oleObj>
                 </mc:Choice>
